--- a/Phage Commander User Guide.pptx
+++ b/Phage Commander User Guide.pptx
@@ -16,7 +16,7 @@
     <p:sldId id="584" r:id="rId10"/>
     <p:sldId id="582" r:id="rId11"/>
   </p:sldIdLst>
-  <p:sldSz cx="9144000" cy="6858000" type="screen4x3"/>
+  <p:sldSz cx="12192000" cy="6858000"/>
   <p:notesSz cx="6858000" cy="9144000"/>
   <p:defaultTextStyle>
     <a:defPPr>
@@ -150,8 +150,8 @@
         </p:nvSpPr>
         <p:spPr>
           <a:xfrm>
-            <a:off x="685800" y="1122363"/>
-            <a:ext cx="7772400" cy="2387600"/>
+            <a:off x="914400" y="1122363"/>
+            <a:ext cx="10363200" cy="2387600"/>
           </a:xfrm>
         </p:spPr>
         <p:txBody>
@@ -182,8 +182,8 @@
         </p:nvSpPr>
         <p:spPr>
           <a:xfrm>
-            <a:off x="1143000" y="3602038"/>
-            <a:ext cx="6858000" cy="1655762"/>
+            <a:off x="1524000" y="3602038"/>
+            <a:ext cx="9144000" cy="1655762"/>
           </a:xfrm>
         </p:spPr>
         <p:txBody>
@@ -252,7 +252,7 @@
           <a:p>
             <a:fld id="{8635D198-6D19-4E30-930F-4865024DAF26}" type="datetimeFigureOut">
               <a:rPr lang="en-US" smtClean="0"/>
-              <a:t>2/2/2021</a:t>
+              <a:t>2/4/2021</a:t>
             </a:fld>
             <a:endParaRPr lang="en-US"/>
           </a:p>
@@ -422,7 +422,7 @@
           <a:p>
             <a:fld id="{8635D198-6D19-4E30-930F-4865024DAF26}" type="datetimeFigureOut">
               <a:rPr lang="en-US" smtClean="0"/>
-              <a:t>2/2/2021</a:t>
+              <a:t>2/4/2021</a:t>
             </a:fld>
             <a:endParaRPr lang="en-US"/>
           </a:p>
@@ -512,8 +512,8 @@
         </p:nvSpPr>
         <p:spPr>
           <a:xfrm>
-            <a:off x="6543675" y="365125"/>
-            <a:ext cx="1971675" cy="5811838"/>
+            <a:off x="8724901" y="365125"/>
+            <a:ext cx="2628900" cy="5811838"/>
           </a:xfrm>
         </p:spPr>
         <p:txBody>
@@ -540,8 +540,8 @@
         </p:nvSpPr>
         <p:spPr>
           <a:xfrm>
-            <a:off x="628650" y="365125"/>
-            <a:ext cx="5800725" cy="5811838"/>
+            <a:off x="838201" y="365125"/>
+            <a:ext cx="7734300" cy="5811838"/>
           </a:xfrm>
         </p:spPr>
         <p:txBody>
@@ -602,7 +602,7 @@
           <a:p>
             <a:fld id="{8635D198-6D19-4E30-930F-4865024DAF26}" type="datetimeFigureOut">
               <a:rPr lang="en-US" smtClean="0"/>
-              <a:t>2/2/2021</a:t>
+              <a:t>2/4/2021</a:t>
             </a:fld>
             <a:endParaRPr lang="en-US"/>
           </a:p>
@@ -772,7 +772,7 @@
           <a:p>
             <a:fld id="{8635D198-6D19-4E30-930F-4865024DAF26}" type="datetimeFigureOut">
               <a:rPr lang="en-US" smtClean="0"/>
-              <a:t>2/2/2021</a:t>
+              <a:t>2/4/2021</a:t>
             </a:fld>
             <a:endParaRPr lang="en-US"/>
           </a:p>
@@ -862,8 +862,8 @@
         </p:nvSpPr>
         <p:spPr>
           <a:xfrm>
-            <a:off x="623888" y="1709739"/>
-            <a:ext cx="7886700" cy="2852737"/>
+            <a:off x="831851" y="1709740"/>
+            <a:ext cx="10515600" cy="2852737"/>
           </a:xfrm>
         </p:spPr>
         <p:txBody>
@@ -894,8 +894,8 @@
         </p:nvSpPr>
         <p:spPr>
           <a:xfrm>
-            <a:off x="623888" y="4589464"/>
-            <a:ext cx="7886700" cy="1500187"/>
+            <a:off x="831851" y="4589465"/>
+            <a:ext cx="10515600" cy="1500187"/>
           </a:xfrm>
         </p:spPr>
         <p:txBody>
@@ -1016,7 +1016,7 @@
           <a:p>
             <a:fld id="{8635D198-6D19-4E30-930F-4865024DAF26}" type="datetimeFigureOut">
               <a:rPr lang="en-US" smtClean="0"/>
-              <a:t>2/2/2021</a:t>
+              <a:t>2/4/2021</a:t>
             </a:fld>
             <a:endParaRPr lang="en-US"/>
           </a:p>
@@ -1129,8 +1129,8 @@
         </p:nvSpPr>
         <p:spPr>
           <a:xfrm>
-            <a:off x="628650" y="1825625"/>
-            <a:ext cx="3886200" cy="4351338"/>
+            <a:off x="838200" y="1825625"/>
+            <a:ext cx="5181600" cy="4351338"/>
           </a:xfrm>
         </p:spPr>
         <p:txBody>
@@ -1186,8 +1186,8 @@
         </p:nvSpPr>
         <p:spPr>
           <a:xfrm>
-            <a:off x="4629150" y="1825625"/>
-            <a:ext cx="3886200" cy="4351338"/>
+            <a:off x="6172200" y="1825625"/>
+            <a:ext cx="5181600" cy="4351338"/>
           </a:xfrm>
         </p:spPr>
         <p:txBody>
@@ -1248,7 +1248,7 @@
           <a:p>
             <a:fld id="{8635D198-6D19-4E30-930F-4865024DAF26}" type="datetimeFigureOut">
               <a:rPr lang="en-US" smtClean="0"/>
-              <a:t>2/2/2021</a:t>
+              <a:t>2/4/2021</a:t>
             </a:fld>
             <a:endParaRPr lang="en-US"/>
           </a:p>
@@ -1338,8 +1338,8 @@
         </p:nvSpPr>
         <p:spPr>
           <a:xfrm>
-            <a:off x="629841" y="365126"/>
-            <a:ext cx="7886700" cy="1325563"/>
+            <a:off x="839788" y="365127"/>
+            <a:ext cx="10515600" cy="1325563"/>
           </a:xfrm>
         </p:spPr>
         <p:txBody>
@@ -1366,8 +1366,8 @@
         </p:nvSpPr>
         <p:spPr>
           <a:xfrm>
-            <a:off x="629842" y="1681163"/>
-            <a:ext cx="3868340" cy="823912"/>
+            <a:off x="839789" y="1681163"/>
+            <a:ext cx="5157787" cy="823912"/>
           </a:xfrm>
         </p:spPr>
         <p:txBody>
@@ -1431,8 +1431,8 @@
         </p:nvSpPr>
         <p:spPr>
           <a:xfrm>
-            <a:off x="629842" y="2505075"/>
-            <a:ext cx="3868340" cy="3684588"/>
+            <a:off x="839789" y="2505075"/>
+            <a:ext cx="5157787" cy="3684588"/>
           </a:xfrm>
         </p:spPr>
         <p:txBody>
@@ -1488,8 +1488,8 @@
         </p:nvSpPr>
         <p:spPr>
           <a:xfrm>
-            <a:off x="4629150" y="1681163"/>
-            <a:ext cx="3887391" cy="823912"/>
+            <a:off x="6172201" y="1681163"/>
+            <a:ext cx="5183188" cy="823912"/>
           </a:xfrm>
         </p:spPr>
         <p:txBody>
@@ -1553,8 +1553,8 @@
         </p:nvSpPr>
         <p:spPr>
           <a:xfrm>
-            <a:off x="4629150" y="2505075"/>
-            <a:ext cx="3887391" cy="3684588"/>
+            <a:off x="6172201" y="2505075"/>
+            <a:ext cx="5183188" cy="3684588"/>
           </a:xfrm>
         </p:spPr>
         <p:txBody>
@@ -1615,7 +1615,7 @@
           <a:p>
             <a:fld id="{8635D198-6D19-4E30-930F-4865024DAF26}" type="datetimeFigureOut">
               <a:rPr lang="en-US" smtClean="0"/>
-              <a:t>2/2/2021</a:t>
+              <a:t>2/4/2021</a:t>
             </a:fld>
             <a:endParaRPr lang="en-US"/>
           </a:p>
@@ -1733,7 +1733,7 @@
           <a:p>
             <a:fld id="{8635D198-6D19-4E30-930F-4865024DAF26}" type="datetimeFigureOut">
               <a:rPr lang="en-US" smtClean="0"/>
-              <a:t>2/2/2021</a:t>
+              <a:t>2/4/2021</a:t>
             </a:fld>
             <a:endParaRPr lang="en-US"/>
           </a:p>
@@ -1828,7 +1828,7 @@
           <a:p>
             <a:fld id="{8635D198-6D19-4E30-930F-4865024DAF26}" type="datetimeFigureOut">
               <a:rPr lang="en-US" smtClean="0"/>
-              <a:t>2/2/2021</a:t>
+              <a:t>2/4/2021</a:t>
             </a:fld>
             <a:endParaRPr lang="en-US"/>
           </a:p>
@@ -1918,8 +1918,8 @@
         </p:nvSpPr>
         <p:spPr>
           <a:xfrm>
-            <a:off x="629841" y="457200"/>
-            <a:ext cx="2949178" cy="1600200"/>
+            <a:off x="839788" y="457200"/>
+            <a:ext cx="3932237" cy="1600200"/>
           </a:xfrm>
         </p:spPr>
         <p:txBody>
@@ -1950,8 +1950,8 @@
         </p:nvSpPr>
         <p:spPr>
           <a:xfrm>
-            <a:off x="3887391" y="987426"/>
-            <a:ext cx="4629150" cy="4873625"/>
+            <a:off x="5183188" y="987427"/>
+            <a:ext cx="6172200" cy="4873625"/>
           </a:xfrm>
         </p:spPr>
         <p:txBody>
@@ -2035,8 +2035,8 @@
         </p:nvSpPr>
         <p:spPr>
           <a:xfrm>
-            <a:off x="629841" y="2057400"/>
-            <a:ext cx="2949178" cy="3811588"/>
+            <a:off x="839788" y="2057400"/>
+            <a:ext cx="3932237" cy="3811588"/>
           </a:xfrm>
         </p:spPr>
         <p:txBody>
@@ -2105,7 +2105,7 @@
           <a:p>
             <a:fld id="{8635D198-6D19-4E30-930F-4865024DAF26}" type="datetimeFigureOut">
               <a:rPr lang="en-US" smtClean="0"/>
-              <a:t>2/2/2021</a:t>
+              <a:t>2/4/2021</a:t>
             </a:fld>
             <a:endParaRPr lang="en-US"/>
           </a:p>
@@ -2195,8 +2195,8 @@
         </p:nvSpPr>
         <p:spPr>
           <a:xfrm>
-            <a:off x="629841" y="457200"/>
-            <a:ext cx="2949178" cy="1600200"/>
+            <a:off x="839788" y="457200"/>
+            <a:ext cx="3932237" cy="1600200"/>
           </a:xfrm>
         </p:spPr>
         <p:txBody>
@@ -2227,8 +2227,8 @@
         </p:nvSpPr>
         <p:spPr>
           <a:xfrm>
-            <a:off x="3887391" y="987426"/>
-            <a:ext cx="4629150" cy="4873625"/>
+            <a:off x="5183188" y="987427"/>
+            <a:ext cx="6172200" cy="4873625"/>
           </a:xfrm>
         </p:spPr>
         <p:txBody>
@@ -2292,8 +2292,8 @@
         </p:nvSpPr>
         <p:spPr>
           <a:xfrm>
-            <a:off x="629841" y="2057400"/>
-            <a:ext cx="2949178" cy="3811588"/>
+            <a:off x="839788" y="2057400"/>
+            <a:ext cx="3932237" cy="3811588"/>
           </a:xfrm>
         </p:spPr>
         <p:txBody>
@@ -2362,7 +2362,7 @@
           <a:p>
             <a:fld id="{8635D198-6D19-4E30-930F-4865024DAF26}" type="datetimeFigureOut">
               <a:rPr lang="en-US" smtClean="0"/>
-              <a:t>2/2/2021</a:t>
+              <a:t>2/4/2021</a:t>
             </a:fld>
             <a:endParaRPr lang="en-US"/>
           </a:p>
@@ -2457,8 +2457,8 @@
         </p:nvSpPr>
         <p:spPr>
           <a:xfrm>
-            <a:off x="628650" y="365126"/>
-            <a:ext cx="7886700" cy="1325563"/>
+            <a:off x="838200" y="365127"/>
+            <a:ext cx="10515600" cy="1325563"/>
           </a:xfrm>
           <a:prstGeom prst="rect">
             <a:avLst/>
@@ -2490,8 +2490,8 @@
         </p:nvSpPr>
         <p:spPr>
           <a:xfrm>
-            <a:off x="628650" y="1825625"/>
-            <a:ext cx="7886700" cy="4351338"/>
+            <a:off x="838200" y="1825625"/>
+            <a:ext cx="10515600" cy="4351338"/>
           </a:xfrm>
           <a:prstGeom prst="rect">
             <a:avLst/>
@@ -2552,8 +2552,8 @@
         </p:nvSpPr>
         <p:spPr>
           <a:xfrm>
-            <a:off x="628650" y="6356351"/>
-            <a:ext cx="2057400" cy="365125"/>
+            <a:off x="838200" y="6356352"/>
+            <a:ext cx="2743200" cy="365125"/>
           </a:xfrm>
           <a:prstGeom prst="rect">
             <a:avLst/>
@@ -2575,7 +2575,7 @@
           <a:p>
             <a:fld id="{8635D198-6D19-4E30-930F-4865024DAF26}" type="datetimeFigureOut">
               <a:rPr lang="en-US" smtClean="0"/>
-              <a:t>2/2/2021</a:t>
+              <a:t>2/4/2021</a:t>
             </a:fld>
             <a:endParaRPr lang="en-US"/>
           </a:p>
@@ -2593,8 +2593,8 @@
         </p:nvSpPr>
         <p:spPr>
           <a:xfrm>
-            <a:off x="3028950" y="6356351"/>
-            <a:ext cx="3086100" cy="365125"/>
+            <a:off x="4038600" y="6356352"/>
+            <a:ext cx="4114800" cy="365125"/>
           </a:xfrm>
           <a:prstGeom prst="rect">
             <a:avLst/>
@@ -2630,8 +2630,8 @@
         </p:nvSpPr>
         <p:spPr>
           <a:xfrm>
-            <a:off x="6457950" y="6356351"/>
-            <a:ext cx="2057400" cy="365125"/>
+            <a:off x="8610600" y="6356352"/>
+            <a:ext cx="2743200" cy="365125"/>
           </a:xfrm>
           <a:prstGeom prst="rect">
             <a:avLst/>
@@ -2998,7 +2998,7 @@
         </p:nvSpPr>
         <p:spPr>
           <a:xfrm>
-            <a:off x="186815" y="274638"/>
+            <a:off x="1710816" y="274638"/>
             <a:ext cx="8760541" cy="1143000"/>
           </a:xfrm>
         </p:spPr>
@@ -3034,13 +3034,13 @@
         </p:nvSpPr>
         <p:spPr>
           <a:xfrm>
-            <a:off x="457201" y="1600200"/>
-            <a:ext cx="8490155" cy="4983162"/>
+            <a:off x="401934" y="1600200"/>
+            <a:ext cx="11555604" cy="4810648"/>
           </a:xfrm>
         </p:spPr>
         <p:txBody>
           <a:bodyPr>
-            <a:normAutofit/>
+            <a:normAutofit fontScale="92500" lnSpcReduction="10000"/>
           </a:bodyPr>
           <a:lstStyle/>
           <a:p>
@@ -3054,6 +3054,9 @@
             </a:r>
           </a:p>
           <a:p>
+            <a:endParaRPr lang="en-US" sz="2000" dirty="0"/>
+          </a:p>
+          <a:p>
             <a:r>
               <a:rPr lang="en-US" dirty="0"/>
               <a:t>Phage Commander runs a phage’s DNA sequence through gene identification tools and outputs a list of potential genes. These tools include:</a:t>
@@ -3062,55 +3065,61 @@
           <a:p>
             <a:pPr lvl="1"/>
             <a:r>
-              <a:rPr lang="en-US" dirty="0"/>
+              <a:rPr lang="en-US" sz="2800" dirty="0"/>
               <a:t>Glimmer, </a:t>
             </a:r>
             <a:r>
-              <a:rPr lang="en-US" dirty="0" err="1"/>
+              <a:rPr lang="en-US" sz="2800" dirty="0" err="1"/>
               <a:t>Genemark</a:t>
             </a:r>
             <a:r>
-              <a:rPr lang="en-US" dirty="0"/>
+              <a:rPr lang="en-US" sz="2800" dirty="0"/>
               <a:t>, </a:t>
             </a:r>
             <a:r>
-              <a:rPr lang="en-US" dirty="0" err="1"/>
+              <a:rPr lang="en-US" sz="2800" dirty="0" err="1"/>
               <a:t>Genemark.hmm</a:t>
             </a:r>
             <a:r>
-              <a:rPr lang="en-US" dirty="0"/>
+              <a:rPr lang="en-US" sz="2800" dirty="0"/>
               <a:t>, </a:t>
             </a:r>
             <a:r>
-              <a:rPr lang="en-US" dirty="0" err="1"/>
+              <a:rPr lang="en-US" sz="2800" dirty="0" err="1"/>
               <a:t>Genemark</a:t>
             </a:r>
             <a:r>
-              <a:rPr lang="en-US" dirty="0"/>
+              <a:rPr lang="en-US" sz="2800" dirty="0"/>
               <a:t> S, </a:t>
             </a:r>
             <a:r>
-              <a:rPr lang="en-US" dirty="0" err="1"/>
+              <a:rPr lang="en-US" sz="2800" dirty="0" err="1"/>
               <a:t>Genemark</a:t>
             </a:r>
             <a:r>
-              <a:rPr lang="en-US" dirty="0"/>
+              <a:rPr lang="en-US" sz="2800" dirty="0"/>
               <a:t> S2, </a:t>
             </a:r>
             <a:r>
-              <a:rPr lang="en-US" dirty="0" err="1"/>
+              <a:rPr lang="en-US" sz="2800" dirty="0" err="1"/>
               <a:t>Genemark</a:t>
             </a:r>
             <a:r>
-              <a:rPr lang="en-US" dirty="0"/>
+              <a:rPr lang="en-US" sz="2800" dirty="0"/>
               <a:t> Heuristic, Prodigal, RAST, Metagene, and Aragorn (for tRNA genes)</a:t>
             </a:r>
+          </a:p>
+          <a:p>
+            <a:endParaRPr lang="en-US" sz="2200" dirty="0"/>
           </a:p>
           <a:p>
             <a:r>
               <a:rPr lang="en-US" dirty="0"/>
               <a:t>Phage Commander’s output can be exported in Excel format (.xlsx) or NCBI GenBank format (.gb)</a:t>
             </a:r>
+          </a:p>
+          <a:p>
+            <a:endParaRPr lang="en-US" sz="2000" dirty="0"/>
           </a:p>
           <a:p>
             <a:r>
@@ -3221,7 +3230,7 @@
         </p:blipFill>
         <p:spPr>
           <a:xfrm>
-            <a:off x="1950525" y="1756397"/>
+            <a:off x="3474525" y="1756397"/>
             <a:ext cx="5313288" cy="4463846"/>
           </a:xfrm>
           <a:prstGeom prst="rect">
@@ -3243,8 +3252,8 @@
         </p:nvSpPr>
         <p:spPr>
           <a:xfrm>
-            <a:off x="115756" y="1289752"/>
-            <a:ext cx="1971662" cy="1200329"/>
+            <a:off x="1154776" y="1319199"/>
+            <a:ext cx="2528083" cy="923330"/>
           </a:xfrm>
           <a:prstGeom prst="rect">
             <a:avLst/>
@@ -3263,7 +3272,7 @@
                   <a:srgbClr val="FF0000"/>
                 </a:solidFill>
               </a:rPr>
-              <a:t>User-set threshold number of programs for</a:t>
+              <a:t>User-set threshold number of programs </a:t>
             </a:r>
           </a:p>
           <a:p>
@@ -3273,7 +3282,7 @@
                   <a:srgbClr val="FF0000"/>
                 </a:solidFill>
               </a:rPr>
-              <a:t>gene exporting</a:t>
+              <a:t>For gene exporting</a:t>
             </a:r>
           </a:p>
         </p:txBody>
@@ -3294,7 +3303,7 @@
         </p:nvCxnSpPr>
         <p:spPr>
           <a:xfrm>
-            <a:off x="1681017" y="2155195"/>
+            <a:off x="3205018" y="2155196"/>
             <a:ext cx="1976583" cy="1325563"/>
           </a:xfrm>
           <a:prstGeom prst="straightConnector1">
@@ -3336,8 +3345,8 @@
         </p:nvSpPr>
         <p:spPr>
           <a:xfrm>
-            <a:off x="114122" y="2591449"/>
-            <a:ext cx="1879451" cy="1477328"/>
+            <a:off x="765540" y="2794368"/>
+            <a:ext cx="2574231" cy="923330"/>
           </a:xfrm>
           <a:prstGeom prst="rect">
             <a:avLst/>
@@ -3377,7 +3386,7 @@
         </p:nvCxnSpPr>
         <p:spPr>
           <a:xfrm>
-            <a:off x="1681017" y="3630338"/>
+            <a:off x="3205018" y="3630338"/>
             <a:ext cx="1976583" cy="82004"/>
           </a:xfrm>
           <a:prstGeom prst="straightConnector1">
@@ -3419,8 +3428,8 @@
         </p:nvSpPr>
         <p:spPr>
           <a:xfrm>
-            <a:off x="7515255" y="4533670"/>
-            <a:ext cx="1764431" cy="1200329"/>
+            <a:off x="9039256" y="4533671"/>
+            <a:ext cx="2137860" cy="923330"/>
           </a:xfrm>
           <a:prstGeom prst="rect">
             <a:avLst/>
@@ -3460,7 +3469,7 @@
         </p:nvCxnSpPr>
         <p:spPr>
           <a:xfrm flipH="1" flipV="1">
-            <a:off x="5255189" y="4353036"/>
+            <a:off x="6779189" y="4353037"/>
             <a:ext cx="2218948" cy="842997"/>
           </a:xfrm>
           <a:prstGeom prst="straightConnector1">
@@ -3502,7 +3511,7 @@
         </p:nvSpPr>
         <p:spPr>
           <a:xfrm>
-            <a:off x="7423357" y="6271966"/>
+            <a:off x="8947358" y="6271966"/>
             <a:ext cx="1764431" cy="369332"/>
           </a:xfrm>
           <a:prstGeom prst="rect">
@@ -3543,7 +3552,7 @@
         </p:nvCxnSpPr>
         <p:spPr>
           <a:xfrm flipH="1" flipV="1">
-            <a:off x="4331855" y="4623513"/>
+            <a:off x="5855855" y="4623513"/>
             <a:ext cx="3002296" cy="1694924"/>
           </a:xfrm>
           <a:prstGeom prst="straightConnector1">
@@ -3585,8 +3594,8 @@
         </p:nvSpPr>
         <p:spPr>
           <a:xfrm>
-            <a:off x="114122" y="4118123"/>
-            <a:ext cx="1836403" cy="1477328"/>
+            <a:off x="873010" y="4122772"/>
+            <a:ext cx="2391190" cy="923330"/>
           </a:xfrm>
           <a:prstGeom prst="rect">
             <a:avLst/>
@@ -3626,7 +3635,7 @@
         </p:nvCxnSpPr>
         <p:spPr>
           <a:xfrm flipV="1">
-            <a:off x="1597891" y="3925154"/>
+            <a:off x="3121892" y="3925155"/>
             <a:ext cx="2059709" cy="840829"/>
           </a:xfrm>
           <a:prstGeom prst="straightConnector1">
@@ -3668,8 +3677,8 @@
         </p:nvSpPr>
         <p:spPr>
           <a:xfrm>
-            <a:off x="114121" y="5639164"/>
-            <a:ext cx="1836403" cy="1200329"/>
+            <a:off x="737821" y="5575294"/>
+            <a:ext cx="2391190" cy="923330"/>
           </a:xfrm>
           <a:prstGeom prst="rect">
             <a:avLst/>
@@ -3709,7 +3718,7 @@
         </p:nvCxnSpPr>
         <p:spPr>
           <a:xfrm flipV="1">
-            <a:off x="1681017" y="4170145"/>
+            <a:off x="3205018" y="4170146"/>
             <a:ext cx="1989371" cy="1866813"/>
           </a:xfrm>
           <a:prstGeom prst="straightConnector1">
@@ -3751,8 +3760,8 @@
         </p:nvSpPr>
         <p:spPr>
           <a:xfrm>
-            <a:off x="7462983" y="1379137"/>
-            <a:ext cx="1836403" cy="1200329"/>
+            <a:off x="8986984" y="1379138"/>
+            <a:ext cx="2121679" cy="923330"/>
           </a:xfrm>
           <a:prstGeom prst="rect">
             <a:avLst/>
@@ -3808,7 +3817,7 @@
         </p:nvCxnSpPr>
         <p:spPr>
           <a:xfrm flipH="1">
-            <a:off x="4895274" y="2064644"/>
+            <a:off x="6419275" y="2064644"/>
             <a:ext cx="2528083" cy="1647698"/>
           </a:xfrm>
           <a:prstGeom prst="straightConnector1">
@@ -3850,8 +3859,8 @@
         </p:nvSpPr>
         <p:spPr>
           <a:xfrm>
-            <a:off x="7510122" y="2738849"/>
-            <a:ext cx="1836403" cy="1200329"/>
+            <a:off x="9034123" y="2738850"/>
+            <a:ext cx="2072655" cy="923330"/>
           </a:xfrm>
           <a:prstGeom prst="rect">
             <a:avLst/>
@@ -3917,7 +3926,7 @@
         </p:nvCxnSpPr>
         <p:spPr>
           <a:xfrm flipH="1">
-            <a:off x="4899906" y="3335523"/>
+            <a:off x="6423907" y="3335524"/>
             <a:ext cx="2574231" cy="589631"/>
           </a:xfrm>
           <a:prstGeom prst="straightConnector1">
@@ -3993,7 +4002,7 @@
         </p:nvSpPr>
         <p:spPr>
           <a:xfrm>
-            <a:off x="186815" y="274638"/>
+            <a:off x="1710816" y="274638"/>
             <a:ext cx="8760541" cy="1143000"/>
           </a:xfrm>
         </p:spPr>
@@ -4029,22 +4038,22 @@
         </p:nvSpPr>
         <p:spPr>
           <a:xfrm>
-            <a:off x="457201" y="1600200"/>
-            <a:ext cx="8359139" cy="3520440"/>
+            <a:off x="813917" y="1527349"/>
+            <a:ext cx="10771832" cy="3661871"/>
           </a:xfrm>
         </p:spPr>
         <p:txBody>
           <a:bodyPr>
-            <a:normAutofit fontScale="92500" lnSpcReduction="20000"/>
+            <a:normAutofit fontScale="92500" lnSpcReduction="10000"/>
           </a:bodyPr>
           <a:lstStyle/>
           <a:p>
             <a:r>
-              <a:rPr lang="en-US" dirty="0"/>
+              <a:rPr lang="en-US" sz="3000" dirty="0"/>
               <a:t>Download Phage Commander from GitHub repository: </a:t>
             </a:r>
             <a:r>
-              <a:rPr lang="en-US" b="1" dirty="0">
+              <a:rPr lang="en-US" sz="3000" b="1" dirty="0">
                 <a:solidFill>
                   <a:srgbClr val="0070C0"/>
                 </a:solidFill>
@@ -4052,7 +4061,7 @@
               </a:rPr>
               <a:t>https://github.com/sarah-harris/PhageCommander</a:t>
             </a:r>
-            <a:endParaRPr lang="en-US" b="1" dirty="0">
+            <a:endParaRPr lang="en-US" sz="3000" b="1" dirty="0">
               <a:solidFill>
                 <a:srgbClr val="0070C0"/>
               </a:solidFill>
@@ -4060,67 +4069,67 @@
           </a:p>
           <a:p>
             <a:r>
-              <a:rPr lang="en-US" dirty="0"/>
+              <a:rPr lang="en-US" sz="3000" dirty="0"/>
               <a:t>Run Phage Commander:</a:t>
             </a:r>
           </a:p>
           <a:p>
             <a:pPr lvl="1"/>
             <a:r>
-              <a:rPr lang="en-US" b="1" dirty="0"/>
+              <a:rPr lang="en-US" sz="2600" b="1" dirty="0"/>
               <a:t>Windows:</a:t>
             </a:r>
             <a:r>
-              <a:rPr lang="en-US" dirty="0"/>
+              <a:rPr lang="en-US" sz="2600" dirty="0"/>
               <a:t> Navigate to </a:t>
             </a:r>
             <a:r>
-              <a:rPr lang="en-US" dirty="0" err="1"/>
+              <a:rPr lang="en-US" sz="2600" dirty="0" err="1"/>
               <a:t>phagecommander</a:t>
             </a:r>
             <a:r>
-              <a:rPr lang="en-US" dirty="0"/>
+              <a:rPr lang="en-US" sz="2600" dirty="0"/>
               <a:t>/bin.  Click on the executable: phagecom-windows.exe </a:t>
             </a:r>
           </a:p>
           <a:p>
             <a:pPr lvl="1"/>
             <a:r>
-              <a:rPr lang="en-US" b="1" dirty="0"/>
+              <a:rPr lang="en-US" sz="2600" b="1" dirty="0"/>
               <a:t>Linux or Mac:</a:t>
             </a:r>
             <a:r>
-              <a:rPr lang="en-US" dirty="0"/>
+              <a:rPr lang="en-US" sz="2600" dirty="0"/>
               <a:t> Open a shell. Navigate to folder where you have downloaded </a:t>
             </a:r>
             <a:r>
-              <a:rPr lang="en-US" dirty="0" err="1"/>
+              <a:rPr lang="en-US" sz="2600" dirty="0" err="1"/>
               <a:t>phagecommander</a:t>
             </a:r>
             <a:r>
-              <a:rPr lang="en-US" dirty="0"/>
+              <a:rPr lang="en-US" sz="2600" dirty="0"/>
               <a:t>. Type </a:t>
             </a:r>
             <a:r>
-              <a:rPr lang="en-US" dirty="0" err="1"/>
+              <a:rPr lang="en-US" sz="2600" dirty="0" err="1"/>
               <a:t>py</a:t>
             </a:r>
             <a:r>
-              <a:rPr lang="en-US" dirty="0"/>
+              <a:rPr lang="en-US" sz="2600" dirty="0"/>
               <a:t> phagecom.py. If you need to install any of the supporting packages, first type: ‘pip install .’ (in the </a:t>
             </a:r>
             <a:r>
-              <a:rPr lang="en-US" dirty="0" err="1"/>
+              <a:rPr lang="en-US" sz="2600" dirty="0" err="1"/>
               <a:t>PhageCommander</a:t>
             </a:r>
             <a:r>
-              <a:rPr lang="en-US" dirty="0"/>
+              <a:rPr lang="en-US" sz="2600" dirty="0"/>
               <a:t>-master directory – the directory that contains setup.py)</a:t>
             </a:r>
           </a:p>
           <a:p>
             <a:r>
-              <a:rPr lang="en-US" dirty="0"/>
+              <a:rPr lang="en-US" sz="3000" dirty="0"/>
               <a:t>A small Phage Commander window will appear:</a:t>
             </a:r>
           </a:p>
@@ -4157,7 +4166,7 @@
         </p:blipFill>
         <p:spPr>
           <a:xfrm>
-            <a:off x="2998742" y="5026964"/>
+            <a:off x="4643321" y="5054110"/>
             <a:ext cx="2707274" cy="1720171"/>
           </a:xfrm>
           <a:prstGeom prst="rect">
@@ -4213,7 +4222,7 @@
         </p:nvSpPr>
         <p:spPr>
           <a:xfrm>
-            <a:off x="186815" y="274638"/>
+            <a:off x="1710816" y="274638"/>
             <a:ext cx="8760541" cy="1143000"/>
           </a:xfrm>
         </p:spPr>
@@ -4249,22 +4258,22 @@
         </p:nvSpPr>
         <p:spPr>
           <a:xfrm>
-            <a:off x="457201" y="1600200"/>
-            <a:ext cx="8490155" cy="4983162"/>
+            <a:off x="653144" y="1600199"/>
+            <a:ext cx="11234056" cy="4983163"/>
           </a:xfrm>
         </p:spPr>
         <p:txBody>
           <a:bodyPr>
-            <a:normAutofit fontScale="92500" lnSpcReduction="10000"/>
+            <a:normAutofit fontScale="92500" lnSpcReduction="20000"/>
           </a:bodyPr>
           <a:lstStyle/>
           <a:p>
             <a:r>
-              <a:rPr lang="en-US" dirty="0"/>
+              <a:rPr lang="en-US" sz="3000" dirty="0"/>
               <a:t>In the Phage Commander Window, click on the </a:t>
             </a:r>
             <a:r>
-              <a:rPr lang="en-US" b="1" dirty="0">
+              <a:rPr lang="en-US" sz="3000" b="1" dirty="0">
                 <a:solidFill>
                   <a:srgbClr val="0070C0"/>
                 </a:solidFill>
@@ -4272,64 +4281,64 @@
               <a:t>File</a:t>
             </a:r>
             <a:r>
-              <a:rPr lang="en-US" dirty="0"/>
+              <a:rPr lang="en-US" sz="3000" dirty="0"/>
               <a:t> menu, and select </a:t>
             </a:r>
             <a:r>
-              <a:rPr lang="en-US" b="1" dirty="0">
+              <a:rPr lang="en-US" sz="3000" b="1" dirty="0">
                 <a:solidFill>
                   <a:srgbClr val="0070C0"/>
                 </a:solidFill>
               </a:rPr>
               <a:t>New</a:t>
             </a:r>
-            <a:endParaRPr lang="en-US" dirty="0"/>
-          </a:p>
-          <a:p>
-            <a:r>
-              <a:rPr lang="en-US" dirty="0"/>
+            <a:endParaRPr lang="en-US" sz="3000" dirty="0"/>
+          </a:p>
+          <a:p>
+            <a:r>
+              <a:rPr lang="en-US" sz="3000" dirty="0"/>
               <a:t>A Select Query Tools window will open (see next slide). Select which tools you would like to use</a:t>
             </a:r>
           </a:p>
           <a:p>
             <a:pPr lvl="1"/>
             <a:r>
-              <a:rPr lang="en-US" dirty="0"/>
+              <a:rPr lang="en-US" sz="3000" dirty="0"/>
               <a:t>If using </a:t>
             </a:r>
             <a:r>
-              <a:rPr lang="en-US" b="1" dirty="0" err="1"/>
+              <a:rPr lang="en-US" sz="3000" b="1" dirty="0" err="1"/>
               <a:t>GeneMark.hmm</a:t>
             </a:r>
             <a:r>
-              <a:rPr lang="en-US" b="1" dirty="0"/>
+              <a:rPr lang="en-US" sz="3000" b="1" dirty="0"/>
               <a:t> </a:t>
             </a:r>
             <a:r>
-              <a:rPr lang="en-US" dirty="0"/>
+              <a:rPr lang="en-US" sz="3000" dirty="0"/>
               <a:t>you will need to select your phage’s bacterial host from the drop down menu under </a:t>
             </a:r>
             <a:r>
-              <a:rPr lang="en-US" b="1" dirty="0"/>
+              <a:rPr lang="en-US" sz="3000" b="1" dirty="0"/>
               <a:t>Species</a:t>
             </a:r>
           </a:p>
           <a:p>
             <a:pPr lvl="1"/>
             <a:r>
-              <a:rPr lang="en-US" dirty="0"/>
+              <a:rPr lang="en-US" sz="3000" dirty="0"/>
               <a:t>To use </a:t>
             </a:r>
             <a:r>
-              <a:rPr lang="en-US" b="1" dirty="0"/>
+              <a:rPr lang="en-US" sz="3000" b="1" dirty="0"/>
               <a:t>RAST</a:t>
             </a:r>
             <a:r>
-              <a:rPr lang="en-US" dirty="0"/>
+              <a:rPr lang="en-US" sz="3000" dirty="0"/>
               <a:t>, you will need to create a login and password at </a:t>
             </a:r>
             <a:r>
-              <a:rPr lang="en-US" u="sng" dirty="0">
+              <a:rPr lang="en-US" sz="3000" u="sng" dirty="0">
                 <a:solidFill>
                   <a:srgbClr val="0000FF"/>
                 </a:solidFill>
@@ -4337,7 +4346,7 @@
               </a:rPr>
               <a:t>https://rast.nmpdr.org</a:t>
             </a:r>
-            <a:endParaRPr lang="en-US" u="sng" dirty="0">
+            <a:endParaRPr lang="en-US" sz="3000" u="sng" dirty="0">
               <a:solidFill>
                 <a:srgbClr val="0000FF"/>
               </a:solidFill>
@@ -4345,46 +4354,46 @@
           </a:p>
           <a:p>
             <a:r>
-              <a:rPr lang="en-US" dirty="0"/>
+              <a:rPr lang="en-US" sz="3000" dirty="0"/>
               <a:t>Press </a:t>
             </a:r>
             <a:r>
-              <a:rPr lang="en-US" b="1" dirty="0"/>
+              <a:rPr lang="en-US" sz="3000" b="1" dirty="0"/>
               <a:t>Open</a:t>
             </a:r>
             <a:r>
-              <a:rPr lang="en-US" dirty="0"/>
+              <a:rPr lang="en-US" sz="3000" dirty="0"/>
               <a:t> and select your phage’s </a:t>
             </a:r>
             <a:r>
-              <a:rPr lang="en-US" dirty="0" err="1"/>
+              <a:rPr lang="en-US" sz="3000" dirty="0" err="1"/>
               <a:t>fasta</a:t>
             </a:r>
             <a:r>
-              <a:rPr lang="en-US" dirty="0"/>
+              <a:rPr lang="en-US" sz="3000" dirty="0"/>
               <a:t> file - an example </a:t>
             </a:r>
             <a:r>
-              <a:rPr lang="en-US" dirty="0" err="1"/>
+              <a:rPr lang="en-US" sz="3000" dirty="0" err="1"/>
               <a:t>fasta</a:t>
             </a:r>
             <a:r>
-              <a:rPr lang="en-US" dirty="0"/>
+              <a:rPr lang="en-US" sz="3000" dirty="0"/>
               <a:t> file is included in the GitHub repository: </a:t>
             </a:r>
             <a:r>
-              <a:rPr lang="en-US" dirty="0" err="1"/>
+              <a:rPr lang="en-US" sz="3000" dirty="0" err="1"/>
               <a:t>Patience.fasta</a:t>
             </a:r>
-            <a:endParaRPr lang="en-US" dirty="0"/>
-          </a:p>
-          <a:p>
-            <a:r>
-              <a:rPr lang="en-US" dirty="0"/>
+            <a:endParaRPr lang="en-US" sz="3000" dirty="0"/>
+          </a:p>
+          <a:p>
+            <a:r>
+              <a:rPr lang="en-US" sz="3000" dirty="0"/>
               <a:t>Press </a:t>
             </a:r>
             <a:r>
-              <a:rPr lang="en-US" b="1" dirty="0">
+              <a:rPr lang="en-US" sz="3000" b="1" dirty="0">
                 <a:solidFill>
                   <a:srgbClr val="0070C0"/>
                 </a:solidFill>
@@ -4392,24 +4401,24 @@
               <a:t>Query</a:t>
             </a:r>
             <a:r>
-              <a:rPr lang="en-US" dirty="0"/>
+              <a:rPr lang="en-US" sz="3000" dirty="0"/>
               <a:t> to run Phage Commander. Phage Commander will now run the phage genome through the selected tools – this may take several minutes</a:t>
             </a:r>
           </a:p>
           <a:p>
             <a:r>
-              <a:rPr lang="en-US" dirty="0"/>
+              <a:rPr lang="en-US" sz="3000" dirty="0"/>
               <a:t>When Phage Commander completes, press </a:t>
             </a:r>
             <a:r>
-              <a:rPr lang="en-US" b="1" dirty="0">
+              <a:rPr lang="en-US" sz="3000" b="1" dirty="0">
                 <a:solidFill>
                   <a:srgbClr val="0070C0"/>
                 </a:solidFill>
               </a:rPr>
               <a:t>OK</a:t>
             </a:r>
-            <a:endParaRPr lang="en-US" dirty="0"/>
+            <a:endParaRPr lang="en-US" sz="3000" dirty="0"/>
           </a:p>
           <a:p>
             <a:endParaRPr lang="en-US" dirty="0"/>
@@ -4505,7 +4514,7 @@
         </p:blipFill>
         <p:spPr>
           <a:xfrm>
-            <a:off x="2703943" y="1858084"/>
+            <a:off x="4227943" y="1858085"/>
             <a:ext cx="3303494" cy="4059627"/>
           </a:xfrm>
         </p:spPr>
@@ -4524,7 +4533,7 @@
         </p:nvSpPr>
         <p:spPr>
           <a:xfrm>
-            <a:off x="6961241" y="1651819"/>
+            <a:off x="8485242" y="1651819"/>
             <a:ext cx="1809135" cy="923330"/>
           </a:xfrm>
           <a:prstGeom prst="rect">
@@ -4565,7 +4574,7 @@
         </p:nvCxnSpPr>
         <p:spPr>
           <a:xfrm flipH="1">
-            <a:off x="5210239" y="2223541"/>
+            <a:off x="6734239" y="2223542"/>
             <a:ext cx="1751000" cy="415331"/>
           </a:xfrm>
           <a:prstGeom prst="straightConnector1">
@@ -4607,7 +4616,7 @@
         </p:nvSpPr>
         <p:spPr>
           <a:xfrm>
-            <a:off x="6980758" y="2699028"/>
+            <a:off x="8504758" y="2699028"/>
             <a:ext cx="2052406" cy="1477328"/>
           </a:xfrm>
           <a:prstGeom prst="rect">
@@ -4648,7 +4657,7 @@
         </p:nvCxnSpPr>
         <p:spPr>
           <a:xfrm flipH="1">
-            <a:off x="5161938" y="3894686"/>
+            <a:off x="6685939" y="3894687"/>
             <a:ext cx="1799303" cy="559329"/>
           </a:xfrm>
           <a:prstGeom prst="straightConnector1">
@@ -4690,7 +4699,7 @@
         </p:nvSpPr>
         <p:spPr>
           <a:xfrm>
-            <a:off x="6961239" y="4454015"/>
+            <a:off x="8485239" y="4454016"/>
             <a:ext cx="1966452" cy="646331"/>
           </a:xfrm>
           <a:prstGeom prst="rect">
@@ -4748,7 +4757,7 @@
         </p:nvCxnSpPr>
         <p:spPr>
           <a:xfrm flipH="1">
-            <a:off x="5515899" y="4777179"/>
+            <a:off x="7039899" y="4777179"/>
             <a:ext cx="1445340" cy="429002"/>
           </a:xfrm>
           <a:prstGeom prst="straightConnector1">
@@ -4790,7 +4799,7 @@
         </p:nvSpPr>
         <p:spPr>
           <a:xfrm>
-            <a:off x="6980758" y="5733043"/>
+            <a:off x="8504758" y="5733043"/>
             <a:ext cx="1966452" cy="369332"/>
           </a:xfrm>
           <a:prstGeom prst="rect">
@@ -4832,7 +4841,7 @@
         </p:nvCxnSpPr>
         <p:spPr>
           <a:xfrm flipH="1" flipV="1">
-            <a:off x="4168879" y="5659673"/>
+            <a:off x="5692880" y="5659673"/>
             <a:ext cx="2811881" cy="258036"/>
           </a:xfrm>
           <a:prstGeom prst="straightConnector1">
@@ -4935,7 +4944,12 @@
             <p:ph idx="1"/>
           </p:nvPr>
         </p:nvSpPr>
-        <p:spPr/>
+        <p:spPr>
+          <a:xfrm>
+            <a:off x="838200" y="1825625"/>
+            <a:ext cx="10515600" cy="4776142"/>
+          </a:xfrm>
+        </p:spPr>
         <p:txBody>
           <a:bodyPr/>
           <a:lstStyle/>
@@ -5033,13 +5047,12 @@
         </p:nvPicPr>
         <p:blipFill rotWithShape="1">
           <a:blip r:embed="rId2"/>
-          <a:srcRect r="7006" b="8689"/>
           <a:stretch/>
         </p:blipFill>
         <p:spPr>
           <a:xfrm>
-            <a:off x="422761" y="1817423"/>
-            <a:ext cx="8298477" cy="4413674"/>
+            <a:off x="2079380" y="1825625"/>
+            <a:ext cx="8033239" cy="4351338"/>
           </a:xfrm>
         </p:spPr>
       </p:pic>
@@ -5057,7 +5070,7 @@
         </p:nvSpPr>
         <p:spPr>
           <a:xfrm>
-            <a:off x="263238" y="117632"/>
+            <a:off x="1787239" y="117633"/>
             <a:ext cx="2193337" cy="1200329"/>
           </a:xfrm>
           <a:prstGeom prst="rect">
@@ -5108,7 +5121,7 @@
         </p:nvCxnSpPr>
         <p:spPr>
           <a:xfrm>
-            <a:off x="688854" y="1317961"/>
+            <a:off x="2212854" y="1317961"/>
             <a:ext cx="0" cy="741748"/>
           </a:xfrm>
           <a:prstGeom prst="straightConnector1">
@@ -5150,7 +5163,7 @@
         </p:nvSpPr>
         <p:spPr>
           <a:xfrm>
-            <a:off x="2438400" y="254692"/>
+            <a:off x="3962400" y="254692"/>
             <a:ext cx="1946786" cy="923330"/>
           </a:xfrm>
           <a:prstGeom prst="rect">
@@ -5191,7 +5204,7 @@
         </p:nvCxnSpPr>
         <p:spPr>
           <a:xfrm>
-            <a:off x="3081823" y="1134743"/>
+            <a:off x="4605823" y="1134743"/>
             <a:ext cx="0" cy="924966"/>
           </a:xfrm>
           <a:prstGeom prst="straightConnector1">
@@ -5233,7 +5246,7 @@
         </p:nvSpPr>
         <p:spPr>
           <a:xfrm>
-            <a:off x="4576917" y="254692"/>
+            <a:off x="6100918" y="254692"/>
             <a:ext cx="2030361" cy="923330"/>
           </a:xfrm>
           <a:prstGeom prst="rect">
@@ -5274,7 +5287,7 @@
         </p:nvCxnSpPr>
         <p:spPr>
           <a:xfrm>
-            <a:off x="4929538" y="1125436"/>
+            <a:off x="6453538" y="1125437"/>
             <a:ext cx="0" cy="934273"/>
           </a:xfrm>
           <a:prstGeom prst="straightConnector1">
@@ -5316,7 +5329,7 @@
         </p:nvSpPr>
         <p:spPr>
           <a:xfrm>
-            <a:off x="6799007" y="254692"/>
+            <a:off x="8323008" y="254692"/>
             <a:ext cx="2099187" cy="923330"/>
           </a:xfrm>
           <a:prstGeom prst="rect">
@@ -5357,7 +5370,7 @@
         </p:nvCxnSpPr>
         <p:spPr>
           <a:xfrm>
-            <a:off x="7225516" y="1134743"/>
+            <a:off x="8749516" y="1134743"/>
             <a:ext cx="0" cy="924966"/>
           </a:xfrm>
           <a:prstGeom prst="straightConnector1">
@@ -5399,7 +5412,7 @@
         </p:nvSpPr>
         <p:spPr>
           <a:xfrm>
-            <a:off x="263238" y="6371036"/>
+            <a:off x="132594" y="2211018"/>
             <a:ext cx="1946786" cy="369332"/>
           </a:xfrm>
           <a:prstGeom prst="rect">
@@ -5438,8 +5451,8 @@
         </p:nvSpPr>
         <p:spPr>
           <a:xfrm>
-            <a:off x="2348571" y="6371036"/>
-            <a:ext cx="6688170" cy="369332"/>
+            <a:off x="10112619" y="2228671"/>
+            <a:ext cx="2079381" cy="2308324"/>
           </a:xfrm>
           <a:prstGeom prst="rect">
             <a:avLst/>
@@ -5458,7 +5471,7 @@
                   <a:srgbClr val="FF0000"/>
                 </a:solidFill>
               </a:rPr>
-              <a:t>Row shading is proportional to how many programs identify a gene</a:t>
+              <a:t>Row shading is proportional to how many programs identify a gene (darker = more programs, white =  only one program)</a:t>
             </a:r>
           </a:p>
         </p:txBody>
@@ -5514,7 +5527,7 @@
         </p:blipFill>
         <p:spPr>
           <a:xfrm>
-            <a:off x="196261" y="1666535"/>
+            <a:off x="1720262" y="1666535"/>
             <a:ext cx="8701933" cy="3893756"/>
           </a:xfrm>
           <a:prstGeom prst="rect">
@@ -5536,7 +5549,7 @@
         </p:nvSpPr>
         <p:spPr>
           <a:xfrm>
-            <a:off x="245063" y="254692"/>
+            <a:off x="1769064" y="254692"/>
             <a:ext cx="2193337" cy="923330"/>
           </a:xfrm>
           <a:prstGeom prst="rect">
@@ -5575,7 +5588,7 @@
         </p:nvSpPr>
         <p:spPr>
           <a:xfrm>
-            <a:off x="2438400" y="254692"/>
+            <a:off x="3962400" y="254692"/>
             <a:ext cx="1946786" cy="923330"/>
           </a:xfrm>
           <a:prstGeom prst="rect">
@@ -5614,7 +5627,7 @@
         </p:nvSpPr>
         <p:spPr>
           <a:xfrm>
-            <a:off x="4576917" y="254692"/>
+            <a:off x="6100918" y="254692"/>
             <a:ext cx="2030361" cy="923330"/>
           </a:xfrm>
           <a:prstGeom prst="rect">
@@ -5653,7 +5666,7 @@
         </p:nvSpPr>
         <p:spPr>
           <a:xfrm>
-            <a:off x="6799007" y="254692"/>
+            <a:off x="8323008" y="254692"/>
             <a:ext cx="2099187" cy="923330"/>
           </a:xfrm>
           <a:prstGeom prst="rect">
@@ -5694,7 +5707,7 @@
         </p:nvCxnSpPr>
         <p:spPr>
           <a:xfrm>
-            <a:off x="7354825" y="1178022"/>
+            <a:off x="8878825" y="1178023"/>
             <a:ext cx="0" cy="724669"/>
           </a:xfrm>
           <a:prstGeom prst="straightConnector1">
@@ -5738,7 +5751,7 @@
         </p:nvCxnSpPr>
         <p:spPr>
           <a:xfrm>
-            <a:off x="977115" y="1178022"/>
+            <a:off x="2501115" y="1178023"/>
             <a:ext cx="0" cy="724669"/>
           </a:xfrm>
           <a:prstGeom prst="straightConnector1">
@@ -5782,7 +5795,7 @@
         </p:nvCxnSpPr>
         <p:spPr>
           <a:xfrm>
-            <a:off x="2801299" y="1178022"/>
+            <a:off x="4325299" y="1178023"/>
             <a:ext cx="0" cy="724669"/>
           </a:xfrm>
           <a:prstGeom prst="straightConnector1">
@@ -5826,7 +5839,7 @@
         </p:nvCxnSpPr>
         <p:spPr>
           <a:xfrm>
-            <a:off x="5087298" y="1178022"/>
+            <a:off x="6611298" y="1178023"/>
             <a:ext cx="0" cy="724669"/>
           </a:xfrm>
           <a:prstGeom prst="straightConnector1">
@@ -5870,7 +5883,7 @@
         </p:nvCxnSpPr>
         <p:spPr>
           <a:xfrm flipV="1">
-            <a:off x="3722255" y="5536741"/>
+            <a:off x="5246255" y="5536741"/>
             <a:ext cx="0" cy="546920"/>
           </a:xfrm>
           <a:prstGeom prst="straightConnector1">
@@ -5912,7 +5925,7 @@
         </p:nvSpPr>
         <p:spPr>
           <a:xfrm>
-            <a:off x="3244930" y="6073856"/>
+            <a:off x="4768931" y="6073857"/>
             <a:ext cx="1835087" cy="646331"/>
           </a:xfrm>
           <a:prstGeom prst="rect">
@@ -5953,7 +5966,7 @@
         </p:nvCxnSpPr>
         <p:spPr>
           <a:xfrm flipV="1">
-            <a:off x="2801299" y="5571599"/>
+            <a:off x="4325299" y="5571600"/>
             <a:ext cx="411212" cy="477205"/>
           </a:xfrm>
           <a:prstGeom prst="straightConnector1">
@@ -5995,7 +6008,7 @@
         </p:nvSpPr>
         <p:spPr>
           <a:xfrm>
-            <a:off x="1490170" y="6004784"/>
+            <a:off x="3014171" y="6004785"/>
             <a:ext cx="1731005" cy="646331"/>
           </a:xfrm>
           <a:prstGeom prst="rect">
@@ -6036,7 +6049,7 @@
         </p:nvCxnSpPr>
         <p:spPr>
           <a:xfrm flipH="1" flipV="1">
-            <a:off x="4258092" y="5571599"/>
+            <a:off x="5782093" y="5571599"/>
             <a:ext cx="1444997" cy="662378"/>
           </a:xfrm>
           <a:prstGeom prst="straightConnector1">
@@ -6078,7 +6091,7 @@
         </p:nvSpPr>
         <p:spPr>
           <a:xfrm>
-            <a:off x="5592097" y="6143283"/>
+            <a:off x="7116098" y="6143283"/>
             <a:ext cx="2239669" cy="369332"/>
           </a:xfrm>
           <a:prstGeom prst="rect">
@@ -6119,7 +6132,7 @@
         </p:nvCxnSpPr>
         <p:spPr>
           <a:xfrm flipV="1">
-            <a:off x="1136390" y="5536741"/>
+            <a:off x="2660390" y="5536741"/>
             <a:ext cx="1485468" cy="697236"/>
           </a:xfrm>
           <a:prstGeom prst="straightConnector1">
@@ -6161,7 +6174,7 @@
         </p:nvSpPr>
         <p:spPr>
           <a:xfrm>
-            <a:off x="270502" y="5774254"/>
+            <a:off x="1794502" y="5774255"/>
             <a:ext cx="1300030" cy="646331"/>
           </a:xfrm>
           <a:prstGeom prst="rect">
@@ -6237,7 +6250,7 @@
         </p:blipFill>
         <p:spPr>
           <a:xfrm>
-            <a:off x="795073" y="2068218"/>
+            <a:off x="2319073" y="2068219"/>
             <a:ext cx="7223086" cy="2385709"/>
           </a:xfrm>
           <a:prstGeom prst="rect">
@@ -6261,7 +6274,7 @@
         </p:nvCxnSpPr>
         <p:spPr>
           <a:xfrm flipH="1">
-            <a:off x="1469328" y="1524985"/>
+            <a:off x="2993328" y="1524985"/>
             <a:ext cx="414890" cy="936484"/>
           </a:xfrm>
           <a:prstGeom prst="straightConnector1">
@@ -6303,7 +6316,7 @@
         </p:nvSpPr>
         <p:spPr>
           <a:xfrm>
-            <a:off x="1362514" y="636644"/>
+            <a:off x="2886515" y="636644"/>
             <a:ext cx="2239669" cy="923330"/>
           </a:xfrm>
           <a:prstGeom prst="rect">
@@ -6354,7 +6367,7 @@
         </p:nvCxnSpPr>
         <p:spPr>
           <a:xfrm flipH="1" flipV="1">
-            <a:off x="1469328" y="3602182"/>
+            <a:off x="2993328" y="3602183"/>
             <a:ext cx="414890" cy="628073"/>
           </a:xfrm>
           <a:prstGeom prst="straightConnector1">
@@ -6396,7 +6409,7 @@
         </p:nvSpPr>
         <p:spPr>
           <a:xfrm>
-            <a:off x="1884218" y="4280389"/>
+            <a:off x="3408219" y="4280390"/>
             <a:ext cx="2512291" cy="1200329"/>
           </a:xfrm>
           <a:prstGeom prst="rect">
@@ -6469,7 +6482,7 @@
         </p:nvSpPr>
         <p:spPr>
           <a:xfrm>
-            <a:off x="195618" y="365126"/>
+            <a:off x="1719618" y="365127"/>
             <a:ext cx="8775510" cy="1325563"/>
           </a:xfrm>
         </p:spPr>
@@ -6505,13 +6518,13 @@
         </p:nvSpPr>
         <p:spPr>
           <a:xfrm>
-            <a:off x="457200" y="1600199"/>
-            <a:ext cx="8513928" cy="5160819"/>
+            <a:off x="512465" y="1600200"/>
+            <a:ext cx="11284299" cy="5160819"/>
           </a:xfrm>
         </p:spPr>
         <p:txBody>
           <a:bodyPr>
-            <a:normAutofit fontScale="85000" lnSpcReduction="10000"/>
+            <a:normAutofit fontScale="92500" lnSpcReduction="10000"/>
           </a:bodyPr>
           <a:lstStyle/>
           <a:p>

--- a/Phage Commander User Guide.pptx
+++ b/Phage Commander User Guide.pptx
@@ -12,9 +12,10 @@
     <p:sldId id="585" r:id="rId6"/>
     <p:sldId id="583" r:id="rId7"/>
     <p:sldId id="589" r:id="rId8"/>
-    <p:sldId id="588" r:id="rId9"/>
-    <p:sldId id="584" r:id="rId10"/>
-    <p:sldId id="582" r:id="rId11"/>
+    <p:sldId id="590" r:id="rId9"/>
+    <p:sldId id="588" r:id="rId10"/>
+    <p:sldId id="584" r:id="rId11"/>
+    <p:sldId id="582" r:id="rId12"/>
   </p:sldIdLst>
   <p:sldSz cx="12192000" cy="6858000"/>
   <p:notesSz cx="6858000" cy="9144000"/>
@@ -252,7 +253,7 @@
           <a:p>
             <a:fld id="{8635D198-6D19-4E30-930F-4865024DAF26}" type="datetimeFigureOut">
               <a:rPr lang="en-US" smtClean="0"/>
-              <a:t>2/4/2021</a:t>
+              <a:t>4/10/2021</a:t>
             </a:fld>
             <a:endParaRPr lang="en-US"/>
           </a:p>
@@ -422,7 +423,7 @@
           <a:p>
             <a:fld id="{8635D198-6D19-4E30-930F-4865024DAF26}" type="datetimeFigureOut">
               <a:rPr lang="en-US" smtClean="0"/>
-              <a:t>2/4/2021</a:t>
+              <a:t>4/10/2021</a:t>
             </a:fld>
             <a:endParaRPr lang="en-US"/>
           </a:p>
@@ -602,7 +603,7 @@
           <a:p>
             <a:fld id="{8635D198-6D19-4E30-930F-4865024DAF26}" type="datetimeFigureOut">
               <a:rPr lang="en-US" smtClean="0"/>
-              <a:t>2/4/2021</a:t>
+              <a:t>4/10/2021</a:t>
             </a:fld>
             <a:endParaRPr lang="en-US"/>
           </a:p>
@@ -772,7 +773,7 @@
           <a:p>
             <a:fld id="{8635D198-6D19-4E30-930F-4865024DAF26}" type="datetimeFigureOut">
               <a:rPr lang="en-US" smtClean="0"/>
-              <a:t>2/4/2021</a:t>
+              <a:t>4/10/2021</a:t>
             </a:fld>
             <a:endParaRPr lang="en-US"/>
           </a:p>
@@ -1016,7 +1017,7 @@
           <a:p>
             <a:fld id="{8635D198-6D19-4E30-930F-4865024DAF26}" type="datetimeFigureOut">
               <a:rPr lang="en-US" smtClean="0"/>
-              <a:t>2/4/2021</a:t>
+              <a:t>4/10/2021</a:t>
             </a:fld>
             <a:endParaRPr lang="en-US"/>
           </a:p>
@@ -1248,7 +1249,7 @@
           <a:p>
             <a:fld id="{8635D198-6D19-4E30-930F-4865024DAF26}" type="datetimeFigureOut">
               <a:rPr lang="en-US" smtClean="0"/>
-              <a:t>2/4/2021</a:t>
+              <a:t>4/10/2021</a:t>
             </a:fld>
             <a:endParaRPr lang="en-US"/>
           </a:p>
@@ -1615,7 +1616,7 @@
           <a:p>
             <a:fld id="{8635D198-6D19-4E30-930F-4865024DAF26}" type="datetimeFigureOut">
               <a:rPr lang="en-US" smtClean="0"/>
-              <a:t>2/4/2021</a:t>
+              <a:t>4/10/2021</a:t>
             </a:fld>
             <a:endParaRPr lang="en-US"/>
           </a:p>
@@ -1733,7 +1734,7 @@
           <a:p>
             <a:fld id="{8635D198-6D19-4E30-930F-4865024DAF26}" type="datetimeFigureOut">
               <a:rPr lang="en-US" smtClean="0"/>
-              <a:t>2/4/2021</a:t>
+              <a:t>4/10/2021</a:t>
             </a:fld>
             <a:endParaRPr lang="en-US"/>
           </a:p>
@@ -1828,7 +1829,7 @@
           <a:p>
             <a:fld id="{8635D198-6D19-4E30-930F-4865024DAF26}" type="datetimeFigureOut">
               <a:rPr lang="en-US" smtClean="0"/>
-              <a:t>2/4/2021</a:t>
+              <a:t>4/10/2021</a:t>
             </a:fld>
             <a:endParaRPr lang="en-US"/>
           </a:p>
@@ -2105,7 +2106,7 @@
           <a:p>
             <a:fld id="{8635D198-6D19-4E30-930F-4865024DAF26}" type="datetimeFigureOut">
               <a:rPr lang="en-US" smtClean="0"/>
-              <a:t>2/4/2021</a:t>
+              <a:t>4/10/2021</a:t>
             </a:fld>
             <a:endParaRPr lang="en-US"/>
           </a:p>
@@ -2362,7 +2363,7 @@
           <a:p>
             <a:fld id="{8635D198-6D19-4E30-930F-4865024DAF26}" type="datetimeFigureOut">
               <a:rPr lang="en-US" smtClean="0"/>
-              <a:t>2/4/2021</a:t>
+              <a:t>4/10/2021</a:t>
             </a:fld>
             <a:endParaRPr lang="en-US"/>
           </a:p>
@@ -2575,7 +2576,7 @@
           <a:p>
             <a:fld id="{8635D198-6D19-4E30-930F-4865024DAF26}" type="datetimeFigureOut">
               <a:rPr lang="en-US" smtClean="0"/>
-              <a:t>2/4/2021</a:t>
+              <a:t>4/10/2021</a:t>
             </a:fld>
             <a:endParaRPr lang="en-US"/>
           </a:p>
@@ -3040,16 +3041,16 @@
         </p:spPr>
         <p:txBody>
           <a:bodyPr>
-            <a:normAutofit fontScale="92500" lnSpcReduction="10000"/>
+            <a:normAutofit fontScale="92500" lnSpcReduction="20000"/>
           </a:bodyPr>
           <a:lstStyle/>
           <a:p>
             <a:r>
-              <a:rPr lang="en-US" b="1" dirty="0"/>
+              <a:rPr lang="en-US" sz="3000" b="1" dirty="0"/>
               <a:t>Phage Commander </a:t>
             </a:r>
             <a:r>
-              <a:rPr lang="en-US" dirty="0"/>
+              <a:rPr lang="en-US" sz="3000" dirty="0"/>
               <a:t>is a software tool for identifying genes in phage genomes</a:t>
             </a:r>
           </a:p>
@@ -3058,54 +3059,54 @@
           </a:p>
           <a:p>
             <a:r>
-              <a:rPr lang="en-US" dirty="0"/>
+              <a:rPr lang="en-US" sz="3000" dirty="0"/>
               <a:t>Phage Commander runs a phage’s DNA sequence through gene identification tools and outputs a list of potential genes. These tools include:</a:t>
             </a:r>
           </a:p>
           <a:p>
             <a:pPr lvl="1"/>
             <a:r>
-              <a:rPr lang="en-US" sz="2800" dirty="0"/>
+              <a:rPr lang="en-US" sz="3000" dirty="0"/>
               <a:t>Glimmer, </a:t>
             </a:r>
             <a:r>
-              <a:rPr lang="en-US" sz="2800" dirty="0" err="1"/>
+              <a:rPr lang="en-US" sz="3000" dirty="0" err="1"/>
               <a:t>Genemark</a:t>
             </a:r>
             <a:r>
-              <a:rPr lang="en-US" sz="2800" dirty="0"/>
+              <a:rPr lang="en-US" sz="3000" dirty="0"/>
               <a:t>, </a:t>
             </a:r>
             <a:r>
-              <a:rPr lang="en-US" sz="2800" dirty="0" err="1"/>
+              <a:rPr lang="en-US" sz="3000" dirty="0" err="1"/>
               <a:t>Genemark.hmm</a:t>
             </a:r>
             <a:r>
-              <a:rPr lang="en-US" sz="2800" dirty="0"/>
+              <a:rPr lang="en-US" sz="3000" dirty="0"/>
               <a:t>, </a:t>
             </a:r>
             <a:r>
-              <a:rPr lang="en-US" sz="2800" dirty="0" err="1"/>
+              <a:rPr lang="en-US" sz="3000" dirty="0" err="1"/>
               <a:t>Genemark</a:t>
             </a:r>
             <a:r>
-              <a:rPr lang="en-US" sz="2800" dirty="0"/>
+              <a:rPr lang="en-US" sz="3000" dirty="0"/>
               <a:t> S, </a:t>
             </a:r>
             <a:r>
-              <a:rPr lang="en-US" sz="2800" dirty="0" err="1"/>
+              <a:rPr lang="en-US" sz="3000" dirty="0" err="1"/>
               <a:t>Genemark</a:t>
             </a:r>
             <a:r>
-              <a:rPr lang="en-US" sz="2800" dirty="0"/>
+              <a:rPr lang="en-US" sz="3000" dirty="0"/>
               <a:t> S2, </a:t>
             </a:r>
             <a:r>
-              <a:rPr lang="en-US" sz="2800" dirty="0" err="1"/>
+              <a:rPr lang="en-US" sz="3000" dirty="0" err="1"/>
               <a:t>Genemark</a:t>
             </a:r>
             <a:r>
-              <a:rPr lang="en-US" sz="2800" dirty="0"/>
+              <a:rPr lang="en-US" sz="3000" dirty="0"/>
               <a:t> Heuristic, Prodigal, RAST, Metagene, and Aragorn (for tRNA genes)</a:t>
             </a:r>
           </a:p>
@@ -3114,7 +3115,7 @@
           </a:p>
           <a:p>
             <a:r>
-              <a:rPr lang="en-US" dirty="0"/>
+              <a:rPr lang="en-US" sz="3000" dirty="0"/>
               <a:t>Phage Commander’s output can be exported in Excel format (.xlsx) or NCBI GenBank format (.gb)</a:t>
             </a:r>
           </a:p>
@@ -3123,16 +3124,16 @@
           </a:p>
           <a:p>
             <a:r>
-              <a:rPr lang="en-US" dirty="0"/>
+              <a:rPr lang="en-US" sz="3000" dirty="0"/>
               <a:t>A draft paper describing Phage Commander in detail is here: </a:t>
             </a:r>
             <a:r>
-              <a:rPr lang="en-US" sz="2000" dirty="0">
+              <a:rPr lang="en-US" sz="3000" dirty="0">
                 <a:hlinkClick r:id="rId2"/>
               </a:rPr>
               <a:t>https://www.biorxiv.org/content/10.1101/2020.11.11.378802v1</a:t>
             </a:r>
-            <a:endParaRPr lang="en-US" sz="2000" dirty="0"/>
+            <a:endParaRPr lang="en-US" sz="3000" dirty="0"/>
           </a:p>
           <a:p>
             <a:endParaRPr lang="en-US" dirty="0"/>
@@ -3183,6 +3184,260 @@
           <p:cNvPr id="2" name="Title 1">
             <a:extLst>
               <a:ext uri="{FF2B5EF4-FFF2-40B4-BE49-F238E27FC236}">
+                <a16:creationId xmlns:a16="http://schemas.microsoft.com/office/drawing/2014/main" id="{25E2BFF6-6BAD-4146-AEAE-1A9B27A484BD}"/>
+              </a:ext>
+            </a:extLst>
+          </p:cNvPr>
+          <p:cNvSpPr>
+            <a:spLocks noGrp="1"/>
+          </p:cNvSpPr>
+          <p:nvPr>
+            <p:ph type="title"/>
+          </p:nvPr>
+        </p:nvSpPr>
+        <p:spPr>
+          <a:xfrm>
+            <a:off x="1719618" y="365127"/>
+            <a:ext cx="8775510" cy="1325563"/>
+          </a:xfrm>
+        </p:spPr>
+        <p:txBody>
+          <a:bodyPr>
+            <a:normAutofit/>
+          </a:bodyPr>
+          <a:lstStyle/>
+          <a:p>
+            <a:pPr algn="ctr"/>
+            <a:r>
+              <a:rPr lang="en-US" dirty="0"/>
+              <a:t>Exporting Phage Commander Results</a:t>
+            </a:r>
+          </a:p>
+        </p:txBody>
+      </p:sp>
+      <p:sp>
+        <p:nvSpPr>
+          <p:cNvPr id="3" name="Content Placeholder 2">
+            <a:extLst>
+              <a:ext uri="{FF2B5EF4-FFF2-40B4-BE49-F238E27FC236}">
+                <a16:creationId xmlns:a16="http://schemas.microsoft.com/office/drawing/2014/main" id="{CE8EA6EE-0E6C-4A9E-8B64-0F376EC4BF94}"/>
+              </a:ext>
+            </a:extLst>
+          </p:cNvPr>
+          <p:cNvSpPr>
+            <a:spLocks noGrp="1"/>
+          </p:cNvSpPr>
+          <p:nvPr>
+            <p:ph idx="1"/>
+          </p:nvPr>
+        </p:nvSpPr>
+        <p:spPr>
+          <a:xfrm>
+            <a:off x="512465" y="1600200"/>
+            <a:ext cx="11284299" cy="5160819"/>
+          </a:xfrm>
+        </p:spPr>
+        <p:txBody>
+          <a:bodyPr>
+            <a:normAutofit fontScale="92500" lnSpcReduction="10000"/>
+          </a:bodyPr>
+          <a:lstStyle/>
+          <a:p>
+            <a:r>
+              <a:rPr lang="en-US" sz="3200" dirty="0"/>
+              <a:t>To export as excel spreadsheet, select:</a:t>
+            </a:r>
+          </a:p>
+          <a:p>
+            <a:pPr lvl="1"/>
+            <a:r>
+              <a:rPr lang="en-US" sz="2800" b="1" dirty="0">
+                <a:solidFill>
+                  <a:srgbClr val="0070C0"/>
+                </a:solidFill>
+              </a:rPr>
+              <a:t>File</a:t>
+            </a:r>
+            <a:r>
+              <a:rPr lang="en-US" sz="2800" dirty="0"/>
+              <a:t> </a:t>
+            </a:r>
+            <a:r>
+              <a:rPr lang="en-US" sz="2800" dirty="0">
+                <a:sym typeface="Wingdings" panose="05000000000000000000" pitchFamily="2" charset="2"/>
+              </a:rPr>
+              <a:t> </a:t>
+            </a:r>
+            <a:r>
+              <a:rPr lang="en-US" sz="2800" b="1" dirty="0">
+                <a:solidFill>
+                  <a:srgbClr val="0070C0"/>
+                </a:solidFill>
+                <a:sym typeface="Wingdings" panose="05000000000000000000" pitchFamily="2" charset="2"/>
+              </a:rPr>
+              <a:t>Export</a:t>
+            </a:r>
+            <a:r>
+              <a:rPr lang="en-US" sz="2800" dirty="0">
+                <a:sym typeface="Wingdings" panose="05000000000000000000" pitchFamily="2" charset="2"/>
+              </a:rPr>
+              <a:t>  </a:t>
+            </a:r>
+            <a:r>
+              <a:rPr lang="en-US" sz="2800" b="1" dirty="0">
+                <a:solidFill>
+                  <a:srgbClr val="0070C0"/>
+                </a:solidFill>
+                <a:sym typeface="Wingdings" panose="05000000000000000000" pitchFamily="2" charset="2"/>
+              </a:rPr>
+              <a:t>Excel</a:t>
+            </a:r>
+          </a:p>
+          <a:p>
+            <a:r>
+              <a:rPr lang="en-US" sz="3200" dirty="0">
+                <a:sym typeface="Wingdings" panose="05000000000000000000" pitchFamily="2" charset="2"/>
+              </a:rPr>
+              <a:t>To export as GenBank (.</a:t>
+            </a:r>
+            <a:r>
+              <a:rPr lang="en-US" sz="3200" dirty="0" err="1">
+                <a:sym typeface="Wingdings" panose="05000000000000000000" pitchFamily="2" charset="2"/>
+              </a:rPr>
+              <a:t>gb</a:t>
+            </a:r>
+            <a:r>
+              <a:rPr lang="en-US" sz="3200" dirty="0">
+                <a:sym typeface="Wingdings" panose="05000000000000000000" pitchFamily="2" charset="2"/>
+              </a:rPr>
+              <a:t>) format file, select:</a:t>
+            </a:r>
+          </a:p>
+          <a:p>
+            <a:pPr lvl="1"/>
+            <a:r>
+              <a:rPr lang="en-US" sz="2800" b="1" dirty="0">
+                <a:solidFill>
+                  <a:srgbClr val="0070C0"/>
+                </a:solidFill>
+                <a:sym typeface="Wingdings" panose="05000000000000000000" pitchFamily="2" charset="2"/>
+              </a:rPr>
+              <a:t>File</a:t>
+            </a:r>
+            <a:r>
+              <a:rPr lang="en-US" sz="2800" dirty="0">
+                <a:sym typeface="Wingdings" panose="05000000000000000000" pitchFamily="2" charset="2"/>
+              </a:rPr>
+              <a:t>  </a:t>
+            </a:r>
+            <a:r>
+              <a:rPr lang="en-US" sz="2800" b="1" dirty="0">
+                <a:solidFill>
+                  <a:srgbClr val="0070C0"/>
+                </a:solidFill>
+                <a:sym typeface="Wingdings" panose="05000000000000000000" pitchFamily="2" charset="2"/>
+              </a:rPr>
+              <a:t>Export</a:t>
+            </a:r>
+            <a:r>
+              <a:rPr lang="en-US" sz="2800" dirty="0">
+                <a:sym typeface="Wingdings" panose="05000000000000000000" pitchFamily="2" charset="2"/>
+              </a:rPr>
+              <a:t>  </a:t>
+            </a:r>
+            <a:r>
+              <a:rPr lang="en-US" sz="2800" b="1" dirty="0">
+                <a:solidFill>
+                  <a:srgbClr val="0070C0"/>
+                </a:solidFill>
+                <a:sym typeface="Wingdings" panose="05000000000000000000" pitchFamily="2" charset="2"/>
+              </a:rPr>
+              <a:t>GenBank</a:t>
+            </a:r>
+          </a:p>
+          <a:p>
+            <a:pPr lvl="1"/>
+            <a:r>
+              <a:rPr lang="en-US" sz="2800" dirty="0">
+                <a:sym typeface="Wingdings" panose="05000000000000000000" pitchFamily="2" charset="2"/>
+              </a:rPr>
+              <a:t>Set the threshold number of programs for exporting genes </a:t>
+            </a:r>
+          </a:p>
+          <a:p>
+            <a:pPr lvl="1"/>
+            <a:r>
+              <a:rPr lang="en-US" sz="2800" dirty="0">
+                <a:sym typeface="Wingdings" panose="05000000000000000000" pitchFamily="2" charset="2"/>
+              </a:rPr>
+              <a:t>“Less than or equal to” will export those genes identified by an equal or lower number of programs than the threshold (e.g. genes identified by 3 or fewer programs. Set the threshold to maximum to export all genes identified)</a:t>
+            </a:r>
+          </a:p>
+          <a:p>
+            <a:pPr lvl="1"/>
+            <a:r>
+              <a:rPr lang="en-US" sz="2800" dirty="0">
+                <a:sym typeface="Wingdings" panose="05000000000000000000" pitchFamily="2" charset="2"/>
+              </a:rPr>
+              <a:t>“Greater than” will export those genes identified by a number of programs greater than the threshold (e.g. genes identified by more than 2 programs. Use “0” as the threshold and this setting to export all genes identified)</a:t>
+            </a:r>
+          </a:p>
+          <a:p>
+            <a:pPr lvl="1"/>
+            <a:r>
+              <a:rPr lang="en-US" sz="2800" dirty="0">
+                <a:sym typeface="Wingdings" panose="05000000000000000000" pitchFamily="2" charset="2"/>
+              </a:rPr>
+              <a:t>Press “Save as” and enter desired filename</a:t>
+            </a:r>
+          </a:p>
+          <a:p>
+            <a:pPr lvl="1"/>
+            <a:r>
+              <a:rPr lang="en-US" sz="2800" dirty="0">
+                <a:sym typeface="Wingdings" panose="05000000000000000000" pitchFamily="2" charset="2"/>
+              </a:rPr>
+              <a:t>Press “Export”</a:t>
+            </a:r>
+            <a:endParaRPr lang="en-US" sz="2800" dirty="0"/>
+          </a:p>
+        </p:txBody>
+      </p:sp>
+    </p:spTree>
+    <p:extLst>
+      <p:ext uri="{BB962C8B-B14F-4D97-AF65-F5344CB8AC3E}">
+        <p14:creationId xmlns:p14="http://schemas.microsoft.com/office/powerpoint/2010/main" val="2722560293"/>
+      </p:ext>
+    </p:extLst>
+  </p:cSld>
+  <p:clrMapOvr>
+    <a:masterClrMapping/>
+  </p:clrMapOvr>
+</p:sld>
+</file>
+
+<file path=ppt/slides/slide11.xml><?xml version="1.0" encoding="utf-8"?>
+<p:sld xmlns:a="http://schemas.openxmlformats.org/drawingml/2006/main" xmlns:r="http://schemas.openxmlformats.org/officeDocument/2006/relationships" xmlns:p="http://schemas.openxmlformats.org/presentationml/2006/main">
+  <p:cSld>
+    <p:spTree>
+      <p:nvGrpSpPr>
+        <p:cNvPr id="1" name=""/>
+        <p:cNvGrpSpPr/>
+        <p:nvPr/>
+      </p:nvGrpSpPr>
+      <p:grpSpPr>
+        <a:xfrm>
+          <a:off x="0" y="0"/>
+          <a:ext cx="0" cy="0"/>
+          <a:chOff x="0" y="0"/>
+          <a:chExt cx="0" cy="0"/>
+        </a:xfrm>
+      </p:grpSpPr>
+      <p:sp>
+        <p:nvSpPr>
+          <p:cNvPr id="2" name="Title 1">
+            <a:extLst>
+              <a:ext uri="{FF2B5EF4-FFF2-40B4-BE49-F238E27FC236}">
                 <a16:creationId xmlns:a16="http://schemas.microsoft.com/office/drawing/2014/main" id="{5E06BCFD-87C4-42CF-998C-E7326095EE1B}"/>
               </a:ext>
             </a:extLst>
@@ -3282,7 +3537,7 @@
                   <a:srgbClr val="FF0000"/>
                 </a:solidFill>
               </a:rPr>
-              <a:t>For gene exporting</a:t>
+              <a:t>for exporting genes</a:t>
             </a:r>
           </a:p>
         </p:txBody>
@@ -3365,7 +3620,7 @@
                   <a:srgbClr val="FF0000"/>
                 </a:solidFill>
               </a:rPr>
-              <a:t>Export genes identified by  less than or equal the set number of programs</a:t>
+              <a:t>Export genes identified by no more than the set number of programs</a:t>
             </a:r>
           </a:p>
         </p:txBody>
@@ -3614,7 +3869,7 @@
                   <a:srgbClr val="FF0000"/>
                 </a:solidFill>
               </a:rPr>
-              <a:t>Export genes identified by  more than the set number of programs</a:t>
+              <a:t>Export genes identified by  at least the set number of programs</a:t>
             </a:r>
           </a:p>
         </p:txBody>
@@ -3697,7 +3952,7 @@
                   <a:srgbClr val="FF0000"/>
                 </a:solidFill>
               </a:rPr>
-              <a:t>Export genes identified only by set number of programs</a:t>
+              <a:t>Export genes identified exactly by the set number of programs</a:t>
             </a:r>
           </a:p>
         </p:txBody>
@@ -3761,7 +4016,7 @@
         <p:spPr>
           <a:xfrm>
             <a:off x="8986984" y="1379138"/>
-            <a:ext cx="2121679" cy="923330"/>
+            <a:ext cx="2121679" cy="1200329"/>
           </a:xfrm>
           <a:prstGeom prst="rect">
             <a:avLst/>
@@ -3796,7 +4051,7 @@
                   <a:srgbClr val="FF0000"/>
                 </a:solidFill>
               </a:rPr>
-              <a:t> programs (max)</a:t>
+              <a:t> programs (most stringent)</a:t>
             </a:r>
           </a:p>
         </p:txBody>
@@ -3859,8 +4114,8 @@
         </p:nvSpPr>
         <p:spPr>
           <a:xfrm>
-            <a:off x="9034123" y="2738850"/>
-            <a:ext cx="2072655" cy="923330"/>
+            <a:off x="9039256" y="3108720"/>
+            <a:ext cx="2698440" cy="923330"/>
           </a:xfrm>
           <a:prstGeom prst="rect">
             <a:avLst/>
@@ -3889,7 +4144,7 @@
                   <a:srgbClr val="FF0000"/>
                 </a:solidFill>
               </a:rPr>
-              <a:t>only </a:t>
+              <a:t>at least </a:t>
             </a:r>
             <a:r>
               <a:rPr lang="en-US" b="1" u="sng" dirty="0">
@@ -3905,7 +4160,23 @@
                   <a:srgbClr val="FF0000"/>
                 </a:solidFill>
               </a:rPr>
-              <a:t> program</a:t>
+              <a:t> program (i.e. all genes, least </a:t>
+            </a:r>
+            <a:r>
+              <a:rPr lang="en-US" b="1" dirty="0" err="1">
+                <a:solidFill>
+                  <a:srgbClr val="FF0000"/>
+                </a:solidFill>
+              </a:rPr>
+              <a:t>stringen</a:t>
+            </a:r>
+            <a:r>
+              <a:rPr lang="en-US" b="1" dirty="0">
+                <a:solidFill>
+                  <a:srgbClr val="FF0000"/>
+                </a:solidFill>
+              </a:rPr>
+              <a:t>)</a:t>
             </a:r>
           </a:p>
         </p:txBody>
@@ -3926,8 +4197,8 @@
         </p:nvCxnSpPr>
         <p:spPr>
           <a:xfrm flipH="1">
-            <a:off x="6423907" y="3335524"/>
-            <a:ext cx="2574231" cy="589631"/>
+            <a:off x="6423908" y="3662180"/>
+            <a:ext cx="2523450" cy="262975"/>
           </a:xfrm>
           <a:prstGeom prst="straightConnector1">
             <a:avLst/>
@@ -5029,33 +5300,6 @@
           <a:chExt cx="0" cy="0"/>
         </a:xfrm>
       </p:grpSpPr>
-      <p:pic>
-        <p:nvPicPr>
-          <p:cNvPr id="5" name="Content Placeholder 4">
-            <a:extLst>
-              <a:ext uri="{FF2B5EF4-FFF2-40B4-BE49-F238E27FC236}">
-                <a16:creationId xmlns:a16="http://schemas.microsoft.com/office/drawing/2014/main" id="{BC699DAC-BE9A-4E7B-BCE3-B40915C55F02}"/>
-              </a:ext>
-            </a:extLst>
-          </p:cNvPr>
-          <p:cNvPicPr>
-            <a:picLocks noGrp="1" noChangeAspect="1"/>
-          </p:cNvPicPr>
-          <p:nvPr>
-            <p:ph idx="1"/>
-          </p:nvPr>
-        </p:nvPicPr>
-        <p:blipFill rotWithShape="1">
-          <a:blip r:embed="rId2"/>
-          <a:stretch/>
-        </p:blipFill>
-        <p:spPr>
-          <a:xfrm>
-            <a:off x="2079380" y="1825625"/>
-            <a:ext cx="8033239" cy="4351338"/>
-          </a:xfrm>
-        </p:spPr>
-      </p:pic>
       <p:sp>
         <p:nvSpPr>
           <p:cNvPr id="8" name="TextBox 7">
@@ -5070,8 +5314,8 @@
         </p:nvSpPr>
         <p:spPr>
           <a:xfrm>
-            <a:off x="1787239" y="117633"/>
-            <a:ext cx="2193337" cy="1200329"/>
+            <a:off x="48716" y="-24251"/>
+            <a:ext cx="2796830" cy="923330"/>
           </a:xfrm>
           <a:prstGeom prst="rect">
             <a:avLst/>
@@ -5105,12 +5349,256 @@
           </a:p>
         </p:txBody>
       </p:sp>
+      <p:sp>
+        <p:nvSpPr>
+          <p:cNvPr id="13" name="TextBox 12">
+            <a:extLst>
+              <a:ext uri="{FF2B5EF4-FFF2-40B4-BE49-F238E27FC236}">
+                <a16:creationId xmlns:a16="http://schemas.microsoft.com/office/drawing/2014/main" id="{65E2A346-CBBB-41B5-98AE-D394F69D0BB8}"/>
+              </a:ext>
+            </a:extLst>
+          </p:cNvPr>
+          <p:cNvSpPr txBox="1"/>
+          <p:nvPr/>
+        </p:nvSpPr>
+        <p:spPr>
+          <a:xfrm>
+            <a:off x="2563173" y="644841"/>
+            <a:ext cx="1946786" cy="646331"/>
+          </a:xfrm>
+          <a:prstGeom prst="rect">
+            <a:avLst/>
+          </a:prstGeom>
+          <a:noFill/>
+        </p:spPr>
+        <p:txBody>
+          <a:bodyPr wrap="square" rtlCol="0">
+            <a:spAutoFit/>
+          </a:bodyPr>
+          <a:lstStyle/>
+          <a:p>
+            <a:r>
+              <a:rPr lang="en-US" b="1" dirty="0">
+                <a:solidFill>
+                  <a:srgbClr val="FF0000"/>
+                </a:solidFill>
+              </a:rPr>
+              <a:t>Genes identified by GeneMark</a:t>
+            </a:r>
+          </a:p>
+        </p:txBody>
+      </p:sp>
+      <p:sp>
+        <p:nvSpPr>
+          <p:cNvPr id="15" name="TextBox 14">
+            <a:extLst>
+              <a:ext uri="{FF2B5EF4-FFF2-40B4-BE49-F238E27FC236}">
+                <a16:creationId xmlns:a16="http://schemas.microsoft.com/office/drawing/2014/main" id="{5E747C8D-AD30-4397-A776-BA6B525DE67F}"/>
+              </a:ext>
+            </a:extLst>
+          </p:cNvPr>
+          <p:cNvSpPr txBox="1"/>
+          <p:nvPr/>
+        </p:nvSpPr>
+        <p:spPr>
+          <a:xfrm>
+            <a:off x="4386122" y="644840"/>
+            <a:ext cx="2030361" cy="646331"/>
+          </a:xfrm>
+          <a:prstGeom prst="rect">
+            <a:avLst/>
+          </a:prstGeom>
+          <a:noFill/>
+        </p:spPr>
+        <p:txBody>
+          <a:bodyPr wrap="square" rtlCol="0">
+            <a:spAutoFit/>
+          </a:bodyPr>
+          <a:lstStyle/>
+          <a:p>
+            <a:r>
+              <a:rPr lang="en-US" b="1" dirty="0">
+                <a:solidFill>
+                  <a:srgbClr val="FF0000"/>
+                </a:solidFill>
+              </a:rPr>
+              <a:t>Genes identified by GeneMark.hmm</a:t>
+            </a:r>
+          </a:p>
+        </p:txBody>
+      </p:sp>
+      <p:sp>
+        <p:nvSpPr>
+          <p:cNvPr id="19" name="TextBox 18">
+            <a:extLst>
+              <a:ext uri="{FF2B5EF4-FFF2-40B4-BE49-F238E27FC236}">
+                <a16:creationId xmlns:a16="http://schemas.microsoft.com/office/drawing/2014/main" id="{CE8D919F-823D-4B09-BAD2-E988E85E6C57}"/>
+              </a:ext>
+            </a:extLst>
+          </p:cNvPr>
+          <p:cNvSpPr txBox="1"/>
+          <p:nvPr/>
+        </p:nvSpPr>
+        <p:spPr>
+          <a:xfrm>
+            <a:off x="0" y="2228671"/>
+            <a:ext cx="1946786" cy="646331"/>
+          </a:xfrm>
+          <a:prstGeom prst="rect">
+            <a:avLst/>
+          </a:prstGeom>
+          <a:noFill/>
+        </p:spPr>
+        <p:txBody>
+          <a:bodyPr wrap="square" rtlCol="0">
+            <a:spAutoFit/>
+          </a:bodyPr>
+          <a:lstStyle/>
+          <a:p>
+            <a:r>
+              <a:rPr lang="en-US" b="1" dirty="0">
+                <a:solidFill>
+                  <a:srgbClr val="FF0000"/>
+                </a:solidFill>
+              </a:rPr>
+              <a:t>Each row</a:t>
+            </a:r>
+          </a:p>
+          <a:p>
+            <a:r>
+              <a:rPr lang="en-US" b="1" dirty="0">
+                <a:solidFill>
+                  <a:srgbClr val="FF0000"/>
+                </a:solidFill>
+              </a:rPr>
+              <a:t> is a gene</a:t>
+            </a:r>
+          </a:p>
+        </p:txBody>
+      </p:sp>
+      <p:pic>
+        <p:nvPicPr>
+          <p:cNvPr id="29" name="Picture 28">
+            <a:extLst>
+              <a:ext uri="{FF2B5EF4-FFF2-40B4-BE49-F238E27FC236}">
+                <a16:creationId xmlns:a16="http://schemas.microsoft.com/office/drawing/2014/main" id="{157CB1E5-483D-4481-99A4-8E67CACAFEF6}"/>
+              </a:ext>
+            </a:extLst>
+          </p:cNvPr>
+          <p:cNvPicPr>
+            <a:picLocks noChangeAspect="1"/>
+          </p:cNvPicPr>
+          <p:nvPr/>
+        </p:nvPicPr>
+        <p:blipFill rotWithShape="1">
+          <a:blip r:embed="rId2"/>
+          <a:srcRect r="49840" b="36316"/>
+          <a:stretch/>
+        </p:blipFill>
+        <p:spPr>
+          <a:xfrm>
+            <a:off x="1106775" y="1277105"/>
+            <a:ext cx="9978450" cy="5302882"/>
+          </a:xfrm>
+          <a:prstGeom prst="rect">
+            <a:avLst/>
+          </a:prstGeom>
+        </p:spPr>
+      </p:pic>
+      <p:sp>
+        <p:nvSpPr>
+          <p:cNvPr id="32" name="TextBox 31">
+            <a:extLst>
+              <a:ext uri="{FF2B5EF4-FFF2-40B4-BE49-F238E27FC236}">
+                <a16:creationId xmlns:a16="http://schemas.microsoft.com/office/drawing/2014/main" id="{432A548A-43C7-42A8-A792-2E77854B454C}"/>
+              </a:ext>
+            </a:extLst>
+          </p:cNvPr>
+          <p:cNvSpPr txBox="1"/>
+          <p:nvPr/>
+        </p:nvSpPr>
+        <p:spPr>
+          <a:xfrm>
+            <a:off x="6459681" y="656776"/>
+            <a:ext cx="2127153" cy="646331"/>
+          </a:xfrm>
+          <a:prstGeom prst="rect">
+            <a:avLst/>
+          </a:prstGeom>
+          <a:noFill/>
+        </p:spPr>
+        <p:txBody>
+          <a:bodyPr wrap="square" rtlCol="0">
+            <a:spAutoFit/>
+          </a:bodyPr>
+          <a:lstStyle/>
+          <a:p>
+            <a:r>
+              <a:rPr lang="en-US" b="1" dirty="0">
+                <a:solidFill>
+                  <a:srgbClr val="FF0000"/>
+                </a:solidFill>
+              </a:rPr>
+              <a:t>Genes identified by GeneMark Heuristic</a:t>
+            </a:r>
+          </a:p>
+        </p:txBody>
+      </p:sp>
+      <p:sp>
+        <p:nvSpPr>
+          <p:cNvPr id="33" name="TextBox 32">
+            <a:extLst>
+              <a:ext uri="{FF2B5EF4-FFF2-40B4-BE49-F238E27FC236}">
+                <a16:creationId xmlns:a16="http://schemas.microsoft.com/office/drawing/2014/main" id="{091A11B5-78DB-4945-856A-C6988F7C4320}"/>
+              </a:ext>
+            </a:extLst>
+          </p:cNvPr>
+          <p:cNvSpPr txBox="1"/>
+          <p:nvPr/>
+        </p:nvSpPr>
+        <p:spPr>
+          <a:xfrm>
+            <a:off x="8772453" y="644840"/>
+            <a:ext cx="2127153" cy="646331"/>
+          </a:xfrm>
+          <a:prstGeom prst="rect">
+            <a:avLst/>
+          </a:prstGeom>
+          <a:noFill/>
+        </p:spPr>
+        <p:txBody>
+          <a:bodyPr wrap="square" rtlCol="0">
+            <a:spAutoFit/>
+          </a:bodyPr>
+          <a:lstStyle/>
+          <a:p>
+            <a:r>
+              <a:rPr lang="en-US" b="1" dirty="0">
+                <a:solidFill>
+                  <a:srgbClr val="FF0000"/>
+                </a:solidFill>
+              </a:rPr>
+              <a:t>Genes identified </a:t>
+            </a:r>
+          </a:p>
+          <a:p>
+            <a:r>
+              <a:rPr lang="en-US" b="1" dirty="0">
+                <a:solidFill>
+                  <a:srgbClr val="FF0000"/>
+                </a:solidFill>
+              </a:rPr>
+              <a:t>by GeneMark S</a:t>
+            </a:r>
+          </a:p>
+        </p:txBody>
+      </p:sp>
       <p:cxnSp>
         <p:nvCxnSpPr>
-          <p:cNvPr id="9" name="Straight Arrow Connector 8">
+          <p:cNvPr id="18" name="Straight Arrow Connector 17">
             <a:extLst>
               <a:ext uri="{FF2B5EF4-FFF2-40B4-BE49-F238E27FC236}">
-                <a16:creationId xmlns:a16="http://schemas.microsoft.com/office/drawing/2014/main" id="{A12F170E-BC3C-465A-88BE-474424CFB0DF}"/>
+                <a16:creationId xmlns:a16="http://schemas.microsoft.com/office/drawing/2014/main" id="{9B73B8D2-DBAD-48B9-B3F0-B89CAEADB73D}"/>
               </a:ext>
             </a:extLst>
           </p:cNvPr>
@@ -5121,8 +5609,8 @@
         </p:nvCxnSpPr>
         <p:spPr>
           <a:xfrm>
-            <a:off x="2212854" y="1317961"/>
-            <a:ext cx="0" cy="741748"/>
+            <a:off x="889371" y="814622"/>
+            <a:ext cx="459138" cy="626251"/>
           </a:xfrm>
           <a:prstGeom prst="straightConnector1">
             <a:avLst/>
@@ -5149,333 +5637,6 @@
           </a:fontRef>
         </p:style>
       </p:cxnSp>
-      <p:sp>
-        <p:nvSpPr>
-          <p:cNvPr id="13" name="TextBox 12">
-            <a:extLst>
-              <a:ext uri="{FF2B5EF4-FFF2-40B4-BE49-F238E27FC236}">
-                <a16:creationId xmlns:a16="http://schemas.microsoft.com/office/drawing/2014/main" id="{65E2A346-CBBB-41B5-98AE-D394F69D0BB8}"/>
-              </a:ext>
-            </a:extLst>
-          </p:cNvPr>
-          <p:cNvSpPr txBox="1"/>
-          <p:nvPr/>
-        </p:nvSpPr>
-        <p:spPr>
-          <a:xfrm>
-            <a:off x="3962400" y="254692"/>
-            <a:ext cx="1946786" cy="923330"/>
-          </a:xfrm>
-          <a:prstGeom prst="rect">
-            <a:avLst/>
-          </a:prstGeom>
-          <a:noFill/>
-        </p:spPr>
-        <p:txBody>
-          <a:bodyPr wrap="square" rtlCol="0">
-            <a:spAutoFit/>
-          </a:bodyPr>
-          <a:lstStyle/>
-          <a:p>
-            <a:r>
-              <a:rPr lang="en-US" b="1" dirty="0">
-                <a:solidFill>
-                  <a:srgbClr val="FF0000"/>
-                </a:solidFill>
-              </a:rPr>
-              <a:t>“GM” is the genes identified by GeneMark</a:t>
-            </a:r>
-          </a:p>
-        </p:txBody>
-      </p:sp>
-      <p:cxnSp>
-        <p:nvCxnSpPr>
-          <p:cNvPr id="14" name="Straight Arrow Connector 13">
-            <a:extLst>
-              <a:ext uri="{FF2B5EF4-FFF2-40B4-BE49-F238E27FC236}">
-                <a16:creationId xmlns:a16="http://schemas.microsoft.com/office/drawing/2014/main" id="{A02B246A-0C7E-43B8-97F7-83AEB2DBA1E5}"/>
-              </a:ext>
-            </a:extLst>
-          </p:cNvPr>
-          <p:cNvCxnSpPr>
-            <a:cxnSpLocks/>
-          </p:cNvCxnSpPr>
-          <p:nvPr/>
-        </p:nvCxnSpPr>
-        <p:spPr>
-          <a:xfrm>
-            <a:off x="4605823" y="1134743"/>
-            <a:ext cx="0" cy="924966"/>
-          </a:xfrm>
-          <a:prstGeom prst="straightConnector1">
-            <a:avLst/>
-          </a:prstGeom>
-          <a:ln w="57150">
-            <a:solidFill>
-              <a:srgbClr val="FF0000"/>
-            </a:solidFill>
-            <a:tailEnd type="triangle"/>
-          </a:ln>
-        </p:spPr>
-        <p:style>
-          <a:lnRef idx="1">
-            <a:schemeClr val="accent1"/>
-          </a:lnRef>
-          <a:fillRef idx="0">
-            <a:schemeClr val="accent1"/>
-          </a:fillRef>
-          <a:effectRef idx="0">
-            <a:schemeClr val="accent1"/>
-          </a:effectRef>
-          <a:fontRef idx="minor">
-            <a:schemeClr val="tx1"/>
-          </a:fontRef>
-        </p:style>
-      </p:cxnSp>
-      <p:sp>
-        <p:nvSpPr>
-          <p:cNvPr id="15" name="TextBox 14">
-            <a:extLst>
-              <a:ext uri="{FF2B5EF4-FFF2-40B4-BE49-F238E27FC236}">
-                <a16:creationId xmlns:a16="http://schemas.microsoft.com/office/drawing/2014/main" id="{5E747C8D-AD30-4397-A776-BA6B525DE67F}"/>
-              </a:ext>
-            </a:extLst>
-          </p:cNvPr>
-          <p:cNvSpPr txBox="1"/>
-          <p:nvPr/>
-        </p:nvSpPr>
-        <p:spPr>
-          <a:xfrm>
-            <a:off x="6100918" y="254692"/>
-            <a:ext cx="2030361" cy="923330"/>
-          </a:xfrm>
-          <a:prstGeom prst="rect">
-            <a:avLst/>
-          </a:prstGeom>
-          <a:noFill/>
-        </p:spPr>
-        <p:txBody>
-          <a:bodyPr wrap="square" rtlCol="0">
-            <a:spAutoFit/>
-          </a:bodyPr>
-          <a:lstStyle/>
-          <a:p>
-            <a:r>
-              <a:rPr lang="en-US" b="1" dirty="0">
-                <a:solidFill>
-                  <a:srgbClr val="FF0000"/>
-                </a:solidFill>
-              </a:rPr>
-              <a:t>“HMM” is the genes identified by GeneMark.hmm</a:t>
-            </a:r>
-          </a:p>
-        </p:txBody>
-      </p:sp>
-      <p:cxnSp>
-        <p:nvCxnSpPr>
-          <p:cNvPr id="16" name="Straight Arrow Connector 15">
-            <a:extLst>
-              <a:ext uri="{FF2B5EF4-FFF2-40B4-BE49-F238E27FC236}">
-                <a16:creationId xmlns:a16="http://schemas.microsoft.com/office/drawing/2014/main" id="{EBB5CC87-28D4-40C7-8C8E-006D73B79A8D}"/>
-              </a:ext>
-            </a:extLst>
-          </p:cNvPr>
-          <p:cNvCxnSpPr>
-            <a:cxnSpLocks/>
-          </p:cNvCxnSpPr>
-          <p:nvPr/>
-        </p:nvCxnSpPr>
-        <p:spPr>
-          <a:xfrm>
-            <a:off x="6453538" y="1125437"/>
-            <a:ext cx="0" cy="934273"/>
-          </a:xfrm>
-          <a:prstGeom prst="straightConnector1">
-            <a:avLst/>
-          </a:prstGeom>
-          <a:ln w="57150">
-            <a:solidFill>
-              <a:srgbClr val="FF0000"/>
-            </a:solidFill>
-            <a:tailEnd type="triangle"/>
-          </a:ln>
-        </p:spPr>
-        <p:style>
-          <a:lnRef idx="1">
-            <a:schemeClr val="accent1"/>
-          </a:lnRef>
-          <a:fillRef idx="0">
-            <a:schemeClr val="accent1"/>
-          </a:fillRef>
-          <a:effectRef idx="0">
-            <a:schemeClr val="accent1"/>
-          </a:effectRef>
-          <a:fontRef idx="minor">
-            <a:schemeClr val="tx1"/>
-          </a:fontRef>
-        </p:style>
-      </p:cxnSp>
-      <p:sp>
-        <p:nvSpPr>
-          <p:cNvPr id="17" name="TextBox 16">
-            <a:extLst>
-              <a:ext uri="{FF2B5EF4-FFF2-40B4-BE49-F238E27FC236}">
-                <a16:creationId xmlns:a16="http://schemas.microsoft.com/office/drawing/2014/main" id="{8F33BDD2-6E03-4E0C-932A-8C84900A3E1B}"/>
-              </a:ext>
-            </a:extLst>
-          </p:cNvPr>
-          <p:cNvSpPr txBox="1"/>
-          <p:nvPr/>
-        </p:nvSpPr>
-        <p:spPr>
-          <a:xfrm>
-            <a:off x="8323008" y="254692"/>
-            <a:ext cx="2099187" cy="923330"/>
-          </a:xfrm>
-          <a:prstGeom prst="rect">
-            <a:avLst/>
-          </a:prstGeom>
-          <a:noFill/>
-        </p:spPr>
-        <p:txBody>
-          <a:bodyPr wrap="square" rtlCol="0">
-            <a:spAutoFit/>
-          </a:bodyPr>
-          <a:lstStyle/>
-          <a:p>
-            <a:r>
-              <a:rPr lang="en-US" b="1" dirty="0">
-                <a:solidFill>
-                  <a:srgbClr val="FF0000"/>
-                </a:solidFill>
-              </a:rPr>
-              <a:t>“Heuristic” is the genes identified by GeneMark Heuristic</a:t>
-            </a:r>
-          </a:p>
-        </p:txBody>
-      </p:sp>
-      <p:cxnSp>
-        <p:nvCxnSpPr>
-          <p:cNvPr id="18" name="Straight Arrow Connector 17">
-            <a:extLst>
-              <a:ext uri="{FF2B5EF4-FFF2-40B4-BE49-F238E27FC236}">
-                <a16:creationId xmlns:a16="http://schemas.microsoft.com/office/drawing/2014/main" id="{9B73B8D2-DBAD-48B9-B3F0-B89CAEADB73D}"/>
-              </a:ext>
-            </a:extLst>
-          </p:cNvPr>
-          <p:cNvCxnSpPr>
-            <a:cxnSpLocks/>
-          </p:cNvCxnSpPr>
-          <p:nvPr/>
-        </p:nvCxnSpPr>
-        <p:spPr>
-          <a:xfrm>
-            <a:off x="8749516" y="1134743"/>
-            <a:ext cx="0" cy="924966"/>
-          </a:xfrm>
-          <a:prstGeom prst="straightConnector1">
-            <a:avLst/>
-          </a:prstGeom>
-          <a:ln w="57150">
-            <a:solidFill>
-              <a:srgbClr val="FF0000"/>
-            </a:solidFill>
-            <a:tailEnd type="triangle"/>
-          </a:ln>
-        </p:spPr>
-        <p:style>
-          <a:lnRef idx="1">
-            <a:schemeClr val="accent1"/>
-          </a:lnRef>
-          <a:fillRef idx="0">
-            <a:schemeClr val="accent1"/>
-          </a:fillRef>
-          <a:effectRef idx="0">
-            <a:schemeClr val="accent1"/>
-          </a:effectRef>
-          <a:fontRef idx="minor">
-            <a:schemeClr val="tx1"/>
-          </a:fontRef>
-        </p:style>
-      </p:cxnSp>
-      <p:sp>
-        <p:nvSpPr>
-          <p:cNvPr id="19" name="TextBox 18">
-            <a:extLst>
-              <a:ext uri="{FF2B5EF4-FFF2-40B4-BE49-F238E27FC236}">
-                <a16:creationId xmlns:a16="http://schemas.microsoft.com/office/drawing/2014/main" id="{CE8D919F-823D-4B09-BAD2-E988E85E6C57}"/>
-              </a:ext>
-            </a:extLst>
-          </p:cNvPr>
-          <p:cNvSpPr txBox="1"/>
-          <p:nvPr/>
-        </p:nvSpPr>
-        <p:spPr>
-          <a:xfrm>
-            <a:off x="132594" y="2211018"/>
-            <a:ext cx="1946786" cy="369332"/>
-          </a:xfrm>
-          <a:prstGeom prst="rect">
-            <a:avLst/>
-          </a:prstGeom>
-          <a:noFill/>
-        </p:spPr>
-        <p:txBody>
-          <a:bodyPr wrap="square" rtlCol="0">
-            <a:spAutoFit/>
-          </a:bodyPr>
-          <a:lstStyle/>
-          <a:p>
-            <a:r>
-              <a:rPr lang="en-US" b="1" dirty="0">
-                <a:solidFill>
-                  <a:srgbClr val="FF0000"/>
-                </a:solidFill>
-              </a:rPr>
-              <a:t>Each row is a gene</a:t>
-            </a:r>
-          </a:p>
-        </p:txBody>
-      </p:sp>
-      <p:sp>
-        <p:nvSpPr>
-          <p:cNvPr id="34" name="TextBox 33">
-            <a:extLst>
-              <a:ext uri="{FF2B5EF4-FFF2-40B4-BE49-F238E27FC236}">
-                <a16:creationId xmlns:a16="http://schemas.microsoft.com/office/drawing/2014/main" id="{EC388BF4-AF1D-4DB0-A147-172109F41ED4}"/>
-              </a:ext>
-            </a:extLst>
-          </p:cNvPr>
-          <p:cNvSpPr txBox="1"/>
-          <p:nvPr/>
-        </p:nvSpPr>
-        <p:spPr>
-          <a:xfrm>
-            <a:off x="10112619" y="2228671"/>
-            <a:ext cx="2079381" cy="2308324"/>
-          </a:xfrm>
-          <a:prstGeom prst="rect">
-            <a:avLst/>
-          </a:prstGeom>
-          <a:noFill/>
-        </p:spPr>
-        <p:txBody>
-          <a:bodyPr wrap="square" rtlCol="0">
-            <a:spAutoFit/>
-          </a:bodyPr>
-          <a:lstStyle/>
-          <a:p>
-            <a:r>
-              <a:rPr lang="en-US" b="1" dirty="0">
-                <a:solidFill>
-                  <a:srgbClr val="FF0000"/>
-                </a:solidFill>
-              </a:rPr>
-              <a:t>Row shading is proportional to how many programs identify a gene (darker = more programs, white =  only one program)</a:t>
-            </a:r>
-          </a:p>
-        </p:txBody>
-      </p:sp>
     </p:spTree>
     <p:extLst>
       <p:ext uri="{BB962C8B-B14F-4D97-AF65-F5344CB8AC3E}">
@@ -5508,10 +5669,10 @@
       </p:grpSpPr>
       <p:pic>
         <p:nvPicPr>
-          <p:cNvPr id="5" name="Picture 4">
+          <p:cNvPr id="30" name="Picture 29">
             <a:extLst>
               <a:ext uri="{FF2B5EF4-FFF2-40B4-BE49-F238E27FC236}">
-                <a16:creationId xmlns:a16="http://schemas.microsoft.com/office/drawing/2014/main" id="{D4F80F4B-D3E1-4981-9947-E86826E3903B}"/>
+                <a16:creationId xmlns:a16="http://schemas.microsoft.com/office/drawing/2014/main" id="{AE97BD04-6CCE-4C1D-B086-18CD00C74C4A}"/>
               </a:ext>
             </a:extLst>
           </p:cNvPr>
@@ -5522,181 +5683,25 @@
         </p:nvPicPr>
         <p:blipFill rotWithShape="1">
           <a:blip r:embed="rId2"/>
-          <a:srcRect t="1" b="17391"/>
+          <a:srcRect r="49840" b="35486"/>
           <a:stretch/>
         </p:blipFill>
         <p:spPr>
           <a:xfrm>
-            <a:off x="1720262" y="1666535"/>
-            <a:ext cx="8701933" cy="3893756"/>
+            <a:off x="518835" y="511012"/>
+            <a:ext cx="9978450" cy="5371954"/>
           </a:xfrm>
           <a:prstGeom prst="rect">
             <a:avLst/>
           </a:prstGeom>
         </p:spPr>
       </p:pic>
-      <p:sp>
-        <p:nvSpPr>
-          <p:cNvPr id="6" name="TextBox 5">
+      <p:cxnSp>
+        <p:nvCxnSpPr>
+          <p:cNvPr id="33" name="Straight Arrow Connector 32">
             <a:extLst>
               <a:ext uri="{FF2B5EF4-FFF2-40B4-BE49-F238E27FC236}">
-                <a16:creationId xmlns:a16="http://schemas.microsoft.com/office/drawing/2014/main" id="{97723825-3C77-4E0D-9FE8-1DB1D5F0D5E1}"/>
-              </a:ext>
-            </a:extLst>
-          </p:cNvPr>
-          <p:cNvSpPr txBox="1"/>
-          <p:nvPr/>
-        </p:nvSpPr>
-        <p:spPr>
-          <a:xfrm>
-            <a:off x="1769064" y="254692"/>
-            <a:ext cx="2193337" cy="923330"/>
-          </a:xfrm>
-          <a:prstGeom prst="rect">
-            <a:avLst/>
-          </a:prstGeom>
-          <a:noFill/>
-        </p:spPr>
-        <p:txBody>
-          <a:bodyPr wrap="square" rtlCol="0">
-            <a:spAutoFit/>
-          </a:bodyPr>
-          <a:lstStyle/>
-          <a:p>
-            <a:r>
-              <a:rPr lang="en-US" b="1" dirty="0">
-                <a:solidFill>
-                  <a:srgbClr val="FF0000"/>
-                </a:solidFill>
-              </a:rPr>
-              <a:t>“GM” is the genes identified by GeneMark S</a:t>
-            </a:r>
-          </a:p>
-        </p:txBody>
-      </p:sp>
-      <p:sp>
-        <p:nvSpPr>
-          <p:cNvPr id="7" name="TextBox 6">
-            <a:extLst>
-              <a:ext uri="{FF2B5EF4-FFF2-40B4-BE49-F238E27FC236}">
-                <a16:creationId xmlns:a16="http://schemas.microsoft.com/office/drawing/2014/main" id="{90965C62-4B59-4DFA-B964-9A0793A2C133}"/>
-              </a:ext>
-            </a:extLst>
-          </p:cNvPr>
-          <p:cNvSpPr txBox="1"/>
-          <p:nvPr/>
-        </p:nvSpPr>
-        <p:spPr>
-          <a:xfrm>
-            <a:off x="3962400" y="254692"/>
-            <a:ext cx="1946786" cy="923330"/>
-          </a:xfrm>
-          <a:prstGeom prst="rect">
-            <a:avLst/>
-          </a:prstGeom>
-          <a:noFill/>
-        </p:spPr>
-        <p:txBody>
-          <a:bodyPr wrap="square" rtlCol="0">
-            <a:spAutoFit/>
-          </a:bodyPr>
-          <a:lstStyle/>
-          <a:p>
-            <a:r>
-              <a:rPr lang="en-US" b="1" dirty="0">
-                <a:solidFill>
-                  <a:srgbClr val="FF0000"/>
-                </a:solidFill>
-              </a:rPr>
-              <a:t>“Glimmer” is the genes identified by Glimmer</a:t>
-            </a:r>
-          </a:p>
-        </p:txBody>
-      </p:sp>
-      <p:sp>
-        <p:nvSpPr>
-          <p:cNvPr id="8" name="TextBox 7">
-            <a:extLst>
-              <a:ext uri="{FF2B5EF4-FFF2-40B4-BE49-F238E27FC236}">
-                <a16:creationId xmlns:a16="http://schemas.microsoft.com/office/drawing/2014/main" id="{B7D00B51-F022-49DC-A713-D119F08E7340}"/>
-              </a:ext>
-            </a:extLst>
-          </p:cNvPr>
-          <p:cNvSpPr txBox="1"/>
-          <p:nvPr/>
-        </p:nvSpPr>
-        <p:spPr>
-          <a:xfrm>
-            <a:off x="6100918" y="254692"/>
-            <a:ext cx="2030361" cy="923330"/>
-          </a:xfrm>
-          <a:prstGeom prst="rect">
-            <a:avLst/>
-          </a:prstGeom>
-          <a:noFill/>
-        </p:spPr>
-        <p:txBody>
-          <a:bodyPr wrap="square" rtlCol="0">
-            <a:spAutoFit/>
-          </a:bodyPr>
-          <a:lstStyle/>
-          <a:p>
-            <a:r>
-              <a:rPr lang="en-US" b="1" dirty="0">
-                <a:solidFill>
-                  <a:srgbClr val="FF0000"/>
-                </a:solidFill>
-              </a:rPr>
-              <a:t>“Prodigal” is the genes identified by Prodigal</a:t>
-            </a:r>
-          </a:p>
-        </p:txBody>
-      </p:sp>
-      <p:sp>
-        <p:nvSpPr>
-          <p:cNvPr id="9" name="TextBox 8">
-            <a:extLst>
-              <a:ext uri="{FF2B5EF4-FFF2-40B4-BE49-F238E27FC236}">
-                <a16:creationId xmlns:a16="http://schemas.microsoft.com/office/drawing/2014/main" id="{9DD42FB1-A180-4576-9650-AD1025C39860}"/>
-              </a:ext>
-            </a:extLst>
-          </p:cNvPr>
-          <p:cNvSpPr txBox="1"/>
-          <p:nvPr/>
-        </p:nvSpPr>
-        <p:spPr>
-          <a:xfrm>
-            <a:off x="8323008" y="254692"/>
-            <a:ext cx="2099187" cy="923330"/>
-          </a:xfrm>
-          <a:prstGeom prst="rect">
-            <a:avLst/>
-          </a:prstGeom>
-          <a:noFill/>
-        </p:spPr>
-        <p:txBody>
-          <a:bodyPr wrap="square" rtlCol="0">
-            <a:spAutoFit/>
-          </a:bodyPr>
-          <a:lstStyle/>
-          <a:p>
-            <a:r>
-              <a:rPr lang="en-US" b="1" dirty="0">
-                <a:solidFill>
-                  <a:srgbClr val="FF0000"/>
-                </a:solidFill>
-              </a:rPr>
-              <a:t>“Metagene” is the genes identified by Metagene</a:t>
-            </a:r>
-          </a:p>
-        </p:txBody>
-      </p:sp>
-      <p:cxnSp>
-        <p:nvCxnSpPr>
-          <p:cNvPr id="10" name="Straight Arrow Connector 9">
-            <a:extLst>
-              <a:ext uri="{FF2B5EF4-FFF2-40B4-BE49-F238E27FC236}">
-                <a16:creationId xmlns:a16="http://schemas.microsoft.com/office/drawing/2014/main" id="{6694B554-0CD0-4F11-80D1-F91CDD49AF9B}"/>
+                <a16:creationId xmlns:a16="http://schemas.microsoft.com/office/drawing/2014/main" id="{19767628-97CA-47FF-A3AE-F4B388D0E71D}"/>
               </a:ext>
             </a:extLst>
           </p:cNvPr>
@@ -5706,9 +5711,9 @@
           <p:nvPr/>
         </p:nvCxnSpPr>
         <p:spPr>
-          <a:xfrm>
-            <a:off x="8878825" y="1178023"/>
-            <a:ext cx="0" cy="724669"/>
+          <a:xfrm flipV="1">
+            <a:off x="5029438" y="5882966"/>
+            <a:ext cx="0" cy="461801"/>
           </a:xfrm>
           <a:prstGeom prst="straightConnector1">
             <a:avLst/>
@@ -5735,12 +5740,51 @@
           </a:fontRef>
         </p:style>
       </p:cxnSp>
+      <p:sp>
+        <p:nvSpPr>
+          <p:cNvPr id="34" name="TextBox 33">
+            <a:extLst>
+              <a:ext uri="{FF2B5EF4-FFF2-40B4-BE49-F238E27FC236}">
+                <a16:creationId xmlns:a16="http://schemas.microsoft.com/office/drawing/2014/main" id="{7D73A8F5-5AB5-4ED4-A05F-0C54FDD0815C}"/>
+              </a:ext>
+            </a:extLst>
+          </p:cNvPr>
+          <p:cNvSpPr txBox="1"/>
+          <p:nvPr/>
+        </p:nvSpPr>
+        <p:spPr>
+          <a:xfrm>
+            <a:off x="4759504" y="6300105"/>
+            <a:ext cx="1835087" cy="646331"/>
+          </a:xfrm>
+          <a:prstGeom prst="rect">
+            <a:avLst/>
+          </a:prstGeom>
+          <a:noFill/>
+        </p:spPr>
+        <p:txBody>
+          <a:bodyPr wrap="square" rtlCol="0">
+            <a:spAutoFit/>
+          </a:bodyPr>
+          <a:lstStyle/>
+          <a:p>
+            <a:r>
+              <a:rPr lang="en-US" b="1" dirty="0">
+                <a:solidFill>
+                  <a:srgbClr val="FF0000"/>
+                </a:solidFill>
+              </a:rPr>
+              <a:t>Gene stop (start if strand is “-”)</a:t>
+            </a:r>
+          </a:p>
+        </p:txBody>
+      </p:sp>
       <p:cxnSp>
         <p:nvCxnSpPr>
-          <p:cNvPr id="14" name="Straight Arrow Connector 13">
+          <p:cNvPr id="35" name="Straight Arrow Connector 34">
             <a:extLst>
               <a:ext uri="{FF2B5EF4-FFF2-40B4-BE49-F238E27FC236}">
-                <a16:creationId xmlns:a16="http://schemas.microsoft.com/office/drawing/2014/main" id="{25FB1019-75D3-4F1F-A630-9F34C8EC2D68}"/>
+                <a16:creationId xmlns:a16="http://schemas.microsoft.com/office/drawing/2014/main" id="{2B8AD9CE-C4F0-4A13-AB91-9F16359ADAD3}"/>
               </a:ext>
             </a:extLst>
           </p:cNvPr>
@@ -5750,9 +5794,9 @@
           <p:nvPr/>
         </p:nvCxnSpPr>
         <p:spPr>
-          <a:xfrm>
-            <a:off x="2501115" y="1178023"/>
-            <a:ext cx="0" cy="724669"/>
+          <a:xfrm flipV="1">
+            <a:off x="4242610" y="5860956"/>
+            <a:ext cx="256128" cy="461160"/>
           </a:xfrm>
           <a:prstGeom prst="straightConnector1">
             <a:avLst/>
@@ -5779,24 +5823,64 @@
           </a:fontRef>
         </p:style>
       </p:cxnSp>
+      <p:sp>
+        <p:nvSpPr>
+          <p:cNvPr id="38" name="TextBox 37">
+            <a:extLst>
+              <a:ext uri="{FF2B5EF4-FFF2-40B4-BE49-F238E27FC236}">
+                <a16:creationId xmlns:a16="http://schemas.microsoft.com/office/drawing/2014/main" id="{86A56621-006A-4510-8BDB-352DD86446AC}"/>
+              </a:ext>
+            </a:extLst>
+          </p:cNvPr>
+          <p:cNvSpPr txBox="1"/>
+          <p:nvPr/>
+        </p:nvSpPr>
+        <p:spPr>
+          <a:xfrm>
+            <a:off x="3004744" y="6231033"/>
+            <a:ext cx="1731005" cy="646331"/>
+          </a:xfrm>
+          <a:prstGeom prst="rect">
+            <a:avLst/>
+          </a:prstGeom>
+          <a:noFill/>
+        </p:spPr>
+        <p:txBody>
+          <a:bodyPr wrap="square" rtlCol="0">
+            <a:spAutoFit/>
+          </a:bodyPr>
+          <a:lstStyle/>
+          <a:p>
+            <a:r>
+              <a:rPr lang="en-US" b="1" dirty="0">
+                <a:solidFill>
+                  <a:srgbClr val="FF0000"/>
+                </a:solidFill>
+              </a:rPr>
+              <a:t>Gene start (stop if strand “-”)</a:t>
+            </a:r>
+          </a:p>
+        </p:txBody>
+      </p:sp>
       <p:cxnSp>
         <p:nvCxnSpPr>
-          <p:cNvPr id="15" name="Straight Arrow Connector 14">
+          <p:cNvPr id="39" name="Straight Arrow Connector 38">
             <a:extLst>
               <a:ext uri="{FF2B5EF4-FFF2-40B4-BE49-F238E27FC236}">
-                <a16:creationId xmlns:a16="http://schemas.microsoft.com/office/drawing/2014/main" id="{7F682CC7-186E-4B03-8348-90AE4712C5AF}"/>
+                <a16:creationId xmlns:a16="http://schemas.microsoft.com/office/drawing/2014/main" id="{ADB3099B-0D90-4E08-8A02-4D7D0455E2AC}"/>
               </a:ext>
             </a:extLst>
           </p:cNvPr>
           <p:cNvCxnSpPr>
             <a:cxnSpLocks/>
+            <a:endCxn id="30" idx="2"/>
           </p:cNvCxnSpPr>
           <p:nvPr/>
         </p:nvCxnSpPr>
         <p:spPr>
-          <a:xfrm>
-            <a:off x="4325299" y="1178023"/>
-            <a:ext cx="0" cy="724669"/>
+          <a:xfrm flipH="1" flipV="1">
+            <a:off x="5508060" y="5882966"/>
+            <a:ext cx="1444998" cy="559830"/>
           </a:xfrm>
           <a:prstGeom prst="straightConnector1">
             <a:avLst/>
@@ -5823,12 +5907,51 @@
           </a:fontRef>
         </p:style>
       </p:cxnSp>
+      <p:sp>
+        <p:nvSpPr>
+          <p:cNvPr id="40" name="TextBox 39">
+            <a:extLst>
+              <a:ext uri="{FF2B5EF4-FFF2-40B4-BE49-F238E27FC236}">
+                <a16:creationId xmlns:a16="http://schemas.microsoft.com/office/drawing/2014/main" id="{EDECE8F2-2665-4AEA-83B3-4B9B3DAF9CD9}"/>
+              </a:ext>
+            </a:extLst>
+          </p:cNvPr>
+          <p:cNvSpPr txBox="1"/>
+          <p:nvPr/>
+        </p:nvSpPr>
+        <p:spPr>
+          <a:xfrm>
+            <a:off x="6846385" y="6277502"/>
+            <a:ext cx="2239669" cy="369332"/>
+          </a:xfrm>
+          <a:prstGeom prst="rect">
+            <a:avLst/>
+          </a:prstGeom>
+          <a:noFill/>
+        </p:spPr>
+        <p:txBody>
+          <a:bodyPr wrap="square" rtlCol="0">
+            <a:spAutoFit/>
+          </a:bodyPr>
+          <a:lstStyle/>
+          <a:p>
+            <a:r>
+              <a:rPr lang="en-US" b="1" dirty="0">
+                <a:solidFill>
+                  <a:srgbClr val="FF0000"/>
+                </a:solidFill>
+              </a:rPr>
+              <a:t>   Gene length</a:t>
+            </a:r>
+          </a:p>
+        </p:txBody>
+      </p:sp>
       <p:cxnSp>
         <p:nvCxnSpPr>
-          <p:cNvPr id="16" name="Straight Arrow Connector 15">
+          <p:cNvPr id="41" name="Straight Arrow Connector 40">
             <a:extLst>
               <a:ext uri="{FF2B5EF4-FFF2-40B4-BE49-F238E27FC236}">
-                <a16:creationId xmlns:a16="http://schemas.microsoft.com/office/drawing/2014/main" id="{A5D079D1-8D11-431A-8499-493B53E64DD4}"/>
+                <a16:creationId xmlns:a16="http://schemas.microsoft.com/office/drawing/2014/main" id="{4ABBEC17-556A-4A34-9F23-3C41A1E451F2}"/>
               </a:ext>
             </a:extLst>
           </p:cNvPr>
@@ -5838,9 +5961,9 @@
           <p:nvPr/>
         </p:nvCxnSpPr>
         <p:spPr>
-          <a:xfrm>
-            <a:off x="6611298" y="1178023"/>
-            <a:ext cx="0" cy="724669"/>
+          <a:xfrm flipV="1">
+            <a:off x="2650963" y="5860956"/>
+            <a:ext cx="1393900" cy="599269"/>
           </a:xfrm>
           <a:prstGeom prst="straightConnector1">
             <a:avLst/>
@@ -5867,56 +5990,12 @@
           </a:fontRef>
         </p:style>
       </p:cxnSp>
-      <p:cxnSp>
-        <p:nvCxnSpPr>
-          <p:cNvPr id="20" name="Straight Arrow Connector 19">
+      <p:sp>
+        <p:nvSpPr>
+          <p:cNvPr id="42" name="TextBox 41">
             <a:extLst>
               <a:ext uri="{FF2B5EF4-FFF2-40B4-BE49-F238E27FC236}">
-                <a16:creationId xmlns:a16="http://schemas.microsoft.com/office/drawing/2014/main" id="{C31E88C2-96F8-4793-8A01-58EE9621E6A7}"/>
-              </a:ext>
-            </a:extLst>
-          </p:cNvPr>
-          <p:cNvCxnSpPr>
-            <a:cxnSpLocks/>
-          </p:cNvCxnSpPr>
-          <p:nvPr/>
-        </p:nvCxnSpPr>
-        <p:spPr>
-          <a:xfrm flipV="1">
-            <a:off x="5246255" y="5536741"/>
-            <a:ext cx="0" cy="546920"/>
-          </a:xfrm>
-          <a:prstGeom prst="straightConnector1">
-            <a:avLst/>
-          </a:prstGeom>
-          <a:ln w="57150">
-            <a:solidFill>
-              <a:srgbClr val="FF0000"/>
-            </a:solidFill>
-            <a:tailEnd type="triangle"/>
-          </a:ln>
-        </p:spPr>
-        <p:style>
-          <a:lnRef idx="1">
-            <a:schemeClr val="accent1"/>
-          </a:lnRef>
-          <a:fillRef idx="0">
-            <a:schemeClr val="accent1"/>
-          </a:fillRef>
-          <a:effectRef idx="0">
-            <a:schemeClr val="accent1"/>
-          </a:effectRef>
-          <a:fontRef idx="minor">
-            <a:schemeClr val="tx1"/>
-          </a:fontRef>
-        </p:style>
-      </p:cxnSp>
-      <p:sp>
-        <p:nvSpPr>
-          <p:cNvPr id="21" name="TextBox 20">
-            <a:extLst>
-              <a:ext uri="{FF2B5EF4-FFF2-40B4-BE49-F238E27FC236}">
-                <a16:creationId xmlns:a16="http://schemas.microsoft.com/office/drawing/2014/main" id="{16E17C37-3D08-413F-8036-E49C69A34EF4}"/>
+                <a16:creationId xmlns:a16="http://schemas.microsoft.com/office/drawing/2014/main" id="{FBC8FB49-2701-4BB5-8EB7-91C8B569AD09}"/>
               </a:ext>
             </a:extLst>
           </p:cNvPr>
@@ -5925,256 +6004,7 @@
         </p:nvSpPr>
         <p:spPr>
           <a:xfrm>
-            <a:off x="4768931" y="6073857"/>
-            <a:ext cx="1835087" cy="646331"/>
-          </a:xfrm>
-          <a:prstGeom prst="rect">
-            <a:avLst/>
-          </a:prstGeom>
-          <a:noFill/>
-        </p:spPr>
-        <p:txBody>
-          <a:bodyPr wrap="square" rtlCol="0">
-            <a:spAutoFit/>
-          </a:bodyPr>
-          <a:lstStyle/>
-          <a:p>
-            <a:r>
-              <a:rPr lang="en-US" b="1" dirty="0">
-                <a:solidFill>
-                  <a:srgbClr val="FF0000"/>
-                </a:solidFill>
-              </a:rPr>
-              <a:t>Gene stop (start if strand is “-”)</a:t>
-            </a:r>
-          </a:p>
-        </p:txBody>
-      </p:sp>
-      <p:cxnSp>
-        <p:nvCxnSpPr>
-          <p:cNvPr id="22" name="Straight Arrow Connector 21">
-            <a:extLst>
-              <a:ext uri="{FF2B5EF4-FFF2-40B4-BE49-F238E27FC236}">
-                <a16:creationId xmlns:a16="http://schemas.microsoft.com/office/drawing/2014/main" id="{E85FD6CA-ACFC-42DC-B66E-8D78B8CE4B4F}"/>
-              </a:ext>
-            </a:extLst>
-          </p:cNvPr>
-          <p:cNvCxnSpPr>
-            <a:cxnSpLocks/>
-          </p:cNvCxnSpPr>
-          <p:nvPr/>
-        </p:nvCxnSpPr>
-        <p:spPr>
-          <a:xfrm flipV="1">
-            <a:off x="4325299" y="5571600"/>
-            <a:ext cx="411212" cy="477205"/>
-          </a:xfrm>
-          <a:prstGeom prst="straightConnector1">
-            <a:avLst/>
-          </a:prstGeom>
-          <a:ln w="57150">
-            <a:solidFill>
-              <a:srgbClr val="FF0000"/>
-            </a:solidFill>
-            <a:tailEnd type="triangle"/>
-          </a:ln>
-        </p:spPr>
-        <p:style>
-          <a:lnRef idx="1">
-            <a:schemeClr val="accent1"/>
-          </a:lnRef>
-          <a:fillRef idx="0">
-            <a:schemeClr val="accent1"/>
-          </a:fillRef>
-          <a:effectRef idx="0">
-            <a:schemeClr val="accent1"/>
-          </a:effectRef>
-          <a:fontRef idx="minor">
-            <a:schemeClr val="tx1"/>
-          </a:fontRef>
-        </p:style>
-      </p:cxnSp>
-      <p:sp>
-        <p:nvSpPr>
-          <p:cNvPr id="23" name="TextBox 22">
-            <a:extLst>
-              <a:ext uri="{FF2B5EF4-FFF2-40B4-BE49-F238E27FC236}">
-                <a16:creationId xmlns:a16="http://schemas.microsoft.com/office/drawing/2014/main" id="{403479BF-9BCD-401A-968B-D76CCB2593EF}"/>
-              </a:ext>
-            </a:extLst>
-          </p:cNvPr>
-          <p:cNvSpPr txBox="1"/>
-          <p:nvPr/>
-        </p:nvSpPr>
-        <p:spPr>
-          <a:xfrm>
-            <a:off x="3014171" y="6004785"/>
-            <a:ext cx="1731005" cy="646331"/>
-          </a:xfrm>
-          <a:prstGeom prst="rect">
-            <a:avLst/>
-          </a:prstGeom>
-          <a:noFill/>
-        </p:spPr>
-        <p:txBody>
-          <a:bodyPr wrap="square" rtlCol="0">
-            <a:spAutoFit/>
-          </a:bodyPr>
-          <a:lstStyle/>
-          <a:p>
-            <a:r>
-              <a:rPr lang="en-US" b="1" dirty="0">
-                <a:solidFill>
-                  <a:srgbClr val="FF0000"/>
-                </a:solidFill>
-              </a:rPr>
-              <a:t>Gene start (stop if strand “-”)</a:t>
-            </a:r>
-          </a:p>
-        </p:txBody>
-      </p:sp>
-      <p:cxnSp>
-        <p:nvCxnSpPr>
-          <p:cNvPr id="24" name="Straight Arrow Connector 23">
-            <a:extLst>
-              <a:ext uri="{FF2B5EF4-FFF2-40B4-BE49-F238E27FC236}">
-                <a16:creationId xmlns:a16="http://schemas.microsoft.com/office/drawing/2014/main" id="{AD131B5D-A37D-4758-B905-D8113A4A8630}"/>
-              </a:ext>
-            </a:extLst>
-          </p:cNvPr>
-          <p:cNvCxnSpPr>
-            <a:cxnSpLocks/>
-          </p:cNvCxnSpPr>
-          <p:nvPr/>
-        </p:nvCxnSpPr>
-        <p:spPr>
-          <a:xfrm flipH="1" flipV="1">
-            <a:off x="5782093" y="5571599"/>
-            <a:ext cx="1444997" cy="662378"/>
-          </a:xfrm>
-          <a:prstGeom prst="straightConnector1">
-            <a:avLst/>
-          </a:prstGeom>
-          <a:ln w="57150">
-            <a:solidFill>
-              <a:srgbClr val="FF0000"/>
-            </a:solidFill>
-            <a:tailEnd type="triangle"/>
-          </a:ln>
-        </p:spPr>
-        <p:style>
-          <a:lnRef idx="1">
-            <a:schemeClr val="accent1"/>
-          </a:lnRef>
-          <a:fillRef idx="0">
-            <a:schemeClr val="accent1"/>
-          </a:fillRef>
-          <a:effectRef idx="0">
-            <a:schemeClr val="accent1"/>
-          </a:effectRef>
-          <a:fontRef idx="minor">
-            <a:schemeClr val="tx1"/>
-          </a:fontRef>
-        </p:style>
-      </p:cxnSp>
-      <p:sp>
-        <p:nvSpPr>
-          <p:cNvPr id="25" name="TextBox 24">
-            <a:extLst>
-              <a:ext uri="{FF2B5EF4-FFF2-40B4-BE49-F238E27FC236}">
-                <a16:creationId xmlns:a16="http://schemas.microsoft.com/office/drawing/2014/main" id="{3E3A2B5F-D1C6-4DF8-8D80-4E158646C8CD}"/>
-              </a:ext>
-            </a:extLst>
-          </p:cNvPr>
-          <p:cNvSpPr txBox="1"/>
-          <p:nvPr/>
-        </p:nvSpPr>
-        <p:spPr>
-          <a:xfrm>
-            <a:off x="7116098" y="6143283"/>
-            <a:ext cx="2239669" cy="369332"/>
-          </a:xfrm>
-          <a:prstGeom prst="rect">
-            <a:avLst/>
-          </a:prstGeom>
-          <a:noFill/>
-        </p:spPr>
-        <p:txBody>
-          <a:bodyPr wrap="square" rtlCol="0">
-            <a:spAutoFit/>
-          </a:bodyPr>
-          <a:lstStyle/>
-          <a:p>
-            <a:r>
-              <a:rPr lang="en-US" b="1" dirty="0">
-                <a:solidFill>
-                  <a:srgbClr val="FF0000"/>
-                </a:solidFill>
-              </a:rPr>
-              <a:t>   Gene length</a:t>
-            </a:r>
-          </a:p>
-        </p:txBody>
-      </p:sp>
-      <p:cxnSp>
-        <p:nvCxnSpPr>
-          <p:cNvPr id="36" name="Straight Arrow Connector 35">
-            <a:extLst>
-              <a:ext uri="{FF2B5EF4-FFF2-40B4-BE49-F238E27FC236}">
-                <a16:creationId xmlns:a16="http://schemas.microsoft.com/office/drawing/2014/main" id="{701FF750-1C6C-40B9-A94D-2E9A649CCF35}"/>
-              </a:ext>
-            </a:extLst>
-          </p:cNvPr>
-          <p:cNvCxnSpPr>
-            <a:cxnSpLocks/>
-          </p:cNvCxnSpPr>
-          <p:nvPr/>
-        </p:nvCxnSpPr>
-        <p:spPr>
-          <a:xfrm flipV="1">
-            <a:off x="2660390" y="5536741"/>
-            <a:ext cx="1485468" cy="697236"/>
-          </a:xfrm>
-          <a:prstGeom prst="straightConnector1">
-            <a:avLst/>
-          </a:prstGeom>
-          <a:ln w="57150">
-            <a:solidFill>
-              <a:srgbClr val="FF0000"/>
-            </a:solidFill>
-            <a:tailEnd type="triangle"/>
-          </a:ln>
-        </p:spPr>
-        <p:style>
-          <a:lnRef idx="1">
-            <a:schemeClr val="accent1"/>
-          </a:lnRef>
-          <a:fillRef idx="0">
-            <a:schemeClr val="accent1"/>
-          </a:fillRef>
-          <a:effectRef idx="0">
-            <a:schemeClr val="accent1"/>
-          </a:effectRef>
-          <a:fontRef idx="minor">
-            <a:schemeClr val="tx1"/>
-          </a:fontRef>
-        </p:style>
-      </p:cxnSp>
-      <p:sp>
-        <p:nvSpPr>
-          <p:cNvPr id="37" name="TextBox 36">
-            <a:extLst>
-              <a:ext uri="{FF2B5EF4-FFF2-40B4-BE49-F238E27FC236}">
-                <a16:creationId xmlns:a16="http://schemas.microsoft.com/office/drawing/2014/main" id="{2D9AB5D8-F921-4C06-BFC3-7BE9971D8E02}"/>
-              </a:ext>
-            </a:extLst>
-          </p:cNvPr>
-          <p:cNvSpPr txBox="1"/>
-          <p:nvPr/>
-        </p:nvSpPr>
-        <p:spPr>
-          <a:xfrm>
-            <a:off x="1794502" y="5774255"/>
+            <a:off x="1785075" y="6000503"/>
             <a:ext cx="1300030" cy="646331"/>
           </a:xfrm>
           <a:prstGeom prst="rect">
@@ -6195,6 +6025,45 @@
                 </a:solidFill>
               </a:rPr>
               <a:t>DNA strand (+ or -)</a:t>
+            </a:r>
+          </a:p>
+        </p:txBody>
+      </p:sp>
+      <p:sp>
+        <p:nvSpPr>
+          <p:cNvPr id="43" name="TextBox 42">
+            <a:extLst>
+              <a:ext uri="{FF2B5EF4-FFF2-40B4-BE49-F238E27FC236}">
+                <a16:creationId xmlns:a16="http://schemas.microsoft.com/office/drawing/2014/main" id="{D11026A6-503C-4C95-A8D6-5D3BAED0A40F}"/>
+              </a:ext>
+            </a:extLst>
+          </p:cNvPr>
+          <p:cNvSpPr txBox="1"/>
+          <p:nvPr/>
+        </p:nvSpPr>
+        <p:spPr>
+          <a:xfrm>
+            <a:off x="10600980" y="1606502"/>
+            <a:ext cx="1591020" cy="2585323"/>
+          </a:xfrm>
+          <a:prstGeom prst="rect">
+            <a:avLst/>
+          </a:prstGeom>
+          <a:noFill/>
+        </p:spPr>
+        <p:txBody>
+          <a:bodyPr wrap="square" rtlCol="0">
+            <a:spAutoFit/>
+          </a:bodyPr>
+          <a:lstStyle/>
+          <a:p>
+            <a:r>
+              <a:rPr lang="en-US" b="1" dirty="0">
+                <a:solidFill>
+                  <a:srgbClr val="FF0000"/>
+                </a:solidFill>
+              </a:rPr>
+              <a:t>Row shading is proportional to how many programs identify a gene (darker = more programs, white =  only one program)</a:t>
             </a:r>
           </a:p>
         </p:txBody>
@@ -6213,6 +6082,229 @@
 </file>
 
 <file path=ppt/slides/slide8.xml><?xml version="1.0" encoding="utf-8"?>
+<p:sld xmlns:a="http://schemas.openxmlformats.org/drawingml/2006/main" xmlns:r="http://schemas.openxmlformats.org/officeDocument/2006/relationships" xmlns:p="http://schemas.openxmlformats.org/presentationml/2006/main">
+  <p:cSld>
+    <p:spTree>
+      <p:nvGrpSpPr>
+        <p:cNvPr id="1" name=""/>
+        <p:cNvGrpSpPr/>
+        <p:nvPr/>
+      </p:nvGrpSpPr>
+      <p:grpSpPr>
+        <a:xfrm>
+          <a:off x="0" y="0"/>
+          <a:ext cx="0" cy="0"/>
+          <a:chOff x="0" y="0"/>
+          <a:chExt cx="0" cy="0"/>
+        </a:xfrm>
+      </p:grpSpPr>
+      <p:sp>
+        <p:nvSpPr>
+          <p:cNvPr id="3" name="TextBox 2">
+            <a:extLst>
+              <a:ext uri="{FF2B5EF4-FFF2-40B4-BE49-F238E27FC236}">
+                <a16:creationId xmlns:a16="http://schemas.microsoft.com/office/drawing/2014/main" id="{985E05DE-C2CE-44C9-B34F-608282C0E6E0}"/>
+              </a:ext>
+            </a:extLst>
+          </p:cNvPr>
+          <p:cNvSpPr txBox="1"/>
+          <p:nvPr/>
+        </p:nvSpPr>
+        <p:spPr>
+          <a:xfrm>
+            <a:off x="10547201" y="1228319"/>
+            <a:ext cx="1634750" cy="2308324"/>
+          </a:xfrm>
+          <a:prstGeom prst="rect">
+            <a:avLst/>
+          </a:prstGeom>
+          <a:noFill/>
+        </p:spPr>
+        <p:txBody>
+          <a:bodyPr wrap="square" rtlCol="0">
+            <a:spAutoFit/>
+          </a:bodyPr>
+          <a:lstStyle/>
+          <a:p>
+            <a:r>
+              <a:rPr lang="en-US" b="1" dirty="0">
+                <a:solidFill>
+                  <a:srgbClr val="FF0000"/>
+                </a:solidFill>
+              </a:rPr>
+              <a:t>Alternative starts shown in different color font (starts by majority of programs show in black or white font)</a:t>
+            </a:r>
+          </a:p>
+        </p:txBody>
+      </p:sp>
+      <p:grpSp>
+        <p:nvGrpSpPr>
+          <p:cNvPr id="7" name="Group 6">
+            <a:extLst>
+              <a:ext uri="{FF2B5EF4-FFF2-40B4-BE49-F238E27FC236}">
+                <a16:creationId xmlns:a16="http://schemas.microsoft.com/office/drawing/2014/main" id="{E57B8E60-79CC-410A-8AC4-F626E31DEF5F}"/>
+              </a:ext>
+            </a:extLst>
+          </p:cNvPr>
+          <p:cNvGrpSpPr/>
+          <p:nvPr/>
+        </p:nvGrpSpPr>
+        <p:grpSpPr>
+          <a:xfrm>
+            <a:off x="537855" y="725907"/>
+            <a:ext cx="9978450" cy="5406186"/>
+            <a:chOff x="879115" y="777559"/>
+            <a:chExt cx="9978450" cy="5406186"/>
+          </a:xfrm>
+        </p:grpSpPr>
+        <p:pic>
+          <p:nvPicPr>
+            <p:cNvPr id="2" name="Picture 1">
+              <a:extLst>
+                <a:ext uri="{FF2B5EF4-FFF2-40B4-BE49-F238E27FC236}">
+                  <a16:creationId xmlns:a16="http://schemas.microsoft.com/office/drawing/2014/main" id="{19BF4FED-E28B-4EDB-9F9A-2C23CF81B0EF}"/>
+                </a:ext>
+              </a:extLst>
+            </p:cNvPr>
+            <p:cNvPicPr>
+              <a:picLocks noChangeAspect="1"/>
+            </p:cNvPicPr>
+            <p:nvPr/>
+          </p:nvPicPr>
+          <p:blipFill rotWithShape="1">
+            <a:blip r:embed="rId2"/>
+            <a:srcRect r="49840" b="36316"/>
+            <a:stretch/>
+          </p:blipFill>
+          <p:spPr>
+            <a:xfrm>
+              <a:off x="879115" y="777559"/>
+              <a:ext cx="9978450" cy="5302882"/>
+            </a:xfrm>
+            <a:prstGeom prst="rect">
+              <a:avLst/>
+            </a:prstGeom>
+          </p:spPr>
+        </p:pic>
+        <p:sp>
+          <p:nvSpPr>
+            <p:cNvPr id="5" name="Oval 4">
+              <a:extLst>
+                <a:ext uri="{FF2B5EF4-FFF2-40B4-BE49-F238E27FC236}">
+                  <a16:creationId xmlns:a16="http://schemas.microsoft.com/office/drawing/2014/main" id="{52626BFE-871F-4C8B-971C-BC434E631D3D}"/>
+                </a:ext>
+              </a:extLst>
+            </p:cNvPr>
+            <p:cNvSpPr/>
+            <p:nvPr/>
+          </p:nvSpPr>
+          <p:spPr>
+            <a:xfrm>
+              <a:off x="2510818" y="777559"/>
+              <a:ext cx="620309" cy="387927"/>
+            </a:xfrm>
+            <a:prstGeom prst="ellipse">
+              <a:avLst/>
+            </a:prstGeom>
+            <a:noFill/>
+            <a:ln w="57150">
+              <a:solidFill>
+                <a:srgbClr val="FF0000"/>
+              </a:solidFill>
+            </a:ln>
+          </p:spPr>
+          <p:style>
+            <a:lnRef idx="2">
+              <a:schemeClr val="accent1">
+                <a:shade val="50000"/>
+              </a:schemeClr>
+            </a:lnRef>
+            <a:fillRef idx="1">
+              <a:schemeClr val="accent1"/>
+            </a:fillRef>
+            <a:effectRef idx="0">
+              <a:schemeClr val="accent1"/>
+            </a:effectRef>
+            <a:fontRef idx="minor">
+              <a:schemeClr val="lt1"/>
+            </a:fontRef>
+          </p:style>
+          <p:txBody>
+            <a:bodyPr rtlCol="0" anchor="ctr"/>
+            <a:lstStyle/>
+            <a:p>
+              <a:pPr algn="ctr"/>
+              <a:endParaRPr lang="en-US"/>
+            </a:p>
+          </p:txBody>
+        </p:sp>
+        <p:sp>
+          <p:nvSpPr>
+            <p:cNvPr id="6" name="Oval 5">
+              <a:extLst>
+                <a:ext uri="{FF2B5EF4-FFF2-40B4-BE49-F238E27FC236}">
+                  <a16:creationId xmlns:a16="http://schemas.microsoft.com/office/drawing/2014/main" id="{550B40F2-81FA-490C-8BA3-8B05EC97D1EF}"/>
+                </a:ext>
+              </a:extLst>
+            </p:cNvPr>
+            <p:cNvSpPr/>
+            <p:nvPr/>
+          </p:nvSpPr>
+          <p:spPr>
+            <a:xfrm>
+              <a:off x="5092381" y="5795818"/>
+              <a:ext cx="620309" cy="387927"/>
+            </a:xfrm>
+            <a:prstGeom prst="ellipse">
+              <a:avLst/>
+            </a:prstGeom>
+            <a:noFill/>
+            <a:ln w="57150">
+              <a:solidFill>
+                <a:srgbClr val="FF0000"/>
+              </a:solidFill>
+            </a:ln>
+          </p:spPr>
+          <p:style>
+            <a:lnRef idx="2">
+              <a:schemeClr val="accent1">
+                <a:shade val="50000"/>
+              </a:schemeClr>
+            </a:lnRef>
+            <a:fillRef idx="1">
+              <a:schemeClr val="accent1"/>
+            </a:fillRef>
+            <a:effectRef idx="0">
+              <a:schemeClr val="accent1"/>
+            </a:effectRef>
+            <a:fontRef idx="minor">
+              <a:schemeClr val="lt1"/>
+            </a:fontRef>
+          </p:style>
+          <p:txBody>
+            <a:bodyPr rtlCol="0" anchor="ctr"/>
+            <a:lstStyle/>
+            <a:p>
+              <a:pPr algn="ctr"/>
+              <a:endParaRPr lang="en-US"/>
+            </a:p>
+          </p:txBody>
+        </p:sp>
+      </p:grpSp>
+    </p:spTree>
+    <p:extLst>
+      <p:ext uri="{BB962C8B-B14F-4D97-AF65-F5344CB8AC3E}">
+        <p14:creationId xmlns:p14="http://schemas.microsoft.com/office/powerpoint/2010/main" val="1622628439"/>
+      </p:ext>
+    </p:extLst>
+  </p:cSld>
+  <p:clrMapOvr>
+    <a:masterClrMapping/>
+  </p:clrMapOvr>
+</p:sld>
+</file>
+
+<file path=ppt/slides/slide9.xml><?xml version="1.0" encoding="utf-8"?>
 <p:sld xmlns:a="http://schemas.openxmlformats.org/drawingml/2006/main" xmlns:r="http://schemas.openxmlformats.org/officeDocument/2006/relationships" xmlns:p="http://schemas.openxmlformats.org/presentationml/2006/main">
   <p:cSld>
     <p:spTree>
@@ -6438,260 +6530,6 @@
     <p:extLst>
       <p:ext uri="{BB962C8B-B14F-4D97-AF65-F5344CB8AC3E}">
         <p14:creationId xmlns:p14="http://schemas.microsoft.com/office/powerpoint/2010/main" val="273132360"/>
-      </p:ext>
-    </p:extLst>
-  </p:cSld>
-  <p:clrMapOvr>
-    <a:masterClrMapping/>
-  </p:clrMapOvr>
-</p:sld>
-</file>
-
-<file path=ppt/slides/slide9.xml><?xml version="1.0" encoding="utf-8"?>
-<p:sld xmlns:a="http://schemas.openxmlformats.org/drawingml/2006/main" xmlns:r="http://schemas.openxmlformats.org/officeDocument/2006/relationships" xmlns:p="http://schemas.openxmlformats.org/presentationml/2006/main">
-  <p:cSld>
-    <p:spTree>
-      <p:nvGrpSpPr>
-        <p:cNvPr id="1" name=""/>
-        <p:cNvGrpSpPr/>
-        <p:nvPr/>
-      </p:nvGrpSpPr>
-      <p:grpSpPr>
-        <a:xfrm>
-          <a:off x="0" y="0"/>
-          <a:ext cx="0" cy="0"/>
-          <a:chOff x="0" y="0"/>
-          <a:chExt cx="0" cy="0"/>
-        </a:xfrm>
-      </p:grpSpPr>
-      <p:sp>
-        <p:nvSpPr>
-          <p:cNvPr id="2" name="Title 1">
-            <a:extLst>
-              <a:ext uri="{FF2B5EF4-FFF2-40B4-BE49-F238E27FC236}">
-                <a16:creationId xmlns:a16="http://schemas.microsoft.com/office/drawing/2014/main" id="{25E2BFF6-6BAD-4146-AEAE-1A9B27A484BD}"/>
-              </a:ext>
-            </a:extLst>
-          </p:cNvPr>
-          <p:cNvSpPr>
-            <a:spLocks noGrp="1"/>
-          </p:cNvSpPr>
-          <p:nvPr>
-            <p:ph type="title"/>
-          </p:nvPr>
-        </p:nvSpPr>
-        <p:spPr>
-          <a:xfrm>
-            <a:off x="1719618" y="365127"/>
-            <a:ext cx="8775510" cy="1325563"/>
-          </a:xfrm>
-        </p:spPr>
-        <p:txBody>
-          <a:bodyPr>
-            <a:normAutofit/>
-          </a:bodyPr>
-          <a:lstStyle/>
-          <a:p>
-            <a:pPr algn="ctr"/>
-            <a:r>
-              <a:rPr lang="en-US" dirty="0"/>
-              <a:t>Exporting Phage Commander Results</a:t>
-            </a:r>
-          </a:p>
-        </p:txBody>
-      </p:sp>
-      <p:sp>
-        <p:nvSpPr>
-          <p:cNvPr id="3" name="Content Placeholder 2">
-            <a:extLst>
-              <a:ext uri="{FF2B5EF4-FFF2-40B4-BE49-F238E27FC236}">
-                <a16:creationId xmlns:a16="http://schemas.microsoft.com/office/drawing/2014/main" id="{CE8EA6EE-0E6C-4A9E-8B64-0F376EC4BF94}"/>
-              </a:ext>
-            </a:extLst>
-          </p:cNvPr>
-          <p:cNvSpPr>
-            <a:spLocks noGrp="1"/>
-          </p:cNvSpPr>
-          <p:nvPr>
-            <p:ph idx="1"/>
-          </p:nvPr>
-        </p:nvSpPr>
-        <p:spPr>
-          <a:xfrm>
-            <a:off x="512465" y="1600200"/>
-            <a:ext cx="11284299" cy="5160819"/>
-          </a:xfrm>
-        </p:spPr>
-        <p:txBody>
-          <a:bodyPr>
-            <a:normAutofit fontScale="92500" lnSpcReduction="10000"/>
-          </a:bodyPr>
-          <a:lstStyle/>
-          <a:p>
-            <a:r>
-              <a:rPr lang="en-US" sz="3200" dirty="0"/>
-              <a:t>To export as excel spreadsheet, select:</a:t>
-            </a:r>
-          </a:p>
-          <a:p>
-            <a:pPr lvl="1"/>
-            <a:r>
-              <a:rPr lang="en-US" sz="2800" b="1" dirty="0">
-                <a:solidFill>
-                  <a:srgbClr val="0070C0"/>
-                </a:solidFill>
-              </a:rPr>
-              <a:t>File</a:t>
-            </a:r>
-            <a:r>
-              <a:rPr lang="en-US" sz="2800" dirty="0"/>
-              <a:t> </a:t>
-            </a:r>
-            <a:r>
-              <a:rPr lang="en-US" sz="2800" dirty="0">
-                <a:sym typeface="Wingdings" panose="05000000000000000000" pitchFamily="2" charset="2"/>
-              </a:rPr>
-              <a:t> </a:t>
-            </a:r>
-            <a:r>
-              <a:rPr lang="en-US" sz="2800" b="1" dirty="0">
-                <a:solidFill>
-                  <a:srgbClr val="0070C0"/>
-                </a:solidFill>
-                <a:sym typeface="Wingdings" panose="05000000000000000000" pitchFamily="2" charset="2"/>
-              </a:rPr>
-              <a:t>Export</a:t>
-            </a:r>
-            <a:r>
-              <a:rPr lang="en-US" sz="2800" dirty="0">
-                <a:sym typeface="Wingdings" panose="05000000000000000000" pitchFamily="2" charset="2"/>
-              </a:rPr>
-              <a:t>  </a:t>
-            </a:r>
-            <a:r>
-              <a:rPr lang="en-US" sz="2800" b="1" dirty="0">
-                <a:solidFill>
-                  <a:srgbClr val="0070C0"/>
-                </a:solidFill>
-                <a:sym typeface="Wingdings" panose="05000000000000000000" pitchFamily="2" charset="2"/>
-              </a:rPr>
-              <a:t>Excel</a:t>
-            </a:r>
-          </a:p>
-          <a:p>
-            <a:r>
-              <a:rPr lang="en-US" sz="3200" dirty="0">
-                <a:sym typeface="Wingdings" panose="05000000000000000000" pitchFamily="2" charset="2"/>
-              </a:rPr>
-              <a:t>To export as GenBank (.</a:t>
-            </a:r>
-            <a:r>
-              <a:rPr lang="en-US" sz="3200" dirty="0" err="1">
-                <a:sym typeface="Wingdings" panose="05000000000000000000" pitchFamily="2" charset="2"/>
-              </a:rPr>
-              <a:t>gb</a:t>
-            </a:r>
-            <a:r>
-              <a:rPr lang="en-US" sz="3200" dirty="0">
-                <a:sym typeface="Wingdings" panose="05000000000000000000" pitchFamily="2" charset="2"/>
-              </a:rPr>
-              <a:t>) format file, select:</a:t>
-            </a:r>
-          </a:p>
-          <a:p>
-            <a:pPr lvl="1"/>
-            <a:r>
-              <a:rPr lang="en-US" sz="2800" b="1" dirty="0">
-                <a:solidFill>
-                  <a:srgbClr val="0070C0"/>
-                </a:solidFill>
-                <a:sym typeface="Wingdings" panose="05000000000000000000" pitchFamily="2" charset="2"/>
-              </a:rPr>
-              <a:t>File</a:t>
-            </a:r>
-            <a:r>
-              <a:rPr lang="en-US" sz="2800" dirty="0">
-                <a:sym typeface="Wingdings" panose="05000000000000000000" pitchFamily="2" charset="2"/>
-              </a:rPr>
-              <a:t>  </a:t>
-            </a:r>
-            <a:r>
-              <a:rPr lang="en-US" sz="2800" b="1" dirty="0">
-                <a:solidFill>
-                  <a:srgbClr val="0070C0"/>
-                </a:solidFill>
-                <a:sym typeface="Wingdings" panose="05000000000000000000" pitchFamily="2" charset="2"/>
-              </a:rPr>
-              <a:t>Export</a:t>
-            </a:r>
-            <a:r>
-              <a:rPr lang="en-US" sz="2800" dirty="0">
-                <a:sym typeface="Wingdings" panose="05000000000000000000" pitchFamily="2" charset="2"/>
-              </a:rPr>
-              <a:t>  </a:t>
-            </a:r>
-            <a:r>
-              <a:rPr lang="en-US" sz="2800" b="1" dirty="0">
-                <a:solidFill>
-                  <a:srgbClr val="0070C0"/>
-                </a:solidFill>
-                <a:sym typeface="Wingdings" panose="05000000000000000000" pitchFamily="2" charset="2"/>
-              </a:rPr>
-              <a:t>GenBank</a:t>
-            </a:r>
-          </a:p>
-          <a:p>
-            <a:pPr lvl="1"/>
-            <a:r>
-              <a:rPr lang="en-US" sz="2800" dirty="0">
-                <a:sym typeface="Wingdings" panose="05000000000000000000" pitchFamily="2" charset="2"/>
-              </a:rPr>
-              <a:t>Set the threshold number of programs for exporting genes </a:t>
-            </a:r>
-          </a:p>
-          <a:p>
-            <a:pPr lvl="1"/>
-            <a:r>
-              <a:rPr lang="en-US" sz="2800" dirty="0">
-                <a:sym typeface="Wingdings" panose="05000000000000000000" pitchFamily="2" charset="2"/>
-              </a:rPr>
-              <a:t>“Less than or equal to” will export those genes identified by an equal or lower number of programs than the threshold (e.g. genes identified by 3 or fewer programs. Set the threshold to maximum to export all genes identified)</a:t>
-            </a:r>
-          </a:p>
-          <a:p>
-            <a:pPr lvl="1"/>
-            <a:r>
-              <a:rPr lang="en-US" sz="2800" dirty="0">
-                <a:sym typeface="Wingdings" panose="05000000000000000000" pitchFamily="2" charset="2"/>
-              </a:rPr>
-              <a:t>“Greater than” will export those genes identified by a number of programs greater than the threshold (e.g. genes identified by more than 2 programs. Use “0” as the threshold and this setting to export all genes identified)</a:t>
-            </a:r>
-          </a:p>
-          <a:p>
-            <a:pPr lvl="1"/>
-            <a:r>
-              <a:rPr lang="en-US" sz="2800" dirty="0">
-                <a:sym typeface="Wingdings" panose="05000000000000000000" pitchFamily="2" charset="2"/>
-              </a:rPr>
-              <a:t>Press “Save as” and enter desired filename</a:t>
-            </a:r>
-          </a:p>
-          <a:p>
-            <a:pPr lvl="1"/>
-            <a:r>
-              <a:rPr lang="en-US" sz="2800" dirty="0">
-                <a:sym typeface="Wingdings" panose="05000000000000000000" pitchFamily="2" charset="2"/>
-              </a:rPr>
-              <a:t>Press “Export”</a:t>
-            </a:r>
-            <a:endParaRPr lang="en-US" sz="2800" dirty="0"/>
-          </a:p>
-        </p:txBody>
-      </p:sp>
-    </p:spTree>
-    <p:extLst>
-      <p:ext uri="{BB962C8B-B14F-4D97-AF65-F5344CB8AC3E}">
-        <p14:creationId xmlns:p14="http://schemas.microsoft.com/office/powerpoint/2010/main" val="2722560293"/>
       </p:ext>
     </p:extLst>
   </p:cSld>

--- a/Phage Commander User Guide.pptx
+++ b/Phage Commander User Guide.pptx
@@ -7,15 +7,21 @@
   <p:sldIdLst>
     <p:sldId id="580" r:id="rId2"/>
     <p:sldId id="587" r:id="rId3"/>
-    <p:sldId id="586" r:id="rId4"/>
-    <p:sldId id="581" r:id="rId5"/>
-    <p:sldId id="585" r:id="rId6"/>
-    <p:sldId id="583" r:id="rId7"/>
-    <p:sldId id="589" r:id="rId8"/>
-    <p:sldId id="590" r:id="rId9"/>
-    <p:sldId id="588" r:id="rId10"/>
-    <p:sldId id="584" r:id="rId11"/>
-    <p:sldId id="582" r:id="rId12"/>
+    <p:sldId id="592" r:id="rId4"/>
+    <p:sldId id="591" r:id="rId5"/>
+    <p:sldId id="593" r:id="rId6"/>
+    <p:sldId id="586" r:id="rId7"/>
+    <p:sldId id="581" r:id="rId8"/>
+    <p:sldId id="585" r:id="rId9"/>
+    <p:sldId id="583" r:id="rId10"/>
+    <p:sldId id="589" r:id="rId11"/>
+    <p:sldId id="590" r:id="rId12"/>
+    <p:sldId id="588" r:id="rId13"/>
+    <p:sldId id="594" r:id="rId14"/>
+    <p:sldId id="584" r:id="rId15"/>
+    <p:sldId id="582" r:id="rId16"/>
+    <p:sldId id="595" r:id="rId17"/>
+    <p:sldId id="596" r:id="rId18"/>
   </p:sldIdLst>
   <p:sldSz cx="12192000" cy="6858000"/>
   <p:notesSz cx="6858000" cy="9144000"/>
@@ -253,7 +259,7 @@
           <a:p>
             <a:fld id="{8635D198-6D19-4E30-930F-4865024DAF26}" type="datetimeFigureOut">
               <a:rPr lang="en-US" smtClean="0"/>
-              <a:t>4/10/2021</a:t>
+              <a:t>6/17/2021</a:t>
             </a:fld>
             <a:endParaRPr lang="en-US"/>
           </a:p>
@@ -423,7 +429,7 @@
           <a:p>
             <a:fld id="{8635D198-6D19-4E30-930F-4865024DAF26}" type="datetimeFigureOut">
               <a:rPr lang="en-US" smtClean="0"/>
-              <a:t>4/10/2021</a:t>
+              <a:t>6/17/2021</a:t>
             </a:fld>
             <a:endParaRPr lang="en-US"/>
           </a:p>
@@ -603,7 +609,7 @@
           <a:p>
             <a:fld id="{8635D198-6D19-4E30-930F-4865024DAF26}" type="datetimeFigureOut">
               <a:rPr lang="en-US" smtClean="0"/>
-              <a:t>4/10/2021</a:t>
+              <a:t>6/17/2021</a:t>
             </a:fld>
             <a:endParaRPr lang="en-US"/>
           </a:p>
@@ -773,7 +779,7 @@
           <a:p>
             <a:fld id="{8635D198-6D19-4E30-930F-4865024DAF26}" type="datetimeFigureOut">
               <a:rPr lang="en-US" smtClean="0"/>
-              <a:t>4/10/2021</a:t>
+              <a:t>6/17/2021</a:t>
             </a:fld>
             <a:endParaRPr lang="en-US"/>
           </a:p>
@@ -1017,7 +1023,7 @@
           <a:p>
             <a:fld id="{8635D198-6D19-4E30-930F-4865024DAF26}" type="datetimeFigureOut">
               <a:rPr lang="en-US" smtClean="0"/>
-              <a:t>4/10/2021</a:t>
+              <a:t>6/17/2021</a:t>
             </a:fld>
             <a:endParaRPr lang="en-US"/>
           </a:p>
@@ -1249,7 +1255,7 @@
           <a:p>
             <a:fld id="{8635D198-6D19-4E30-930F-4865024DAF26}" type="datetimeFigureOut">
               <a:rPr lang="en-US" smtClean="0"/>
-              <a:t>4/10/2021</a:t>
+              <a:t>6/17/2021</a:t>
             </a:fld>
             <a:endParaRPr lang="en-US"/>
           </a:p>
@@ -1616,7 +1622,7 @@
           <a:p>
             <a:fld id="{8635D198-6D19-4E30-930F-4865024DAF26}" type="datetimeFigureOut">
               <a:rPr lang="en-US" smtClean="0"/>
-              <a:t>4/10/2021</a:t>
+              <a:t>6/17/2021</a:t>
             </a:fld>
             <a:endParaRPr lang="en-US"/>
           </a:p>
@@ -1734,7 +1740,7 @@
           <a:p>
             <a:fld id="{8635D198-6D19-4E30-930F-4865024DAF26}" type="datetimeFigureOut">
               <a:rPr lang="en-US" smtClean="0"/>
-              <a:t>4/10/2021</a:t>
+              <a:t>6/17/2021</a:t>
             </a:fld>
             <a:endParaRPr lang="en-US"/>
           </a:p>
@@ -1829,7 +1835,7 @@
           <a:p>
             <a:fld id="{8635D198-6D19-4E30-930F-4865024DAF26}" type="datetimeFigureOut">
               <a:rPr lang="en-US" smtClean="0"/>
-              <a:t>4/10/2021</a:t>
+              <a:t>6/17/2021</a:t>
             </a:fld>
             <a:endParaRPr lang="en-US"/>
           </a:p>
@@ -2106,7 +2112,7 @@
           <a:p>
             <a:fld id="{8635D198-6D19-4E30-930F-4865024DAF26}" type="datetimeFigureOut">
               <a:rPr lang="en-US" smtClean="0"/>
-              <a:t>4/10/2021</a:t>
+              <a:t>6/17/2021</a:t>
             </a:fld>
             <a:endParaRPr lang="en-US"/>
           </a:p>
@@ -2363,7 +2369,7 @@
           <a:p>
             <a:fld id="{8635D198-6D19-4E30-930F-4865024DAF26}" type="datetimeFigureOut">
               <a:rPr lang="en-US" smtClean="0"/>
-              <a:t>4/10/2021</a:t>
+              <a:t>6/17/2021</a:t>
             </a:fld>
             <a:endParaRPr lang="en-US"/>
           </a:p>
@@ -2576,7 +2582,7 @@
           <a:p>
             <a:fld id="{8635D198-6D19-4E30-930F-4865024DAF26}" type="datetimeFigureOut">
               <a:rPr lang="en-US" smtClean="0"/>
-              <a:t>4/10/2021</a:t>
+              <a:t>6/17/2021</a:t>
             </a:fld>
             <a:endParaRPr lang="en-US"/>
           </a:p>
@@ -3041,7 +3047,7 @@
         </p:spPr>
         <p:txBody>
           <a:bodyPr>
-            <a:normAutofit fontScale="92500" lnSpcReduction="20000"/>
+            <a:normAutofit fontScale="85000" lnSpcReduction="10000"/>
           </a:bodyPr>
           <a:lstStyle/>
           <a:p>
@@ -3051,7 +3057,7 @@
             </a:r>
             <a:r>
               <a:rPr lang="en-US" sz="3000" dirty="0"/>
-              <a:t>is a software tool for identifying genes in phage genomes</a:t>
+              <a:t>is an application for identifying genes in phage genomes using multiple programs</a:t>
             </a:r>
           </a:p>
           <a:p>
@@ -3067,7 +3073,7 @@
             <a:pPr lvl="1"/>
             <a:r>
               <a:rPr lang="en-US" sz="3000" dirty="0"/>
-              <a:t>Glimmer, </a:t>
+              <a:t>RAST, Prodigal, Metagene, Glimmer, </a:t>
             </a:r>
             <a:r>
               <a:rPr lang="en-US" sz="3000" dirty="0" err="1"/>
@@ -3107,7 +3113,7 @@
             </a:r>
             <a:r>
               <a:rPr lang="en-US" sz="3000" dirty="0"/>
-              <a:t> Heuristic, Prodigal, RAST, Metagene, and Aragorn (for tRNA genes)</a:t>
+              <a:t> Heuristic, and Aragorn (for tRNA genes)</a:t>
             </a:r>
           </a:p>
           <a:p>
@@ -3125,7 +3131,7 @@
           <a:p>
             <a:r>
               <a:rPr lang="en-US" sz="3000" dirty="0"/>
-              <a:t>A draft paper describing Phage Commander in detail is here: </a:t>
+              <a:t>A paper describing Phage Commander in detail is here: </a:t>
             </a:r>
             <a:r>
               <a:rPr lang="en-US" sz="3000" dirty="0">
@@ -3179,234 +3185,411 @@
           <a:chExt cx="0" cy="0"/>
         </a:xfrm>
       </p:grpSpPr>
-      <p:sp>
-        <p:nvSpPr>
-          <p:cNvPr id="2" name="Title 1">
-            <a:extLst>
-              <a:ext uri="{FF2B5EF4-FFF2-40B4-BE49-F238E27FC236}">
-                <a16:creationId xmlns:a16="http://schemas.microsoft.com/office/drawing/2014/main" id="{25E2BFF6-6BAD-4146-AEAE-1A9B27A484BD}"/>
-              </a:ext>
-            </a:extLst>
-          </p:cNvPr>
-          <p:cNvSpPr>
-            <a:spLocks noGrp="1"/>
-          </p:cNvSpPr>
-          <p:nvPr>
-            <p:ph type="title"/>
-          </p:nvPr>
-        </p:nvSpPr>
-        <p:spPr>
-          <a:xfrm>
-            <a:off x="1719618" y="365127"/>
-            <a:ext cx="8775510" cy="1325563"/>
-          </a:xfrm>
-        </p:spPr>
-        <p:txBody>
-          <a:bodyPr>
-            <a:normAutofit/>
+      <p:pic>
+        <p:nvPicPr>
+          <p:cNvPr id="14" name="Picture 13">
+            <a:extLst>
+              <a:ext uri="{FF2B5EF4-FFF2-40B4-BE49-F238E27FC236}">
+                <a16:creationId xmlns:a16="http://schemas.microsoft.com/office/drawing/2014/main" id="{B0FFB85D-A37C-4A03-A8D7-F4202282DE6D}"/>
+              </a:ext>
+            </a:extLst>
+          </p:cNvPr>
+          <p:cNvPicPr>
+            <a:picLocks noChangeAspect="1"/>
+          </p:cNvPicPr>
+          <p:nvPr/>
+        </p:nvPicPr>
+        <p:blipFill>
+          <a:blip r:embed="rId2"/>
+          <a:stretch>
+            <a:fillRect/>
+          </a:stretch>
+        </p:blipFill>
+        <p:spPr>
+          <a:xfrm>
+            <a:off x="912453" y="227946"/>
+            <a:ext cx="9629818" cy="5486400"/>
+          </a:xfrm>
+          <a:prstGeom prst="rect">
+            <a:avLst/>
+          </a:prstGeom>
+        </p:spPr>
+      </p:pic>
+      <p:cxnSp>
+        <p:nvCxnSpPr>
+          <p:cNvPr id="33" name="Straight Arrow Connector 32">
+            <a:extLst>
+              <a:ext uri="{FF2B5EF4-FFF2-40B4-BE49-F238E27FC236}">
+                <a16:creationId xmlns:a16="http://schemas.microsoft.com/office/drawing/2014/main" id="{19767628-97CA-47FF-A3AE-F4B388D0E71D}"/>
+              </a:ext>
+            </a:extLst>
+          </p:cNvPr>
+          <p:cNvCxnSpPr>
+            <a:cxnSpLocks/>
+          </p:cNvCxnSpPr>
+          <p:nvPr/>
+        </p:nvCxnSpPr>
+        <p:spPr>
+          <a:xfrm flipV="1">
+            <a:off x="4089893" y="5714346"/>
+            <a:ext cx="0" cy="461801"/>
+          </a:xfrm>
+          <a:prstGeom prst="straightConnector1">
+            <a:avLst/>
+          </a:prstGeom>
+          <a:ln w="57150">
+            <a:solidFill>
+              <a:srgbClr val="FF0000"/>
+            </a:solidFill>
+            <a:tailEnd type="triangle"/>
+          </a:ln>
+        </p:spPr>
+        <p:style>
+          <a:lnRef idx="1">
+            <a:schemeClr val="accent1"/>
+          </a:lnRef>
+          <a:fillRef idx="0">
+            <a:schemeClr val="accent1"/>
+          </a:fillRef>
+          <a:effectRef idx="0">
+            <a:schemeClr val="accent1"/>
+          </a:effectRef>
+          <a:fontRef idx="minor">
+            <a:schemeClr val="tx1"/>
+          </a:fontRef>
+        </p:style>
+      </p:cxnSp>
+      <p:sp>
+        <p:nvSpPr>
+          <p:cNvPr id="34" name="TextBox 33">
+            <a:extLst>
+              <a:ext uri="{FF2B5EF4-FFF2-40B4-BE49-F238E27FC236}">
+                <a16:creationId xmlns:a16="http://schemas.microsoft.com/office/drawing/2014/main" id="{7D73A8F5-5AB5-4ED4-A05F-0C54FDD0815C}"/>
+              </a:ext>
+            </a:extLst>
+          </p:cNvPr>
+          <p:cNvSpPr txBox="1"/>
+          <p:nvPr/>
+        </p:nvSpPr>
+        <p:spPr>
+          <a:xfrm>
+            <a:off x="3694124" y="6149111"/>
+            <a:ext cx="1835087" cy="646331"/>
+          </a:xfrm>
+          <a:prstGeom prst="rect">
+            <a:avLst/>
+          </a:prstGeom>
+          <a:noFill/>
+        </p:spPr>
+        <p:txBody>
+          <a:bodyPr wrap="square" rtlCol="0">
+            <a:spAutoFit/>
           </a:bodyPr>
           <a:lstStyle/>
           <a:p>
-            <a:pPr algn="ctr"/>
-            <a:r>
-              <a:rPr lang="en-US" dirty="0"/>
-              <a:t>Exporting Phage Commander Results</a:t>
-            </a:r>
-          </a:p>
-        </p:txBody>
-      </p:sp>
-      <p:sp>
-        <p:nvSpPr>
-          <p:cNvPr id="3" name="Content Placeholder 2">
-            <a:extLst>
-              <a:ext uri="{FF2B5EF4-FFF2-40B4-BE49-F238E27FC236}">
-                <a16:creationId xmlns:a16="http://schemas.microsoft.com/office/drawing/2014/main" id="{CE8EA6EE-0E6C-4A9E-8B64-0F376EC4BF94}"/>
-              </a:ext>
-            </a:extLst>
-          </p:cNvPr>
-          <p:cNvSpPr>
-            <a:spLocks noGrp="1"/>
-          </p:cNvSpPr>
-          <p:nvPr>
-            <p:ph idx="1"/>
-          </p:nvPr>
-        </p:nvSpPr>
-        <p:spPr>
-          <a:xfrm>
-            <a:off x="512465" y="1600200"/>
-            <a:ext cx="11284299" cy="5160819"/>
-          </a:xfrm>
-        </p:spPr>
-        <p:txBody>
-          <a:bodyPr>
-            <a:normAutofit fontScale="92500" lnSpcReduction="10000"/>
+            <a:r>
+              <a:rPr lang="en-US" b="1" dirty="0">
+                <a:solidFill>
+                  <a:srgbClr val="FF0000"/>
+                </a:solidFill>
+              </a:rPr>
+              <a:t>Gene stop (start if strand is “-”)</a:t>
+            </a:r>
+          </a:p>
+        </p:txBody>
+      </p:sp>
+      <p:cxnSp>
+        <p:nvCxnSpPr>
+          <p:cNvPr id="35" name="Straight Arrow Connector 34">
+            <a:extLst>
+              <a:ext uri="{FF2B5EF4-FFF2-40B4-BE49-F238E27FC236}">
+                <a16:creationId xmlns:a16="http://schemas.microsoft.com/office/drawing/2014/main" id="{2B8AD9CE-C4F0-4A13-AB91-9F16359ADAD3}"/>
+              </a:ext>
+            </a:extLst>
+          </p:cNvPr>
+          <p:cNvCxnSpPr>
+            <a:cxnSpLocks/>
+          </p:cNvCxnSpPr>
+          <p:nvPr/>
+        </p:nvCxnSpPr>
+        <p:spPr>
+          <a:xfrm flipV="1">
+            <a:off x="3177230" y="5734194"/>
+            <a:ext cx="295812" cy="436928"/>
+          </a:xfrm>
+          <a:prstGeom prst="straightConnector1">
+            <a:avLst/>
+          </a:prstGeom>
+          <a:ln w="57150">
+            <a:solidFill>
+              <a:srgbClr val="FF0000"/>
+            </a:solidFill>
+            <a:tailEnd type="triangle"/>
+          </a:ln>
+        </p:spPr>
+        <p:style>
+          <a:lnRef idx="1">
+            <a:schemeClr val="accent1"/>
+          </a:lnRef>
+          <a:fillRef idx="0">
+            <a:schemeClr val="accent1"/>
+          </a:fillRef>
+          <a:effectRef idx="0">
+            <a:schemeClr val="accent1"/>
+          </a:effectRef>
+          <a:fontRef idx="minor">
+            <a:schemeClr val="tx1"/>
+          </a:fontRef>
+        </p:style>
+      </p:cxnSp>
+      <p:sp>
+        <p:nvSpPr>
+          <p:cNvPr id="38" name="TextBox 37">
+            <a:extLst>
+              <a:ext uri="{FF2B5EF4-FFF2-40B4-BE49-F238E27FC236}">
+                <a16:creationId xmlns:a16="http://schemas.microsoft.com/office/drawing/2014/main" id="{86A56621-006A-4510-8BDB-352DD86446AC}"/>
+              </a:ext>
+            </a:extLst>
+          </p:cNvPr>
+          <p:cNvSpPr txBox="1"/>
+          <p:nvPr/>
+        </p:nvSpPr>
+        <p:spPr>
+          <a:xfrm>
+            <a:off x="1939364" y="6080039"/>
+            <a:ext cx="1731005" cy="646331"/>
+          </a:xfrm>
+          <a:prstGeom prst="rect">
+            <a:avLst/>
+          </a:prstGeom>
+          <a:noFill/>
+        </p:spPr>
+        <p:txBody>
+          <a:bodyPr wrap="square" rtlCol="0">
+            <a:spAutoFit/>
           </a:bodyPr>
           <a:lstStyle/>
           <a:p>
             <a:r>
-              <a:rPr lang="en-US" sz="3200" dirty="0"/>
-              <a:t>To export as excel spreadsheet, select:</a:t>
-            </a:r>
-          </a:p>
-          <a:p>
-            <a:pPr lvl="1"/>
-            <a:r>
-              <a:rPr lang="en-US" sz="2800" b="1" dirty="0">
+              <a:rPr lang="en-US" b="1" dirty="0">
                 <a:solidFill>
-                  <a:srgbClr val="0070C0"/>
+                  <a:srgbClr val="FF0000"/>
                 </a:solidFill>
               </a:rPr>
-              <a:t>File</a:t>
-            </a:r>
-            <a:r>
-              <a:rPr lang="en-US" sz="2800" dirty="0"/>
-              <a:t> </a:t>
-            </a:r>
-            <a:r>
-              <a:rPr lang="en-US" sz="2800" dirty="0">
-                <a:sym typeface="Wingdings" panose="05000000000000000000" pitchFamily="2" charset="2"/>
-              </a:rPr>
-              <a:t> </a:t>
-            </a:r>
-            <a:r>
-              <a:rPr lang="en-US" sz="2800" b="1" dirty="0">
+              <a:t>Gene start (stop if strand “-”)</a:t>
+            </a:r>
+          </a:p>
+        </p:txBody>
+      </p:sp>
+      <p:cxnSp>
+        <p:nvCxnSpPr>
+          <p:cNvPr id="39" name="Straight Arrow Connector 38">
+            <a:extLst>
+              <a:ext uri="{FF2B5EF4-FFF2-40B4-BE49-F238E27FC236}">
+                <a16:creationId xmlns:a16="http://schemas.microsoft.com/office/drawing/2014/main" id="{ADB3099B-0D90-4E08-8A02-4D7D0455E2AC}"/>
+              </a:ext>
+            </a:extLst>
+          </p:cNvPr>
+          <p:cNvCxnSpPr>
+            <a:cxnSpLocks/>
+          </p:cNvCxnSpPr>
+          <p:nvPr/>
+        </p:nvCxnSpPr>
+        <p:spPr>
+          <a:xfrm flipH="1" flipV="1">
+            <a:off x="4798503" y="5707619"/>
+            <a:ext cx="1089175" cy="584183"/>
+          </a:xfrm>
+          <a:prstGeom prst="straightConnector1">
+            <a:avLst/>
+          </a:prstGeom>
+          <a:ln w="57150">
+            <a:solidFill>
+              <a:srgbClr val="FF0000"/>
+            </a:solidFill>
+            <a:tailEnd type="triangle"/>
+          </a:ln>
+        </p:spPr>
+        <p:style>
+          <a:lnRef idx="1">
+            <a:schemeClr val="accent1"/>
+          </a:lnRef>
+          <a:fillRef idx="0">
+            <a:schemeClr val="accent1"/>
+          </a:fillRef>
+          <a:effectRef idx="0">
+            <a:schemeClr val="accent1"/>
+          </a:effectRef>
+          <a:fontRef idx="minor">
+            <a:schemeClr val="tx1"/>
+          </a:fontRef>
+        </p:style>
+      </p:cxnSp>
+      <p:sp>
+        <p:nvSpPr>
+          <p:cNvPr id="40" name="TextBox 39">
+            <a:extLst>
+              <a:ext uri="{FF2B5EF4-FFF2-40B4-BE49-F238E27FC236}">
+                <a16:creationId xmlns:a16="http://schemas.microsoft.com/office/drawing/2014/main" id="{EDECE8F2-2665-4AEA-83B3-4B9B3DAF9CD9}"/>
+              </a:ext>
+            </a:extLst>
+          </p:cNvPr>
+          <p:cNvSpPr txBox="1"/>
+          <p:nvPr/>
+        </p:nvSpPr>
+        <p:spPr>
+          <a:xfrm>
+            <a:off x="5781005" y="6260722"/>
+            <a:ext cx="2239669" cy="369332"/>
+          </a:xfrm>
+          <a:prstGeom prst="rect">
+            <a:avLst/>
+          </a:prstGeom>
+          <a:noFill/>
+        </p:spPr>
+        <p:txBody>
+          <a:bodyPr wrap="square" rtlCol="0">
+            <a:spAutoFit/>
+          </a:bodyPr>
+          <a:lstStyle/>
+          <a:p>
+            <a:r>
+              <a:rPr lang="en-US" b="1" dirty="0">
                 <a:solidFill>
-                  <a:srgbClr val="0070C0"/>
+                  <a:srgbClr val="FF0000"/>
                 </a:solidFill>
-                <a:sym typeface="Wingdings" panose="05000000000000000000" pitchFamily="2" charset="2"/>
-              </a:rPr>
-              <a:t>Export</a:t>
-            </a:r>
-            <a:r>
-              <a:rPr lang="en-US" sz="2800" dirty="0">
-                <a:sym typeface="Wingdings" panose="05000000000000000000" pitchFamily="2" charset="2"/>
-              </a:rPr>
-              <a:t>  </a:t>
-            </a:r>
-            <a:r>
-              <a:rPr lang="en-US" sz="2800" b="1" dirty="0">
+              </a:rPr>
+              <a:t>   Gene length</a:t>
+            </a:r>
+          </a:p>
+        </p:txBody>
+      </p:sp>
+      <p:cxnSp>
+        <p:nvCxnSpPr>
+          <p:cNvPr id="41" name="Straight Arrow Connector 40">
+            <a:extLst>
+              <a:ext uri="{FF2B5EF4-FFF2-40B4-BE49-F238E27FC236}">
+                <a16:creationId xmlns:a16="http://schemas.microsoft.com/office/drawing/2014/main" id="{4ABBEC17-556A-4A34-9F23-3C41A1E451F2}"/>
+              </a:ext>
+            </a:extLst>
+          </p:cNvPr>
+          <p:cNvCxnSpPr>
+            <a:cxnSpLocks/>
+          </p:cNvCxnSpPr>
+          <p:nvPr/>
+        </p:nvCxnSpPr>
+        <p:spPr>
+          <a:xfrm flipV="1">
+            <a:off x="1585583" y="5709962"/>
+            <a:ext cx="1393900" cy="599269"/>
+          </a:xfrm>
+          <a:prstGeom prst="straightConnector1">
+            <a:avLst/>
+          </a:prstGeom>
+          <a:ln w="57150">
+            <a:solidFill>
+              <a:srgbClr val="FF0000"/>
+            </a:solidFill>
+            <a:tailEnd type="triangle"/>
+          </a:ln>
+        </p:spPr>
+        <p:style>
+          <a:lnRef idx="1">
+            <a:schemeClr val="accent1"/>
+          </a:lnRef>
+          <a:fillRef idx="0">
+            <a:schemeClr val="accent1"/>
+          </a:fillRef>
+          <a:effectRef idx="0">
+            <a:schemeClr val="accent1"/>
+          </a:effectRef>
+          <a:fontRef idx="minor">
+            <a:schemeClr val="tx1"/>
+          </a:fontRef>
+        </p:style>
+      </p:cxnSp>
+      <p:sp>
+        <p:nvSpPr>
+          <p:cNvPr id="42" name="TextBox 41">
+            <a:extLst>
+              <a:ext uri="{FF2B5EF4-FFF2-40B4-BE49-F238E27FC236}">
+                <a16:creationId xmlns:a16="http://schemas.microsoft.com/office/drawing/2014/main" id="{FBC8FB49-2701-4BB5-8EB7-91C8B569AD09}"/>
+              </a:ext>
+            </a:extLst>
+          </p:cNvPr>
+          <p:cNvSpPr txBox="1"/>
+          <p:nvPr/>
+        </p:nvSpPr>
+        <p:spPr>
+          <a:xfrm>
+            <a:off x="719695" y="5849509"/>
+            <a:ext cx="1300030" cy="646331"/>
+          </a:xfrm>
+          <a:prstGeom prst="rect">
+            <a:avLst/>
+          </a:prstGeom>
+          <a:noFill/>
+        </p:spPr>
+        <p:txBody>
+          <a:bodyPr wrap="square" rtlCol="0">
+            <a:spAutoFit/>
+          </a:bodyPr>
+          <a:lstStyle/>
+          <a:p>
+            <a:r>
+              <a:rPr lang="en-US" b="1" dirty="0">
                 <a:solidFill>
-                  <a:srgbClr val="0070C0"/>
+                  <a:srgbClr val="FF0000"/>
                 </a:solidFill>
-                <a:sym typeface="Wingdings" panose="05000000000000000000" pitchFamily="2" charset="2"/>
-              </a:rPr>
-              <a:t>Excel</a:t>
-            </a:r>
-          </a:p>
-          <a:p>
-            <a:r>
-              <a:rPr lang="en-US" sz="3200" dirty="0">
-                <a:sym typeface="Wingdings" panose="05000000000000000000" pitchFamily="2" charset="2"/>
-              </a:rPr>
-              <a:t>To export as GenBank (.</a:t>
-            </a:r>
-            <a:r>
-              <a:rPr lang="en-US" sz="3200" dirty="0" err="1">
-                <a:sym typeface="Wingdings" panose="05000000000000000000" pitchFamily="2" charset="2"/>
-              </a:rPr>
-              <a:t>gb</a:t>
-            </a:r>
-            <a:r>
-              <a:rPr lang="en-US" sz="3200" dirty="0">
-                <a:sym typeface="Wingdings" panose="05000000000000000000" pitchFamily="2" charset="2"/>
-              </a:rPr>
-              <a:t>) format file, select:</a:t>
-            </a:r>
-          </a:p>
-          <a:p>
-            <a:pPr lvl="1"/>
-            <a:r>
-              <a:rPr lang="en-US" sz="2800" b="1" dirty="0">
+              </a:rPr>
+              <a:t>DNA strand (+ or -)</a:t>
+            </a:r>
+          </a:p>
+        </p:txBody>
+      </p:sp>
+      <p:sp>
+        <p:nvSpPr>
+          <p:cNvPr id="43" name="TextBox 42">
+            <a:extLst>
+              <a:ext uri="{FF2B5EF4-FFF2-40B4-BE49-F238E27FC236}">
+                <a16:creationId xmlns:a16="http://schemas.microsoft.com/office/drawing/2014/main" id="{D11026A6-503C-4C95-A8D6-5D3BAED0A40F}"/>
+              </a:ext>
+            </a:extLst>
+          </p:cNvPr>
+          <p:cNvSpPr txBox="1"/>
+          <p:nvPr/>
+        </p:nvSpPr>
+        <p:spPr>
+          <a:xfrm>
+            <a:off x="10542271" y="1119941"/>
+            <a:ext cx="1591020" cy="2585323"/>
+          </a:xfrm>
+          <a:prstGeom prst="rect">
+            <a:avLst/>
+          </a:prstGeom>
+          <a:noFill/>
+        </p:spPr>
+        <p:txBody>
+          <a:bodyPr wrap="square" rtlCol="0">
+            <a:spAutoFit/>
+          </a:bodyPr>
+          <a:lstStyle/>
+          <a:p>
+            <a:r>
+              <a:rPr lang="en-US" b="1" dirty="0">
                 <a:solidFill>
-                  <a:srgbClr val="0070C0"/>
+                  <a:srgbClr val="FF0000"/>
                 </a:solidFill>
-                <a:sym typeface="Wingdings" panose="05000000000000000000" pitchFamily="2" charset="2"/>
-              </a:rPr>
-              <a:t>File</a:t>
-            </a:r>
-            <a:r>
-              <a:rPr lang="en-US" sz="2800" dirty="0">
-                <a:sym typeface="Wingdings" panose="05000000000000000000" pitchFamily="2" charset="2"/>
-              </a:rPr>
-              <a:t>  </a:t>
-            </a:r>
-            <a:r>
-              <a:rPr lang="en-US" sz="2800" b="1" dirty="0">
-                <a:solidFill>
-                  <a:srgbClr val="0070C0"/>
-                </a:solidFill>
-                <a:sym typeface="Wingdings" panose="05000000000000000000" pitchFamily="2" charset="2"/>
-              </a:rPr>
-              <a:t>Export</a:t>
-            </a:r>
-            <a:r>
-              <a:rPr lang="en-US" sz="2800" dirty="0">
-                <a:sym typeface="Wingdings" panose="05000000000000000000" pitchFamily="2" charset="2"/>
-              </a:rPr>
-              <a:t>  </a:t>
-            </a:r>
-            <a:r>
-              <a:rPr lang="en-US" sz="2800" b="1" dirty="0">
-                <a:solidFill>
-                  <a:srgbClr val="0070C0"/>
-                </a:solidFill>
-                <a:sym typeface="Wingdings" panose="05000000000000000000" pitchFamily="2" charset="2"/>
-              </a:rPr>
-              <a:t>GenBank</a:t>
-            </a:r>
-          </a:p>
-          <a:p>
-            <a:pPr lvl="1"/>
-            <a:r>
-              <a:rPr lang="en-US" sz="2800" dirty="0">
-                <a:sym typeface="Wingdings" panose="05000000000000000000" pitchFamily="2" charset="2"/>
-              </a:rPr>
-              <a:t>Set the threshold number of programs for exporting genes </a:t>
-            </a:r>
-          </a:p>
-          <a:p>
-            <a:pPr lvl="1"/>
-            <a:r>
-              <a:rPr lang="en-US" sz="2800" dirty="0">
-                <a:sym typeface="Wingdings" panose="05000000000000000000" pitchFamily="2" charset="2"/>
-              </a:rPr>
-              <a:t>“Less than or equal to” will export those genes identified by an equal or lower number of programs than the threshold (e.g. genes identified by 3 or fewer programs. Set the threshold to maximum to export all genes identified)</a:t>
-            </a:r>
-          </a:p>
-          <a:p>
-            <a:pPr lvl="1"/>
-            <a:r>
-              <a:rPr lang="en-US" sz="2800" dirty="0">
-                <a:sym typeface="Wingdings" panose="05000000000000000000" pitchFamily="2" charset="2"/>
-              </a:rPr>
-              <a:t>“Greater than” will export those genes identified by a number of programs greater than the threshold (e.g. genes identified by more than 2 programs. Use “0” as the threshold and this setting to export all genes identified)</a:t>
-            </a:r>
-          </a:p>
-          <a:p>
-            <a:pPr lvl="1"/>
-            <a:r>
-              <a:rPr lang="en-US" sz="2800" dirty="0">
-                <a:sym typeface="Wingdings" panose="05000000000000000000" pitchFamily="2" charset="2"/>
-              </a:rPr>
-              <a:t>Press “Save as” and enter desired filename</a:t>
-            </a:r>
-          </a:p>
-          <a:p>
-            <a:pPr lvl="1"/>
-            <a:r>
-              <a:rPr lang="en-US" sz="2800" dirty="0">
-                <a:sym typeface="Wingdings" panose="05000000000000000000" pitchFamily="2" charset="2"/>
-              </a:rPr>
-              <a:t>Press “Export”</a:t>
-            </a:r>
-            <a:endParaRPr lang="en-US" sz="2800" dirty="0"/>
+              </a:rPr>
+              <a:t>Row shading is proportional to how many programs identify a gene (darker = more programs, white =  only one program)</a:t>
+            </a:r>
           </a:p>
         </p:txBody>
       </p:sp>
     </p:spTree>
     <p:extLst>
       <p:ext uri="{BB962C8B-B14F-4D97-AF65-F5344CB8AC3E}">
-        <p14:creationId xmlns:p14="http://schemas.microsoft.com/office/powerpoint/2010/main" val="2722560293"/>
+        <p14:creationId xmlns:p14="http://schemas.microsoft.com/office/powerpoint/2010/main" val="2416979496"/>
       </p:ext>
     </p:extLst>
   </p:cSld>
@@ -3433,43 +3616,363 @@
           <a:chExt cx="0" cy="0"/>
         </a:xfrm>
       </p:grpSpPr>
-      <p:sp>
-        <p:nvSpPr>
-          <p:cNvPr id="2" name="Title 1">
-            <a:extLst>
-              <a:ext uri="{FF2B5EF4-FFF2-40B4-BE49-F238E27FC236}">
-                <a16:creationId xmlns:a16="http://schemas.microsoft.com/office/drawing/2014/main" id="{5E06BCFD-87C4-42CF-998C-E7326095EE1B}"/>
-              </a:ext>
-            </a:extLst>
-          </p:cNvPr>
-          <p:cNvSpPr>
-            <a:spLocks noGrp="1"/>
-          </p:cNvSpPr>
-          <p:nvPr>
-            <p:ph type="title"/>
-          </p:nvPr>
-        </p:nvSpPr>
-        <p:spPr/>
-        <p:txBody>
-          <a:bodyPr>
-            <a:normAutofit/>
+      <p:pic>
+        <p:nvPicPr>
+          <p:cNvPr id="14" name="Picture 13">
+            <a:extLst>
+              <a:ext uri="{FF2B5EF4-FFF2-40B4-BE49-F238E27FC236}">
+                <a16:creationId xmlns:a16="http://schemas.microsoft.com/office/drawing/2014/main" id="{A6D18213-1A6A-4C9A-8075-7A0AD7EEBCCA}"/>
+              </a:ext>
+            </a:extLst>
+          </p:cNvPr>
+          <p:cNvPicPr>
+            <a:picLocks noChangeAspect="1"/>
+          </p:cNvPicPr>
+          <p:nvPr/>
+        </p:nvPicPr>
+        <p:blipFill>
+          <a:blip r:embed="rId2"/>
+          <a:stretch>
+            <a:fillRect/>
+          </a:stretch>
+        </p:blipFill>
+        <p:spPr>
+          <a:xfrm>
+            <a:off x="524430" y="713185"/>
+            <a:ext cx="10068911" cy="5212080"/>
+          </a:xfrm>
+          <a:prstGeom prst="rect">
+            <a:avLst/>
+          </a:prstGeom>
+        </p:spPr>
+      </p:pic>
+      <p:sp>
+        <p:nvSpPr>
+          <p:cNvPr id="3" name="TextBox 2">
+            <a:extLst>
+              <a:ext uri="{FF2B5EF4-FFF2-40B4-BE49-F238E27FC236}">
+                <a16:creationId xmlns:a16="http://schemas.microsoft.com/office/drawing/2014/main" id="{985E05DE-C2CE-44C9-B34F-608282C0E6E0}"/>
+              </a:ext>
+            </a:extLst>
+          </p:cNvPr>
+          <p:cNvSpPr txBox="1"/>
+          <p:nvPr/>
+        </p:nvSpPr>
+        <p:spPr>
+          <a:xfrm>
+            <a:off x="10670796" y="3381860"/>
+            <a:ext cx="1620212" cy="2585323"/>
+          </a:xfrm>
+          <a:prstGeom prst="rect">
+            <a:avLst/>
+          </a:prstGeom>
+          <a:noFill/>
+        </p:spPr>
+        <p:txBody>
+          <a:bodyPr wrap="square" rtlCol="0">
+            <a:spAutoFit/>
           </a:bodyPr>
           <a:lstStyle/>
           <a:p>
+            <a:r>
+              <a:rPr lang="en-US" b="1" dirty="0">
+                <a:solidFill>
+                  <a:srgbClr val="FF0000"/>
+                </a:solidFill>
+              </a:rPr>
+              <a:t>Gene starts chosen by a minority of programs are shown in different color font (orange, green, yellow, violet)</a:t>
+            </a:r>
+          </a:p>
+        </p:txBody>
+      </p:sp>
+      <p:sp>
+        <p:nvSpPr>
+          <p:cNvPr id="5" name="Oval 4">
+            <a:extLst>
+              <a:ext uri="{FF2B5EF4-FFF2-40B4-BE49-F238E27FC236}">
+                <a16:creationId xmlns:a16="http://schemas.microsoft.com/office/drawing/2014/main" id="{52626BFE-871F-4C8B-971C-BC434E631D3D}"/>
+              </a:ext>
+            </a:extLst>
+          </p:cNvPr>
+          <p:cNvSpPr/>
+          <p:nvPr/>
+        </p:nvSpPr>
+        <p:spPr>
+          <a:xfrm>
+            <a:off x="3780245" y="3488406"/>
+            <a:ext cx="620309" cy="272642"/>
+          </a:xfrm>
+          <a:prstGeom prst="ellipse">
+            <a:avLst/>
+          </a:prstGeom>
+          <a:noFill/>
+          <a:ln w="57150">
+            <a:solidFill>
+              <a:srgbClr val="FF0000"/>
+            </a:solidFill>
+          </a:ln>
+        </p:spPr>
+        <p:style>
+          <a:lnRef idx="2">
+            <a:schemeClr val="accent1">
+              <a:shade val="50000"/>
+            </a:schemeClr>
+          </a:lnRef>
+          <a:fillRef idx="1">
+            <a:schemeClr val="accent1"/>
+          </a:fillRef>
+          <a:effectRef idx="0">
+            <a:schemeClr val="accent1"/>
+          </a:effectRef>
+          <a:fontRef idx="minor">
+            <a:schemeClr val="lt1"/>
+          </a:fontRef>
+        </p:style>
+        <p:txBody>
+          <a:bodyPr rtlCol="0" anchor="ctr"/>
+          <a:lstStyle/>
+          <a:p>
             <a:pPr algn="ctr"/>
-            <a:r>
-              <a:rPr lang="en-US" dirty="0"/>
-              <a:t>Exporting Phage Commander results in .gb format</a:t>
-            </a:r>
-          </a:p>
-        </p:txBody>
-      </p:sp>
+            <a:endParaRPr lang="en-US"/>
+          </a:p>
+        </p:txBody>
+      </p:sp>
+      <p:sp>
+        <p:nvSpPr>
+          <p:cNvPr id="10" name="Oval 9">
+            <a:extLst>
+              <a:ext uri="{FF2B5EF4-FFF2-40B4-BE49-F238E27FC236}">
+                <a16:creationId xmlns:a16="http://schemas.microsoft.com/office/drawing/2014/main" id="{14B1C827-B9C8-437F-AA6C-771EFD806074}"/>
+              </a:ext>
+            </a:extLst>
+          </p:cNvPr>
+          <p:cNvSpPr/>
+          <p:nvPr/>
+        </p:nvSpPr>
+        <p:spPr>
+          <a:xfrm>
+            <a:off x="9085435" y="3501673"/>
+            <a:ext cx="620309" cy="259375"/>
+          </a:xfrm>
+          <a:prstGeom prst="ellipse">
+            <a:avLst/>
+          </a:prstGeom>
+          <a:noFill/>
+          <a:ln w="57150">
+            <a:solidFill>
+              <a:srgbClr val="FF0000"/>
+            </a:solidFill>
+          </a:ln>
+        </p:spPr>
+        <p:style>
+          <a:lnRef idx="2">
+            <a:schemeClr val="accent1">
+              <a:shade val="50000"/>
+            </a:schemeClr>
+          </a:lnRef>
+          <a:fillRef idx="1">
+            <a:schemeClr val="accent1"/>
+          </a:fillRef>
+          <a:effectRef idx="0">
+            <a:schemeClr val="accent1"/>
+          </a:effectRef>
+          <a:fontRef idx="minor">
+            <a:schemeClr val="lt1"/>
+          </a:fontRef>
+        </p:style>
+        <p:txBody>
+          <a:bodyPr rtlCol="0" anchor="ctr"/>
+          <a:lstStyle/>
+          <a:p>
+            <a:pPr algn="ctr"/>
+            <a:endParaRPr lang="en-US"/>
+          </a:p>
+        </p:txBody>
+      </p:sp>
+      <p:sp>
+        <p:nvSpPr>
+          <p:cNvPr id="16" name="TextBox 15">
+            <a:extLst>
+              <a:ext uri="{FF2B5EF4-FFF2-40B4-BE49-F238E27FC236}">
+                <a16:creationId xmlns:a16="http://schemas.microsoft.com/office/drawing/2014/main" id="{219B4372-D096-400B-A5E4-D8D0E2B3FB02}"/>
+              </a:ext>
+            </a:extLst>
+          </p:cNvPr>
+          <p:cNvSpPr txBox="1"/>
+          <p:nvPr/>
+        </p:nvSpPr>
+        <p:spPr>
+          <a:xfrm>
+            <a:off x="10670796" y="1205727"/>
+            <a:ext cx="1493240" cy="2031325"/>
+          </a:xfrm>
+          <a:prstGeom prst="rect">
+            <a:avLst/>
+          </a:prstGeom>
+          <a:noFill/>
+        </p:spPr>
+        <p:txBody>
+          <a:bodyPr wrap="square">
+            <a:spAutoFit/>
+          </a:bodyPr>
+          <a:lstStyle/>
+          <a:p>
+            <a:r>
+              <a:rPr lang="en-US" b="1" dirty="0"/>
+              <a:t>Gene starts chosen by the majority of programs shown in black or white font</a:t>
+            </a:r>
+            <a:endParaRPr lang="en-US" dirty="0"/>
+          </a:p>
+        </p:txBody>
+      </p:sp>
+      <p:sp>
+        <p:nvSpPr>
+          <p:cNvPr id="17" name="Oval 16">
+            <a:extLst>
+              <a:ext uri="{FF2B5EF4-FFF2-40B4-BE49-F238E27FC236}">
+                <a16:creationId xmlns:a16="http://schemas.microsoft.com/office/drawing/2014/main" id="{CF4DA54C-EE92-486D-B549-F6126AFC8568}"/>
+              </a:ext>
+            </a:extLst>
+          </p:cNvPr>
+          <p:cNvSpPr/>
+          <p:nvPr/>
+        </p:nvSpPr>
+        <p:spPr>
+          <a:xfrm>
+            <a:off x="6389772" y="3485592"/>
+            <a:ext cx="620309" cy="259375"/>
+          </a:xfrm>
+          <a:prstGeom prst="ellipse">
+            <a:avLst/>
+          </a:prstGeom>
+          <a:noFill/>
+          <a:ln w="57150">
+            <a:solidFill>
+              <a:schemeClr val="bg1"/>
+            </a:solidFill>
+          </a:ln>
+        </p:spPr>
+        <p:style>
+          <a:lnRef idx="2">
+            <a:schemeClr val="accent1">
+              <a:shade val="50000"/>
+            </a:schemeClr>
+          </a:lnRef>
+          <a:fillRef idx="1">
+            <a:schemeClr val="accent1"/>
+          </a:fillRef>
+          <a:effectRef idx="0">
+            <a:schemeClr val="accent1"/>
+          </a:effectRef>
+          <a:fontRef idx="minor">
+            <a:schemeClr val="lt1"/>
+          </a:fontRef>
+        </p:style>
+        <p:txBody>
+          <a:bodyPr rtlCol="0" anchor="ctr"/>
+          <a:lstStyle/>
+          <a:p>
+            <a:pPr algn="ctr"/>
+            <a:endParaRPr lang="en-US">
+              <a:solidFill>
+                <a:schemeClr val="bg1"/>
+              </a:solidFill>
+            </a:endParaRPr>
+          </a:p>
+        </p:txBody>
+      </p:sp>
+      <p:sp>
+        <p:nvSpPr>
+          <p:cNvPr id="18" name="Oval 17">
+            <a:extLst>
+              <a:ext uri="{FF2B5EF4-FFF2-40B4-BE49-F238E27FC236}">
+                <a16:creationId xmlns:a16="http://schemas.microsoft.com/office/drawing/2014/main" id="{612ABDC6-26EB-48DB-94FD-1543E676595B}"/>
+              </a:ext>
+            </a:extLst>
+          </p:cNvPr>
+          <p:cNvSpPr/>
+          <p:nvPr/>
+        </p:nvSpPr>
+        <p:spPr>
+          <a:xfrm>
+            <a:off x="1127650" y="3485593"/>
+            <a:ext cx="620309" cy="259375"/>
+          </a:xfrm>
+          <a:prstGeom prst="ellipse">
+            <a:avLst/>
+          </a:prstGeom>
+          <a:noFill/>
+          <a:ln w="57150">
+            <a:solidFill>
+              <a:schemeClr val="bg1"/>
+            </a:solidFill>
+          </a:ln>
+        </p:spPr>
+        <p:style>
+          <a:lnRef idx="2">
+            <a:schemeClr val="accent1">
+              <a:shade val="50000"/>
+            </a:schemeClr>
+          </a:lnRef>
+          <a:fillRef idx="1">
+            <a:schemeClr val="accent1"/>
+          </a:fillRef>
+          <a:effectRef idx="0">
+            <a:schemeClr val="accent1"/>
+          </a:effectRef>
+          <a:fontRef idx="minor">
+            <a:schemeClr val="lt1"/>
+          </a:fontRef>
+        </p:style>
+        <p:txBody>
+          <a:bodyPr rtlCol="0" anchor="ctr"/>
+          <a:lstStyle/>
+          <a:p>
+            <a:pPr algn="ctr"/>
+            <a:endParaRPr lang="en-US">
+              <a:solidFill>
+                <a:srgbClr val="00FFFF"/>
+              </a:solidFill>
+            </a:endParaRPr>
+          </a:p>
+        </p:txBody>
+      </p:sp>
+    </p:spTree>
+    <p:extLst>
+      <p:ext uri="{BB962C8B-B14F-4D97-AF65-F5344CB8AC3E}">
+        <p14:creationId xmlns:p14="http://schemas.microsoft.com/office/powerpoint/2010/main" val="1622628439"/>
+      </p:ext>
+    </p:extLst>
+  </p:cSld>
+  <p:clrMapOvr>
+    <a:masterClrMapping/>
+  </p:clrMapOvr>
+</p:sld>
+</file>
+
+<file path=ppt/slides/slide12.xml><?xml version="1.0" encoding="utf-8"?>
+<p:sld xmlns:a="http://schemas.openxmlformats.org/drawingml/2006/main" xmlns:r="http://schemas.openxmlformats.org/officeDocument/2006/relationships" xmlns:p="http://schemas.openxmlformats.org/presentationml/2006/main">
+  <p:cSld>
+    <p:spTree>
+      <p:nvGrpSpPr>
+        <p:cNvPr id="1" name=""/>
+        <p:cNvGrpSpPr/>
+        <p:nvPr/>
+      </p:nvGrpSpPr>
+      <p:grpSpPr>
+        <a:xfrm>
+          <a:off x="0" y="0"/>
+          <a:ext cx="0" cy="0"/>
+          <a:chOff x="0" y="0"/>
+          <a:chExt cx="0" cy="0"/>
+        </a:xfrm>
+      </p:grpSpPr>
       <p:pic>
         <p:nvPicPr>
           <p:cNvPr id="5" name="Picture 4">
             <a:extLst>
               <a:ext uri="{FF2B5EF4-FFF2-40B4-BE49-F238E27FC236}">
-                <a16:creationId xmlns:a16="http://schemas.microsoft.com/office/drawing/2014/main" id="{43C1B937-C3D5-4D31-88BA-BDC6A916C6A7}"/>
+                <a16:creationId xmlns:a16="http://schemas.microsoft.com/office/drawing/2014/main" id="{3755C042-27A9-4E4D-BEDB-E5D288DF2F32}"/>
               </a:ext>
             </a:extLst>
           </p:cNvPr>
@@ -3480,74 +3983,25 @@
         </p:nvPicPr>
         <p:blipFill rotWithShape="1">
           <a:blip r:embed="rId2"/>
-          <a:srcRect l="35063" t="27410" r="35443" b="26845"/>
+          <a:srcRect l="-1" t="-307" r="53738" b="73633"/>
           <a:stretch/>
         </p:blipFill>
         <p:spPr>
           <a:xfrm>
-            <a:off x="3474525" y="1756397"/>
-            <a:ext cx="5313288" cy="4463846"/>
+            <a:off x="2319073" y="2068219"/>
+            <a:ext cx="7223086" cy="2385709"/>
           </a:xfrm>
           <a:prstGeom prst="rect">
             <a:avLst/>
           </a:prstGeom>
         </p:spPr>
       </p:pic>
-      <p:sp>
-        <p:nvSpPr>
-          <p:cNvPr id="6" name="TextBox 5">
-            <a:extLst>
-              <a:ext uri="{FF2B5EF4-FFF2-40B4-BE49-F238E27FC236}">
-                <a16:creationId xmlns:a16="http://schemas.microsoft.com/office/drawing/2014/main" id="{7021C2E6-7F96-4E76-9E6B-0F06FDC99A50}"/>
-              </a:ext>
-            </a:extLst>
-          </p:cNvPr>
-          <p:cNvSpPr txBox="1"/>
-          <p:nvPr/>
-        </p:nvSpPr>
-        <p:spPr>
-          <a:xfrm>
-            <a:off x="1154776" y="1319199"/>
-            <a:ext cx="2528083" cy="923330"/>
-          </a:xfrm>
-          <a:prstGeom prst="rect">
-            <a:avLst/>
-          </a:prstGeom>
-          <a:noFill/>
-        </p:spPr>
-        <p:txBody>
-          <a:bodyPr wrap="square" rtlCol="0">
-            <a:spAutoFit/>
-          </a:bodyPr>
-          <a:lstStyle/>
-          <a:p>
-            <a:r>
-              <a:rPr lang="en-US" b="1" dirty="0">
-                <a:solidFill>
-                  <a:srgbClr val="FF0000"/>
-                </a:solidFill>
-              </a:rPr>
-              <a:t>User-set threshold number of programs </a:t>
-            </a:r>
-          </a:p>
-          <a:p>
-            <a:r>
-              <a:rPr lang="en-US" b="1" dirty="0">
-                <a:solidFill>
-                  <a:srgbClr val="FF0000"/>
-                </a:solidFill>
-              </a:rPr>
-              <a:t>for exporting genes</a:t>
-            </a:r>
-          </a:p>
-        </p:txBody>
-      </p:sp>
       <p:cxnSp>
         <p:nvCxnSpPr>
-          <p:cNvPr id="7" name="Straight Arrow Connector 6">
-            <a:extLst>
-              <a:ext uri="{FF2B5EF4-FFF2-40B4-BE49-F238E27FC236}">
-                <a16:creationId xmlns:a16="http://schemas.microsoft.com/office/drawing/2014/main" id="{05C61FF6-E3AB-4D96-968B-3C137EAFB586}"/>
+          <p:cNvPr id="8" name="Straight Arrow Connector 7">
+            <a:extLst>
+              <a:ext uri="{FF2B5EF4-FFF2-40B4-BE49-F238E27FC236}">
+                <a16:creationId xmlns:a16="http://schemas.microsoft.com/office/drawing/2014/main" id="{6BEB558F-FE77-4AF4-85B9-1016ADA65231}"/>
               </a:ext>
             </a:extLst>
           </p:cNvPr>
@@ -3557,9 +4011,9 @@
           <p:nvPr/>
         </p:nvCxnSpPr>
         <p:spPr>
-          <a:xfrm>
-            <a:off x="3205018" y="2155196"/>
-            <a:ext cx="1976583" cy="1325563"/>
+          <a:xfrm flipH="1">
+            <a:off x="2993328" y="1524985"/>
+            <a:ext cx="414890" cy="936484"/>
           </a:xfrm>
           <a:prstGeom prst="straightConnector1">
             <a:avLst/>
@@ -3588,10 +4042,10 @@
       </p:cxnSp>
       <p:sp>
         <p:nvSpPr>
-          <p:cNvPr id="10" name="TextBox 9">
-            <a:extLst>
-              <a:ext uri="{FF2B5EF4-FFF2-40B4-BE49-F238E27FC236}">
-                <a16:creationId xmlns:a16="http://schemas.microsoft.com/office/drawing/2014/main" id="{D0F4E1DC-1792-4767-89C8-607831D86DB9}"/>
+          <p:cNvPr id="9" name="TextBox 8">
+            <a:extLst>
+              <a:ext uri="{FF2B5EF4-FFF2-40B4-BE49-F238E27FC236}">
+                <a16:creationId xmlns:a16="http://schemas.microsoft.com/office/drawing/2014/main" id="{6D12717C-AD56-4E66-9291-4FB334291053}"/>
               </a:ext>
             </a:extLst>
           </p:cNvPr>
@@ -3600,8 +4054,8 @@
         </p:nvSpPr>
         <p:spPr>
           <a:xfrm>
-            <a:off x="765540" y="2794368"/>
-            <a:ext cx="2574231" cy="923330"/>
+            <a:off x="2886515" y="636644"/>
+            <a:ext cx="2239669" cy="923330"/>
           </a:xfrm>
           <a:prstGeom prst="rect">
             <a:avLst/>
@@ -3620,17 +4074,27 @@
                   <a:srgbClr val="FF0000"/>
                 </a:solidFill>
               </a:rPr>
-              <a:t>Export genes identified by no more than the set number of programs</a:t>
+              <a:t>tRNA genes</a:t>
+            </a:r>
+          </a:p>
+          <a:p>
+            <a:r>
+              <a:rPr lang="en-US" b="1" dirty="0">
+                <a:solidFill>
+                  <a:srgbClr val="FF0000"/>
+                </a:solidFill>
+              </a:rPr>
+              <a:t>Identified by Aragorn in “TRNA” tab</a:t>
             </a:r>
           </a:p>
         </p:txBody>
       </p:sp>
       <p:cxnSp>
         <p:nvCxnSpPr>
-          <p:cNvPr id="11" name="Straight Arrow Connector 10">
-            <a:extLst>
-              <a:ext uri="{FF2B5EF4-FFF2-40B4-BE49-F238E27FC236}">
-                <a16:creationId xmlns:a16="http://schemas.microsoft.com/office/drawing/2014/main" id="{111DB15B-7C16-4DA2-AA06-44E0D3E8A345}"/>
+          <p:cNvPr id="19" name="Straight Arrow Connector 18">
+            <a:extLst>
+              <a:ext uri="{FF2B5EF4-FFF2-40B4-BE49-F238E27FC236}">
+                <a16:creationId xmlns:a16="http://schemas.microsoft.com/office/drawing/2014/main" id="{A8486E21-9906-4778-9676-202EA39AC57E}"/>
               </a:ext>
             </a:extLst>
           </p:cNvPr>
@@ -3640,9 +4104,9 @@
           <p:nvPr/>
         </p:nvCxnSpPr>
         <p:spPr>
-          <a:xfrm>
-            <a:off x="3205018" y="3630338"/>
-            <a:ext cx="1976583" cy="82004"/>
+          <a:xfrm flipH="1" flipV="1">
+            <a:off x="2993328" y="3602183"/>
+            <a:ext cx="414890" cy="628073"/>
           </a:xfrm>
           <a:prstGeom prst="straightConnector1">
             <a:avLst/>
@@ -3671,10 +4135,10 @@
       </p:cxnSp>
       <p:sp>
         <p:nvSpPr>
-          <p:cNvPr id="17" name="TextBox 16">
-            <a:extLst>
-              <a:ext uri="{FF2B5EF4-FFF2-40B4-BE49-F238E27FC236}">
-                <a16:creationId xmlns:a16="http://schemas.microsoft.com/office/drawing/2014/main" id="{E24A774A-FD2C-4C88-9953-044CE70C51F0}"/>
+          <p:cNvPr id="20" name="TextBox 19">
+            <a:extLst>
+              <a:ext uri="{FF2B5EF4-FFF2-40B4-BE49-F238E27FC236}">
+                <a16:creationId xmlns:a16="http://schemas.microsoft.com/office/drawing/2014/main" id="{EC7465B7-42EB-4A91-9CD8-81BAE0F8DFB6}"/>
               </a:ext>
             </a:extLst>
           </p:cNvPr>
@@ -3683,8 +4147,542 @@
         </p:nvSpPr>
         <p:spPr>
           <a:xfrm>
-            <a:off x="9039256" y="4533671"/>
-            <a:ext cx="2137860" cy="923330"/>
+            <a:off x="3408219" y="4280390"/>
+            <a:ext cx="2512291" cy="1200329"/>
+          </a:xfrm>
+          <a:prstGeom prst="rect">
+            <a:avLst/>
+          </a:prstGeom>
+          <a:noFill/>
+        </p:spPr>
+        <p:txBody>
+          <a:bodyPr wrap="square" rtlCol="0">
+            <a:spAutoFit/>
+          </a:bodyPr>
+          <a:lstStyle/>
+          <a:p>
+            <a:r>
+              <a:rPr lang="en-US" b="1" dirty="0">
+                <a:solidFill>
+                  <a:srgbClr val="FF0000"/>
+                </a:solidFill>
+              </a:rPr>
+              <a:t>Total calls is always 1 since Aragorn is the only program for identifying tRNA genes</a:t>
+            </a:r>
+          </a:p>
+        </p:txBody>
+      </p:sp>
+    </p:spTree>
+    <p:extLst>
+      <p:ext uri="{BB962C8B-B14F-4D97-AF65-F5344CB8AC3E}">
+        <p14:creationId xmlns:p14="http://schemas.microsoft.com/office/powerpoint/2010/main" val="273132360"/>
+      </p:ext>
+    </p:extLst>
+  </p:cSld>
+  <p:clrMapOvr>
+    <a:masterClrMapping/>
+  </p:clrMapOvr>
+</p:sld>
+</file>
+
+<file path=ppt/slides/slide13.xml><?xml version="1.0" encoding="utf-8"?>
+<p:sld xmlns:a="http://schemas.openxmlformats.org/drawingml/2006/main" xmlns:r="http://schemas.openxmlformats.org/officeDocument/2006/relationships" xmlns:p="http://schemas.openxmlformats.org/presentationml/2006/main">
+  <p:cSld>
+    <p:spTree>
+      <p:nvGrpSpPr>
+        <p:cNvPr id="1" name=""/>
+        <p:cNvGrpSpPr/>
+        <p:nvPr/>
+      </p:nvGrpSpPr>
+      <p:grpSpPr>
+        <a:xfrm>
+          <a:off x="0" y="0"/>
+          <a:ext cx="0" cy="0"/>
+          <a:chOff x="0" y="0"/>
+          <a:chExt cx="0" cy="0"/>
+        </a:xfrm>
+      </p:grpSpPr>
+      <p:sp>
+        <p:nvSpPr>
+          <p:cNvPr id="2" name="Title 1">
+            <a:extLst>
+              <a:ext uri="{FF2B5EF4-FFF2-40B4-BE49-F238E27FC236}">
+                <a16:creationId xmlns:a16="http://schemas.microsoft.com/office/drawing/2014/main" id="{5BCEC82B-D469-480E-93D0-5A1C8BAE958E}"/>
+              </a:ext>
+            </a:extLst>
+          </p:cNvPr>
+          <p:cNvSpPr>
+            <a:spLocks noGrp="1"/>
+          </p:cNvSpPr>
+          <p:nvPr>
+            <p:ph type="title"/>
+          </p:nvPr>
+        </p:nvSpPr>
+        <p:spPr/>
+        <p:txBody>
+          <a:bodyPr/>
+          <a:lstStyle/>
+          <a:p>
+            <a:pPr algn="ctr"/>
+            <a:r>
+              <a:rPr lang="en-US" dirty="0"/>
+              <a:t>Saving your work</a:t>
+            </a:r>
+          </a:p>
+        </p:txBody>
+      </p:sp>
+      <p:sp>
+        <p:nvSpPr>
+          <p:cNvPr id="3" name="Content Placeholder 2">
+            <a:extLst>
+              <a:ext uri="{FF2B5EF4-FFF2-40B4-BE49-F238E27FC236}">
+                <a16:creationId xmlns:a16="http://schemas.microsoft.com/office/drawing/2014/main" id="{A212FFFF-25E2-4A62-8D41-1D8122693BB2}"/>
+              </a:ext>
+            </a:extLst>
+          </p:cNvPr>
+          <p:cNvSpPr>
+            <a:spLocks noGrp="1"/>
+          </p:cNvSpPr>
+          <p:nvPr>
+            <p:ph idx="1"/>
+          </p:nvPr>
+        </p:nvSpPr>
+        <p:spPr/>
+        <p:txBody>
+          <a:bodyPr/>
+          <a:lstStyle/>
+          <a:p>
+            <a:r>
+              <a:rPr lang="en-US" dirty="0">
+                <a:sym typeface="Wingdings" panose="05000000000000000000" pitchFamily="2" charset="2"/>
+              </a:rPr>
+              <a:t>Phage Commander output can be saved as .</a:t>
+            </a:r>
+            <a:r>
+              <a:rPr lang="en-US" dirty="0" err="1">
+                <a:sym typeface="Wingdings" panose="05000000000000000000" pitchFamily="2" charset="2"/>
+              </a:rPr>
+              <a:t>gq</a:t>
+            </a:r>
+            <a:r>
+              <a:rPr lang="en-US" dirty="0">
+                <a:sym typeface="Wingdings" panose="05000000000000000000" pitchFamily="2" charset="2"/>
+              </a:rPr>
+              <a:t> file for later use</a:t>
+            </a:r>
+            <a:endParaRPr lang="en-US" dirty="0"/>
+          </a:p>
+          <a:p>
+            <a:endParaRPr lang="en-US" dirty="0"/>
+          </a:p>
+          <a:p>
+            <a:r>
+              <a:rPr lang="en-US" b="1" dirty="0">
+                <a:solidFill>
+                  <a:schemeClr val="accent5">
+                    <a:lumMod val="75000"/>
+                  </a:schemeClr>
+                </a:solidFill>
+              </a:rPr>
+              <a:t>File menu </a:t>
+            </a:r>
+            <a:r>
+              <a:rPr lang="en-US" dirty="0">
+                <a:sym typeface="Wingdings" panose="05000000000000000000" pitchFamily="2" charset="2"/>
+              </a:rPr>
+              <a:t> </a:t>
+            </a:r>
+            <a:r>
+              <a:rPr lang="en-US" b="1" dirty="0">
+                <a:solidFill>
+                  <a:schemeClr val="accent5">
+                    <a:lumMod val="75000"/>
+                  </a:schemeClr>
+                </a:solidFill>
+                <a:sym typeface="Wingdings" panose="05000000000000000000" pitchFamily="2" charset="2"/>
+              </a:rPr>
+              <a:t>Save As</a:t>
+            </a:r>
+          </a:p>
+          <a:p>
+            <a:endParaRPr lang="en-US" dirty="0">
+              <a:sym typeface="Wingdings" panose="05000000000000000000" pitchFamily="2" charset="2"/>
+            </a:endParaRPr>
+          </a:p>
+          <a:p>
+            <a:r>
+              <a:rPr lang="en-US" b="1" dirty="0">
+                <a:solidFill>
+                  <a:schemeClr val="accent5">
+                    <a:lumMod val="75000"/>
+                  </a:schemeClr>
+                </a:solidFill>
+                <a:sym typeface="Wingdings" panose="05000000000000000000" pitchFamily="2" charset="2"/>
+              </a:rPr>
+              <a:t>File menu </a:t>
+            </a:r>
+            <a:r>
+              <a:rPr lang="en-US" dirty="0">
+                <a:sym typeface="Wingdings" panose="05000000000000000000" pitchFamily="2" charset="2"/>
+              </a:rPr>
+              <a:t> </a:t>
+            </a:r>
+            <a:r>
+              <a:rPr lang="en-US" b="1" dirty="0">
+                <a:solidFill>
+                  <a:schemeClr val="accent5">
+                    <a:lumMod val="75000"/>
+                  </a:schemeClr>
+                </a:solidFill>
+                <a:sym typeface="Wingdings" panose="05000000000000000000" pitchFamily="2" charset="2"/>
+              </a:rPr>
+              <a:t>Load</a:t>
+            </a:r>
+            <a:r>
+              <a:rPr lang="en-US" dirty="0">
+                <a:sym typeface="Wingdings" panose="05000000000000000000" pitchFamily="2" charset="2"/>
+              </a:rPr>
+              <a:t> (for loading .</a:t>
+            </a:r>
+            <a:r>
+              <a:rPr lang="en-US" dirty="0" err="1">
+                <a:sym typeface="Wingdings" panose="05000000000000000000" pitchFamily="2" charset="2"/>
+              </a:rPr>
+              <a:t>gq</a:t>
+            </a:r>
+            <a:r>
+              <a:rPr lang="en-US" dirty="0">
+                <a:sym typeface="Wingdings" panose="05000000000000000000" pitchFamily="2" charset="2"/>
+              </a:rPr>
+              <a:t> files)</a:t>
+            </a:r>
+          </a:p>
+          <a:p>
+            <a:endParaRPr lang="en-US" dirty="0">
+              <a:sym typeface="Wingdings" panose="05000000000000000000" pitchFamily="2" charset="2"/>
+            </a:endParaRPr>
+          </a:p>
+        </p:txBody>
+      </p:sp>
+    </p:spTree>
+    <p:extLst>
+      <p:ext uri="{BB962C8B-B14F-4D97-AF65-F5344CB8AC3E}">
+        <p14:creationId xmlns:p14="http://schemas.microsoft.com/office/powerpoint/2010/main" val="2580310928"/>
+      </p:ext>
+    </p:extLst>
+  </p:cSld>
+  <p:clrMapOvr>
+    <a:masterClrMapping/>
+  </p:clrMapOvr>
+</p:sld>
+</file>
+
+<file path=ppt/slides/slide14.xml><?xml version="1.0" encoding="utf-8"?>
+<p:sld xmlns:a="http://schemas.openxmlformats.org/drawingml/2006/main" xmlns:r="http://schemas.openxmlformats.org/officeDocument/2006/relationships" xmlns:p="http://schemas.openxmlformats.org/presentationml/2006/main">
+  <p:cSld>
+    <p:spTree>
+      <p:nvGrpSpPr>
+        <p:cNvPr id="1" name=""/>
+        <p:cNvGrpSpPr/>
+        <p:nvPr/>
+      </p:nvGrpSpPr>
+      <p:grpSpPr>
+        <a:xfrm>
+          <a:off x="0" y="0"/>
+          <a:ext cx="0" cy="0"/>
+          <a:chOff x="0" y="0"/>
+          <a:chExt cx="0" cy="0"/>
+        </a:xfrm>
+      </p:grpSpPr>
+      <p:sp>
+        <p:nvSpPr>
+          <p:cNvPr id="2" name="Title 1">
+            <a:extLst>
+              <a:ext uri="{FF2B5EF4-FFF2-40B4-BE49-F238E27FC236}">
+                <a16:creationId xmlns:a16="http://schemas.microsoft.com/office/drawing/2014/main" id="{25E2BFF6-6BAD-4146-AEAE-1A9B27A484BD}"/>
+              </a:ext>
+            </a:extLst>
+          </p:cNvPr>
+          <p:cNvSpPr>
+            <a:spLocks noGrp="1"/>
+          </p:cNvSpPr>
+          <p:nvPr>
+            <p:ph type="title"/>
+          </p:nvPr>
+        </p:nvSpPr>
+        <p:spPr>
+          <a:xfrm>
+            <a:off x="1719618" y="365127"/>
+            <a:ext cx="8775510" cy="1325563"/>
+          </a:xfrm>
+        </p:spPr>
+        <p:txBody>
+          <a:bodyPr>
+            <a:normAutofit/>
+          </a:bodyPr>
+          <a:lstStyle/>
+          <a:p>
+            <a:pPr algn="ctr"/>
+            <a:r>
+              <a:rPr lang="en-US" dirty="0"/>
+              <a:t>Exporting Phage Commander Results</a:t>
+            </a:r>
+          </a:p>
+        </p:txBody>
+      </p:sp>
+      <p:sp>
+        <p:nvSpPr>
+          <p:cNvPr id="3" name="Content Placeholder 2">
+            <a:extLst>
+              <a:ext uri="{FF2B5EF4-FFF2-40B4-BE49-F238E27FC236}">
+                <a16:creationId xmlns:a16="http://schemas.microsoft.com/office/drawing/2014/main" id="{CE8EA6EE-0E6C-4A9E-8B64-0F376EC4BF94}"/>
+              </a:ext>
+            </a:extLst>
+          </p:cNvPr>
+          <p:cNvSpPr>
+            <a:spLocks noGrp="1"/>
+          </p:cNvSpPr>
+          <p:nvPr>
+            <p:ph idx="1"/>
+          </p:nvPr>
+        </p:nvSpPr>
+        <p:spPr>
+          <a:xfrm>
+            <a:off x="512465" y="1600200"/>
+            <a:ext cx="11284299" cy="5160819"/>
+          </a:xfrm>
+        </p:spPr>
+        <p:txBody>
+          <a:bodyPr>
+            <a:normAutofit/>
+          </a:bodyPr>
+          <a:lstStyle/>
+          <a:p>
+            <a:r>
+              <a:rPr lang="en-US" sz="3200" dirty="0"/>
+              <a:t>To export as excel spreadsheet, select:</a:t>
+            </a:r>
+          </a:p>
+          <a:p>
+            <a:pPr lvl="1"/>
+            <a:r>
+              <a:rPr lang="en-US" sz="2800" b="1" dirty="0">
+                <a:solidFill>
+                  <a:srgbClr val="0070C0"/>
+                </a:solidFill>
+              </a:rPr>
+              <a:t>File</a:t>
+            </a:r>
+            <a:r>
+              <a:rPr lang="en-US" sz="2800" dirty="0"/>
+              <a:t> </a:t>
+            </a:r>
+            <a:r>
+              <a:rPr lang="en-US" sz="2800" dirty="0">
+                <a:sym typeface="Wingdings" panose="05000000000000000000" pitchFamily="2" charset="2"/>
+              </a:rPr>
+              <a:t> </a:t>
+            </a:r>
+            <a:r>
+              <a:rPr lang="en-US" sz="2800" b="1" dirty="0">
+                <a:solidFill>
+                  <a:srgbClr val="0070C0"/>
+                </a:solidFill>
+                <a:sym typeface="Wingdings" panose="05000000000000000000" pitchFamily="2" charset="2"/>
+              </a:rPr>
+              <a:t>Export</a:t>
+            </a:r>
+            <a:r>
+              <a:rPr lang="en-US" sz="2800" dirty="0">
+                <a:sym typeface="Wingdings" panose="05000000000000000000" pitchFamily="2" charset="2"/>
+              </a:rPr>
+              <a:t>  </a:t>
+            </a:r>
+            <a:r>
+              <a:rPr lang="en-US" sz="2800" b="1" dirty="0">
+                <a:solidFill>
+                  <a:srgbClr val="0070C0"/>
+                </a:solidFill>
+                <a:sym typeface="Wingdings" panose="05000000000000000000" pitchFamily="2" charset="2"/>
+              </a:rPr>
+              <a:t>Excel</a:t>
+            </a:r>
+          </a:p>
+          <a:p>
+            <a:r>
+              <a:rPr lang="en-US" sz="3200" dirty="0">
+                <a:sym typeface="Wingdings" panose="05000000000000000000" pitchFamily="2" charset="2"/>
+              </a:rPr>
+              <a:t>To export as GenBank (.</a:t>
+            </a:r>
+            <a:r>
+              <a:rPr lang="en-US" sz="3200" dirty="0" err="1">
+                <a:sym typeface="Wingdings" panose="05000000000000000000" pitchFamily="2" charset="2"/>
+              </a:rPr>
+              <a:t>gb</a:t>
+            </a:r>
+            <a:r>
+              <a:rPr lang="en-US" sz="3200" dirty="0">
+                <a:sym typeface="Wingdings" panose="05000000000000000000" pitchFamily="2" charset="2"/>
+              </a:rPr>
+              <a:t>) format file, select:</a:t>
+            </a:r>
+          </a:p>
+          <a:p>
+            <a:pPr lvl="1"/>
+            <a:r>
+              <a:rPr lang="en-US" sz="2800" b="1" dirty="0">
+                <a:solidFill>
+                  <a:srgbClr val="0070C0"/>
+                </a:solidFill>
+                <a:sym typeface="Wingdings" panose="05000000000000000000" pitchFamily="2" charset="2"/>
+              </a:rPr>
+              <a:t>File</a:t>
+            </a:r>
+            <a:r>
+              <a:rPr lang="en-US" sz="2800" dirty="0">
+                <a:sym typeface="Wingdings" panose="05000000000000000000" pitchFamily="2" charset="2"/>
+              </a:rPr>
+              <a:t>  </a:t>
+            </a:r>
+            <a:r>
+              <a:rPr lang="en-US" sz="2800" b="1" dirty="0">
+                <a:solidFill>
+                  <a:srgbClr val="0070C0"/>
+                </a:solidFill>
+                <a:sym typeface="Wingdings" panose="05000000000000000000" pitchFamily="2" charset="2"/>
+              </a:rPr>
+              <a:t>Export</a:t>
+            </a:r>
+            <a:r>
+              <a:rPr lang="en-US" sz="2800" dirty="0">
+                <a:sym typeface="Wingdings" panose="05000000000000000000" pitchFamily="2" charset="2"/>
+              </a:rPr>
+              <a:t>  </a:t>
+            </a:r>
+            <a:r>
+              <a:rPr lang="en-US" sz="2800" b="1" dirty="0">
+                <a:solidFill>
+                  <a:srgbClr val="0070C0"/>
+                </a:solidFill>
+                <a:sym typeface="Wingdings" panose="05000000000000000000" pitchFamily="2" charset="2"/>
+              </a:rPr>
+              <a:t>GenBank</a:t>
+            </a:r>
+          </a:p>
+        </p:txBody>
+      </p:sp>
+    </p:spTree>
+    <p:extLst>
+      <p:ext uri="{BB962C8B-B14F-4D97-AF65-F5344CB8AC3E}">
+        <p14:creationId xmlns:p14="http://schemas.microsoft.com/office/powerpoint/2010/main" val="2722560293"/>
+      </p:ext>
+    </p:extLst>
+  </p:cSld>
+  <p:clrMapOvr>
+    <a:masterClrMapping/>
+  </p:clrMapOvr>
+</p:sld>
+</file>
+
+<file path=ppt/slides/slide15.xml><?xml version="1.0" encoding="utf-8"?>
+<p:sld xmlns:a="http://schemas.openxmlformats.org/drawingml/2006/main" xmlns:r="http://schemas.openxmlformats.org/officeDocument/2006/relationships" xmlns:p="http://schemas.openxmlformats.org/presentationml/2006/main">
+  <p:cSld>
+    <p:spTree>
+      <p:nvGrpSpPr>
+        <p:cNvPr id="1" name=""/>
+        <p:cNvGrpSpPr/>
+        <p:nvPr/>
+      </p:nvGrpSpPr>
+      <p:grpSpPr>
+        <a:xfrm>
+          <a:off x="0" y="0"/>
+          <a:ext cx="0" cy="0"/>
+          <a:chOff x="0" y="0"/>
+          <a:chExt cx="0" cy="0"/>
+        </a:xfrm>
+      </p:grpSpPr>
+      <p:pic>
+        <p:nvPicPr>
+          <p:cNvPr id="5" name="Picture 4">
+            <a:extLst>
+              <a:ext uri="{FF2B5EF4-FFF2-40B4-BE49-F238E27FC236}">
+                <a16:creationId xmlns:a16="http://schemas.microsoft.com/office/drawing/2014/main" id="{7EDF0896-132C-4EA5-BA4B-25E3765C12AB}"/>
+              </a:ext>
+            </a:extLst>
+          </p:cNvPr>
+          <p:cNvPicPr>
+            <a:picLocks noChangeAspect="1"/>
+          </p:cNvPicPr>
+          <p:nvPr/>
+        </p:nvPicPr>
+        <p:blipFill rotWithShape="1">
+          <a:blip r:embed="rId2"/>
+          <a:srcRect l="9113" t="10131" r="7312" b="7710"/>
+          <a:stretch/>
+        </p:blipFill>
+        <p:spPr>
+          <a:xfrm>
+            <a:off x="2515672" y="2589278"/>
+            <a:ext cx="6737385" cy="2651760"/>
+          </a:xfrm>
+          <a:prstGeom prst="rect">
+            <a:avLst/>
+          </a:prstGeom>
+        </p:spPr>
+      </p:pic>
+      <p:sp>
+        <p:nvSpPr>
+          <p:cNvPr id="2" name="Title 1">
+            <a:extLst>
+              <a:ext uri="{FF2B5EF4-FFF2-40B4-BE49-F238E27FC236}">
+                <a16:creationId xmlns:a16="http://schemas.microsoft.com/office/drawing/2014/main" id="{5E06BCFD-87C4-42CF-998C-E7326095EE1B}"/>
+              </a:ext>
+            </a:extLst>
+          </p:cNvPr>
+          <p:cNvSpPr>
+            <a:spLocks noGrp="1"/>
+          </p:cNvSpPr>
+          <p:nvPr>
+            <p:ph type="title"/>
+          </p:nvPr>
+        </p:nvSpPr>
+        <p:spPr>
+          <a:xfrm>
+            <a:off x="863497" y="215801"/>
+            <a:ext cx="10826228" cy="1325563"/>
+          </a:xfrm>
+        </p:spPr>
+        <p:txBody>
+          <a:bodyPr>
+            <a:normAutofit/>
+          </a:bodyPr>
+          <a:lstStyle/>
+          <a:p>
+            <a:pPr algn="ctr"/>
+            <a:r>
+              <a:rPr lang="en-US" dirty="0"/>
+              <a:t>Exporting Phage Commander results in .gb format</a:t>
+            </a:r>
+          </a:p>
+        </p:txBody>
+      </p:sp>
+      <p:sp>
+        <p:nvSpPr>
+          <p:cNvPr id="17" name="TextBox 16">
+            <a:extLst>
+              <a:ext uri="{FF2B5EF4-FFF2-40B4-BE49-F238E27FC236}">
+                <a16:creationId xmlns:a16="http://schemas.microsoft.com/office/drawing/2014/main" id="{E24A774A-FD2C-4C88-9953-044CE70C51F0}"/>
+              </a:ext>
+            </a:extLst>
+          </p:cNvPr>
+          <p:cNvSpPr txBox="1"/>
+          <p:nvPr/>
+        </p:nvSpPr>
+        <p:spPr>
+          <a:xfrm>
+            <a:off x="4946098" y="5710557"/>
+            <a:ext cx="2457286" cy="646331"/>
           </a:xfrm>
           <a:prstGeom prst="rect">
             <a:avLst/>
@@ -3724,8 +4722,8 @@
         </p:nvCxnSpPr>
         <p:spPr>
           <a:xfrm flipH="1" flipV="1">
-            <a:off x="6779189" y="4353037"/>
-            <a:ext cx="2218948" cy="842997"/>
+            <a:off x="5004174" y="4576802"/>
+            <a:ext cx="213778" cy="1119474"/>
           </a:xfrm>
           <a:prstGeom prst="straightConnector1">
             <a:avLst/>
@@ -3766,8 +4764,8 @@
         </p:nvSpPr>
         <p:spPr>
           <a:xfrm>
-            <a:off x="8947358" y="6271966"/>
-            <a:ext cx="1764431" cy="369332"/>
+            <a:off x="2242166" y="5924334"/>
+            <a:ext cx="2335119" cy="369332"/>
           </a:xfrm>
           <a:prstGeom prst="rect">
             <a:avLst/>
@@ -3786,7 +4784,7 @@
                   <a:srgbClr val="FF0000"/>
                 </a:solidFill>
               </a:rPr>
-              <a:t>Press “Export” </a:t>
+              <a:t>Finally, press “Export” </a:t>
             </a:r>
           </a:p>
         </p:txBody>
@@ -3806,9 +4804,9 @@
           <p:nvPr/>
         </p:nvCxnSpPr>
         <p:spPr>
-          <a:xfrm flipH="1" flipV="1">
-            <a:off x="5855855" y="4623513"/>
-            <a:ext cx="3002296" cy="1694924"/>
+          <a:xfrm flipV="1">
+            <a:off x="3271706" y="4809081"/>
+            <a:ext cx="299540" cy="1115253"/>
           </a:xfrm>
           <a:prstGeom prst="straightConnector1">
             <a:avLst/>
@@ -3849,8 +4847,8 @@
         </p:nvSpPr>
         <p:spPr>
           <a:xfrm>
-            <a:off x="873010" y="4122772"/>
-            <a:ext cx="2391190" cy="923330"/>
+            <a:off x="25422" y="2992128"/>
+            <a:ext cx="2642016" cy="923330"/>
           </a:xfrm>
           <a:prstGeom prst="rect">
             <a:avLst/>
@@ -3869,7 +4867,7 @@
                   <a:srgbClr val="FF0000"/>
                 </a:solidFill>
               </a:rPr>
-              <a:t>Export genes identified by  at least the set number of programs</a:t>
+              <a:t>Export genes identified by at least the set number of programs</a:t>
             </a:r>
           </a:p>
         </p:txBody>
@@ -3889,9 +4887,9 @@
           <p:nvPr/>
         </p:nvCxnSpPr>
         <p:spPr>
-          <a:xfrm flipV="1">
-            <a:off x="3121892" y="3925155"/>
-            <a:ext cx="2059709" cy="840829"/>
+          <a:xfrm>
+            <a:off x="1874939" y="3453793"/>
+            <a:ext cx="855491" cy="220594"/>
           </a:xfrm>
           <a:prstGeom prst="straightConnector1">
             <a:avLst/>
@@ -3920,10 +4918,10 @@
       </p:cxnSp>
       <p:sp>
         <p:nvSpPr>
-          <p:cNvPr id="25" name="TextBox 24">
-            <a:extLst>
-              <a:ext uri="{FF2B5EF4-FFF2-40B4-BE49-F238E27FC236}">
-                <a16:creationId xmlns:a16="http://schemas.microsoft.com/office/drawing/2014/main" id="{179822F8-3215-48DB-BCF7-96E2A2434AE0}"/>
+          <p:cNvPr id="34" name="TextBox 33">
+            <a:extLst>
+              <a:ext uri="{FF2B5EF4-FFF2-40B4-BE49-F238E27FC236}">
+                <a16:creationId xmlns:a16="http://schemas.microsoft.com/office/drawing/2014/main" id="{5D4EDA29-33CF-4180-98BF-C4B772724F05}"/>
               </a:ext>
             </a:extLst>
           </p:cNvPr>
@@ -3932,8 +4930,8 @@
         </p:nvSpPr>
         <p:spPr>
           <a:xfrm>
-            <a:off x="737821" y="5575294"/>
-            <a:ext cx="2391190" cy="923330"/>
+            <a:off x="-15161" y="4115136"/>
+            <a:ext cx="2642016" cy="923330"/>
           </a:xfrm>
           <a:prstGeom prst="rect">
             <a:avLst/>
@@ -3952,17 +4950,33 @@
                   <a:srgbClr val="FF0000"/>
                 </a:solidFill>
               </a:rPr>
-              <a:t>Export genes identified exactly by the set number of programs</a:t>
+              <a:t>Export only those genes identified by </a:t>
+            </a:r>
+            <a:r>
+              <a:rPr lang="en-US" b="1" u="sng" dirty="0">
+                <a:solidFill>
+                  <a:srgbClr val="FF0000"/>
+                </a:solidFill>
+              </a:rPr>
+              <a:t>all</a:t>
+            </a:r>
+            <a:r>
+              <a:rPr lang="en-US" b="1" dirty="0">
+                <a:solidFill>
+                  <a:srgbClr val="FF0000"/>
+                </a:solidFill>
+              </a:rPr>
+              <a:t> programs (most stringent)</a:t>
             </a:r>
           </a:p>
         </p:txBody>
       </p:sp>
       <p:cxnSp>
         <p:nvCxnSpPr>
-          <p:cNvPr id="26" name="Straight Arrow Connector 25">
-            <a:extLst>
-              <a:ext uri="{FF2B5EF4-FFF2-40B4-BE49-F238E27FC236}">
-                <a16:creationId xmlns:a16="http://schemas.microsoft.com/office/drawing/2014/main" id="{A0759BEE-EFA6-4458-89A9-F01C30519EDE}"/>
+          <p:cNvPr id="35" name="Straight Arrow Connector 34">
+            <a:extLst>
+              <a:ext uri="{FF2B5EF4-FFF2-40B4-BE49-F238E27FC236}">
+                <a16:creationId xmlns:a16="http://schemas.microsoft.com/office/drawing/2014/main" id="{F61B2493-2633-4256-8596-5E548F3D3E94}"/>
               </a:ext>
             </a:extLst>
           </p:cNvPr>
@@ -3973,8 +4987,8 @@
         </p:nvCxnSpPr>
         <p:spPr>
           <a:xfrm flipV="1">
-            <a:off x="3205018" y="4170146"/>
-            <a:ext cx="1989371" cy="1866813"/>
+            <a:off x="2088859" y="3967696"/>
+            <a:ext cx="641571" cy="272546"/>
           </a:xfrm>
           <a:prstGeom prst="straightConnector1">
             <a:avLst/>
@@ -4003,10 +5017,10 @@
       </p:cxnSp>
       <p:sp>
         <p:nvSpPr>
-          <p:cNvPr id="34" name="TextBox 33">
-            <a:extLst>
-              <a:ext uri="{FF2B5EF4-FFF2-40B4-BE49-F238E27FC236}">
-                <a16:creationId xmlns:a16="http://schemas.microsoft.com/office/drawing/2014/main" id="{5D4EDA29-33CF-4180-98BF-C4B772724F05}"/>
+          <p:cNvPr id="38" name="TextBox 37">
+            <a:extLst>
+              <a:ext uri="{FF2B5EF4-FFF2-40B4-BE49-F238E27FC236}">
+                <a16:creationId xmlns:a16="http://schemas.microsoft.com/office/drawing/2014/main" id="{20122C6D-281F-4FD1-99E9-8AB9FAC7A384}"/>
               </a:ext>
             </a:extLst>
           </p:cNvPr>
@@ -4015,8 +5029,8 @@
         </p:nvSpPr>
         <p:spPr>
           <a:xfrm>
-            <a:off x="8986984" y="1379138"/>
-            <a:ext cx="2121679" cy="1200329"/>
+            <a:off x="-31002" y="1682707"/>
+            <a:ext cx="2698440" cy="923330"/>
           </a:xfrm>
           <a:prstGeom prst="rect">
             <a:avLst/>
@@ -4035,7 +5049,17 @@
                   <a:srgbClr val="FF0000"/>
                 </a:solidFill>
               </a:rPr>
-              <a:t>Export only those genes identified by </a:t>
+              <a:t>Export genes identified by </a:t>
+            </a:r>
+          </a:p>
+          <a:p>
+            <a:r>
+              <a:rPr lang="en-US" b="1" dirty="0">
+                <a:solidFill>
+                  <a:srgbClr val="FF0000"/>
+                </a:solidFill>
+              </a:rPr>
+              <a:t>at least </a:t>
             </a:r>
             <a:r>
               <a:rPr lang="en-US" b="1" u="sng" dirty="0">
@@ -4043,7 +5067,7 @@
                   <a:srgbClr val="FF0000"/>
                 </a:solidFill>
               </a:rPr>
-              <a:t>all</a:t>
+              <a:t>one</a:t>
             </a:r>
             <a:r>
               <a:rPr lang="en-US" b="1" dirty="0">
@@ -4051,17 +5075,17 @@
                   <a:srgbClr val="FF0000"/>
                 </a:solidFill>
               </a:rPr>
-              <a:t> programs (most stringent)</a:t>
+              <a:t> program (i.e. all genes, least stringent)</a:t>
             </a:r>
           </a:p>
         </p:txBody>
       </p:sp>
       <p:cxnSp>
         <p:nvCxnSpPr>
-          <p:cNvPr id="35" name="Straight Arrow Connector 34">
-            <a:extLst>
-              <a:ext uri="{FF2B5EF4-FFF2-40B4-BE49-F238E27FC236}">
-                <a16:creationId xmlns:a16="http://schemas.microsoft.com/office/drawing/2014/main" id="{F61B2493-2633-4256-8596-5E548F3D3E94}"/>
+          <p:cNvPr id="39" name="Straight Arrow Connector 38">
+            <a:extLst>
+              <a:ext uri="{FF2B5EF4-FFF2-40B4-BE49-F238E27FC236}">
+                <a16:creationId xmlns:a16="http://schemas.microsoft.com/office/drawing/2014/main" id="{8CF16D6B-5871-45DC-84A3-7785E0F1321A}"/>
               </a:ext>
             </a:extLst>
           </p:cNvPr>
@@ -4071,9 +5095,9 @@
           <p:nvPr/>
         </p:nvCxnSpPr>
         <p:spPr>
-          <a:xfrm flipH="1">
-            <a:off x="6419275" y="2064644"/>
-            <a:ext cx="2528083" cy="1647698"/>
+          <a:xfrm>
+            <a:off x="1703416" y="2589278"/>
+            <a:ext cx="1077499" cy="780363"/>
           </a:xfrm>
           <a:prstGeom prst="straightConnector1">
             <a:avLst/>
@@ -4102,10 +5126,10 @@
       </p:cxnSp>
       <p:sp>
         <p:nvSpPr>
-          <p:cNvPr id="38" name="TextBox 37">
-            <a:extLst>
-              <a:ext uri="{FF2B5EF4-FFF2-40B4-BE49-F238E27FC236}">
-                <a16:creationId xmlns:a16="http://schemas.microsoft.com/office/drawing/2014/main" id="{20122C6D-281F-4FD1-99E9-8AB9FAC7A384}"/>
+          <p:cNvPr id="44" name="TextBox 43">
+            <a:extLst>
+              <a:ext uri="{FF2B5EF4-FFF2-40B4-BE49-F238E27FC236}">
+                <a16:creationId xmlns:a16="http://schemas.microsoft.com/office/drawing/2014/main" id="{AA9267BC-7E46-45A0-95EA-5452FDBA28A1}"/>
               </a:ext>
             </a:extLst>
           </p:cNvPr>
@@ -4114,8 +5138,8 @@
         </p:nvSpPr>
         <p:spPr>
           <a:xfrm>
-            <a:off x="9039256" y="3108720"/>
-            <a:ext cx="2698440" cy="923330"/>
+            <a:off x="9676327" y="2262103"/>
+            <a:ext cx="1931831" cy="923330"/>
           </a:xfrm>
           <a:prstGeom prst="rect">
             <a:avLst/>
@@ -4134,59 +5158,17 @@
                   <a:srgbClr val="FF0000"/>
                 </a:solidFill>
               </a:rPr>
-              <a:t>Export genes identified by </a:t>
-            </a:r>
-          </a:p>
-          <a:p>
-            <a:r>
-              <a:rPr lang="en-US" b="1" dirty="0">
-                <a:solidFill>
-                  <a:srgbClr val="FF0000"/>
-                </a:solidFill>
-              </a:rPr>
-              <a:t>at least </a:t>
-            </a:r>
-            <a:r>
-              <a:rPr lang="en-US" b="1" u="sng" dirty="0">
-                <a:solidFill>
-                  <a:srgbClr val="FF0000"/>
-                </a:solidFill>
-              </a:rPr>
-              <a:t>one</a:t>
-            </a:r>
-            <a:r>
-              <a:rPr lang="en-US" b="1" dirty="0">
-                <a:solidFill>
-                  <a:srgbClr val="FF0000"/>
-                </a:solidFill>
-              </a:rPr>
-              <a:t> program (i.e. all genes, least </a:t>
-            </a:r>
-            <a:r>
-              <a:rPr lang="en-US" b="1" dirty="0" err="1">
-                <a:solidFill>
-                  <a:srgbClr val="FF0000"/>
-                </a:solidFill>
-              </a:rPr>
-              <a:t>stringen</a:t>
-            </a:r>
-            <a:r>
-              <a:rPr lang="en-US" b="1" dirty="0">
-                <a:solidFill>
-                  <a:srgbClr val="FF0000"/>
-                </a:solidFill>
-              </a:rPr>
-              <a:t>)</a:t>
+              <a:t>Export gene starts chosen by majority rule</a:t>
             </a:r>
           </a:p>
         </p:txBody>
       </p:sp>
       <p:cxnSp>
         <p:nvCxnSpPr>
-          <p:cNvPr id="39" name="Straight Arrow Connector 38">
-            <a:extLst>
-              <a:ext uri="{FF2B5EF4-FFF2-40B4-BE49-F238E27FC236}">
-                <a16:creationId xmlns:a16="http://schemas.microsoft.com/office/drawing/2014/main" id="{8CF16D6B-5871-45DC-84A3-7785E0F1321A}"/>
+          <p:cNvPr id="45" name="Straight Arrow Connector 44">
+            <a:extLst>
+              <a:ext uri="{FF2B5EF4-FFF2-40B4-BE49-F238E27FC236}">
+                <a16:creationId xmlns:a16="http://schemas.microsoft.com/office/drawing/2014/main" id="{36B54D17-5C26-44A3-A9F8-559AF3BCF638}"/>
               </a:ext>
             </a:extLst>
           </p:cNvPr>
@@ -4197,8 +5179,174 @@
         </p:nvCxnSpPr>
         <p:spPr>
           <a:xfrm flipH="1">
-            <a:off x="6423908" y="3662180"/>
-            <a:ext cx="2523450" cy="262975"/>
+            <a:off x="6606330" y="2698761"/>
+            <a:ext cx="3069998" cy="746700"/>
+          </a:xfrm>
+          <a:prstGeom prst="straightConnector1">
+            <a:avLst/>
+          </a:prstGeom>
+          <a:ln w="57150">
+            <a:solidFill>
+              <a:srgbClr val="FF0000"/>
+            </a:solidFill>
+            <a:tailEnd type="triangle"/>
+          </a:ln>
+        </p:spPr>
+        <p:style>
+          <a:lnRef idx="1">
+            <a:schemeClr val="accent1"/>
+          </a:lnRef>
+          <a:fillRef idx="0">
+            <a:schemeClr val="accent1"/>
+          </a:fillRef>
+          <a:effectRef idx="0">
+            <a:schemeClr val="accent1"/>
+          </a:effectRef>
+          <a:fontRef idx="minor">
+            <a:schemeClr val="tx1"/>
+          </a:fontRef>
+        </p:style>
+      </p:cxnSp>
+      <p:sp>
+        <p:nvSpPr>
+          <p:cNvPr id="49" name="TextBox 48">
+            <a:extLst>
+              <a:ext uri="{FF2B5EF4-FFF2-40B4-BE49-F238E27FC236}">
+                <a16:creationId xmlns:a16="http://schemas.microsoft.com/office/drawing/2014/main" id="{2768E4D9-75B1-4D60-87CB-9BE09F2D0B5C}"/>
+              </a:ext>
+            </a:extLst>
+          </p:cNvPr>
+          <p:cNvSpPr txBox="1"/>
+          <p:nvPr/>
+        </p:nvSpPr>
+        <p:spPr>
+          <a:xfrm>
+            <a:off x="9739319" y="3286692"/>
+            <a:ext cx="2396978" cy="1477328"/>
+          </a:xfrm>
+          <a:prstGeom prst="rect">
+            <a:avLst/>
+          </a:prstGeom>
+          <a:noFill/>
+        </p:spPr>
+        <p:txBody>
+          <a:bodyPr wrap="square" rtlCol="0">
+            <a:spAutoFit/>
+          </a:bodyPr>
+          <a:lstStyle/>
+          <a:p>
+            <a:r>
+              <a:rPr lang="en-US" b="1" dirty="0">
+                <a:solidFill>
+                  <a:srgbClr val="FF0000"/>
+                </a:solidFill>
+              </a:rPr>
+              <a:t>Export gene starts that generate the longest open reading frame (but are chosen by at least 1 program)</a:t>
+            </a:r>
+          </a:p>
+        </p:txBody>
+      </p:sp>
+      <p:cxnSp>
+        <p:nvCxnSpPr>
+          <p:cNvPr id="50" name="Straight Arrow Connector 49">
+            <a:extLst>
+              <a:ext uri="{FF2B5EF4-FFF2-40B4-BE49-F238E27FC236}">
+                <a16:creationId xmlns:a16="http://schemas.microsoft.com/office/drawing/2014/main" id="{0C0EF227-DA2C-408D-B2E7-58E94FB73156}"/>
+              </a:ext>
+            </a:extLst>
+          </p:cNvPr>
+          <p:cNvCxnSpPr>
+            <a:cxnSpLocks/>
+          </p:cNvCxnSpPr>
+          <p:nvPr/>
+        </p:nvCxnSpPr>
+        <p:spPr>
+          <a:xfrm flipH="1" flipV="1">
+            <a:off x="8960319" y="3745035"/>
+            <a:ext cx="790485" cy="373273"/>
+          </a:xfrm>
+          <a:prstGeom prst="straightConnector1">
+            <a:avLst/>
+          </a:prstGeom>
+          <a:ln w="57150">
+            <a:solidFill>
+              <a:srgbClr val="FF0000"/>
+            </a:solidFill>
+            <a:tailEnd type="triangle"/>
+          </a:ln>
+        </p:spPr>
+        <p:style>
+          <a:lnRef idx="1">
+            <a:schemeClr val="accent1"/>
+          </a:lnRef>
+          <a:fillRef idx="0">
+            <a:schemeClr val="accent1"/>
+          </a:fillRef>
+          <a:effectRef idx="0">
+            <a:schemeClr val="accent1"/>
+          </a:effectRef>
+          <a:fontRef idx="minor">
+            <a:schemeClr val="tx1"/>
+          </a:fontRef>
+        </p:style>
+      </p:cxnSp>
+      <p:sp>
+        <p:nvSpPr>
+          <p:cNvPr id="52" name="TextBox 51">
+            <a:extLst>
+              <a:ext uri="{FF2B5EF4-FFF2-40B4-BE49-F238E27FC236}">
+                <a16:creationId xmlns:a16="http://schemas.microsoft.com/office/drawing/2014/main" id="{11CDD1CA-0A2F-4D03-BFB5-54AFA515FE00}"/>
+              </a:ext>
+            </a:extLst>
+          </p:cNvPr>
+          <p:cNvSpPr txBox="1"/>
+          <p:nvPr/>
+        </p:nvSpPr>
+        <p:spPr>
+          <a:xfrm>
+            <a:off x="9421536" y="4865279"/>
+            <a:ext cx="2770464" cy="1477328"/>
+          </a:xfrm>
+          <a:prstGeom prst="rect">
+            <a:avLst/>
+          </a:prstGeom>
+          <a:noFill/>
+        </p:spPr>
+        <p:txBody>
+          <a:bodyPr wrap="square" rtlCol="0">
+            <a:spAutoFit/>
+          </a:bodyPr>
+          <a:lstStyle/>
+          <a:p>
+            <a:r>
+              <a:rPr lang="en-US" b="1" dirty="0">
+                <a:solidFill>
+                  <a:srgbClr val="FF0000"/>
+                </a:solidFill>
+              </a:rPr>
+              <a:t>Export gene starts chosen by a specific program (e.g. Prodigal – if program does not call a particular gene, default to majority rule)</a:t>
+            </a:r>
+          </a:p>
+        </p:txBody>
+      </p:sp>
+      <p:cxnSp>
+        <p:nvCxnSpPr>
+          <p:cNvPr id="53" name="Straight Arrow Connector 52">
+            <a:extLst>
+              <a:ext uri="{FF2B5EF4-FFF2-40B4-BE49-F238E27FC236}">
+                <a16:creationId xmlns:a16="http://schemas.microsoft.com/office/drawing/2014/main" id="{F4CD97F1-F486-40D3-8955-7A7D215BE4C9}"/>
+              </a:ext>
+            </a:extLst>
+          </p:cNvPr>
+          <p:cNvCxnSpPr>
+            <a:cxnSpLocks/>
+          </p:cNvCxnSpPr>
+          <p:nvPr/>
+        </p:nvCxnSpPr>
+        <p:spPr>
+          <a:xfrm flipH="1" flipV="1">
+            <a:off x="6738657" y="3967696"/>
+            <a:ext cx="2682879" cy="1057183"/>
           </a:xfrm>
           <a:prstGeom prst="straightConnector1">
             <a:avLst/>
@@ -4229,6 +5377,233 @@
     <p:extLst>
       <p:ext uri="{BB962C8B-B14F-4D97-AF65-F5344CB8AC3E}">
         <p14:creationId xmlns:p14="http://schemas.microsoft.com/office/powerpoint/2010/main" val="1332295338"/>
+      </p:ext>
+    </p:extLst>
+  </p:cSld>
+  <p:clrMapOvr>
+    <a:masterClrMapping/>
+  </p:clrMapOvr>
+</p:sld>
+</file>
+
+<file path=ppt/slides/slide16.xml><?xml version="1.0" encoding="utf-8"?>
+<p:sld xmlns:a="http://schemas.openxmlformats.org/drawingml/2006/main" xmlns:r="http://schemas.openxmlformats.org/officeDocument/2006/relationships" xmlns:p="http://schemas.openxmlformats.org/presentationml/2006/main">
+  <p:cSld>
+    <p:spTree>
+      <p:nvGrpSpPr>
+        <p:cNvPr id="1" name=""/>
+        <p:cNvGrpSpPr/>
+        <p:nvPr/>
+      </p:nvGrpSpPr>
+      <p:grpSpPr>
+        <a:xfrm>
+          <a:off x="0" y="0"/>
+          <a:ext cx="0" cy="0"/>
+          <a:chOff x="0" y="0"/>
+          <a:chExt cx="0" cy="0"/>
+        </a:xfrm>
+      </p:grpSpPr>
+      <p:sp>
+        <p:nvSpPr>
+          <p:cNvPr id="2" name="Title 1">
+            <a:extLst>
+              <a:ext uri="{FF2B5EF4-FFF2-40B4-BE49-F238E27FC236}">
+                <a16:creationId xmlns:a16="http://schemas.microsoft.com/office/drawing/2014/main" id="{E5496925-1AA7-473E-AD7E-278691F87FEE}"/>
+              </a:ext>
+            </a:extLst>
+          </p:cNvPr>
+          <p:cNvSpPr>
+            <a:spLocks noGrp="1"/>
+          </p:cNvSpPr>
+          <p:nvPr>
+            <p:ph type="title"/>
+          </p:nvPr>
+        </p:nvSpPr>
+        <p:spPr/>
+        <p:txBody>
+          <a:bodyPr/>
+          <a:lstStyle/>
+          <a:p>
+            <a:pPr algn="ctr"/>
+            <a:r>
+              <a:rPr lang="en-US" dirty="0"/>
+              <a:t>Export Gene settings</a:t>
+            </a:r>
+          </a:p>
+        </p:txBody>
+      </p:sp>
+      <p:sp>
+        <p:nvSpPr>
+          <p:cNvPr id="3" name="Content Placeholder 2">
+            <a:extLst>
+              <a:ext uri="{FF2B5EF4-FFF2-40B4-BE49-F238E27FC236}">
+                <a16:creationId xmlns:a16="http://schemas.microsoft.com/office/drawing/2014/main" id="{07C764B4-EDCE-4D26-948E-7073940AC6F4}"/>
+              </a:ext>
+            </a:extLst>
+          </p:cNvPr>
+          <p:cNvSpPr>
+            <a:spLocks noGrp="1"/>
+          </p:cNvSpPr>
+          <p:nvPr>
+            <p:ph idx="1"/>
+          </p:nvPr>
+        </p:nvSpPr>
+        <p:spPr/>
+        <p:txBody>
+          <a:bodyPr>
+            <a:noAutofit/>
+          </a:bodyPr>
+          <a:lstStyle/>
+          <a:p>
+            <a:r>
+              <a:rPr lang="en-US" sz="2700" dirty="0"/>
+              <a:t>“Any program” will export all genes identified by at least one program – this is the least conservative setting (I use this one most of the time)</a:t>
+            </a:r>
+          </a:p>
+          <a:p>
+            <a:r>
+              <a:rPr lang="en-US" sz="2700" dirty="0">
+                <a:sym typeface="Wingdings" panose="05000000000000000000" pitchFamily="2" charset="2"/>
+              </a:rPr>
+              <a:t>“At least” will export those genes identified by a number of programs greater than the threshold (e.g. genes identified by 2 or more programs. Use “0” as the threshold and this setting to export all genes identified)</a:t>
+            </a:r>
+          </a:p>
+          <a:p>
+            <a:r>
+              <a:rPr lang="en-US" sz="2700" dirty="0"/>
+              <a:t>“All programs” will export only those genes chosen by all programs used (this is the most conservative setting, will export the fewest genes)</a:t>
+            </a:r>
+          </a:p>
+          <a:p>
+            <a:r>
+              <a:rPr lang="en-US" sz="2700" dirty="0"/>
+              <a:t>“Export tRNAs called by Aragorn” will export the tRNA genes identified by Aragorn</a:t>
+            </a:r>
+          </a:p>
+          <a:p>
+            <a:endParaRPr lang="en-US" sz="2700" dirty="0"/>
+          </a:p>
+        </p:txBody>
+      </p:sp>
+    </p:spTree>
+    <p:extLst>
+      <p:ext uri="{BB962C8B-B14F-4D97-AF65-F5344CB8AC3E}">
+        <p14:creationId xmlns:p14="http://schemas.microsoft.com/office/powerpoint/2010/main" val="3080472289"/>
+      </p:ext>
+    </p:extLst>
+  </p:cSld>
+  <p:clrMapOvr>
+    <a:masterClrMapping/>
+  </p:clrMapOvr>
+</p:sld>
+</file>
+
+<file path=ppt/slides/slide17.xml><?xml version="1.0" encoding="utf-8"?>
+<p:sld xmlns:a="http://schemas.openxmlformats.org/drawingml/2006/main" xmlns:r="http://schemas.openxmlformats.org/officeDocument/2006/relationships" xmlns:p="http://schemas.openxmlformats.org/presentationml/2006/main">
+  <p:cSld>
+    <p:spTree>
+      <p:nvGrpSpPr>
+        <p:cNvPr id="1" name=""/>
+        <p:cNvGrpSpPr/>
+        <p:nvPr/>
+      </p:nvGrpSpPr>
+      <p:grpSpPr>
+        <a:xfrm>
+          <a:off x="0" y="0"/>
+          <a:ext cx="0" cy="0"/>
+          <a:chOff x="0" y="0"/>
+          <a:chExt cx="0" cy="0"/>
+        </a:xfrm>
+      </p:grpSpPr>
+      <p:sp>
+        <p:nvSpPr>
+          <p:cNvPr id="2" name="Title 1">
+            <a:extLst>
+              <a:ext uri="{FF2B5EF4-FFF2-40B4-BE49-F238E27FC236}">
+                <a16:creationId xmlns:a16="http://schemas.microsoft.com/office/drawing/2014/main" id="{5ABAB9DD-8C00-4E90-B1D3-BA248E939C67}"/>
+              </a:ext>
+            </a:extLst>
+          </p:cNvPr>
+          <p:cNvSpPr>
+            <a:spLocks noGrp="1"/>
+          </p:cNvSpPr>
+          <p:nvPr>
+            <p:ph type="title"/>
+          </p:nvPr>
+        </p:nvSpPr>
+        <p:spPr/>
+        <p:txBody>
+          <a:bodyPr/>
+          <a:lstStyle/>
+          <a:p>
+            <a:pPr algn="ctr"/>
+            <a:r>
+              <a:rPr lang="en-US" dirty="0"/>
+              <a:t>Which gene starts to export?</a:t>
+            </a:r>
+          </a:p>
+        </p:txBody>
+      </p:sp>
+      <p:sp>
+        <p:nvSpPr>
+          <p:cNvPr id="3" name="Content Placeholder 2">
+            <a:extLst>
+              <a:ext uri="{FF2B5EF4-FFF2-40B4-BE49-F238E27FC236}">
+                <a16:creationId xmlns:a16="http://schemas.microsoft.com/office/drawing/2014/main" id="{FC402289-4502-4C54-BA51-DED33C731FDE}"/>
+              </a:ext>
+            </a:extLst>
+          </p:cNvPr>
+          <p:cNvSpPr>
+            <a:spLocks noGrp="1"/>
+          </p:cNvSpPr>
+          <p:nvPr>
+            <p:ph idx="1"/>
+          </p:nvPr>
+        </p:nvSpPr>
+        <p:spPr/>
+        <p:txBody>
+          <a:bodyPr>
+            <a:normAutofit fontScale="92500" lnSpcReduction="10000"/>
+          </a:bodyPr>
+          <a:lstStyle/>
+          <a:p>
+            <a:r>
+              <a:rPr lang="en-US" dirty="0"/>
+              <a:t>“Majority rule” – for each gene, export the start chosen by the majority of programs (in the event of tie, export the start that produces the longer of the two reading frames) </a:t>
+            </a:r>
+          </a:p>
+          <a:p>
+            <a:endParaRPr lang="en-US" dirty="0"/>
+          </a:p>
+          <a:p>
+            <a:r>
+              <a:rPr lang="en-US" dirty="0"/>
+              <a:t>“Longest open reading frame” – for each gene, export the start that produces the longest possible reading </a:t>
+            </a:r>
+            <a:r>
+              <a:rPr lang="en-US" dirty="0" err="1"/>
+              <a:t>grame</a:t>
+            </a:r>
+            <a:r>
+              <a:rPr lang="en-US" dirty="0"/>
+              <a:t> (provided it is chosen by at least one program)</a:t>
+            </a:r>
+          </a:p>
+          <a:p>
+            <a:endParaRPr lang="en-US" dirty="0"/>
+          </a:p>
+          <a:p>
+            <a:r>
+              <a:rPr lang="en-US" dirty="0"/>
+              <a:t>“Specific program” – export the gene starts chosen by a particular program (in the event that a gene is not identified by the chosen program, default to majority rule)</a:t>
+            </a:r>
+          </a:p>
+        </p:txBody>
+      </p:sp>
+    </p:spTree>
+    <p:extLst>
+      <p:ext uri="{BB962C8B-B14F-4D97-AF65-F5344CB8AC3E}">
+        <p14:creationId xmlns:p14="http://schemas.microsoft.com/office/powerpoint/2010/main" val="641976126"/>
       </p:ext>
     </p:extLst>
   </p:cSld>
@@ -4279,14 +5654,14 @@
         </p:spPr>
         <p:txBody>
           <a:bodyPr>
-            <a:normAutofit/>
+            <a:normAutofit fontScale="90000"/>
           </a:bodyPr>
           <a:lstStyle/>
           <a:p>
             <a:pPr algn="ctr"/>
             <a:r>
               <a:rPr lang="en-US" dirty="0"/>
-              <a:t>How to run Phage Commander</a:t>
+              <a:t>Installing Phage Commander (Windows and Mac)</a:t>
             </a:r>
           </a:p>
         </p:txBody>
@@ -4315,7 +5690,7 @@
         </p:spPr>
         <p:txBody>
           <a:bodyPr>
-            <a:normAutofit fontScale="92500" lnSpcReduction="10000"/>
+            <a:normAutofit/>
           </a:bodyPr>
           <a:lstStyle/>
           <a:p>
@@ -4339,88 +5714,16 @@
             </a:endParaRPr>
           </a:p>
           <a:p>
-            <a:r>
-              <a:rPr lang="en-US" sz="3000" dirty="0"/>
-              <a:t>Run Phage Commander:</a:t>
-            </a:r>
-          </a:p>
-          <a:p>
-            <a:pPr lvl="1"/>
-            <a:r>
-              <a:rPr lang="en-US" sz="2600" b="1" dirty="0"/>
-              <a:t>Windows:</a:t>
-            </a:r>
-            <a:r>
-              <a:rPr lang="en-US" sz="2600" dirty="0"/>
-              <a:t> Navigate to </a:t>
-            </a:r>
-            <a:r>
-              <a:rPr lang="en-US" sz="2600" dirty="0" err="1"/>
-              <a:t>phagecommander</a:t>
-            </a:r>
-            <a:r>
-              <a:rPr lang="en-US" sz="2600" dirty="0"/>
-              <a:t>/bin.  Click on the executable: phagecom-windows.exe </a:t>
-            </a:r>
-          </a:p>
-          <a:p>
-            <a:pPr lvl="1"/>
-            <a:r>
-              <a:rPr lang="en-US" sz="2600" b="1" dirty="0"/>
-              <a:t>Linux or Mac:</a:t>
-            </a:r>
-            <a:r>
-              <a:rPr lang="en-US" sz="2600" dirty="0"/>
-              <a:t> Open a shell. Navigate to folder where you have downloaded </a:t>
-            </a:r>
-            <a:r>
-              <a:rPr lang="en-US" sz="2600" dirty="0" err="1"/>
-              <a:t>phagecommander</a:t>
-            </a:r>
-            <a:r>
-              <a:rPr lang="en-US" sz="2600" dirty="0"/>
-              <a:t>. Type </a:t>
-            </a:r>
-            <a:r>
-              <a:rPr lang="en-US" sz="2600" dirty="0" err="1"/>
-              <a:t>py</a:t>
-            </a:r>
-            <a:r>
-              <a:rPr lang="en-US" sz="2600" dirty="0"/>
-              <a:t> phagecom.py. If you need to install any of the supporting packages, first type: ‘pip install .’ (in the </a:t>
-            </a:r>
-            <a:r>
-              <a:rPr lang="en-US" sz="2600" dirty="0" err="1"/>
-              <a:t>PhageCommander</a:t>
-            </a:r>
-            <a:r>
-              <a:rPr lang="en-US" sz="2600" dirty="0"/>
-              <a:t>-master directory – the directory that contains setup.py)</a:t>
-            </a:r>
-          </a:p>
-          <a:p>
-            <a:r>
-              <a:rPr lang="en-US" sz="3000" dirty="0"/>
-              <a:t>A small Phage Commander window will appear:</a:t>
-            </a:r>
-          </a:p>
-          <a:p>
-            <a:pPr marL="0" indent="0">
-              <a:buNone/>
-            </a:pPr>
-            <a:endParaRPr lang="en-US" dirty="0"/>
-          </a:p>
-          <a:p>
             <a:endParaRPr lang="en-US" dirty="0"/>
           </a:p>
         </p:txBody>
       </p:sp>
       <p:pic>
         <p:nvPicPr>
-          <p:cNvPr id="5" name="Picture 4">
-            <a:extLst>
-              <a:ext uri="{FF2B5EF4-FFF2-40B4-BE49-F238E27FC236}">
-                <a16:creationId xmlns:a16="http://schemas.microsoft.com/office/drawing/2014/main" id="{C863C6E1-B610-4031-9E9B-CE58C46631A1}"/>
+          <p:cNvPr id="6" name="Picture 5">
+            <a:extLst>
+              <a:ext uri="{FF2B5EF4-FFF2-40B4-BE49-F238E27FC236}">
+                <a16:creationId xmlns:a16="http://schemas.microsoft.com/office/drawing/2014/main" id="{6AFE547C-6528-408D-9470-958C09DC38E0}"/>
               </a:ext>
             </a:extLst>
           </p:cNvPr>
@@ -4437,14 +5740,201 @@
         </p:blipFill>
         <p:spPr>
           <a:xfrm>
-            <a:off x="4643321" y="5054110"/>
-            <a:ext cx="2707274" cy="1720171"/>
+            <a:off x="2395055" y="2601726"/>
+            <a:ext cx="6752087" cy="3661870"/>
           </a:xfrm>
           <a:prstGeom prst="rect">
             <a:avLst/>
           </a:prstGeom>
         </p:spPr>
       </p:pic>
+      <p:cxnSp>
+        <p:nvCxnSpPr>
+          <p:cNvPr id="8" name="Straight Arrow Connector 7">
+            <a:extLst>
+              <a:ext uri="{FF2B5EF4-FFF2-40B4-BE49-F238E27FC236}">
+                <a16:creationId xmlns:a16="http://schemas.microsoft.com/office/drawing/2014/main" id="{8B99CEE7-4DF0-436C-8969-75B158675A6E}"/>
+              </a:ext>
+            </a:extLst>
+          </p:cNvPr>
+          <p:cNvCxnSpPr>
+            <a:cxnSpLocks/>
+          </p:cNvCxnSpPr>
+          <p:nvPr/>
+        </p:nvCxnSpPr>
+        <p:spPr>
+          <a:xfrm flipH="1">
+            <a:off x="6736359" y="3468848"/>
+            <a:ext cx="1635854" cy="165682"/>
+          </a:xfrm>
+          <a:prstGeom prst="straightConnector1">
+            <a:avLst/>
+          </a:prstGeom>
+          <a:ln w="57150">
+            <a:solidFill>
+              <a:srgbClr val="FF0000"/>
+            </a:solidFill>
+            <a:tailEnd type="triangle"/>
+          </a:ln>
+        </p:spPr>
+        <p:style>
+          <a:lnRef idx="1">
+            <a:schemeClr val="accent1"/>
+          </a:lnRef>
+          <a:fillRef idx="0">
+            <a:schemeClr val="accent1"/>
+          </a:fillRef>
+          <a:effectRef idx="0">
+            <a:schemeClr val="accent1"/>
+          </a:effectRef>
+          <a:fontRef idx="minor">
+            <a:schemeClr val="tx1"/>
+          </a:fontRef>
+        </p:style>
+      </p:cxnSp>
+      <p:sp>
+        <p:nvSpPr>
+          <p:cNvPr id="11" name="TextBox 10">
+            <a:extLst>
+              <a:ext uri="{FF2B5EF4-FFF2-40B4-BE49-F238E27FC236}">
+                <a16:creationId xmlns:a16="http://schemas.microsoft.com/office/drawing/2014/main" id="{FA0CB6DB-721F-4F39-9C5B-E274700452B7}"/>
+              </a:ext>
+            </a:extLst>
+          </p:cNvPr>
+          <p:cNvSpPr txBox="1"/>
+          <p:nvPr/>
+        </p:nvSpPr>
+        <p:spPr>
+          <a:xfrm>
+            <a:off x="8431982" y="3233686"/>
+            <a:ext cx="1627464" cy="646331"/>
+          </a:xfrm>
+          <a:prstGeom prst="rect">
+            <a:avLst/>
+          </a:prstGeom>
+          <a:noFill/>
+          <a:ln>
+            <a:noFill/>
+          </a:ln>
+        </p:spPr>
+        <p:txBody>
+          <a:bodyPr wrap="square" rtlCol="0">
+            <a:spAutoFit/>
+          </a:bodyPr>
+          <a:lstStyle/>
+          <a:p>
+            <a:r>
+              <a:rPr lang="en-US" b="1" dirty="0">
+                <a:solidFill>
+                  <a:srgbClr val="FF0000"/>
+                </a:solidFill>
+              </a:rPr>
+              <a:t>Click the green “Code” button</a:t>
+            </a:r>
+          </a:p>
+        </p:txBody>
+      </p:sp>
+      <p:cxnSp>
+        <p:nvCxnSpPr>
+          <p:cNvPr id="12" name="Straight Arrow Connector 11">
+            <a:extLst>
+              <a:ext uri="{FF2B5EF4-FFF2-40B4-BE49-F238E27FC236}">
+                <a16:creationId xmlns:a16="http://schemas.microsoft.com/office/drawing/2014/main" id="{B9DBFB9E-F93B-4AD1-994A-CA1000E3A1F5}"/>
+              </a:ext>
+            </a:extLst>
+          </p:cNvPr>
+          <p:cNvCxnSpPr>
+            <a:cxnSpLocks/>
+          </p:cNvCxnSpPr>
+          <p:nvPr/>
+        </p:nvCxnSpPr>
+        <p:spPr>
+          <a:xfrm flipH="1">
+            <a:off x="6360253" y="4612481"/>
+            <a:ext cx="1806430" cy="0"/>
+          </a:xfrm>
+          <a:prstGeom prst="straightConnector1">
+            <a:avLst/>
+          </a:prstGeom>
+          <a:ln w="57150">
+            <a:solidFill>
+              <a:srgbClr val="FF0000"/>
+            </a:solidFill>
+            <a:tailEnd type="triangle"/>
+          </a:ln>
+        </p:spPr>
+        <p:style>
+          <a:lnRef idx="1">
+            <a:schemeClr val="accent1"/>
+          </a:lnRef>
+          <a:fillRef idx="0">
+            <a:schemeClr val="accent1"/>
+          </a:fillRef>
+          <a:effectRef idx="0">
+            <a:schemeClr val="accent1"/>
+          </a:effectRef>
+          <a:fontRef idx="minor">
+            <a:schemeClr val="tx1"/>
+          </a:fontRef>
+        </p:style>
+      </p:cxnSp>
+      <p:sp>
+        <p:nvSpPr>
+          <p:cNvPr id="16" name="TextBox 15">
+            <a:extLst>
+              <a:ext uri="{FF2B5EF4-FFF2-40B4-BE49-F238E27FC236}">
+                <a16:creationId xmlns:a16="http://schemas.microsoft.com/office/drawing/2014/main" id="{BE729D8A-820D-46C7-AE77-4437C9685A57}"/>
+              </a:ext>
+            </a:extLst>
+          </p:cNvPr>
+          <p:cNvSpPr txBox="1"/>
+          <p:nvPr/>
+        </p:nvSpPr>
+        <p:spPr>
+          <a:xfrm>
+            <a:off x="8333409" y="4289315"/>
+            <a:ext cx="1871797" cy="646331"/>
+          </a:xfrm>
+          <a:prstGeom prst="rect">
+            <a:avLst/>
+          </a:prstGeom>
+          <a:noFill/>
+          <a:ln>
+            <a:noFill/>
+          </a:ln>
+        </p:spPr>
+        <p:txBody>
+          <a:bodyPr wrap="square" rtlCol="0">
+            <a:spAutoFit/>
+          </a:bodyPr>
+          <a:lstStyle/>
+          <a:p>
+            <a:r>
+              <a:rPr lang="en-US" b="1" dirty="0">
+                <a:solidFill>
+                  <a:srgbClr val="FF0000"/>
+                </a:solidFill>
+              </a:rPr>
+              <a:t>Click </a:t>
+            </a:r>
+            <a:br>
+              <a:rPr lang="en-US" b="1" dirty="0">
+                <a:solidFill>
+                  <a:srgbClr val="FF0000"/>
+                </a:solidFill>
+              </a:rPr>
+            </a:br>
+            <a:r>
+              <a:rPr lang="en-US" b="1" dirty="0">
+                <a:solidFill>
+                  <a:srgbClr val="FF0000"/>
+                </a:solidFill>
+              </a:rPr>
+              <a:t>“Download Zip”</a:t>
+            </a:r>
+          </a:p>
+        </p:txBody>
+      </p:sp>
     </p:spTree>
     <p:extLst>
       <p:ext uri="{BB962C8B-B14F-4D97-AF65-F5344CB8AC3E}">
@@ -4480,7 +5970,7 @@
           <p:cNvPr id="2" name="Title 1">
             <a:extLst>
               <a:ext uri="{FF2B5EF4-FFF2-40B4-BE49-F238E27FC236}">
-                <a16:creationId xmlns:a16="http://schemas.microsoft.com/office/drawing/2014/main" id="{ABCD02AE-3CE9-4CDB-9574-2F425553BFB3}"/>
+                <a16:creationId xmlns:a16="http://schemas.microsoft.com/office/drawing/2014/main" id="{6F07D81C-CD64-4B23-B04C-4C0FEC6439AA}"/>
               </a:ext>
             </a:extLst>
           </p:cNvPr>
@@ -4491,22 +5981,15 @@
             <p:ph type="title"/>
           </p:nvPr>
         </p:nvSpPr>
-        <p:spPr>
-          <a:xfrm>
-            <a:off x="1710816" y="274638"/>
-            <a:ext cx="8760541" cy="1143000"/>
-          </a:xfrm>
-        </p:spPr>
-        <p:txBody>
-          <a:bodyPr>
-            <a:normAutofit/>
-          </a:bodyPr>
+        <p:spPr/>
+        <p:txBody>
+          <a:bodyPr/>
           <a:lstStyle/>
           <a:p>
             <a:pPr algn="ctr"/>
             <a:r>
               <a:rPr lang="en-US" dirty="0"/>
-              <a:t>How to use Phage Commander</a:t>
+              <a:t>Installing Phage Commander (Windows and Mac)</a:t>
             </a:r>
           </a:p>
         </p:txBody>
@@ -4516,7 +5999,7 @@
           <p:cNvPr id="3" name="Content Placeholder 2">
             <a:extLst>
               <a:ext uri="{FF2B5EF4-FFF2-40B4-BE49-F238E27FC236}">
-                <a16:creationId xmlns:a16="http://schemas.microsoft.com/office/drawing/2014/main" id="{BF1DEB4C-A2AF-4701-8A7F-3F7E1C3DAB55}"/>
+                <a16:creationId xmlns:a16="http://schemas.microsoft.com/office/drawing/2014/main" id="{9F3D8D42-9483-4507-AAF1-CCC2A7CC40C2}"/>
               </a:ext>
             </a:extLst>
           </p:cNvPr>
@@ -4527,179 +6010,144 @@
             <p:ph idx="1"/>
           </p:nvPr>
         </p:nvSpPr>
-        <p:spPr>
-          <a:xfrm>
-            <a:off x="653144" y="1600199"/>
-            <a:ext cx="11234056" cy="4983163"/>
-          </a:xfrm>
-        </p:spPr>
-        <p:txBody>
-          <a:bodyPr>
-            <a:normAutofit fontScale="92500" lnSpcReduction="20000"/>
-          </a:bodyPr>
-          <a:lstStyle/>
-          <a:p>
-            <a:r>
-              <a:rPr lang="en-US" sz="3000" dirty="0"/>
-              <a:t>In the Phage Commander Window, click on the </a:t>
-            </a:r>
-            <a:r>
-              <a:rPr lang="en-US" sz="3000" b="1" dirty="0">
-                <a:solidFill>
-                  <a:srgbClr val="0070C0"/>
-                </a:solidFill>
-              </a:rPr>
-              <a:t>File</a:t>
-            </a:r>
-            <a:r>
-              <a:rPr lang="en-US" sz="3000" dirty="0"/>
-              <a:t> menu, and select </a:t>
-            </a:r>
-            <a:r>
-              <a:rPr lang="en-US" sz="3000" b="1" dirty="0">
-                <a:solidFill>
-                  <a:srgbClr val="0070C0"/>
-                </a:solidFill>
-              </a:rPr>
-              <a:t>New</a:t>
-            </a:r>
-            <a:endParaRPr lang="en-US" sz="3000" dirty="0"/>
-          </a:p>
-          <a:p>
-            <a:r>
-              <a:rPr lang="en-US" sz="3000" dirty="0"/>
-              <a:t>A Select Query Tools window will open (see next slide). Select which tools you would like to use</a:t>
-            </a:r>
-          </a:p>
-          <a:p>
-            <a:pPr lvl="1"/>
-            <a:r>
-              <a:rPr lang="en-US" sz="3000" dirty="0"/>
-              <a:t>If using </a:t>
-            </a:r>
-            <a:r>
-              <a:rPr lang="en-US" sz="3000" b="1" dirty="0" err="1"/>
-              <a:t>GeneMark.hmm</a:t>
-            </a:r>
-            <a:r>
-              <a:rPr lang="en-US" sz="3000" b="1" dirty="0"/>
-              <a:t> </a:t>
-            </a:r>
-            <a:r>
-              <a:rPr lang="en-US" sz="3000" dirty="0"/>
-              <a:t>you will need to select your phage’s bacterial host from the drop down menu under </a:t>
-            </a:r>
-            <a:r>
-              <a:rPr lang="en-US" sz="3000" b="1" dirty="0"/>
-              <a:t>Species</a:t>
-            </a:r>
-          </a:p>
-          <a:p>
-            <a:pPr lvl="1"/>
-            <a:r>
-              <a:rPr lang="en-US" sz="3000" dirty="0"/>
-              <a:t>To use </a:t>
-            </a:r>
-            <a:r>
-              <a:rPr lang="en-US" sz="3000" b="1" dirty="0"/>
-              <a:t>RAST</a:t>
-            </a:r>
-            <a:r>
-              <a:rPr lang="en-US" sz="3000" dirty="0"/>
-              <a:t>, you will need to create a login and password at </a:t>
-            </a:r>
-            <a:r>
-              <a:rPr lang="en-US" sz="3000" u="sng" dirty="0">
-                <a:solidFill>
-                  <a:srgbClr val="0000FF"/>
-                </a:solidFill>
+        <p:spPr/>
+        <p:txBody>
+          <a:bodyPr/>
+          <a:lstStyle/>
+          <a:p>
+            <a:r>
+              <a:rPr lang="en-US" dirty="0"/>
+              <a:t>Go to your downloads folder and unzip Phage Commander with your favorite unzip program (I like 7-zip </a:t>
+            </a:r>
+            <a:r>
+              <a:rPr lang="en-US" dirty="0">
                 <a:hlinkClick r:id="rId2"/>
               </a:rPr>
-              <a:t>https://rast.nmpdr.org</a:t>
-            </a:r>
-            <a:endParaRPr lang="en-US" sz="3000" u="sng" dirty="0">
-              <a:solidFill>
-                <a:srgbClr val="0000FF"/>
-              </a:solidFill>
-            </a:endParaRPr>
-          </a:p>
-          <a:p>
-            <a:r>
-              <a:rPr lang="en-US" sz="3000" dirty="0"/>
-              <a:t>Press </a:t>
-            </a:r>
-            <a:r>
-              <a:rPr lang="en-US" sz="3000" b="1" dirty="0"/>
-              <a:t>Open</a:t>
-            </a:r>
-            <a:r>
-              <a:rPr lang="en-US" sz="3000" dirty="0"/>
-              <a:t> and select your phage’s </a:t>
-            </a:r>
-            <a:r>
-              <a:rPr lang="en-US" sz="3000" dirty="0" err="1"/>
-              <a:t>fasta</a:t>
-            </a:r>
-            <a:r>
-              <a:rPr lang="en-US" sz="3000" dirty="0"/>
-              <a:t> file - an example </a:t>
-            </a:r>
-            <a:r>
-              <a:rPr lang="en-US" sz="3000" dirty="0" err="1"/>
-              <a:t>fasta</a:t>
-            </a:r>
-            <a:r>
-              <a:rPr lang="en-US" sz="3000" dirty="0"/>
-              <a:t> file is included in the GitHub repository: </a:t>
-            </a:r>
-            <a:r>
-              <a:rPr lang="en-US" sz="3000" dirty="0" err="1"/>
-              <a:t>Patience.fasta</a:t>
-            </a:r>
-            <a:endParaRPr lang="en-US" sz="3000" dirty="0"/>
-          </a:p>
-          <a:p>
-            <a:r>
-              <a:rPr lang="en-US" sz="3000" dirty="0"/>
-              <a:t>Press </a:t>
-            </a:r>
-            <a:r>
-              <a:rPr lang="en-US" sz="3000" b="1" dirty="0">
-                <a:solidFill>
-                  <a:srgbClr val="0070C0"/>
-                </a:solidFill>
-              </a:rPr>
-              <a:t>Query</a:t>
-            </a:r>
-            <a:r>
-              <a:rPr lang="en-US" sz="3000" dirty="0"/>
-              <a:t> to run Phage Commander. Phage Commander will now run the phage genome through the selected tools – this may take several minutes</a:t>
-            </a:r>
-          </a:p>
-          <a:p>
-            <a:r>
-              <a:rPr lang="en-US" sz="3000" dirty="0"/>
-              <a:t>When Phage Commander completes, press </a:t>
-            </a:r>
-            <a:r>
-              <a:rPr lang="en-US" sz="3000" b="1" dirty="0">
-                <a:solidFill>
-                  <a:srgbClr val="0070C0"/>
-                </a:solidFill>
-              </a:rPr>
-              <a:t>OK</a:t>
-            </a:r>
-            <a:endParaRPr lang="en-US" sz="3000" dirty="0"/>
-          </a:p>
-          <a:p>
-            <a:endParaRPr lang="en-US" dirty="0"/>
+              <a:t>https://www.7-zip.org/</a:t>
+            </a:r>
+            <a:r>
+              <a:rPr lang="en-US" dirty="0"/>
+              <a:t>)</a:t>
+            </a:r>
+          </a:p>
+          <a:p>
+            <a:r>
+              <a:rPr lang="en-US" dirty="0"/>
+              <a:t>After unzipping, move the “</a:t>
+            </a:r>
+            <a:r>
+              <a:rPr lang="en-US" dirty="0" err="1"/>
+              <a:t>PhageCommander</a:t>
+            </a:r>
+            <a:r>
+              <a:rPr lang="en-US" dirty="0"/>
+              <a:t>-Final-main” folder to your desired location, open it, click on the “</a:t>
+            </a:r>
+            <a:r>
+              <a:rPr lang="en-US" dirty="0" err="1"/>
+              <a:t>phagecommander</a:t>
+            </a:r>
+            <a:r>
+              <a:rPr lang="en-US" dirty="0"/>
+              <a:t>” subfolder, and then the “</a:t>
+            </a:r>
+            <a:r>
+              <a:rPr lang="en-US" dirty="0" err="1"/>
+              <a:t>dist</a:t>
+            </a:r>
+            <a:r>
+              <a:rPr lang="en-US" dirty="0"/>
+              <a:t>” subfolder, and then the .exe file to run</a:t>
+            </a:r>
+          </a:p>
+        </p:txBody>
+      </p:sp>
+      <p:pic>
+        <p:nvPicPr>
+          <p:cNvPr id="5" name="Picture 4">
+            <a:extLst>
+              <a:ext uri="{FF2B5EF4-FFF2-40B4-BE49-F238E27FC236}">
+                <a16:creationId xmlns:a16="http://schemas.microsoft.com/office/drawing/2014/main" id="{04E0385B-1234-4854-9179-7763490553D2}"/>
+              </a:ext>
+            </a:extLst>
+          </p:cNvPr>
+          <p:cNvPicPr>
+            <a:picLocks noChangeAspect="1"/>
+          </p:cNvPicPr>
+          <p:nvPr/>
+        </p:nvPicPr>
+        <p:blipFill>
+          <a:blip r:embed="rId3"/>
+          <a:stretch>
+            <a:fillRect/>
+          </a:stretch>
+        </p:blipFill>
+        <p:spPr>
+          <a:xfrm>
+            <a:off x="933450" y="4140198"/>
+            <a:ext cx="10420350" cy="2171700"/>
+          </a:xfrm>
+          <a:prstGeom prst="rect">
+            <a:avLst/>
+          </a:prstGeom>
+        </p:spPr>
+      </p:pic>
+      <p:sp>
+        <p:nvSpPr>
+          <p:cNvPr id="8" name="Rectangle 7">
+            <a:extLst>
+              <a:ext uri="{FF2B5EF4-FFF2-40B4-BE49-F238E27FC236}">
+                <a16:creationId xmlns:a16="http://schemas.microsoft.com/office/drawing/2014/main" id="{391B5923-0D8F-48C0-A445-ABC228DFE831}"/>
+              </a:ext>
+            </a:extLst>
+          </p:cNvPr>
+          <p:cNvSpPr/>
+          <p:nvPr/>
+        </p:nvSpPr>
+        <p:spPr>
+          <a:xfrm>
+            <a:off x="2923563" y="6031684"/>
+            <a:ext cx="2248250" cy="296992"/>
+          </a:xfrm>
+          <a:prstGeom prst="rect">
+            <a:avLst/>
+          </a:prstGeom>
+          <a:noFill/>
+          <a:ln w="57150">
+            <a:solidFill>
+              <a:srgbClr val="FF0000"/>
+            </a:solidFill>
+          </a:ln>
+        </p:spPr>
+        <p:style>
+          <a:lnRef idx="2">
+            <a:schemeClr val="accent1">
+              <a:shade val="50000"/>
+            </a:schemeClr>
+          </a:lnRef>
+          <a:fillRef idx="1">
+            <a:schemeClr val="accent1"/>
+          </a:fillRef>
+          <a:effectRef idx="0">
+            <a:schemeClr val="accent1"/>
+          </a:effectRef>
+          <a:fontRef idx="minor">
+            <a:schemeClr val="lt1"/>
+          </a:fontRef>
+        </p:style>
+        <p:txBody>
+          <a:bodyPr rtlCol="0" anchor="ctr"/>
+          <a:lstStyle/>
+          <a:p>
+            <a:pPr algn="ctr"/>
+            <a:endParaRPr lang="en-US"/>
           </a:p>
         </p:txBody>
       </p:sp>
     </p:spTree>
     <p:extLst>
       <p:ext uri="{BB962C8B-B14F-4D97-AF65-F5344CB8AC3E}">
-        <p14:creationId xmlns:p14="http://schemas.microsoft.com/office/powerpoint/2010/main" val="2725643525"/>
+        <p14:creationId xmlns:p14="http://schemas.microsoft.com/office/powerpoint/2010/main" val="2604422837"/>
       </p:ext>
     </p:extLst>
   </p:cSld>
@@ -4731,7 +6179,7 @@
           <p:cNvPr id="2" name="Title 1">
             <a:extLst>
               <a:ext uri="{FF2B5EF4-FFF2-40B4-BE49-F238E27FC236}">
-                <a16:creationId xmlns:a16="http://schemas.microsoft.com/office/drawing/2014/main" id="{5C3BBC88-1E33-4252-B7D1-74EF603280AB}"/>
+                <a16:creationId xmlns:a16="http://schemas.microsoft.com/office/drawing/2014/main" id="{B28726BF-8E52-4EFD-B592-66F64944F3A8}"/>
               </a:ext>
             </a:extLst>
           </p:cNvPr>
@@ -4750,400 +6198,70 @@
             <a:pPr algn="ctr"/>
             <a:r>
               <a:rPr lang="en-US" dirty="0"/>
-              <a:t>Select Query Tools Window</a:t>
-            </a:r>
-          </a:p>
-        </p:txBody>
-      </p:sp>
-      <p:pic>
-        <p:nvPicPr>
-          <p:cNvPr id="5" name="Content Placeholder 4">
-            <a:extLst>
-              <a:ext uri="{FF2B5EF4-FFF2-40B4-BE49-F238E27FC236}">
-                <a16:creationId xmlns:a16="http://schemas.microsoft.com/office/drawing/2014/main" id="{41798E5D-DA97-4A20-B3ED-7AE387EDF707}"/>
-              </a:ext>
-            </a:extLst>
-          </p:cNvPr>
-          <p:cNvPicPr>
-            <a:picLocks noGrp="1" noChangeAspect="1"/>
-          </p:cNvPicPr>
+              <a:t>Installing Phage Commander (Linux)</a:t>
+            </a:r>
+          </a:p>
+        </p:txBody>
+      </p:sp>
+      <p:sp>
+        <p:nvSpPr>
+          <p:cNvPr id="3" name="Content Placeholder 2">
+            <a:extLst>
+              <a:ext uri="{FF2B5EF4-FFF2-40B4-BE49-F238E27FC236}">
+                <a16:creationId xmlns:a16="http://schemas.microsoft.com/office/drawing/2014/main" id="{27DE6878-A496-4E3A-A849-5D85890CE6A1}"/>
+              </a:ext>
+            </a:extLst>
+          </p:cNvPr>
+          <p:cNvSpPr>
+            <a:spLocks noGrp="1"/>
+          </p:cNvSpPr>
           <p:nvPr>
             <p:ph idx="1"/>
           </p:nvPr>
-        </p:nvPicPr>
-        <p:blipFill>
-          <a:blip r:embed="rId2">
-            <a:extLst>
-              <a:ext uri="{28A0092B-C50C-407E-A947-70E740481C1C}">
-                <a14:useLocalDpi xmlns:a14="http://schemas.microsoft.com/office/drawing/2010/main" val="0"/>
-              </a:ext>
-            </a:extLst>
-          </a:blip>
-          <a:stretch>
-            <a:fillRect/>
-          </a:stretch>
-        </p:blipFill>
-        <p:spPr>
-          <a:xfrm>
-            <a:off x="4227943" y="1858085"/>
-            <a:ext cx="3303494" cy="4059627"/>
-          </a:xfrm>
-        </p:spPr>
-      </p:pic>
-      <p:sp>
-        <p:nvSpPr>
-          <p:cNvPr id="6" name="TextBox 5">
-            <a:extLst>
-              <a:ext uri="{FF2B5EF4-FFF2-40B4-BE49-F238E27FC236}">
-                <a16:creationId xmlns:a16="http://schemas.microsoft.com/office/drawing/2014/main" id="{5914CDBB-AB05-4AE1-A1CE-243F19197FB9}"/>
-              </a:ext>
-            </a:extLst>
-          </p:cNvPr>
-          <p:cNvSpPr txBox="1"/>
-          <p:nvPr/>
-        </p:nvSpPr>
-        <p:spPr>
-          <a:xfrm>
-            <a:off x="8485242" y="1651819"/>
-            <a:ext cx="1809135" cy="923330"/>
-          </a:xfrm>
-          <a:prstGeom prst="rect">
-            <a:avLst/>
-          </a:prstGeom>
-          <a:noFill/>
-        </p:spPr>
-        <p:txBody>
-          <a:bodyPr wrap="square" rtlCol="0">
-            <a:spAutoFit/>
-          </a:bodyPr>
-          <a:lstStyle/>
-          <a:p>
-            <a:r>
-              <a:rPr lang="en-US" b="1" dirty="0">
-                <a:solidFill>
-                  <a:srgbClr val="FF0000"/>
-                </a:solidFill>
-              </a:rPr>
-              <a:t>Check the boxes of the tools you want to use</a:t>
-            </a:r>
-          </a:p>
-        </p:txBody>
-      </p:sp>
-      <p:cxnSp>
-        <p:nvCxnSpPr>
-          <p:cNvPr id="8" name="Straight Arrow Connector 7">
-            <a:extLst>
-              <a:ext uri="{FF2B5EF4-FFF2-40B4-BE49-F238E27FC236}">
-                <a16:creationId xmlns:a16="http://schemas.microsoft.com/office/drawing/2014/main" id="{A65F05C9-8C6F-44A3-8BEB-61B558874C19}"/>
-              </a:ext>
-            </a:extLst>
-          </p:cNvPr>
-          <p:cNvCxnSpPr>
-            <a:cxnSpLocks/>
-          </p:cNvCxnSpPr>
-          <p:nvPr/>
-        </p:nvCxnSpPr>
-        <p:spPr>
-          <a:xfrm flipH="1">
-            <a:off x="6734239" y="2223542"/>
-            <a:ext cx="1751000" cy="415331"/>
-          </a:xfrm>
-          <a:prstGeom prst="straightConnector1">
-            <a:avLst/>
-          </a:prstGeom>
-          <a:ln w="57150">
-            <a:solidFill>
-              <a:srgbClr val="FF0000"/>
-            </a:solidFill>
-            <a:tailEnd type="triangle"/>
-          </a:ln>
-        </p:spPr>
-        <p:style>
-          <a:lnRef idx="1">
-            <a:schemeClr val="accent1"/>
-          </a:lnRef>
-          <a:fillRef idx="0">
-            <a:schemeClr val="accent1"/>
-          </a:fillRef>
-          <a:effectRef idx="0">
-            <a:schemeClr val="accent1"/>
-          </a:effectRef>
-          <a:fontRef idx="minor">
-            <a:schemeClr val="tx1"/>
-          </a:fontRef>
-        </p:style>
-      </p:cxnSp>
-      <p:sp>
-        <p:nvSpPr>
-          <p:cNvPr id="9" name="TextBox 8">
-            <a:extLst>
-              <a:ext uri="{FF2B5EF4-FFF2-40B4-BE49-F238E27FC236}">
-                <a16:creationId xmlns:a16="http://schemas.microsoft.com/office/drawing/2014/main" id="{EFE034CF-4D25-4216-8256-3C1334099A52}"/>
-              </a:ext>
-            </a:extLst>
-          </p:cNvPr>
-          <p:cNvSpPr txBox="1"/>
-          <p:nvPr/>
-        </p:nvSpPr>
-        <p:spPr>
-          <a:xfrm>
-            <a:off x="8504758" y="2699028"/>
-            <a:ext cx="2052406" cy="1477328"/>
-          </a:xfrm>
-          <a:prstGeom prst="rect">
-            <a:avLst/>
-          </a:prstGeom>
-          <a:noFill/>
-        </p:spPr>
-        <p:txBody>
-          <a:bodyPr wrap="square" rtlCol="0">
-            <a:spAutoFit/>
-          </a:bodyPr>
-          <a:lstStyle/>
-          <a:p>
-            <a:r>
-              <a:rPr lang="en-US" b="1" dirty="0">
-                <a:solidFill>
-                  <a:srgbClr val="FF0000"/>
-                </a:solidFill>
-              </a:rPr>
-              <a:t>Select host from drop down menu if “HMM” box is checked (GeneMark.hmm)</a:t>
-            </a:r>
-          </a:p>
-        </p:txBody>
-      </p:sp>
-      <p:cxnSp>
-        <p:nvCxnSpPr>
-          <p:cNvPr id="10" name="Straight Arrow Connector 9">
-            <a:extLst>
-              <a:ext uri="{FF2B5EF4-FFF2-40B4-BE49-F238E27FC236}">
-                <a16:creationId xmlns:a16="http://schemas.microsoft.com/office/drawing/2014/main" id="{F406A04C-9690-4281-997A-71390CFD3AC3}"/>
-              </a:ext>
-            </a:extLst>
-          </p:cNvPr>
-          <p:cNvCxnSpPr>
-            <a:cxnSpLocks/>
-          </p:cNvCxnSpPr>
-          <p:nvPr/>
-        </p:nvCxnSpPr>
-        <p:spPr>
-          <a:xfrm flipH="1">
-            <a:off x="6685939" y="3894687"/>
-            <a:ext cx="1799303" cy="559329"/>
-          </a:xfrm>
-          <a:prstGeom prst="straightConnector1">
-            <a:avLst/>
-          </a:prstGeom>
-          <a:ln w="57150">
-            <a:solidFill>
-              <a:srgbClr val="FF0000"/>
-            </a:solidFill>
-            <a:tailEnd type="triangle"/>
-          </a:ln>
-        </p:spPr>
-        <p:style>
-          <a:lnRef idx="1">
-            <a:schemeClr val="accent1"/>
-          </a:lnRef>
-          <a:fillRef idx="0">
-            <a:schemeClr val="accent1"/>
-          </a:fillRef>
-          <a:effectRef idx="0">
-            <a:schemeClr val="accent1"/>
-          </a:effectRef>
-          <a:fontRef idx="minor">
-            <a:schemeClr val="tx1"/>
-          </a:fontRef>
-        </p:style>
-      </p:cxnSp>
-      <p:sp>
-        <p:nvSpPr>
-          <p:cNvPr id="13" name="TextBox 12">
-            <a:extLst>
-              <a:ext uri="{FF2B5EF4-FFF2-40B4-BE49-F238E27FC236}">
-                <a16:creationId xmlns:a16="http://schemas.microsoft.com/office/drawing/2014/main" id="{6CA70E32-2E8D-4C3F-B59D-838E44468A08}"/>
-              </a:ext>
-            </a:extLst>
-          </p:cNvPr>
-          <p:cNvSpPr txBox="1"/>
-          <p:nvPr/>
-        </p:nvSpPr>
-        <p:spPr>
-          <a:xfrm>
-            <a:off x="8485239" y="4454016"/>
-            <a:ext cx="1966452" cy="646331"/>
-          </a:xfrm>
-          <a:prstGeom prst="rect">
-            <a:avLst/>
-          </a:prstGeom>
-          <a:noFill/>
-        </p:spPr>
-        <p:txBody>
-          <a:bodyPr wrap="square" rtlCol="0">
-            <a:spAutoFit/>
-          </a:bodyPr>
-          <a:lstStyle/>
-          <a:p>
-            <a:r>
-              <a:rPr lang="en-US" b="1" dirty="0">
-                <a:solidFill>
-                  <a:srgbClr val="FF0000"/>
-                </a:solidFill>
-              </a:rPr>
-              <a:t>Press open select phage </a:t>
-            </a:r>
-            <a:r>
-              <a:rPr lang="en-US" b="1" dirty="0" err="1">
-                <a:solidFill>
-                  <a:srgbClr val="FF0000"/>
-                </a:solidFill>
-              </a:rPr>
-              <a:t>fasta</a:t>
-            </a:r>
-            <a:r>
-              <a:rPr lang="en-US" b="1" dirty="0">
-                <a:solidFill>
-                  <a:srgbClr val="FF0000"/>
-                </a:solidFill>
-              </a:rPr>
-              <a:t> file</a:t>
-            </a:r>
-          </a:p>
-        </p:txBody>
-      </p:sp>
-      <p:cxnSp>
-        <p:nvCxnSpPr>
-          <p:cNvPr id="14" name="Straight Arrow Connector 13">
-            <a:extLst>
-              <a:ext uri="{FF2B5EF4-FFF2-40B4-BE49-F238E27FC236}">
-                <a16:creationId xmlns:a16="http://schemas.microsoft.com/office/drawing/2014/main" id="{58024097-E66E-4CD6-91FE-4AA1E47855A3}"/>
-              </a:ext>
-            </a:extLst>
-          </p:cNvPr>
-          <p:cNvCxnSpPr>
-            <a:cxnSpLocks/>
-            <a:stCxn id="13" idx="1"/>
-          </p:cNvCxnSpPr>
-          <p:nvPr/>
-        </p:nvCxnSpPr>
-        <p:spPr>
-          <a:xfrm flipH="1">
-            <a:off x="7039899" y="4777179"/>
-            <a:ext cx="1445340" cy="429002"/>
-          </a:xfrm>
-          <a:prstGeom prst="straightConnector1">
-            <a:avLst/>
-          </a:prstGeom>
-          <a:ln w="57150">
-            <a:solidFill>
-              <a:srgbClr val="FF0000"/>
-            </a:solidFill>
-            <a:tailEnd type="triangle"/>
-          </a:ln>
-        </p:spPr>
-        <p:style>
-          <a:lnRef idx="1">
-            <a:schemeClr val="accent1"/>
-          </a:lnRef>
-          <a:fillRef idx="0">
-            <a:schemeClr val="accent1"/>
-          </a:fillRef>
-          <a:effectRef idx="0">
-            <a:schemeClr val="accent1"/>
-          </a:effectRef>
-          <a:fontRef idx="minor">
-            <a:schemeClr val="tx1"/>
-          </a:fontRef>
-        </p:style>
-      </p:cxnSp>
-      <p:sp>
-        <p:nvSpPr>
-          <p:cNvPr id="16" name="TextBox 15">
-            <a:extLst>
-              <a:ext uri="{FF2B5EF4-FFF2-40B4-BE49-F238E27FC236}">
-                <a16:creationId xmlns:a16="http://schemas.microsoft.com/office/drawing/2014/main" id="{966F023B-36E5-43B2-8D83-C9CCA97C2B53}"/>
-              </a:ext>
-            </a:extLst>
-          </p:cNvPr>
-          <p:cNvSpPr txBox="1"/>
-          <p:nvPr/>
-        </p:nvSpPr>
-        <p:spPr>
-          <a:xfrm>
-            <a:off x="8504758" y="5733043"/>
-            <a:ext cx="1966452" cy="369332"/>
-          </a:xfrm>
-          <a:prstGeom prst="rect">
-            <a:avLst/>
-          </a:prstGeom>
-          <a:noFill/>
-        </p:spPr>
-        <p:txBody>
-          <a:bodyPr wrap="square" rtlCol="0">
-            <a:spAutoFit/>
-          </a:bodyPr>
-          <a:lstStyle/>
-          <a:p>
-            <a:r>
-              <a:rPr lang="en-US" b="1" dirty="0">
-                <a:solidFill>
-                  <a:srgbClr val="FF0000"/>
-                </a:solidFill>
-              </a:rPr>
-              <a:t>Press “Query”</a:t>
-            </a:r>
-          </a:p>
-        </p:txBody>
-      </p:sp>
-      <p:cxnSp>
-        <p:nvCxnSpPr>
-          <p:cNvPr id="17" name="Straight Arrow Connector 16">
-            <a:extLst>
-              <a:ext uri="{FF2B5EF4-FFF2-40B4-BE49-F238E27FC236}">
-                <a16:creationId xmlns:a16="http://schemas.microsoft.com/office/drawing/2014/main" id="{6770B1FE-4176-45CB-A772-B69FAE38B79C}"/>
-              </a:ext>
-            </a:extLst>
-          </p:cNvPr>
-          <p:cNvCxnSpPr>
-            <a:cxnSpLocks/>
-            <a:stCxn id="16" idx="1"/>
-          </p:cNvCxnSpPr>
-          <p:nvPr/>
-        </p:nvCxnSpPr>
-        <p:spPr>
-          <a:xfrm flipH="1" flipV="1">
-            <a:off x="5692880" y="5659673"/>
-            <a:ext cx="2811881" cy="258036"/>
-          </a:xfrm>
-          <a:prstGeom prst="straightConnector1">
-            <a:avLst/>
-          </a:prstGeom>
-          <a:ln w="57150">
-            <a:solidFill>
-              <a:srgbClr val="FF0000"/>
-            </a:solidFill>
-            <a:tailEnd type="triangle"/>
-          </a:ln>
-        </p:spPr>
-        <p:style>
-          <a:lnRef idx="1">
-            <a:schemeClr val="accent1"/>
-          </a:lnRef>
-          <a:fillRef idx="0">
-            <a:schemeClr val="accent1"/>
-          </a:fillRef>
-          <a:effectRef idx="0">
-            <a:schemeClr val="accent1"/>
-          </a:effectRef>
-          <a:fontRef idx="minor">
-            <a:schemeClr val="tx1"/>
-          </a:fontRef>
-        </p:style>
-      </p:cxnSp>
+        </p:nvSpPr>
+        <p:spPr/>
+        <p:txBody>
+          <a:bodyPr/>
+          <a:lstStyle/>
+          <a:p>
+            <a:r>
+              <a:rPr lang="en-US" sz="2600" dirty="0"/>
+              <a:t>Open a shell. Navigate to folder where you have downloaded </a:t>
+            </a:r>
+            <a:r>
+              <a:rPr lang="en-US" sz="2600" dirty="0" err="1"/>
+              <a:t>phagecommander</a:t>
+            </a:r>
+            <a:r>
+              <a:rPr lang="en-US" sz="2600" dirty="0"/>
+              <a:t>. Type </a:t>
+            </a:r>
+            <a:r>
+              <a:rPr lang="en-US" sz="2600" dirty="0" err="1"/>
+              <a:t>py</a:t>
+            </a:r>
+            <a:r>
+              <a:rPr lang="en-US" sz="2600" dirty="0"/>
+              <a:t> phagecom.py. If you need to install any of the supporting packages, first type: ‘pip install .’ (in the </a:t>
+            </a:r>
+            <a:r>
+              <a:rPr lang="en-US" sz="2600" dirty="0" err="1"/>
+              <a:t>PhageCommander</a:t>
+            </a:r>
+            <a:r>
+              <a:rPr lang="en-US" sz="2600" dirty="0"/>
+              <a:t>-master directory – the directory that contains setup.py)</a:t>
+            </a:r>
+          </a:p>
+          <a:p>
+            <a:endParaRPr lang="en-US" dirty="0"/>
+          </a:p>
+        </p:txBody>
+      </p:sp>
     </p:spTree>
     <p:extLst>
       <p:ext uri="{BB962C8B-B14F-4D97-AF65-F5344CB8AC3E}">
-        <p14:creationId xmlns:p14="http://schemas.microsoft.com/office/powerpoint/2010/main" val="4267353962"/>
+        <p14:creationId xmlns:p14="http://schemas.microsoft.com/office/powerpoint/2010/main" val="2024987725"/>
       </p:ext>
     </p:extLst>
   </p:cSld>
@@ -5175,7 +6293,7 @@
           <p:cNvPr id="2" name="Title 1">
             <a:extLst>
               <a:ext uri="{FF2B5EF4-FFF2-40B4-BE49-F238E27FC236}">
-                <a16:creationId xmlns:a16="http://schemas.microsoft.com/office/drawing/2014/main" id="{333CEB08-77D5-404C-9689-3D22287B3122}"/>
+                <a16:creationId xmlns:a16="http://schemas.microsoft.com/office/drawing/2014/main" id="{1651CF68-C4F4-40CA-807D-C9821BE51F77}"/>
               </a:ext>
             </a:extLst>
           </p:cNvPr>
@@ -5194,7 +6312,7 @@
             <a:pPr algn="ctr"/>
             <a:r>
               <a:rPr lang="en-US" dirty="0"/>
-              <a:t>In the Event of an Error</a:t>
+              <a:t>Running Phage Commander</a:t>
             </a:r>
           </a:p>
         </p:txBody>
@@ -5204,7 +6322,7 @@
           <p:cNvPr id="3" name="Content Placeholder 2">
             <a:extLst>
               <a:ext uri="{FF2B5EF4-FFF2-40B4-BE49-F238E27FC236}">
-                <a16:creationId xmlns:a16="http://schemas.microsoft.com/office/drawing/2014/main" id="{BBC2A0D1-2DE1-4870-AD5E-EE703A9F2549}"/>
+                <a16:creationId xmlns:a16="http://schemas.microsoft.com/office/drawing/2014/main" id="{02A9C273-8AEC-4ED3-804F-708070005AB7}"/>
               </a:ext>
             </a:extLst>
           </p:cNvPr>
@@ -5215,65 +6333,52 @@
             <p:ph idx="1"/>
           </p:nvPr>
         </p:nvSpPr>
-        <p:spPr>
-          <a:xfrm>
-            <a:off x="838200" y="1825625"/>
-            <a:ext cx="10515600" cy="4776142"/>
-          </a:xfrm>
-        </p:spPr>
+        <p:spPr/>
         <p:txBody>
           <a:bodyPr/>
           <a:lstStyle/>
           <a:p>
             <a:r>
               <a:rPr lang="en-US" dirty="0"/>
-              <a:t>If Phage Commander runs successfully, you will see a window saying “</a:t>
-            </a:r>
-            <a:r>
-              <a:rPr lang="en-US" b="1" dirty="0"/>
-              <a:t>Done! Query Successful</a:t>
-            </a:r>
-            <a:r>
-              <a:rPr lang="en-US" dirty="0"/>
-              <a:t>” </a:t>
-            </a:r>
-          </a:p>
-          <a:p>
-            <a:r>
-              <a:rPr lang="en-US" dirty="0"/>
-              <a:t>Press </a:t>
-            </a:r>
-            <a:r>
-              <a:rPr lang="en-US" b="1" dirty="0">
-                <a:solidFill>
-                  <a:srgbClr val="0070C0"/>
-                </a:solidFill>
-              </a:rPr>
-              <a:t>OK</a:t>
-            </a:r>
-            <a:r>
-              <a:rPr lang="en-US" dirty="0"/>
-              <a:t> and you will see the Phage Commander output in the form of a spreadsheet (expand the window)</a:t>
-            </a:r>
-          </a:p>
-          <a:p>
-            <a:r>
-              <a:rPr lang="en-US" dirty="0"/>
-              <a:t>If phage commander encounters an error, the error message will display which program is causing the error (e.g. Glimmer, Aragorn, GMS2, etc.)</a:t>
-            </a:r>
-          </a:p>
-          <a:p>
-            <a:r>
-              <a:rPr lang="en-US" dirty="0"/>
-              <a:t>To work around this, re-run Phage Commander without including the program causing the error</a:t>
-            </a:r>
-          </a:p>
-        </p:txBody>
-      </p:sp>
+              <a:t>Once you have clicked on the appropriate .exe executable, a blank Phage Commander window will appear</a:t>
+            </a:r>
+          </a:p>
+        </p:txBody>
+      </p:sp>
+      <p:pic>
+        <p:nvPicPr>
+          <p:cNvPr id="5" name="Picture 4">
+            <a:extLst>
+              <a:ext uri="{FF2B5EF4-FFF2-40B4-BE49-F238E27FC236}">
+                <a16:creationId xmlns:a16="http://schemas.microsoft.com/office/drawing/2014/main" id="{3B298A7C-6C63-45B0-9CB0-9D7313ADC762}"/>
+              </a:ext>
+            </a:extLst>
+          </p:cNvPr>
+          <p:cNvPicPr>
+            <a:picLocks noChangeAspect="1"/>
+          </p:cNvPicPr>
+          <p:nvPr/>
+        </p:nvPicPr>
+        <p:blipFill>
+          <a:blip r:embed="rId2"/>
+          <a:stretch>
+            <a:fillRect/>
+          </a:stretch>
+        </p:blipFill>
+        <p:spPr>
+          <a:xfrm>
+            <a:off x="4651695" y="3085875"/>
+            <a:ext cx="3358129" cy="3545622"/>
+          </a:xfrm>
+          <a:prstGeom prst="rect">
+            <a:avLst/>
+          </a:prstGeom>
+        </p:spPr>
+      </p:pic>
     </p:spTree>
     <p:extLst>
       <p:ext uri="{BB962C8B-B14F-4D97-AF65-F5344CB8AC3E}">
-        <p14:creationId xmlns:p14="http://schemas.microsoft.com/office/powerpoint/2010/main" val="1753157696"/>
+        <p14:creationId xmlns:p14="http://schemas.microsoft.com/office/powerpoint/2010/main" val="829829694"/>
       </p:ext>
     </p:extLst>
   </p:cSld>
@@ -5302,345 +6407,238 @@
       </p:grpSpPr>
       <p:sp>
         <p:nvSpPr>
-          <p:cNvPr id="8" name="TextBox 7">
-            <a:extLst>
-              <a:ext uri="{FF2B5EF4-FFF2-40B4-BE49-F238E27FC236}">
-                <a16:creationId xmlns:a16="http://schemas.microsoft.com/office/drawing/2014/main" id="{7CE14AD0-A8B4-4D88-A2BA-C24F4DBDDE36}"/>
-              </a:ext>
-            </a:extLst>
-          </p:cNvPr>
-          <p:cNvSpPr txBox="1"/>
-          <p:nvPr/>
-        </p:nvSpPr>
-        <p:spPr>
-          <a:xfrm>
-            <a:off x="48716" y="-24251"/>
-            <a:ext cx="2796830" cy="923330"/>
-          </a:xfrm>
-          <a:prstGeom prst="rect">
-            <a:avLst/>
-          </a:prstGeom>
-          <a:noFill/>
-        </p:spPr>
-        <p:txBody>
-          <a:bodyPr wrap="square" rtlCol="0">
-            <a:spAutoFit/>
+          <p:cNvPr id="2" name="Title 1">
+            <a:extLst>
+              <a:ext uri="{FF2B5EF4-FFF2-40B4-BE49-F238E27FC236}">
+                <a16:creationId xmlns:a16="http://schemas.microsoft.com/office/drawing/2014/main" id="{ABCD02AE-3CE9-4CDB-9574-2F425553BFB3}"/>
+              </a:ext>
+            </a:extLst>
+          </p:cNvPr>
+          <p:cNvSpPr>
+            <a:spLocks noGrp="1"/>
+          </p:cNvSpPr>
+          <p:nvPr>
+            <p:ph type="title"/>
+          </p:nvPr>
+        </p:nvSpPr>
+        <p:spPr>
+          <a:xfrm>
+            <a:off x="1710816" y="274638"/>
+            <a:ext cx="8760541" cy="1143000"/>
+          </a:xfrm>
+        </p:spPr>
+        <p:txBody>
+          <a:bodyPr>
+            <a:normAutofit/>
           </a:bodyPr>
           <a:lstStyle/>
           <a:p>
-            <a:r>
-              <a:rPr lang="en-US" b="1" dirty="0">
+            <a:pPr algn="ctr"/>
+            <a:r>
+              <a:rPr lang="en-US" dirty="0"/>
+              <a:t>How to use Phage Commander</a:t>
+            </a:r>
+          </a:p>
+        </p:txBody>
+      </p:sp>
+      <p:sp>
+        <p:nvSpPr>
+          <p:cNvPr id="3" name="Content Placeholder 2">
+            <a:extLst>
+              <a:ext uri="{FF2B5EF4-FFF2-40B4-BE49-F238E27FC236}">
+                <a16:creationId xmlns:a16="http://schemas.microsoft.com/office/drawing/2014/main" id="{BF1DEB4C-A2AF-4701-8A7F-3F7E1C3DAB55}"/>
+              </a:ext>
+            </a:extLst>
+          </p:cNvPr>
+          <p:cNvSpPr>
+            <a:spLocks noGrp="1"/>
+          </p:cNvSpPr>
+          <p:nvPr>
+            <p:ph idx="1"/>
+          </p:nvPr>
+        </p:nvSpPr>
+        <p:spPr>
+          <a:xfrm>
+            <a:off x="653144" y="1600199"/>
+            <a:ext cx="11234056" cy="4983163"/>
+          </a:xfrm>
+        </p:spPr>
+        <p:txBody>
+          <a:bodyPr>
+            <a:normAutofit fontScale="92500" lnSpcReduction="20000"/>
+          </a:bodyPr>
+          <a:lstStyle/>
+          <a:p>
+            <a:r>
+              <a:rPr lang="en-US" sz="3000" dirty="0"/>
+              <a:t>In the Phage Commander window, click on the </a:t>
+            </a:r>
+            <a:r>
+              <a:rPr lang="en-US" sz="3000" b="1" dirty="0">
                 <a:solidFill>
-                  <a:srgbClr val="FF0000"/>
+                  <a:srgbClr val="0070C0"/>
                 </a:solidFill>
               </a:rPr>
-              <a:t>Total Calls column</a:t>
-            </a:r>
-          </a:p>
-          <a:p>
-            <a:r>
-              <a:rPr lang="en-US" b="1" dirty="0">
+              <a:t>File</a:t>
+            </a:r>
+            <a:r>
+              <a:rPr lang="en-US" sz="3000" dirty="0"/>
+              <a:t> menu, and select </a:t>
+            </a:r>
+            <a:r>
+              <a:rPr lang="en-US" sz="3000" b="1" dirty="0">
                 <a:solidFill>
-                  <a:srgbClr val="FF0000"/>
+                  <a:srgbClr val="0070C0"/>
                 </a:solidFill>
               </a:rPr>
-              <a:t>Is the number of programs identifying a gene</a:t>
-            </a:r>
-          </a:p>
-        </p:txBody>
-      </p:sp>
-      <p:sp>
-        <p:nvSpPr>
-          <p:cNvPr id="13" name="TextBox 12">
-            <a:extLst>
-              <a:ext uri="{FF2B5EF4-FFF2-40B4-BE49-F238E27FC236}">
-                <a16:creationId xmlns:a16="http://schemas.microsoft.com/office/drawing/2014/main" id="{65E2A346-CBBB-41B5-98AE-D394F69D0BB8}"/>
-              </a:ext>
-            </a:extLst>
-          </p:cNvPr>
-          <p:cNvSpPr txBox="1"/>
-          <p:nvPr/>
-        </p:nvSpPr>
-        <p:spPr>
-          <a:xfrm>
-            <a:off x="2563173" y="644841"/>
-            <a:ext cx="1946786" cy="646331"/>
-          </a:xfrm>
-          <a:prstGeom prst="rect">
-            <a:avLst/>
-          </a:prstGeom>
-          <a:noFill/>
-        </p:spPr>
-        <p:txBody>
-          <a:bodyPr wrap="square" rtlCol="0">
-            <a:spAutoFit/>
-          </a:bodyPr>
-          <a:lstStyle/>
-          <a:p>
-            <a:r>
-              <a:rPr lang="en-US" b="1" dirty="0">
+              <a:t>New</a:t>
+            </a:r>
+            <a:endParaRPr lang="en-US" sz="3000" dirty="0"/>
+          </a:p>
+          <a:p>
+            <a:r>
+              <a:rPr lang="en-US" sz="3000" dirty="0"/>
+              <a:t>A Select Gene Identification Tools window will open (see next slide). Select which tools you would like to use</a:t>
+            </a:r>
+          </a:p>
+          <a:p>
+            <a:pPr lvl="1"/>
+            <a:r>
+              <a:rPr lang="en-US" sz="3000" dirty="0"/>
+              <a:t>To use </a:t>
+            </a:r>
+            <a:r>
+              <a:rPr lang="en-US" sz="3000" b="1" dirty="0"/>
+              <a:t>RAST</a:t>
+            </a:r>
+            <a:r>
+              <a:rPr lang="en-US" sz="3000" dirty="0"/>
+              <a:t>, you will need to create a login and password at </a:t>
+            </a:r>
+            <a:r>
+              <a:rPr lang="en-US" sz="3000" u="sng" dirty="0">
                 <a:solidFill>
-                  <a:srgbClr val="FF0000"/>
+                  <a:srgbClr val="0000FF"/>
                 </a:solidFill>
-              </a:rPr>
-              <a:t>Genes identified by GeneMark</a:t>
-            </a:r>
-          </a:p>
-        </p:txBody>
-      </p:sp>
-      <p:sp>
-        <p:nvSpPr>
-          <p:cNvPr id="15" name="TextBox 14">
-            <a:extLst>
-              <a:ext uri="{FF2B5EF4-FFF2-40B4-BE49-F238E27FC236}">
-                <a16:creationId xmlns:a16="http://schemas.microsoft.com/office/drawing/2014/main" id="{5E747C8D-AD30-4397-A776-BA6B525DE67F}"/>
-              </a:ext>
-            </a:extLst>
-          </p:cNvPr>
-          <p:cNvSpPr txBox="1"/>
-          <p:nvPr/>
-        </p:nvSpPr>
-        <p:spPr>
-          <a:xfrm>
-            <a:off x="4386122" y="644840"/>
-            <a:ext cx="2030361" cy="646331"/>
-          </a:xfrm>
-          <a:prstGeom prst="rect">
-            <a:avLst/>
-          </a:prstGeom>
-          <a:noFill/>
-        </p:spPr>
-        <p:txBody>
-          <a:bodyPr wrap="square" rtlCol="0">
-            <a:spAutoFit/>
-          </a:bodyPr>
-          <a:lstStyle/>
-          <a:p>
-            <a:r>
-              <a:rPr lang="en-US" b="1" dirty="0">
+                <a:hlinkClick r:id="rId2"/>
+              </a:rPr>
+              <a:t>https://rast.nmpdr.org</a:t>
+            </a:r>
+            <a:r>
+              <a:rPr lang="en-US" sz="3000" dirty="0">
                 <a:solidFill>
-                  <a:srgbClr val="FF0000"/>
+                  <a:srgbClr val="0000FF"/>
                 </a:solidFill>
               </a:rPr>
-              <a:t>Genes identified by GeneMark.hmm</a:t>
-            </a:r>
-          </a:p>
-        </p:txBody>
-      </p:sp>
-      <p:sp>
-        <p:nvSpPr>
-          <p:cNvPr id="19" name="TextBox 18">
-            <a:extLst>
-              <a:ext uri="{FF2B5EF4-FFF2-40B4-BE49-F238E27FC236}">
-                <a16:creationId xmlns:a16="http://schemas.microsoft.com/office/drawing/2014/main" id="{CE8D919F-823D-4B09-BAD2-E988E85E6C57}"/>
-              </a:ext>
-            </a:extLst>
-          </p:cNvPr>
-          <p:cNvSpPr txBox="1"/>
-          <p:nvPr/>
-        </p:nvSpPr>
-        <p:spPr>
-          <a:xfrm>
-            <a:off x="0" y="2228671"/>
-            <a:ext cx="1946786" cy="646331"/>
-          </a:xfrm>
-          <a:prstGeom prst="rect">
-            <a:avLst/>
-          </a:prstGeom>
-          <a:noFill/>
-        </p:spPr>
-        <p:txBody>
-          <a:bodyPr wrap="square" rtlCol="0">
-            <a:spAutoFit/>
-          </a:bodyPr>
-          <a:lstStyle/>
-          <a:p>
-            <a:r>
-              <a:rPr lang="en-US" b="1" dirty="0">
+              <a:t> </a:t>
+            </a:r>
+            <a:r>
+              <a:rPr lang="en-US" sz="3000" dirty="0"/>
+              <a:t>(free and easy)</a:t>
+            </a:r>
+          </a:p>
+          <a:p>
+            <a:pPr lvl="1"/>
+            <a:r>
+              <a:rPr lang="en-US" sz="3000" dirty="0"/>
+              <a:t>If using </a:t>
+            </a:r>
+            <a:r>
+              <a:rPr lang="en-US" sz="3000" b="1" dirty="0"/>
+              <a:t>GeneMark.hmm </a:t>
+            </a:r>
+            <a:r>
+              <a:rPr lang="en-US" sz="3000" dirty="0"/>
+              <a:t>you will need to select your phage’s bacterial host from the drop down menu under </a:t>
+            </a:r>
+            <a:r>
+              <a:rPr lang="en-US" sz="3000" b="1" dirty="0"/>
+              <a:t>Species</a:t>
+            </a:r>
+          </a:p>
+          <a:p>
+            <a:r>
+              <a:rPr lang="en-US" sz="3000" dirty="0"/>
+              <a:t>Press </a:t>
+            </a:r>
+            <a:r>
+              <a:rPr lang="en-US" sz="3000" b="1" dirty="0">
                 <a:solidFill>
-                  <a:srgbClr val="FF0000"/>
+                  <a:schemeClr val="accent5">
+                    <a:lumMod val="75000"/>
+                  </a:schemeClr>
                 </a:solidFill>
               </a:rPr>
-              <a:t>Each row</a:t>
-            </a:r>
-          </a:p>
-          <a:p>
-            <a:r>
-              <a:rPr lang="en-US" b="1" dirty="0">
+              <a:t>Open</a:t>
+            </a:r>
+            <a:r>
+              <a:rPr lang="en-US" sz="3000" dirty="0"/>
+              <a:t> and select your phage’s </a:t>
+            </a:r>
+            <a:r>
+              <a:rPr lang="en-US" sz="3000" dirty="0" err="1"/>
+              <a:t>fasta</a:t>
+            </a:r>
+            <a:r>
+              <a:rPr lang="en-US" sz="3000" dirty="0"/>
+              <a:t> file - an example </a:t>
+            </a:r>
+            <a:r>
+              <a:rPr lang="en-US" sz="3000" dirty="0" err="1"/>
+              <a:t>fasta</a:t>
+            </a:r>
+            <a:r>
+              <a:rPr lang="en-US" sz="3000" dirty="0"/>
+              <a:t> file is included in the GitHub repository: </a:t>
+            </a:r>
+            <a:r>
+              <a:rPr lang="en-US" sz="3000" dirty="0" err="1"/>
+              <a:t>Patience.fasta</a:t>
+            </a:r>
+            <a:endParaRPr lang="en-US" sz="3000" dirty="0"/>
+          </a:p>
+          <a:p>
+            <a:r>
+              <a:rPr lang="en-US" sz="3000" dirty="0"/>
+              <a:t>Press </a:t>
+            </a:r>
+            <a:r>
+              <a:rPr lang="en-US" sz="3000" b="1" dirty="0">
                 <a:solidFill>
-                  <a:srgbClr val="FF0000"/>
+                  <a:srgbClr val="0070C0"/>
                 </a:solidFill>
               </a:rPr>
-              <a:t> is a gene</a:t>
-            </a:r>
-          </a:p>
-        </p:txBody>
-      </p:sp>
-      <p:pic>
-        <p:nvPicPr>
-          <p:cNvPr id="29" name="Picture 28">
-            <a:extLst>
-              <a:ext uri="{FF2B5EF4-FFF2-40B4-BE49-F238E27FC236}">
-                <a16:creationId xmlns:a16="http://schemas.microsoft.com/office/drawing/2014/main" id="{157CB1E5-483D-4481-99A4-8E67CACAFEF6}"/>
-              </a:ext>
-            </a:extLst>
-          </p:cNvPr>
-          <p:cNvPicPr>
-            <a:picLocks noChangeAspect="1"/>
-          </p:cNvPicPr>
-          <p:nvPr/>
-        </p:nvPicPr>
-        <p:blipFill rotWithShape="1">
-          <a:blip r:embed="rId2"/>
-          <a:srcRect r="49840" b="36316"/>
-          <a:stretch/>
-        </p:blipFill>
-        <p:spPr>
-          <a:xfrm>
-            <a:off x="1106775" y="1277105"/>
-            <a:ext cx="9978450" cy="5302882"/>
-          </a:xfrm>
-          <a:prstGeom prst="rect">
-            <a:avLst/>
-          </a:prstGeom>
-        </p:spPr>
-      </p:pic>
-      <p:sp>
-        <p:nvSpPr>
-          <p:cNvPr id="32" name="TextBox 31">
-            <a:extLst>
-              <a:ext uri="{FF2B5EF4-FFF2-40B4-BE49-F238E27FC236}">
-                <a16:creationId xmlns:a16="http://schemas.microsoft.com/office/drawing/2014/main" id="{432A548A-43C7-42A8-A792-2E77854B454C}"/>
-              </a:ext>
-            </a:extLst>
-          </p:cNvPr>
-          <p:cNvSpPr txBox="1"/>
-          <p:nvPr/>
-        </p:nvSpPr>
-        <p:spPr>
-          <a:xfrm>
-            <a:off x="6459681" y="656776"/>
-            <a:ext cx="2127153" cy="646331"/>
-          </a:xfrm>
-          <a:prstGeom prst="rect">
-            <a:avLst/>
-          </a:prstGeom>
-          <a:noFill/>
-        </p:spPr>
-        <p:txBody>
-          <a:bodyPr wrap="square" rtlCol="0">
-            <a:spAutoFit/>
-          </a:bodyPr>
-          <a:lstStyle/>
-          <a:p>
-            <a:r>
-              <a:rPr lang="en-US" b="1" dirty="0">
+              <a:t>Run Phage Commander</a:t>
+            </a:r>
+            <a:r>
+              <a:rPr lang="en-US" sz="3000" dirty="0"/>
+              <a:t> to run Phage Commander. Phage Commander will now run the phage genome through the selected tools – this may take several minutes</a:t>
+            </a:r>
+          </a:p>
+          <a:p>
+            <a:r>
+              <a:rPr lang="en-US" sz="3000" dirty="0"/>
+              <a:t>When Phage Commander completes, press </a:t>
+            </a:r>
+            <a:r>
+              <a:rPr lang="en-US" sz="3000" b="1" dirty="0">
                 <a:solidFill>
-                  <a:srgbClr val="FF0000"/>
+                  <a:srgbClr val="0070C0"/>
                 </a:solidFill>
               </a:rPr>
-              <a:t>Genes identified by GeneMark Heuristic</a:t>
-            </a:r>
-          </a:p>
-        </p:txBody>
-      </p:sp>
-      <p:sp>
-        <p:nvSpPr>
-          <p:cNvPr id="33" name="TextBox 32">
-            <a:extLst>
-              <a:ext uri="{FF2B5EF4-FFF2-40B4-BE49-F238E27FC236}">
-                <a16:creationId xmlns:a16="http://schemas.microsoft.com/office/drawing/2014/main" id="{091A11B5-78DB-4945-856A-C6988F7C4320}"/>
-              </a:ext>
-            </a:extLst>
-          </p:cNvPr>
-          <p:cNvSpPr txBox="1"/>
-          <p:nvPr/>
-        </p:nvSpPr>
-        <p:spPr>
-          <a:xfrm>
-            <a:off x="8772453" y="644840"/>
-            <a:ext cx="2127153" cy="646331"/>
-          </a:xfrm>
-          <a:prstGeom prst="rect">
-            <a:avLst/>
-          </a:prstGeom>
-          <a:noFill/>
-        </p:spPr>
-        <p:txBody>
-          <a:bodyPr wrap="square" rtlCol="0">
-            <a:spAutoFit/>
-          </a:bodyPr>
-          <a:lstStyle/>
-          <a:p>
-            <a:r>
-              <a:rPr lang="en-US" b="1" dirty="0">
-                <a:solidFill>
-                  <a:srgbClr val="FF0000"/>
-                </a:solidFill>
-              </a:rPr>
-              <a:t>Genes identified </a:t>
-            </a:r>
-          </a:p>
-          <a:p>
-            <a:r>
-              <a:rPr lang="en-US" b="1" dirty="0">
-                <a:solidFill>
-                  <a:srgbClr val="FF0000"/>
-                </a:solidFill>
-              </a:rPr>
-              <a:t>by GeneMark S</a:t>
-            </a:r>
-          </a:p>
-        </p:txBody>
-      </p:sp>
-      <p:cxnSp>
-        <p:nvCxnSpPr>
-          <p:cNvPr id="18" name="Straight Arrow Connector 17">
-            <a:extLst>
-              <a:ext uri="{FF2B5EF4-FFF2-40B4-BE49-F238E27FC236}">
-                <a16:creationId xmlns:a16="http://schemas.microsoft.com/office/drawing/2014/main" id="{9B73B8D2-DBAD-48B9-B3F0-B89CAEADB73D}"/>
-              </a:ext>
-            </a:extLst>
-          </p:cNvPr>
-          <p:cNvCxnSpPr>
-            <a:cxnSpLocks/>
-          </p:cNvCxnSpPr>
-          <p:nvPr/>
-        </p:nvCxnSpPr>
-        <p:spPr>
-          <a:xfrm>
-            <a:off x="889371" y="814622"/>
-            <a:ext cx="459138" cy="626251"/>
-          </a:xfrm>
-          <a:prstGeom prst="straightConnector1">
-            <a:avLst/>
-          </a:prstGeom>
-          <a:ln w="57150">
-            <a:solidFill>
-              <a:srgbClr val="FF0000"/>
-            </a:solidFill>
-            <a:tailEnd type="triangle"/>
-          </a:ln>
-        </p:spPr>
-        <p:style>
-          <a:lnRef idx="1">
-            <a:schemeClr val="accent1"/>
-          </a:lnRef>
-          <a:fillRef idx="0">
-            <a:schemeClr val="accent1"/>
-          </a:fillRef>
-          <a:effectRef idx="0">
-            <a:schemeClr val="accent1"/>
-          </a:effectRef>
-          <a:fontRef idx="minor">
-            <a:schemeClr val="tx1"/>
-          </a:fontRef>
-        </p:style>
-      </p:cxnSp>
+              <a:t>OK</a:t>
+            </a:r>
+            <a:endParaRPr lang="en-US" sz="3000" dirty="0"/>
+          </a:p>
+          <a:p>
+            <a:endParaRPr lang="en-US" dirty="0"/>
+          </a:p>
+        </p:txBody>
+      </p:sp>
     </p:spTree>
     <p:extLst>
       <p:ext uri="{BB962C8B-B14F-4D97-AF65-F5344CB8AC3E}">
-        <p14:creationId xmlns:p14="http://schemas.microsoft.com/office/powerpoint/2010/main" val="3831704239"/>
+        <p14:creationId xmlns:p14="http://schemas.microsoft.com/office/powerpoint/2010/main" val="2725643525"/>
       </p:ext>
     </p:extLst>
   </p:cSld>
@@ -5669,10 +6667,10 @@
       </p:grpSpPr>
       <p:pic>
         <p:nvPicPr>
-          <p:cNvPr id="30" name="Picture 29">
-            <a:extLst>
-              <a:ext uri="{FF2B5EF4-FFF2-40B4-BE49-F238E27FC236}">
-                <a16:creationId xmlns:a16="http://schemas.microsoft.com/office/drawing/2014/main" id="{AE97BD04-6CCE-4C1D-B086-18CD00C74C4A}"/>
+          <p:cNvPr id="11" name="Picture 10">
+            <a:extLst>
+              <a:ext uri="{FF2B5EF4-FFF2-40B4-BE49-F238E27FC236}">
+                <a16:creationId xmlns:a16="http://schemas.microsoft.com/office/drawing/2014/main" id="{D39362CE-8643-4F42-BB5E-49F870C2501E}"/>
               </a:ext>
             </a:extLst>
           </p:cNvPr>
@@ -5683,25 +6681,93 @@
         </p:nvPicPr>
         <p:blipFill rotWithShape="1">
           <a:blip r:embed="rId2"/>
-          <a:srcRect r="49840" b="35486"/>
+          <a:srcRect l="382" t="1046" r="334" b="137"/>
           <a:stretch/>
         </p:blipFill>
         <p:spPr>
           <a:xfrm>
-            <a:off x="518835" y="511012"/>
-            <a:ext cx="9978450" cy="5371954"/>
+            <a:off x="2012527" y="2144182"/>
+            <a:ext cx="7832190" cy="3375845"/>
           </a:xfrm>
           <a:prstGeom prst="rect">
             <a:avLst/>
           </a:prstGeom>
         </p:spPr>
       </p:pic>
+      <p:sp>
+        <p:nvSpPr>
+          <p:cNvPr id="2" name="Title 1">
+            <a:extLst>
+              <a:ext uri="{FF2B5EF4-FFF2-40B4-BE49-F238E27FC236}">
+                <a16:creationId xmlns:a16="http://schemas.microsoft.com/office/drawing/2014/main" id="{5C3BBC88-1E33-4252-B7D1-74EF603280AB}"/>
+              </a:ext>
+            </a:extLst>
+          </p:cNvPr>
+          <p:cNvSpPr>
+            <a:spLocks noGrp="1"/>
+          </p:cNvSpPr>
+          <p:nvPr>
+            <p:ph type="title"/>
+          </p:nvPr>
+        </p:nvSpPr>
+        <p:spPr/>
+        <p:txBody>
+          <a:bodyPr/>
+          <a:lstStyle/>
+          <a:p>
+            <a:pPr algn="ctr"/>
+            <a:r>
+              <a:rPr lang="en-US" dirty="0"/>
+              <a:t>Select Gene Identification Tools</a:t>
+            </a:r>
+          </a:p>
+        </p:txBody>
+      </p:sp>
+      <p:sp>
+        <p:nvSpPr>
+          <p:cNvPr id="6" name="TextBox 5">
+            <a:extLst>
+              <a:ext uri="{FF2B5EF4-FFF2-40B4-BE49-F238E27FC236}">
+                <a16:creationId xmlns:a16="http://schemas.microsoft.com/office/drawing/2014/main" id="{5914CDBB-AB05-4AE1-A1CE-243F19197FB9}"/>
+              </a:ext>
+            </a:extLst>
+          </p:cNvPr>
+          <p:cNvSpPr txBox="1"/>
+          <p:nvPr/>
+        </p:nvSpPr>
+        <p:spPr>
+          <a:xfrm>
+            <a:off x="3477014" y="1632525"/>
+            <a:ext cx="4547056" cy="369332"/>
+          </a:xfrm>
+          <a:prstGeom prst="rect">
+            <a:avLst/>
+          </a:prstGeom>
+          <a:noFill/>
+        </p:spPr>
+        <p:txBody>
+          <a:bodyPr wrap="square" rtlCol="0">
+            <a:spAutoFit/>
+          </a:bodyPr>
+          <a:lstStyle/>
+          <a:p>
+            <a:r>
+              <a:rPr lang="en-US" b="1" dirty="0">
+                <a:solidFill>
+                  <a:srgbClr val="FF0000"/>
+                </a:solidFill>
+              </a:rPr>
+              <a:t>Check the boxes of the tools you want to use</a:t>
+            </a:r>
+          </a:p>
+        </p:txBody>
+      </p:sp>
       <p:cxnSp>
         <p:nvCxnSpPr>
-          <p:cNvPr id="33" name="Straight Arrow Connector 32">
-            <a:extLst>
-              <a:ext uri="{FF2B5EF4-FFF2-40B4-BE49-F238E27FC236}">
-                <a16:creationId xmlns:a16="http://schemas.microsoft.com/office/drawing/2014/main" id="{19767628-97CA-47FF-A3AE-F4B388D0E71D}"/>
+          <p:cNvPr id="8" name="Straight Arrow Connector 7">
+            <a:extLst>
+              <a:ext uri="{FF2B5EF4-FFF2-40B4-BE49-F238E27FC236}">
+                <a16:creationId xmlns:a16="http://schemas.microsoft.com/office/drawing/2014/main" id="{A65F05C9-8C6F-44A3-8BEB-61B558874C19}"/>
               </a:ext>
             </a:extLst>
           </p:cNvPr>
@@ -5711,9 +6777,9 @@
           <p:nvPr/>
         </p:nvCxnSpPr>
         <p:spPr>
-          <a:xfrm flipV="1">
-            <a:off x="5029438" y="5882966"/>
-            <a:ext cx="0" cy="461801"/>
+          <a:xfrm>
+            <a:off x="1430323" y="2323750"/>
+            <a:ext cx="729842" cy="316826"/>
           </a:xfrm>
           <a:prstGeom prst="straightConnector1">
             <a:avLst/>
@@ -5742,10 +6808,10 @@
       </p:cxnSp>
       <p:sp>
         <p:nvSpPr>
-          <p:cNvPr id="34" name="TextBox 33">
-            <a:extLst>
-              <a:ext uri="{FF2B5EF4-FFF2-40B4-BE49-F238E27FC236}">
-                <a16:creationId xmlns:a16="http://schemas.microsoft.com/office/drawing/2014/main" id="{7D73A8F5-5AB5-4ED4-A05F-0C54FDD0815C}"/>
+          <p:cNvPr id="9" name="TextBox 8">
+            <a:extLst>
+              <a:ext uri="{FF2B5EF4-FFF2-40B4-BE49-F238E27FC236}">
+                <a16:creationId xmlns:a16="http://schemas.microsoft.com/office/drawing/2014/main" id="{EFE034CF-4D25-4216-8256-3C1334099A52}"/>
               </a:ext>
             </a:extLst>
           </p:cNvPr>
@@ -5754,8 +6820,8 @@
         </p:nvSpPr>
         <p:spPr>
           <a:xfrm>
-            <a:off x="4759504" y="6300105"/>
-            <a:ext cx="1835087" cy="646331"/>
+            <a:off x="9784080" y="2149023"/>
+            <a:ext cx="2447070" cy="923330"/>
           </a:xfrm>
           <a:prstGeom prst="rect">
             <a:avLst/>
@@ -5774,17 +6840,17 @@
                   <a:srgbClr val="FF0000"/>
                 </a:solidFill>
               </a:rPr>
-              <a:t>Gene stop (start if strand is “-”)</a:t>
+              <a:t>Select host from drop down menu if using Host-trained GeneMark</a:t>
             </a:r>
           </a:p>
         </p:txBody>
       </p:sp>
       <p:cxnSp>
         <p:nvCxnSpPr>
-          <p:cNvPr id="35" name="Straight Arrow Connector 34">
-            <a:extLst>
-              <a:ext uri="{FF2B5EF4-FFF2-40B4-BE49-F238E27FC236}">
-                <a16:creationId xmlns:a16="http://schemas.microsoft.com/office/drawing/2014/main" id="{2B8AD9CE-C4F0-4A13-AB91-9F16359ADAD3}"/>
+          <p:cNvPr id="10" name="Straight Arrow Connector 9">
+            <a:extLst>
+              <a:ext uri="{FF2B5EF4-FFF2-40B4-BE49-F238E27FC236}">
+                <a16:creationId xmlns:a16="http://schemas.microsoft.com/office/drawing/2014/main" id="{F406A04C-9690-4281-997A-71390CFD3AC3}"/>
               </a:ext>
             </a:extLst>
           </p:cNvPr>
@@ -5794,9 +6860,9 @@
           <p:nvPr/>
         </p:nvCxnSpPr>
         <p:spPr>
-          <a:xfrm flipV="1">
-            <a:off x="4242610" y="5860956"/>
-            <a:ext cx="256128" cy="461160"/>
+          <a:xfrm flipH="1">
+            <a:off x="9731229" y="3124899"/>
+            <a:ext cx="356533" cy="539871"/>
           </a:xfrm>
           <a:prstGeom prst="straightConnector1">
             <a:avLst/>
@@ -5825,10 +6891,10 @@
       </p:cxnSp>
       <p:sp>
         <p:nvSpPr>
-          <p:cNvPr id="38" name="TextBox 37">
-            <a:extLst>
-              <a:ext uri="{FF2B5EF4-FFF2-40B4-BE49-F238E27FC236}">
-                <a16:creationId xmlns:a16="http://schemas.microsoft.com/office/drawing/2014/main" id="{86A56621-006A-4510-8BDB-352DD86446AC}"/>
+          <p:cNvPr id="13" name="TextBox 12">
+            <a:extLst>
+              <a:ext uri="{FF2B5EF4-FFF2-40B4-BE49-F238E27FC236}">
+                <a16:creationId xmlns:a16="http://schemas.microsoft.com/office/drawing/2014/main" id="{6CA70E32-2E8D-4C3F-B59D-838E44468A08}"/>
               </a:ext>
             </a:extLst>
           </p:cNvPr>
@@ -5837,8 +6903,8 @@
         </p:nvSpPr>
         <p:spPr>
           <a:xfrm>
-            <a:off x="3004744" y="6231033"/>
-            <a:ext cx="1731005" cy="646331"/>
+            <a:off x="9982674" y="4026615"/>
+            <a:ext cx="1966452" cy="646331"/>
           </a:xfrm>
           <a:prstGeom prst="rect">
             <a:avLst/>
@@ -5857,30 +6923,45 @@
                   <a:srgbClr val="FF0000"/>
                 </a:solidFill>
               </a:rPr>
-              <a:t>Gene start (stop if strand “-”)</a:t>
+              <a:t>Select genome (</a:t>
+            </a:r>
+            <a:r>
+              <a:rPr lang="en-US" b="1" dirty="0" err="1">
+                <a:solidFill>
+                  <a:srgbClr val="FF0000"/>
+                </a:solidFill>
+              </a:rPr>
+              <a:t>fasta</a:t>
+            </a:r>
+            <a:r>
+              <a:rPr lang="en-US" b="1" dirty="0">
+                <a:solidFill>
+                  <a:srgbClr val="FF0000"/>
+                </a:solidFill>
+              </a:rPr>
+              <a:t> file)</a:t>
             </a:r>
           </a:p>
         </p:txBody>
       </p:sp>
       <p:cxnSp>
         <p:nvCxnSpPr>
-          <p:cNvPr id="39" name="Straight Arrow Connector 38">
-            <a:extLst>
-              <a:ext uri="{FF2B5EF4-FFF2-40B4-BE49-F238E27FC236}">
-                <a16:creationId xmlns:a16="http://schemas.microsoft.com/office/drawing/2014/main" id="{ADB3099B-0D90-4E08-8A02-4D7D0455E2AC}"/>
+          <p:cNvPr id="14" name="Straight Arrow Connector 13">
+            <a:extLst>
+              <a:ext uri="{FF2B5EF4-FFF2-40B4-BE49-F238E27FC236}">
+                <a16:creationId xmlns:a16="http://schemas.microsoft.com/office/drawing/2014/main" id="{58024097-E66E-4CD6-91FE-4AA1E47855A3}"/>
               </a:ext>
             </a:extLst>
           </p:cNvPr>
           <p:cNvCxnSpPr>
             <a:cxnSpLocks/>
-            <a:endCxn id="30" idx="2"/>
           </p:cNvCxnSpPr>
           <p:nvPr/>
         </p:nvCxnSpPr>
         <p:spPr>
-          <a:xfrm flipH="1" flipV="1">
-            <a:off x="5508060" y="5882966"/>
-            <a:ext cx="1444998" cy="559830"/>
+          <a:xfrm flipH="1">
+            <a:off x="9571840" y="4362275"/>
+            <a:ext cx="410834" cy="395517"/>
           </a:xfrm>
           <a:prstGeom prst="straightConnector1">
             <a:avLst/>
@@ -5909,10 +6990,10 @@
       </p:cxnSp>
       <p:sp>
         <p:nvSpPr>
-          <p:cNvPr id="40" name="TextBox 39">
-            <a:extLst>
-              <a:ext uri="{FF2B5EF4-FFF2-40B4-BE49-F238E27FC236}">
-                <a16:creationId xmlns:a16="http://schemas.microsoft.com/office/drawing/2014/main" id="{EDECE8F2-2665-4AEA-83B3-4B9B3DAF9CD9}"/>
+          <p:cNvPr id="16" name="TextBox 15">
+            <a:extLst>
+              <a:ext uri="{FF2B5EF4-FFF2-40B4-BE49-F238E27FC236}">
+                <a16:creationId xmlns:a16="http://schemas.microsoft.com/office/drawing/2014/main" id="{966F023B-36E5-43B2-8D83-C9CCA97C2B53}"/>
               </a:ext>
             </a:extLst>
           </p:cNvPr>
@@ -5921,8 +7002,8 @@
         </p:nvSpPr>
         <p:spPr>
           <a:xfrm>
-            <a:off x="6846385" y="6277502"/>
-            <a:ext cx="2239669" cy="369332"/>
+            <a:off x="7349174" y="5882863"/>
+            <a:ext cx="2560321" cy="369332"/>
           </a:xfrm>
           <a:prstGeom prst="rect">
             <a:avLst/>
@@ -5941,17 +7022,17 @@
                   <a:srgbClr val="FF0000"/>
                 </a:solidFill>
               </a:rPr>
-              <a:t>   Gene length</a:t>
+              <a:t>Run Phage Commander</a:t>
             </a:r>
           </a:p>
         </p:txBody>
       </p:sp>
       <p:cxnSp>
         <p:nvCxnSpPr>
-          <p:cNvPr id="41" name="Straight Arrow Connector 40">
-            <a:extLst>
-              <a:ext uri="{FF2B5EF4-FFF2-40B4-BE49-F238E27FC236}">
-                <a16:creationId xmlns:a16="http://schemas.microsoft.com/office/drawing/2014/main" id="{4ABBEC17-556A-4A34-9F23-3C41A1E451F2}"/>
+          <p:cNvPr id="17" name="Straight Arrow Connector 16">
+            <a:extLst>
+              <a:ext uri="{FF2B5EF4-FFF2-40B4-BE49-F238E27FC236}">
+                <a16:creationId xmlns:a16="http://schemas.microsoft.com/office/drawing/2014/main" id="{6770B1FE-4176-45CB-A772-B69FAE38B79C}"/>
               </a:ext>
             </a:extLst>
           </p:cNvPr>
@@ -5961,9 +7042,9 @@
           <p:nvPr/>
         </p:nvCxnSpPr>
         <p:spPr>
-          <a:xfrm flipV="1">
-            <a:off x="2650963" y="5860956"/>
-            <a:ext cx="1393900" cy="599269"/>
+          <a:xfrm flipH="1" flipV="1">
+            <a:off x="5104702" y="5285065"/>
+            <a:ext cx="2072080" cy="746619"/>
           </a:xfrm>
           <a:prstGeom prst="straightConnector1">
             <a:avLst/>
@@ -5992,10 +7073,10 @@
       </p:cxnSp>
       <p:sp>
         <p:nvSpPr>
-          <p:cNvPr id="42" name="TextBox 41">
-            <a:extLst>
-              <a:ext uri="{FF2B5EF4-FFF2-40B4-BE49-F238E27FC236}">
-                <a16:creationId xmlns:a16="http://schemas.microsoft.com/office/drawing/2014/main" id="{FBC8FB49-2701-4BB5-8EB7-91C8B569AD09}"/>
+          <p:cNvPr id="15" name="TextBox 14">
+            <a:extLst>
+              <a:ext uri="{FF2B5EF4-FFF2-40B4-BE49-F238E27FC236}">
+                <a16:creationId xmlns:a16="http://schemas.microsoft.com/office/drawing/2014/main" id="{F675597A-97BB-48A6-A7EA-EA841852AEAD}"/>
               </a:ext>
             </a:extLst>
           </p:cNvPr>
@@ -6004,8 +7085,8 @@
         </p:nvSpPr>
         <p:spPr>
           <a:xfrm>
-            <a:off x="1785075" y="6000503"/>
-            <a:ext cx="1300030" cy="646331"/>
+            <a:off x="46075" y="2144182"/>
+            <a:ext cx="1840931" cy="2862322"/>
           </a:xfrm>
           <a:prstGeom prst="rect">
             <a:avLst/>
@@ -6013,7 +7094,7 @@
           <a:noFill/>
         </p:spPr>
         <p:txBody>
-          <a:bodyPr wrap="square" rtlCol="0">
+          <a:bodyPr wrap="square">
             <a:spAutoFit/>
           </a:bodyPr>
           <a:lstStyle/>
@@ -6024,38 +7105,9 @@
                   <a:srgbClr val="FF0000"/>
                 </a:solidFill>
               </a:rPr>
-              <a:t>DNA strand (+ or -)</a:t>
-            </a:r>
-          </a:p>
-        </p:txBody>
-      </p:sp>
-      <p:sp>
-        <p:nvSpPr>
-          <p:cNvPr id="43" name="TextBox 42">
-            <a:extLst>
-              <a:ext uri="{FF2B5EF4-FFF2-40B4-BE49-F238E27FC236}">
-                <a16:creationId xmlns:a16="http://schemas.microsoft.com/office/drawing/2014/main" id="{D11026A6-503C-4C95-A8D6-5D3BAED0A40F}"/>
-              </a:ext>
-            </a:extLst>
-          </p:cNvPr>
-          <p:cNvSpPr txBox="1"/>
-          <p:nvPr/>
-        </p:nvSpPr>
-        <p:spPr>
-          <a:xfrm>
-            <a:off x="10600980" y="1606502"/>
-            <a:ext cx="1591020" cy="2585323"/>
-          </a:xfrm>
-          <a:prstGeom prst="rect">
-            <a:avLst/>
-          </a:prstGeom>
-          <a:noFill/>
-        </p:spPr>
-        <p:txBody>
-          <a:bodyPr wrap="square" rtlCol="0">
-            <a:spAutoFit/>
-          </a:bodyPr>
-          <a:lstStyle/>
+              <a:t>If using RAST, you will need to create a login and password on the RAST website</a:t>
+            </a:r>
+          </a:p>
           <a:p>
             <a:r>
               <a:rPr lang="en-US" b="1" dirty="0">
@@ -6063,7 +7115,7 @@
                   <a:srgbClr val="FF0000"/>
                 </a:solidFill>
               </a:rPr>
-              <a:t>Row shading is proportional to how many programs identify a gene (darker = more programs, white =  only one program)</a:t>
+              <a:t>(rast.nmpdr.org/)and enter it when prompted by Phage Commander</a:t>
             </a:r>
           </a:p>
         </p:txBody>
@@ -6071,7 +7123,7 @@
     </p:spTree>
     <p:extLst>
       <p:ext uri="{BB962C8B-B14F-4D97-AF65-F5344CB8AC3E}">
-        <p14:creationId xmlns:p14="http://schemas.microsoft.com/office/powerpoint/2010/main" val="2416979496"/>
+        <p14:creationId xmlns:p14="http://schemas.microsoft.com/office/powerpoint/2010/main" val="4267353962"/>
       </p:ext>
     </p:extLst>
   </p:cSld>
@@ -6100,201 +7152,110 @@
       </p:grpSpPr>
       <p:sp>
         <p:nvSpPr>
-          <p:cNvPr id="3" name="TextBox 2">
-            <a:extLst>
-              <a:ext uri="{FF2B5EF4-FFF2-40B4-BE49-F238E27FC236}">
-                <a16:creationId xmlns:a16="http://schemas.microsoft.com/office/drawing/2014/main" id="{985E05DE-C2CE-44C9-B34F-608282C0E6E0}"/>
-              </a:ext>
-            </a:extLst>
-          </p:cNvPr>
-          <p:cNvSpPr txBox="1"/>
-          <p:nvPr/>
-        </p:nvSpPr>
-        <p:spPr>
-          <a:xfrm>
-            <a:off x="10547201" y="1228319"/>
-            <a:ext cx="1634750" cy="2308324"/>
-          </a:xfrm>
-          <a:prstGeom prst="rect">
-            <a:avLst/>
-          </a:prstGeom>
-          <a:noFill/>
-        </p:spPr>
-        <p:txBody>
-          <a:bodyPr wrap="square" rtlCol="0">
-            <a:spAutoFit/>
+          <p:cNvPr id="2" name="Title 1">
+            <a:extLst>
+              <a:ext uri="{FF2B5EF4-FFF2-40B4-BE49-F238E27FC236}">
+                <a16:creationId xmlns:a16="http://schemas.microsoft.com/office/drawing/2014/main" id="{333CEB08-77D5-404C-9689-3D22287B3122}"/>
+              </a:ext>
+            </a:extLst>
+          </p:cNvPr>
+          <p:cNvSpPr>
+            <a:spLocks noGrp="1"/>
+          </p:cNvSpPr>
+          <p:nvPr>
+            <p:ph type="title"/>
+          </p:nvPr>
+        </p:nvSpPr>
+        <p:spPr/>
+        <p:txBody>
+          <a:bodyPr/>
+          <a:lstStyle/>
+          <a:p>
+            <a:pPr algn="ctr"/>
+            <a:r>
+              <a:rPr lang="en-US" dirty="0"/>
+              <a:t>In the Event of an Error</a:t>
+            </a:r>
+          </a:p>
+        </p:txBody>
+      </p:sp>
+      <p:sp>
+        <p:nvSpPr>
+          <p:cNvPr id="3" name="Content Placeholder 2">
+            <a:extLst>
+              <a:ext uri="{FF2B5EF4-FFF2-40B4-BE49-F238E27FC236}">
+                <a16:creationId xmlns:a16="http://schemas.microsoft.com/office/drawing/2014/main" id="{BBC2A0D1-2DE1-4870-AD5E-EE703A9F2549}"/>
+              </a:ext>
+            </a:extLst>
+          </p:cNvPr>
+          <p:cNvSpPr>
+            <a:spLocks noGrp="1"/>
+          </p:cNvSpPr>
+          <p:nvPr>
+            <p:ph idx="1"/>
+          </p:nvPr>
+        </p:nvSpPr>
+        <p:spPr>
+          <a:xfrm>
+            <a:off x="838200" y="1825625"/>
+            <a:ext cx="10515600" cy="4776142"/>
+          </a:xfrm>
+        </p:spPr>
+        <p:txBody>
+          <a:bodyPr>
+            <a:normAutofit/>
           </a:bodyPr>
           <a:lstStyle/>
           <a:p>
+            <a:r>
+              <a:rPr lang="en-US" dirty="0"/>
+              <a:t>If Phage Commander runs successfully, you will see a window saying “</a:t>
+            </a:r>
+            <a:r>
+              <a:rPr lang="en-US" b="1" dirty="0"/>
+              <a:t>Done! Query Successful</a:t>
+            </a:r>
+            <a:r>
+              <a:rPr lang="en-US" dirty="0"/>
+              <a:t>” </a:t>
+            </a:r>
+          </a:p>
+          <a:p>
+            <a:r>
+              <a:rPr lang="en-US" dirty="0"/>
+              <a:t>Press </a:t>
+            </a:r>
             <a:r>
               <a:rPr lang="en-US" b="1" dirty="0">
                 <a:solidFill>
-                  <a:srgbClr val="FF0000"/>
+                  <a:srgbClr val="0070C0"/>
                 </a:solidFill>
               </a:rPr>
-              <a:t>Alternative starts shown in different color font (starts by majority of programs show in black or white font)</a:t>
-            </a:r>
-          </a:p>
-        </p:txBody>
-      </p:sp>
-      <p:grpSp>
-        <p:nvGrpSpPr>
-          <p:cNvPr id="7" name="Group 6">
-            <a:extLst>
-              <a:ext uri="{FF2B5EF4-FFF2-40B4-BE49-F238E27FC236}">
-                <a16:creationId xmlns:a16="http://schemas.microsoft.com/office/drawing/2014/main" id="{E57B8E60-79CC-410A-8AC4-F626E31DEF5F}"/>
-              </a:ext>
-            </a:extLst>
-          </p:cNvPr>
-          <p:cNvGrpSpPr/>
-          <p:nvPr/>
-        </p:nvGrpSpPr>
-        <p:grpSpPr>
-          <a:xfrm>
-            <a:off x="537855" y="725907"/>
-            <a:ext cx="9978450" cy="5406186"/>
-            <a:chOff x="879115" y="777559"/>
-            <a:chExt cx="9978450" cy="5406186"/>
-          </a:xfrm>
-        </p:grpSpPr>
-        <p:pic>
-          <p:nvPicPr>
-            <p:cNvPr id="2" name="Picture 1">
-              <a:extLst>
-                <a:ext uri="{FF2B5EF4-FFF2-40B4-BE49-F238E27FC236}">
-                  <a16:creationId xmlns:a16="http://schemas.microsoft.com/office/drawing/2014/main" id="{19BF4FED-E28B-4EDB-9F9A-2C23CF81B0EF}"/>
-                </a:ext>
-              </a:extLst>
-            </p:cNvPr>
-            <p:cNvPicPr>
-              <a:picLocks noChangeAspect="1"/>
-            </p:cNvPicPr>
-            <p:nvPr/>
-          </p:nvPicPr>
-          <p:blipFill rotWithShape="1">
-            <a:blip r:embed="rId2"/>
-            <a:srcRect r="49840" b="36316"/>
-            <a:stretch/>
-          </p:blipFill>
-          <p:spPr>
-            <a:xfrm>
-              <a:off x="879115" y="777559"/>
-              <a:ext cx="9978450" cy="5302882"/>
-            </a:xfrm>
-            <a:prstGeom prst="rect">
-              <a:avLst/>
-            </a:prstGeom>
-          </p:spPr>
-        </p:pic>
-        <p:sp>
-          <p:nvSpPr>
-            <p:cNvPr id="5" name="Oval 4">
-              <a:extLst>
-                <a:ext uri="{FF2B5EF4-FFF2-40B4-BE49-F238E27FC236}">
-                  <a16:creationId xmlns:a16="http://schemas.microsoft.com/office/drawing/2014/main" id="{52626BFE-871F-4C8B-971C-BC434E631D3D}"/>
-                </a:ext>
-              </a:extLst>
-            </p:cNvPr>
-            <p:cNvSpPr/>
-            <p:nvPr/>
-          </p:nvSpPr>
-          <p:spPr>
-            <a:xfrm>
-              <a:off x="2510818" y="777559"/>
-              <a:ext cx="620309" cy="387927"/>
-            </a:xfrm>
-            <a:prstGeom prst="ellipse">
-              <a:avLst/>
-            </a:prstGeom>
-            <a:noFill/>
-            <a:ln w="57150">
-              <a:solidFill>
-                <a:srgbClr val="FF0000"/>
-              </a:solidFill>
-            </a:ln>
-          </p:spPr>
-          <p:style>
-            <a:lnRef idx="2">
-              <a:schemeClr val="accent1">
-                <a:shade val="50000"/>
-              </a:schemeClr>
-            </a:lnRef>
-            <a:fillRef idx="1">
-              <a:schemeClr val="accent1"/>
-            </a:fillRef>
-            <a:effectRef idx="0">
-              <a:schemeClr val="accent1"/>
-            </a:effectRef>
-            <a:fontRef idx="minor">
-              <a:schemeClr val="lt1"/>
-            </a:fontRef>
-          </p:style>
-          <p:txBody>
-            <a:bodyPr rtlCol="0" anchor="ctr"/>
-            <a:lstStyle/>
-            <a:p>
-              <a:pPr algn="ctr"/>
-              <a:endParaRPr lang="en-US"/>
-            </a:p>
-          </p:txBody>
-        </p:sp>
-        <p:sp>
-          <p:nvSpPr>
-            <p:cNvPr id="6" name="Oval 5">
-              <a:extLst>
-                <a:ext uri="{FF2B5EF4-FFF2-40B4-BE49-F238E27FC236}">
-                  <a16:creationId xmlns:a16="http://schemas.microsoft.com/office/drawing/2014/main" id="{550B40F2-81FA-490C-8BA3-8B05EC97D1EF}"/>
-                </a:ext>
-              </a:extLst>
-            </p:cNvPr>
-            <p:cNvSpPr/>
-            <p:nvPr/>
-          </p:nvSpPr>
-          <p:spPr>
-            <a:xfrm>
-              <a:off x="5092381" y="5795818"/>
-              <a:ext cx="620309" cy="387927"/>
-            </a:xfrm>
-            <a:prstGeom prst="ellipse">
-              <a:avLst/>
-            </a:prstGeom>
-            <a:noFill/>
-            <a:ln w="57150">
-              <a:solidFill>
-                <a:srgbClr val="FF0000"/>
-              </a:solidFill>
-            </a:ln>
-          </p:spPr>
-          <p:style>
-            <a:lnRef idx="2">
-              <a:schemeClr val="accent1">
-                <a:shade val="50000"/>
-              </a:schemeClr>
-            </a:lnRef>
-            <a:fillRef idx="1">
-              <a:schemeClr val="accent1"/>
-            </a:fillRef>
-            <a:effectRef idx="0">
-              <a:schemeClr val="accent1"/>
-            </a:effectRef>
-            <a:fontRef idx="minor">
-              <a:schemeClr val="lt1"/>
-            </a:fontRef>
-          </p:style>
-          <p:txBody>
-            <a:bodyPr rtlCol="0" anchor="ctr"/>
-            <a:lstStyle/>
-            <a:p>
-              <a:pPr algn="ctr"/>
-              <a:endParaRPr lang="en-US"/>
-            </a:p>
-          </p:txBody>
-        </p:sp>
-      </p:grpSp>
+              <a:t>OK</a:t>
+            </a:r>
+            <a:r>
+              <a:rPr lang="en-US" dirty="0"/>
+              <a:t> and you will see the Phage Commander output in the form of a spreadsheet (expand the window)</a:t>
+            </a:r>
+          </a:p>
+          <a:p>
+            <a:r>
+              <a:rPr lang="en-US" dirty="0"/>
+              <a:t>If phage commander encounters an error, the error message will display which program is causing the error (e.g. Glimmer, Aragorn, GMS2, etc.)</a:t>
+            </a:r>
+          </a:p>
+          <a:p>
+            <a:r>
+              <a:rPr lang="en-US" dirty="0"/>
+              <a:t>To work around this, re-run Phage Commander without including the program causing the error</a:t>
+            </a:r>
+          </a:p>
+        </p:txBody>
+      </p:sp>
     </p:spTree>
     <p:extLst>
       <p:ext uri="{BB962C8B-B14F-4D97-AF65-F5344CB8AC3E}">
-        <p14:creationId xmlns:p14="http://schemas.microsoft.com/office/powerpoint/2010/main" val="1622628439"/>
+        <p14:creationId xmlns:p14="http://schemas.microsoft.com/office/powerpoint/2010/main" val="1753157696"/>
       </p:ext>
     </p:extLst>
   </p:cSld>
@@ -6323,10 +7284,10 @@
       </p:grpSpPr>
       <p:pic>
         <p:nvPicPr>
-          <p:cNvPr id="5" name="Picture 4">
-            <a:extLst>
-              <a:ext uri="{FF2B5EF4-FFF2-40B4-BE49-F238E27FC236}">
-                <a16:creationId xmlns:a16="http://schemas.microsoft.com/office/drawing/2014/main" id="{3755C042-27A9-4E4D-BEDB-E5D288DF2F32}"/>
+          <p:cNvPr id="7" name="Picture 6">
+            <a:extLst>
+              <a:ext uri="{FF2B5EF4-FFF2-40B4-BE49-F238E27FC236}">
+                <a16:creationId xmlns:a16="http://schemas.microsoft.com/office/drawing/2014/main" id="{03577505-3155-48CB-8710-0A6A832CFCFB}"/>
               </a:ext>
             </a:extLst>
           </p:cNvPr>
@@ -6335,27 +7296,253 @@
           </p:cNvPicPr>
           <p:nvPr/>
         </p:nvPicPr>
-        <p:blipFill rotWithShape="1">
+        <p:blipFill>
           <a:blip r:embed="rId2"/>
-          <a:srcRect l="-1" t="-307" r="53738" b="73633"/>
-          <a:stretch/>
+          <a:stretch>
+            <a:fillRect/>
+          </a:stretch>
         </p:blipFill>
         <p:spPr>
           <a:xfrm>
-            <a:off x="2319073" y="2068219"/>
-            <a:ext cx="7223086" cy="2385709"/>
+            <a:off x="1541249" y="968005"/>
+            <a:ext cx="9629818" cy="5486400"/>
           </a:xfrm>
           <a:prstGeom prst="rect">
             <a:avLst/>
           </a:prstGeom>
         </p:spPr>
       </p:pic>
+      <p:sp>
+        <p:nvSpPr>
+          <p:cNvPr id="8" name="TextBox 7">
+            <a:extLst>
+              <a:ext uri="{FF2B5EF4-FFF2-40B4-BE49-F238E27FC236}">
+                <a16:creationId xmlns:a16="http://schemas.microsoft.com/office/drawing/2014/main" id="{7CE14AD0-A8B4-4D88-A2BA-C24F4DBDDE36}"/>
+              </a:ext>
+            </a:extLst>
+          </p:cNvPr>
+          <p:cNvSpPr txBox="1"/>
+          <p:nvPr/>
+        </p:nvSpPr>
+        <p:spPr>
+          <a:xfrm>
+            <a:off x="48716" y="-24251"/>
+            <a:ext cx="2203728" cy="1200329"/>
+          </a:xfrm>
+          <a:prstGeom prst="rect">
+            <a:avLst/>
+          </a:prstGeom>
+          <a:noFill/>
+        </p:spPr>
+        <p:txBody>
+          <a:bodyPr wrap="square" rtlCol="0">
+            <a:spAutoFit/>
+          </a:bodyPr>
+          <a:lstStyle/>
+          <a:p>
+            <a:r>
+              <a:rPr lang="en-US" b="1" dirty="0">
+                <a:solidFill>
+                  <a:srgbClr val="FF0000"/>
+                </a:solidFill>
+              </a:rPr>
+              <a:t>“Total Calls” </a:t>
+            </a:r>
+          </a:p>
+          <a:p>
+            <a:r>
+              <a:rPr lang="en-US" b="1" dirty="0">
+                <a:solidFill>
+                  <a:srgbClr val="FF0000"/>
+                </a:solidFill>
+              </a:rPr>
+              <a:t>is the number of programs identifying a gene</a:t>
+            </a:r>
+          </a:p>
+        </p:txBody>
+      </p:sp>
+      <p:sp>
+        <p:nvSpPr>
+          <p:cNvPr id="13" name="TextBox 12">
+            <a:extLst>
+              <a:ext uri="{FF2B5EF4-FFF2-40B4-BE49-F238E27FC236}">
+                <a16:creationId xmlns:a16="http://schemas.microsoft.com/office/drawing/2014/main" id="{65E2A346-CBBB-41B5-98AE-D394F69D0BB8}"/>
+              </a:ext>
+            </a:extLst>
+          </p:cNvPr>
+          <p:cNvSpPr txBox="1"/>
+          <p:nvPr/>
+        </p:nvSpPr>
+        <p:spPr>
+          <a:xfrm>
+            <a:off x="3801832" y="575913"/>
+            <a:ext cx="1946786" cy="646331"/>
+          </a:xfrm>
+          <a:prstGeom prst="rect">
+            <a:avLst/>
+          </a:prstGeom>
+          <a:noFill/>
+        </p:spPr>
+        <p:txBody>
+          <a:bodyPr wrap="square" rtlCol="0">
+            <a:spAutoFit/>
+          </a:bodyPr>
+          <a:lstStyle/>
+          <a:p>
+            <a:r>
+              <a:rPr lang="en-US" b="1" dirty="0">
+                <a:solidFill>
+                  <a:srgbClr val="FF0000"/>
+                </a:solidFill>
+              </a:rPr>
+              <a:t>Genes identified by Prodigal</a:t>
+            </a:r>
+          </a:p>
+        </p:txBody>
+      </p:sp>
+      <p:sp>
+        <p:nvSpPr>
+          <p:cNvPr id="15" name="TextBox 14">
+            <a:extLst>
+              <a:ext uri="{FF2B5EF4-FFF2-40B4-BE49-F238E27FC236}">
+                <a16:creationId xmlns:a16="http://schemas.microsoft.com/office/drawing/2014/main" id="{5E747C8D-AD30-4397-A776-BA6B525DE67F}"/>
+              </a:ext>
+            </a:extLst>
+          </p:cNvPr>
+          <p:cNvSpPr txBox="1"/>
+          <p:nvPr/>
+        </p:nvSpPr>
+        <p:spPr>
+          <a:xfrm>
+            <a:off x="6519243" y="610377"/>
+            <a:ext cx="1946787" cy="646331"/>
+          </a:xfrm>
+          <a:prstGeom prst="rect">
+            <a:avLst/>
+          </a:prstGeom>
+          <a:noFill/>
+        </p:spPr>
+        <p:txBody>
+          <a:bodyPr wrap="square" rtlCol="0">
+            <a:spAutoFit/>
+          </a:bodyPr>
+          <a:lstStyle/>
+          <a:p>
+            <a:r>
+              <a:rPr lang="en-US" b="1" dirty="0">
+                <a:solidFill>
+                  <a:srgbClr val="FF0000"/>
+                </a:solidFill>
+              </a:rPr>
+              <a:t>Genes identified by Glimmer</a:t>
+            </a:r>
+          </a:p>
+        </p:txBody>
+      </p:sp>
+      <p:sp>
+        <p:nvSpPr>
+          <p:cNvPr id="19" name="TextBox 18">
+            <a:extLst>
+              <a:ext uri="{FF2B5EF4-FFF2-40B4-BE49-F238E27FC236}">
+                <a16:creationId xmlns:a16="http://schemas.microsoft.com/office/drawing/2014/main" id="{CE8D919F-823D-4B09-BAD2-E988E85E6C57}"/>
+              </a:ext>
+            </a:extLst>
+          </p:cNvPr>
+          <p:cNvSpPr txBox="1"/>
+          <p:nvPr/>
+        </p:nvSpPr>
+        <p:spPr>
+          <a:xfrm>
+            <a:off x="184201" y="2228671"/>
+            <a:ext cx="1161875" cy="646331"/>
+          </a:xfrm>
+          <a:prstGeom prst="rect">
+            <a:avLst/>
+          </a:prstGeom>
+          <a:noFill/>
+        </p:spPr>
+        <p:txBody>
+          <a:bodyPr wrap="square" rtlCol="0">
+            <a:spAutoFit/>
+          </a:bodyPr>
+          <a:lstStyle/>
+          <a:p>
+            <a:r>
+              <a:rPr lang="en-US" b="1" dirty="0">
+                <a:solidFill>
+                  <a:srgbClr val="FF0000"/>
+                </a:solidFill>
+              </a:rPr>
+              <a:t>Each row</a:t>
+            </a:r>
+          </a:p>
+          <a:p>
+            <a:r>
+              <a:rPr lang="en-US" b="1" dirty="0">
+                <a:solidFill>
+                  <a:srgbClr val="FF0000"/>
+                </a:solidFill>
+              </a:rPr>
+              <a:t> is a gene</a:t>
+            </a:r>
+          </a:p>
+        </p:txBody>
+      </p:sp>
+      <p:sp>
+        <p:nvSpPr>
+          <p:cNvPr id="33" name="TextBox 32">
+            <a:extLst>
+              <a:ext uri="{FF2B5EF4-FFF2-40B4-BE49-F238E27FC236}">
+                <a16:creationId xmlns:a16="http://schemas.microsoft.com/office/drawing/2014/main" id="{091A11B5-78DB-4945-856A-C6988F7C4320}"/>
+              </a:ext>
+            </a:extLst>
+          </p:cNvPr>
+          <p:cNvSpPr txBox="1"/>
+          <p:nvPr/>
+        </p:nvSpPr>
+        <p:spPr>
+          <a:xfrm>
+            <a:off x="9236655" y="610377"/>
+            <a:ext cx="1752924" cy="646331"/>
+          </a:xfrm>
+          <a:prstGeom prst="rect">
+            <a:avLst/>
+          </a:prstGeom>
+          <a:noFill/>
+        </p:spPr>
+        <p:txBody>
+          <a:bodyPr wrap="square" rtlCol="0">
+            <a:spAutoFit/>
+          </a:bodyPr>
+          <a:lstStyle/>
+          <a:p>
+            <a:r>
+              <a:rPr lang="en-US" b="1" dirty="0">
+                <a:solidFill>
+                  <a:srgbClr val="FF0000"/>
+                </a:solidFill>
+              </a:rPr>
+              <a:t>Genes identified </a:t>
+            </a:r>
+          </a:p>
+          <a:p>
+            <a:r>
+              <a:rPr lang="en-US" b="1" dirty="0">
+                <a:solidFill>
+                  <a:srgbClr val="FF0000"/>
+                </a:solidFill>
+              </a:rPr>
+              <a:t>by MetaGene</a:t>
+            </a:r>
+          </a:p>
+        </p:txBody>
+      </p:sp>
       <p:cxnSp>
         <p:nvCxnSpPr>
-          <p:cNvPr id="8" name="Straight Arrow Connector 7">
-            <a:extLst>
-              <a:ext uri="{FF2B5EF4-FFF2-40B4-BE49-F238E27FC236}">
-                <a16:creationId xmlns:a16="http://schemas.microsoft.com/office/drawing/2014/main" id="{6BEB558F-FE77-4AF4-85B9-1016ADA65231}"/>
+          <p:cNvPr id="18" name="Straight Arrow Connector 17">
+            <a:extLst>
+              <a:ext uri="{FF2B5EF4-FFF2-40B4-BE49-F238E27FC236}">
+                <a16:creationId xmlns:a16="http://schemas.microsoft.com/office/drawing/2014/main" id="{9B73B8D2-DBAD-48B9-B3F0-B89CAEADB73D}"/>
               </a:ext>
             </a:extLst>
           </p:cNvPr>
@@ -6365,9 +7552,9 @@
           <p:nvPr/>
         </p:nvCxnSpPr>
         <p:spPr>
-          <a:xfrm flipH="1">
-            <a:off x="2993328" y="1524985"/>
-            <a:ext cx="414890" cy="936484"/>
+          <a:xfrm>
+            <a:off x="893428" y="935372"/>
+            <a:ext cx="855677" cy="390089"/>
           </a:xfrm>
           <a:prstGeom prst="straightConnector1">
             <a:avLst/>
@@ -6396,10 +7583,10 @@
       </p:cxnSp>
       <p:sp>
         <p:nvSpPr>
-          <p:cNvPr id="9" name="TextBox 8">
-            <a:extLst>
-              <a:ext uri="{FF2B5EF4-FFF2-40B4-BE49-F238E27FC236}">
-                <a16:creationId xmlns:a16="http://schemas.microsoft.com/office/drawing/2014/main" id="{6D12717C-AD56-4E66-9291-4FB334291053}"/>
+          <p:cNvPr id="20" name="TextBox 19">
+            <a:extLst>
+              <a:ext uri="{FF2B5EF4-FFF2-40B4-BE49-F238E27FC236}">
+                <a16:creationId xmlns:a16="http://schemas.microsoft.com/office/drawing/2014/main" id="{F07194E1-59BD-435D-AE15-F6738E7CC314}"/>
               </a:ext>
             </a:extLst>
           </p:cNvPr>
@@ -6408,8 +7595,8 @@
         </p:nvSpPr>
         <p:spPr>
           <a:xfrm>
-            <a:off x="2886515" y="636644"/>
-            <a:ext cx="2239669" cy="923330"/>
+            <a:off x="2252444" y="0"/>
+            <a:ext cx="4144162" cy="646331"/>
           </a:xfrm>
           <a:prstGeom prst="rect">
             <a:avLst/>
@@ -6428,7 +7615,7 @@
                   <a:srgbClr val="FF0000"/>
                 </a:solidFill>
               </a:rPr>
-              <a:t>tRNA genes</a:t>
+              <a:t>“All” shows which genes are identified by</a:t>
             </a:r>
           </a:p>
           <a:p>
@@ -6438,17 +7625,17 @@
                   <a:srgbClr val="FF0000"/>
                 </a:solidFill>
               </a:rPr>
-              <a:t>Identified by Aragorn in “TRNA” tab</a:t>
+              <a:t>all programs</a:t>
             </a:r>
           </a:p>
         </p:txBody>
       </p:sp>
       <p:cxnSp>
         <p:nvCxnSpPr>
-          <p:cNvPr id="19" name="Straight Arrow Connector 18">
-            <a:extLst>
-              <a:ext uri="{FF2B5EF4-FFF2-40B4-BE49-F238E27FC236}">
-                <a16:creationId xmlns:a16="http://schemas.microsoft.com/office/drawing/2014/main" id="{A8486E21-9906-4778-9676-202EA39AC57E}"/>
+          <p:cNvPr id="21" name="Straight Arrow Connector 20">
+            <a:extLst>
+              <a:ext uri="{FF2B5EF4-FFF2-40B4-BE49-F238E27FC236}">
+                <a16:creationId xmlns:a16="http://schemas.microsoft.com/office/drawing/2014/main" id="{CBA488AC-AC28-4F81-8E45-D4EB3CDB1B39}"/>
               </a:ext>
             </a:extLst>
           </p:cNvPr>
@@ -6458,9 +7645,9 @@
           <p:nvPr/>
         </p:nvCxnSpPr>
         <p:spPr>
-          <a:xfrm flipH="1" flipV="1">
-            <a:off x="2993328" y="3602183"/>
-            <a:ext cx="414890" cy="628073"/>
+          <a:xfrm>
+            <a:off x="2527286" y="644756"/>
+            <a:ext cx="0" cy="646497"/>
           </a:xfrm>
           <a:prstGeom prst="straightConnector1">
             <a:avLst/>
@@ -6489,10 +7676,10 @@
       </p:cxnSp>
       <p:sp>
         <p:nvSpPr>
-          <p:cNvPr id="20" name="TextBox 19">
-            <a:extLst>
-              <a:ext uri="{FF2B5EF4-FFF2-40B4-BE49-F238E27FC236}">
-                <a16:creationId xmlns:a16="http://schemas.microsoft.com/office/drawing/2014/main" id="{EC7465B7-42EB-4A91-9CD8-81BAE0F8DFB6}"/>
+          <p:cNvPr id="22" name="TextBox 21">
+            <a:extLst>
+              <a:ext uri="{FF2B5EF4-FFF2-40B4-BE49-F238E27FC236}">
+                <a16:creationId xmlns:a16="http://schemas.microsoft.com/office/drawing/2014/main" id="{8F4EA492-DDE2-4435-BA22-521F9D062294}"/>
               </a:ext>
             </a:extLst>
           </p:cNvPr>
@@ -6501,8 +7688,8 @@
         </p:nvSpPr>
         <p:spPr>
           <a:xfrm>
-            <a:off x="3408219" y="4280390"/>
-            <a:ext cx="2512291" cy="1200329"/>
+            <a:off x="-6992" y="4851614"/>
+            <a:ext cx="1457927" cy="1477328"/>
           </a:xfrm>
           <a:prstGeom prst="rect">
             <a:avLst/>
@@ -6521,15 +7708,103 @@
                   <a:srgbClr val="FF0000"/>
                 </a:solidFill>
               </a:rPr>
-              <a:t>Total calls is always 1 since Aragorn is the only program for identifying tRNA genes</a:t>
-            </a:r>
-          </a:p>
-        </p:txBody>
-      </p:sp>
+              <a:t>“One” shows which genes are identified by only one program</a:t>
+            </a:r>
+          </a:p>
+        </p:txBody>
+      </p:sp>
+      <p:cxnSp>
+        <p:nvCxnSpPr>
+          <p:cNvPr id="23" name="Straight Arrow Connector 22">
+            <a:extLst>
+              <a:ext uri="{FF2B5EF4-FFF2-40B4-BE49-F238E27FC236}">
+                <a16:creationId xmlns:a16="http://schemas.microsoft.com/office/drawing/2014/main" id="{20674118-75D8-4439-9298-56C7B2364F77}"/>
+              </a:ext>
+            </a:extLst>
+          </p:cNvPr>
+          <p:cNvCxnSpPr>
+            <a:cxnSpLocks/>
+          </p:cNvCxnSpPr>
+          <p:nvPr/>
+        </p:nvCxnSpPr>
+        <p:spPr>
+          <a:xfrm>
+            <a:off x="1346076" y="5108895"/>
+            <a:ext cx="1531348" cy="369116"/>
+          </a:xfrm>
+          <a:prstGeom prst="straightConnector1">
+            <a:avLst/>
+          </a:prstGeom>
+          <a:ln w="57150">
+            <a:solidFill>
+              <a:srgbClr val="FF0000"/>
+            </a:solidFill>
+            <a:tailEnd type="triangle"/>
+          </a:ln>
+        </p:spPr>
+        <p:style>
+          <a:lnRef idx="1">
+            <a:schemeClr val="accent1"/>
+          </a:lnRef>
+          <a:fillRef idx="0">
+            <a:schemeClr val="accent1"/>
+          </a:fillRef>
+          <a:effectRef idx="0">
+            <a:schemeClr val="accent1"/>
+          </a:effectRef>
+          <a:fontRef idx="minor">
+            <a:schemeClr val="tx1"/>
+          </a:fontRef>
+        </p:style>
+      </p:cxnSp>
+      <p:cxnSp>
+        <p:nvCxnSpPr>
+          <p:cNvPr id="26" name="Straight Arrow Connector 25">
+            <a:extLst>
+              <a:ext uri="{FF2B5EF4-FFF2-40B4-BE49-F238E27FC236}">
+                <a16:creationId xmlns:a16="http://schemas.microsoft.com/office/drawing/2014/main" id="{2558A729-4240-4227-A497-A13D56E1A85C}"/>
+              </a:ext>
+            </a:extLst>
+          </p:cNvPr>
+          <p:cNvCxnSpPr>
+            <a:cxnSpLocks/>
+          </p:cNvCxnSpPr>
+          <p:nvPr/>
+        </p:nvCxnSpPr>
+        <p:spPr>
+          <a:xfrm flipV="1">
+            <a:off x="1066799" y="5835639"/>
+            <a:ext cx="1810625" cy="190950"/>
+          </a:xfrm>
+          <a:prstGeom prst="straightConnector1">
+            <a:avLst/>
+          </a:prstGeom>
+          <a:ln w="57150">
+            <a:solidFill>
+              <a:srgbClr val="FF0000"/>
+            </a:solidFill>
+            <a:tailEnd type="triangle"/>
+          </a:ln>
+        </p:spPr>
+        <p:style>
+          <a:lnRef idx="1">
+            <a:schemeClr val="accent1"/>
+          </a:lnRef>
+          <a:fillRef idx="0">
+            <a:schemeClr val="accent1"/>
+          </a:fillRef>
+          <a:effectRef idx="0">
+            <a:schemeClr val="accent1"/>
+          </a:effectRef>
+          <a:fontRef idx="minor">
+            <a:schemeClr val="tx1"/>
+          </a:fontRef>
+        </p:style>
+      </p:cxnSp>
     </p:spTree>
     <p:extLst>
       <p:ext uri="{BB962C8B-B14F-4D97-AF65-F5344CB8AC3E}">
-        <p14:creationId xmlns:p14="http://schemas.microsoft.com/office/powerpoint/2010/main" val="273132360"/>
+        <p14:creationId xmlns:p14="http://schemas.microsoft.com/office/powerpoint/2010/main" val="3831704239"/>
       </p:ext>
     </p:extLst>
   </p:cSld>

--- a/Phage Commander User Guide.pptx
+++ b/Phage Commander User Guide.pptx
@@ -22,6 +22,7 @@
     <p:sldId id="582" r:id="rId16"/>
     <p:sldId id="595" r:id="rId17"/>
     <p:sldId id="596" r:id="rId18"/>
+    <p:sldId id="597" r:id="rId19"/>
   </p:sldIdLst>
   <p:sldSz cx="12192000" cy="6858000"/>
   <p:notesSz cx="6858000" cy="9144000"/>
@@ -259,7 +260,7 @@
           <a:p>
             <a:fld id="{8635D198-6D19-4E30-930F-4865024DAF26}" type="datetimeFigureOut">
               <a:rPr lang="en-US" smtClean="0"/>
-              <a:t>6/17/2021</a:t>
+              <a:t>8/24/2021</a:t>
             </a:fld>
             <a:endParaRPr lang="en-US"/>
           </a:p>
@@ -429,7 +430,7 @@
           <a:p>
             <a:fld id="{8635D198-6D19-4E30-930F-4865024DAF26}" type="datetimeFigureOut">
               <a:rPr lang="en-US" smtClean="0"/>
-              <a:t>6/17/2021</a:t>
+              <a:t>8/24/2021</a:t>
             </a:fld>
             <a:endParaRPr lang="en-US"/>
           </a:p>
@@ -609,7 +610,7 @@
           <a:p>
             <a:fld id="{8635D198-6D19-4E30-930F-4865024DAF26}" type="datetimeFigureOut">
               <a:rPr lang="en-US" smtClean="0"/>
-              <a:t>6/17/2021</a:t>
+              <a:t>8/24/2021</a:t>
             </a:fld>
             <a:endParaRPr lang="en-US"/>
           </a:p>
@@ -779,7 +780,7 @@
           <a:p>
             <a:fld id="{8635D198-6D19-4E30-930F-4865024DAF26}" type="datetimeFigureOut">
               <a:rPr lang="en-US" smtClean="0"/>
-              <a:t>6/17/2021</a:t>
+              <a:t>8/24/2021</a:t>
             </a:fld>
             <a:endParaRPr lang="en-US"/>
           </a:p>
@@ -1023,7 +1024,7 @@
           <a:p>
             <a:fld id="{8635D198-6D19-4E30-930F-4865024DAF26}" type="datetimeFigureOut">
               <a:rPr lang="en-US" smtClean="0"/>
-              <a:t>6/17/2021</a:t>
+              <a:t>8/24/2021</a:t>
             </a:fld>
             <a:endParaRPr lang="en-US"/>
           </a:p>
@@ -1255,7 +1256,7 @@
           <a:p>
             <a:fld id="{8635D198-6D19-4E30-930F-4865024DAF26}" type="datetimeFigureOut">
               <a:rPr lang="en-US" smtClean="0"/>
-              <a:t>6/17/2021</a:t>
+              <a:t>8/24/2021</a:t>
             </a:fld>
             <a:endParaRPr lang="en-US"/>
           </a:p>
@@ -1622,7 +1623,7 @@
           <a:p>
             <a:fld id="{8635D198-6D19-4E30-930F-4865024DAF26}" type="datetimeFigureOut">
               <a:rPr lang="en-US" smtClean="0"/>
-              <a:t>6/17/2021</a:t>
+              <a:t>8/24/2021</a:t>
             </a:fld>
             <a:endParaRPr lang="en-US"/>
           </a:p>
@@ -1740,7 +1741,7 @@
           <a:p>
             <a:fld id="{8635D198-6D19-4E30-930F-4865024DAF26}" type="datetimeFigureOut">
               <a:rPr lang="en-US" smtClean="0"/>
-              <a:t>6/17/2021</a:t>
+              <a:t>8/24/2021</a:t>
             </a:fld>
             <a:endParaRPr lang="en-US"/>
           </a:p>
@@ -1835,7 +1836,7 @@
           <a:p>
             <a:fld id="{8635D198-6D19-4E30-930F-4865024DAF26}" type="datetimeFigureOut">
               <a:rPr lang="en-US" smtClean="0"/>
-              <a:t>6/17/2021</a:t>
+              <a:t>8/24/2021</a:t>
             </a:fld>
             <a:endParaRPr lang="en-US"/>
           </a:p>
@@ -2112,7 +2113,7 @@
           <a:p>
             <a:fld id="{8635D198-6D19-4E30-930F-4865024DAF26}" type="datetimeFigureOut">
               <a:rPr lang="en-US" smtClean="0"/>
-              <a:t>6/17/2021</a:t>
+              <a:t>8/24/2021</a:t>
             </a:fld>
             <a:endParaRPr lang="en-US"/>
           </a:p>
@@ -2369,7 +2370,7 @@
           <a:p>
             <a:fld id="{8635D198-6D19-4E30-930F-4865024DAF26}" type="datetimeFigureOut">
               <a:rPr lang="en-US" smtClean="0"/>
-              <a:t>6/17/2021</a:t>
+              <a:t>8/24/2021</a:t>
             </a:fld>
             <a:endParaRPr lang="en-US"/>
           </a:p>
@@ -2582,7 +2583,7 @@
           <a:p>
             <a:fld id="{8635D198-6D19-4E30-930F-4865024DAF26}" type="datetimeFigureOut">
               <a:rPr lang="en-US" smtClean="0"/>
-              <a:t>6/17/2021</a:t>
+              <a:t>8/24/2021</a:t>
             </a:fld>
             <a:endParaRPr lang="en-US"/>
           </a:p>
@@ -3057,7 +3058,7 @@
             </a:r>
             <a:r>
               <a:rPr lang="en-US" sz="3000" dirty="0"/>
-              <a:t>is an application for identifying genes in phage genomes using multiple programs</a:t>
+              <a:t>is an application for identifying genes in phage genomes using multiple gene identification programs</a:t>
             </a:r>
           </a:p>
           <a:p>
@@ -3081,7 +3082,7 @@
             </a:r>
             <a:r>
               <a:rPr lang="en-US" sz="3000" dirty="0"/>
-              <a:t>, </a:t>
+              <a:t>, host-trained </a:t>
             </a:r>
             <a:r>
               <a:rPr lang="en-US" sz="3000" dirty="0" err="1"/>
@@ -3122,7 +3123,7 @@
           <a:p>
             <a:r>
               <a:rPr lang="en-US" sz="3000" dirty="0"/>
-              <a:t>Phage Commander’s output can be exported in Excel format (.xlsx) or NCBI GenBank format (.gb)</a:t>
+              <a:t>Phage Commander’s output can be exported in Excel format (.xlsx) or NCBI GenBank format (.gb) for upload to GenBank or further processing in DNA Master</a:t>
             </a:r>
           </a:p>
           <a:p>
@@ -3137,7 +3138,7 @@
               <a:rPr lang="en-US" sz="3000" dirty="0">
                 <a:hlinkClick r:id="rId2"/>
               </a:rPr>
-              <a:t>https://www.biorxiv.org/content/10.1101/2020.11.11.378802v1</a:t>
+              <a:t>https://www.liebertpub.com/doi/full/10.1089/phage.2020.0044</a:t>
             </a:r>
             <a:endParaRPr lang="en-US" sz="3000" dirty="0"/>
           </a:p>
@@ -3819,7 +3820,7 @@
           <a:p>
             <a:r>
               <a:rPr lang="en-US" b="1" dirty="0"/>
-              <a:t>Gene starts chosen by the majority of programs shown in black or white font</a:t>
+              <a:t>Gene starts chosen by the majority of programs shown in black (or white) font</a:t>
             </a:r>
             <a:endParaRPr lang="en-US" dirty="0"/>
           </a:p>
@@ -5465,7 +5466,7 @@
               <a:rPr lang="en-US" sz="2700" dirty="0">
                 <a:sym typeface="Wingdings" panose="05000000000000000000" pitchFamily="2" charset="2"/>
               </a:rPr>
-              <a:t>“At least” will export those genes identified by a number of programs greater than the threshold (e.g. genes identified by 2 or more programs. Use “0” as the threshold and this setting to export all genes identified)</a:t>
+              <a:t>“At least” will export those genes identified by a number of programs greater than the threshold (e.g. genes identified by 2 or more programs. Use “0” as the threshold will export all genes identified)</a:t>
             </a:r>
           </a:p>
           <a:p>
@@ -5578,15 +5579,7 @@
           <a:p>
             <a:r>
               <a:rPr lang="en-US" dirty="0"/>
-              <a:t>“Longest open reading frame” – for each gene, export the start that produces the longest possible reading </a:t>
-            </a:r>
-            <a:r>
-              <a:rPr lang="en-US" dirty="0" err="1"/>
-              <a:t>grame</a:t>
-            </a:r>
-            <a:r>
-              <a:rPr lang="en-US" dirty="0"/>
-              <a:t> (provided it is chosen by at least one program)</a:t>
+              <a:t>“Longest open reading frame” – for each gene, export the start that produces the longest possible reading frame (provided it is chosen by at least one program)</a:t>
             </a:r>
           </a:p>
           <a:p>
@@ -5604,6 +5597,136 @@
     <p:extLst>
       <p:ext uri="{BB962C8B-B14F-4D97-AF65-F5344CB8AC3E}">
         <p14:creationId xmlns:p14="http://schemas.microsoft.com/office/powerpoint/2010/main" val="641976126"/>
+      </p:ext>
+    </p:extLst>
+  </p:cSld>
+  <p:clrMapOvr>
+    <a:masterClrMapping/>
+  </p:clrMapOvr>
+</p:sld>
+</file>
+
+<file path=ppt/slides/slide18.xml><?xml version="1.0" encoding="utf-8"?>
+<p:sld xmlns:a="http://schemas.openxmlformats.org/drawingml/2006/main" xmlns:r="http://schemas.openxmlformats.org/officeDocument/2006/relationships" xmlns:p="http://schemas.openxmlformats.org/presentationml/2006/main">
+  <p:cSld>
+    <p:spTree>
+      <p:nvGrpSpPr>
+        <p:cNvPr id="1" name=""/>
+        <p:cNvGrpSpPr/>
+        <p:nvPr/>
+      </p:nvGrpSpPr>
+      <p:grpSpPr>
+        <a:xfrm>
+          <a:off x="0" y="0"/>
+          <a:ext cx="0" cy="0"/>
+          <a:chOff x="0" y="0"/>
+          <a:chExt cx="0" cy="0"/>
+        </a:xfrm>
+      </p:grpSpPr>
+      <p:sp>
+        <p:nvSpPr>
+          <p:cNvPr id="2" name="Title 1">
+            <a:extLst>
+              <a:ext uri="{FF2B5EF4-FFF2-40B4-BE49-F238E27FC236}">
+                <a16:creationId xmlns:a16="http://schemas.microsoft.com/office/drawing/2014/main" id="{520D329A-CCFA-4929-81BC-8BBAB25C5DA6}"/>
+              </a:ext>
+            </a:extLst>
+          </p:cNvPr>
+          <p:cNvSpPr>
+            <a:spLocks noGrp="1"/>
+          </p:cNvSpPr>
+          <p:nvPr>
+            <p:ph type="title"/>
+          </p:nvPr>
+        </p:nvSpPr>
+        <p:spPr/>
+        <p:txBody>
+          <a:bodyPr/>
+          <a:lstStyle/>
+          <a:p>
+            <a:pPr algn="ctr"/>
+            <a:r>
+              <a:rPr lang="en-US" dirty="0"/>
+              <a:t>Further Processing</a:t>
+            </a:r>
+          </a:p>
+        </p:txBody>
+      </p:sp>
+      <p:sp>
+        <p:nvSpPr>
+          <p:cNvPr id="3" name="Content Placeholder 2">
+            <a:extLst>
+              <a:ext uri="{FF2B5EF4-FFF2-40B4-BE49-F238E27FC236}">
+                <a16:creationId xmlns:a16="http://schemas.microsoft.com/office/drawing/2014/main" id="{E394193A-F253-4A22-92CF-204077CEF861}"/>
+              </a:ext>
+            </a:extLst>
+          </p:cNvPr>
+          <p:cNvSpPr>
+            <a:spLocks noGrp="1"/>
+          </p:cNvSpPr>
+          <p:nvPr>
+            <p:ph idx="1"/>
+          </p:nvPr>
+        </p:nvSpPr>
+        <p:spPr>
+          <a:xfrm>
+            <a:off x="838200" y="1825624"/>
+            <a:ext cx="10515600" cy="4482811"/>
+          </a:xfrm>
+        </p:spPr>
+        <p:txBody>
+          <a:bodyPr>
+            <a:normAutofit fontScale="92500" lnSpcReduction="10000"/>
+          </a:bodyPr>
+          <a:lstStyle/>
+          <a:p>
+            <a:r>
+              <a:rPr lang="en-US" dirty="0"/>
+              <a:t>The .gb file is properly formatted for direct upload to NCBI GenBank if that is desired</a:t>
+            </a:r>
+          </a:p>
+          <a:p>
+            <a:endParaRPr lang="en-US" dirty="0"/>
+          </a:p>
+          <a:p>
+            <a:r>
+              <a:rPr lang="en-US" dirty="0"/>
+              <a:t>Alternatively, if further processing of the results is desired (e.g. adding/removing genes, modifying gene starts, or assigning putative function), the .gb can be imported into DNA Master (</a:t>
+            </a:r>
+            <a:r>
+              <a:rPr lang="en-US" dirty="0">
+                <a:hlinkClick r:id="rId2"/>
+              </a:rPr>
+              <a:t>https://phagesdb.org/DNAMaster/</a:t>
+            </a:r>
+            <a:r>
+              <a:rPr lang="en-US" dirty="0"/>
+              <a:t>) for further processing </a:t>
+            </a:r>
+          </a:p>
+          <a:p>
+            <a:endParaRPr lang="en-US" dirty="0"/>
+          </a:p>
+          <a:p>
+            <a:r>
+              <a:rPr lang="en-US" dirty="0"/>
+              <a:t>In DNA Master, go to the “File” menu, select “Open”, and select “GenBank formatted file”. In the dialog that appears, navigate to the folder you stored your .gb file from Phage </a:t>
+            </a:r>
+            <a:r>
+              <a:rPr lang="en-US" dirty="0" err="1"/>
+              <a:t>Commaner</a:t>
+            </a:r>
+            <a:r>
+              <a:rPr lang="en-US" dirty="0"/>
+              <a:t> (make sure you select “GenBank Files (*.GB)”) and simply open it</a:t>
+            </a:r>
+          </a:p>
+        </p:txBody>
+      </p:sp>
+    </p:spTree>
+    <p:extLst>
+      <p:ext uri="{BB962C8B-B14F-4D97-AF65-F5344CB8AC3E}">
+        <p14:creationId xmlns:p14="http://schemas.microsoft.com/office/powerpoint/2010/main" val="4126551030"/>
       </p:ext>
     </p:extLst>
   </p:cSld>
@@ -6340,7 +6463,7 @@
           <a:p>
             <a:r>
               <a:rPr lang="en-US" dirty="0"/>
-              <a:t>Once you have clicked on the appropriate .exe executable, a blank Phage Commander window will appear</a:t>
+              <a:t>When you first run Phage Commander, a blank Phage Commander window will appear</a:t>
             </a:r>
           </a:p>
         </p:txBody>
@@ -6498,7 +6621,7 @@
           <a:p>
             <a:r>
               <a:rPr lang="en-US" sz="3000" dirty="0"/>
-              <a:t>A Select Gene Identification Tools window will open (see next slide). Select which tools you would like to use</a:t>
+              <a:t>The “Select Gene Identification Tools” dialog will open (see next slide). Select which tools you would like to use</a:t>
             </a:r>
           </a:p>
           <a:p>
@@ -6541,7 +6664,7 @@
             <a:pPr lvl="1"/>
             <a:r>
               <a:rPr lang="en-US" sz="3000" dirty="0"/>
-              <a:t>If using </a:t>
+              <a:t>If using host-trained </a:t>
             </a:r>
             <a:r>
               <a:rPr lang="en-US" sz="3000" b="1" dirty="0"/>
@@ -7595,8 +7718,8 @@
         </p:nvSpPr>
         <p:spPr>
           <a:xfrm>
-            <a:off x="2252444" y="0"/>
-            <a:ext cx="4144162" cy="646331"/>
+            <a:off x="2252443" y="0"/>
+            <a:ext cx="4924212" cy="646331"/>
           </a:xfrm>
           <a:prstGeom prst="rect">
             <a:avLst/>
@@ -7615,7 +7738,7 @@
                   <a:srgbClr val="FF0000"/>
                 </a:solidFill>
               </a:rPr>
-              <a:t>“All” shows which genes are identified by</a:t>
+              <a:t>“All” column shows which genes are identified by</a:t>
             </a:r>
           </a:p>
           <a:p>
@@ -7625,7 +7748,7 @@
                   <a:srgbClr val="FF0000"/>
                 </a:solidFill>
               </a:rPr>
-              <a:t>all programs</a:t>
+              <a:t>all programs used</a:t>
             </a:r>
           </a:p>
         </p:txBody>
@@ -7689,7 +7812,7 @@
         <p:spPr>
           <a:xfrm>
             <a:off x="-6992" y="4851614"/>
-            <a:ext cx="1457927" cy="1477328"/>
+            <a:ext cx="1548241" cy="1754326"/>
           </a:xfrm>
           <a:prstGeom prst="rect">
             <a:avLst/>
@@ -7708,7 +7831,7 @@
                   <a:srgbClr val="FF0000"/>
                 </a:solidFill>
               </a:rPr>
-              <a:t>“One” shows which genes are identified by only one program</a:t>
+              <a:t>“One” column shows which genes are identified by only one program</a:t>
             </a:r>
           </a:p>
         </p:txBody>
@@ -7729,8 +7852,8 @@
         </p:nvCxnSpPr>
         <p:spPr>
           <a:xfrm>
-            <a:off x="1346076" y="5108895"/>
-            <a:ext cx="1531348" cy="369116"/>
+            <a:off x="1346076" y="5154953"/>
+            <a:ext cx="1531348" cy="323058"/>
           </a:xfrm>
           <a:prstGeom prst="straightConnector1">
             <a:avLst/>
@@ -7773,8 +7896,8 @@
         </p:nvCxnSpPr>
         <p:spPr>
           <a:xfrm flipV="1">
-            <a:off x="1066799" y="5835639"/>
-            <a:ext cx="1810625" cy="190950"/>
+            <a:off x="1020933" y="5835639"/>
+            <a:ext cx="1856491" cy="297306"/>
           </a:xfrm>
           <a:prstGeom prst="straightConnector1">
             <a:avLst/>
